--- a/slides/Exercises.pptx
+++ b/slides/Exercises.pptx
@@ -9,11 +9,12 @@
     <p:sldId id="258" r:id="rId3"/>
     <p:sldId id="261" r:id="rId4"/>
     <p:sldId id="265" r:id="rId5"/>
-    <p:sldId id="260" r:id="rId6"/>
-    <p:sldId id="266" r:id="rId7"/>
-    <p:sldId id="262" r:id="rId8"/>
-    <p:sldId id="264" r:id="rId9"/>
-    <p:sldId id="263" r:id="rId10"/>
+    <p:sldId id="267" r:id="rId6"/>
+    <p:sldId id="260" r:id="rId7"/>
+    <p:sldId id="266" r:id="rId8"/>
+    <p:sldId id="262" r:id="rId9"/>
+    <p:sldId id="264" r:id="rId10"/>
+    <p:sldId id="263" r:id="rId11"/>
   </p:sldIdLst>
   <p:sldSz cx="9144000" cy="6858000" type="screen4x3"/>
   <p:notesSz cx="6858000" cy="9144000"/>
@@ -6488,6 +6489,338 @@
 </p:sld>
 </file>
 
+<file path=ppt/slides/slide10.xml><?xml version="1.0" encoding="utf-8"?>
+<p:sld xmlns:a="http://schemas.openxmlformats.org/drawingml/2006/main" xmlns:r="http://schemas.openxmlformats.org/officeDocument/2006/relationships" xmlns:p="http://schemas.openxmlformats.org/presentationml/2006/main">
+  <p:cSld>
+    <p:spTree>
+      <p:nvGrpSpPr>
+        <p:cNvPr id="1" name=""/>
+        <p:cNvGrpSpPr/>
+        <p:nvPr/>
+      </p:nvGrpSpPr>
+      <p:grpSpPr>
+        <a:xfrm>
+          <a:off x="0" y="0"/>
+          <a:ext cx="0" cy="0"/>
+          <a:chOff x="0" y="0"/>
+          <a:chExt cx="0" cy="0"/>
+        </a:xfrm>
+      </p:grpSpPr>
+      <p:sp>
+        <p:nvSpPr>
+          <p:cNvPr id="2" name="Title 1"/>
+          <p:cNvSpPr>
+            <a:spLocks noGrp="1"/>
+          </p:cNvSpPr>
+          <p:nvPr>
+            <p:ph type="title"/>
+          </p:nvPr>
+        </p:nvSpPr>
+        <p:spPr>
+          <a:xfrm>
+            <a:off x="476545" y="14790"/>
+            <a:ext cx="8229600" cy="893930"/>
+          </a:xfrm>
+        </p:spPr>
+        <p:txBody>
+          <a:bodyPr/>
+          <a:lstStyle/>
+          <a:p>
+            <a:r>
+              <a:rPr lang="en-US" dirty="0" smtClean="0"/>
+              <a:t>Exercise #3: Procedure</a:t>
+            </a:r>
+            <a:endParaRPr lang="en-US" dirty="0"/>
+          </a:p>
+        </p:txBody>
+      </p:sp>
+      <p:sp>
+        <p:nvSpPr>
+          <p:cNvPr id="3" name="Content Placeholder 2"/>
+          <p:cNvSpPr>
+            <a:spLocks noGrp="1"/>
+          </p:cNvSpPr>
+          <p:nvPr>
+            <p:ph idx="1"/>
+          </p:nvPr>
+        </p:nvSpPr>
+        <p:spPr>
+          <a:xfrm>
+            <a:off x="431540" y="953725"/>
+            <a:ext cx="8460940" cy="5490610"/>
+          </a:xfrm>
+        </p:spPr>
+        <p:txBody>
+          <a:bodyPr>
+            <a:normAutofit fontScale="55000" lnSpcReduction="20000"/>
+          </a:bodyPr>
+          <a:lstStyle/>
+          <a:p>
+            <a:r>
+              <a:rPr lang="en-US" dirty="0" err="1" smtClean="0"/>
+              <a:t>Diagramatically</a:t>
+            </a:r>
+            <a:r>
+              <a:rPr lang="en-US" dirty="0" smtClean="0"/>
+              <a:t>…</a:t>
+            </a:r>
+          </a:p>
+          <a:p>
+            <a:pPr lvl="1"/>
+            <a:r>
+              <a:rPr lang="en-US" dirty="0" smtClean="0"/>
+              <a:t>First, decide what type of service you want to offer..  </a:t>
+            </a:r>
+          </a:p>
+          <a:p>
+            <a:pPr lvl="2"/>
+            <a:r>
+              <a:rPr lang="en-US" dirty="0" smtClean="0"/>
+              <a:t>suggest an </a:t>
+            </a:r>
+            <a:r>
+              <a:rPr lang="en-US" dirty="0" err="1" smtClean="0"/>
+              <a:t>ethernet</a:t>
+            </a:r>
+            <a:r>
+              <a:rPr lang="en-US" dirty="0" smtClean="0"/>
+              <a:t> transport service: “</a:t>
+            </a:r>
+            <a:r>
+              <a:rPr lang="en-US" dirty="0" err="1" smtClean="0"/>
+              <a:t>ets</a:t>
+            </a:r>
+            <a:r>
+              <a:rPr lang="en-US" dirty="0" smtClean="0"/>
+              <a:t>” </a:t>
+            </a:r>
+          </a:p>
+          <a:p>
+            <a:pPr lvl="1"/>
+            <a:r>
+              <a:rPr lang="en-US" dirty="0"/>
+              <a:t>C</a:t>
+            </a:r>
+            <a:r>
+              <a:rPr lang="en-US" dirty="0" smtClean="0"/>
+              <a:t>hoose a name for the network service – e.g. “aloha”,”</a:t>
+            </a:r>
+            <a:r>
+              <a:rPr lang="en-US" dirty="0" err="1" smtClean="0"/>
+              <a:t>maui</a:t>
+            </a:r>
+            <a:r>
+              <a:rPr lang="en-US" dirty="0" smtClean="0"/>
+              <a:t>”, … </a:t>
+            </a:r>
+          </a:p>
+          <a:p>
+            <a:pPr lvl="2"/>
+            <a:r>
+              <a:rPr lang="en-US" dirty="0" smtClean="0"/>
+              <a:t>Suggest a name that will fit your registered DNS domain </a:t>
+            </a:r>
+            <a:r>
+              <a:rPr lang="en-US" dirty="0" err="1" smtClean="0"/>
+              <a:t>stucture</a:t>
+            </a:r>
+            <a:r>
+              <a:rPr lang="en-US" dirty="0" smtClean="0"/>
+              <a:t> </a:t>
+            </a:r>
+            <a:r>
+              <a:rPr lang="en-US" dirty="0"/>
+              <a:t> </a:t>
+            </a:r>
+            <a:endParaRPr lang="en-US" dirty="0" smtClean="0"/>
+          </a:p>
+          <a:p>
+            <a:pPr lvl="2"/>
+            <a:r>
+              <a:rPr lang="en-US" dirty="0" smtClean="0"/>
+              <a:t>Make </a:t>
+            </a:r>
+            <a:r>
+              <a:rPr lang="en-US" dirty="0"/>
+              <a:t>sure your network name is globally unique … and/or</a:t>
+            </a:r>
+          </a:p>
+          <a:p>
+            <a:pPr lvl="2"/>
+            <a:r>
+              <a:rPr lang="en-US" dirty="0"/>
+              <a:t>Work out your local URN structure for naming </a:t>
+            </a:r>
+            <a:r>
+              <a:rPr lang="en-US" dirty="0" smtClean="0"/>
+              <a:t>NSI topological objects</a:t>
+            </a:r>
+          </a:p>
+          <a:p>
+            <a:pPr lvl="1"/>
+            <a:r>
+              <a:rPr lang="en-US" dirty="0" smtClean="0"/>
+              <a:t>Define the </a:t>
+            </a:r>
+            <a:r>
+              <a:rPr lang="en-US" dirty="0" err="1" smtClean="0"/>
+              <a:t>csProviderEndpoint</a:t>
+            </a:r>
+            <a:r>
+              <a:rPr lang="en-US" dirty="0" smtClean="0"/>
+              <a:t> that will be the PA</a:t>
+            </a:r>
+          </a:p>
+          <a:p>
+            <a:pPr marL="914400" lvl="2" indent="0">
+              <a:buNone/>
+            </a:pPr>
+            <a:endParaRPr lang="en-US" dirty="0" smtClean="0"/>
+          </a:p>
+          <a:p>
+            <a:pPr lvl="1"/>
+            <a:r>
+              <a:rPr lang="en-US" dirty="0" smtClean="0"/>
+              <a:t>Decide who your external adjacent networks will be: </a:t>
+            </a:r>
+            <a:r>
+              <a:rPr lang="en-US" dirty="0" err="1" smtClean="0"/>
+              <a:t>aruba</a:t>
+            </a:r>
+            <a:r>
+              <a:rPr lang="en-US" dirty="0" smtClean="0"/>
+              <a:t>? Bonaire?... </a:t>
+            </a:r>
+          </a:p>
+          <a:p>
+            <a:pPr lvl="1"/>
+            <a:r>
+              <a:rPr lang="en-US" dirty="0" smtClean="0"/>
+              <a:t>Name the STPs you will use in the SDPs with each network</a:t>
+            </a:r>
+          </a:p>
+          <a:p>
+            <a:pPr lvl="1"/>
+            <a:r>
+              <a:rPr lang="en-US" dirty="0" smtClean="0"/>
+              <a:t>Coordinate with the peer network to define the interface characteristics of the SDPs</a:t>
+            </a:r>
+          </a:p>
+          <a:p>
+            <a:pPr lvl="1"/>
+            <a:r>
+              <a:rPr lang="en-US" dirty="0"/>
+              <a:t>Define the </a:t>
+            </a:r>
+            <a:r>
+              <a:rPr lang="en-US" dirty="0" smtClean="0"/>
+              <a:t>internal </a:t>
+            </a:r>
+            <a:r>
+              <a:rPr lang="en-US" dirty="0"/>
+              <a:t>n-tuple infrastructure </a:t>
+            </a:r>
+            <a:r>
+              <a:rPr lang="en-US" dirty="0" smtClean="0"/>
+              <a:t>map for STPs in the SDPs</a:t>
+            </a:r>
+          </a:p>
+          <a:p>
+            <a:pPr lvl="1"/>
+            <a:r>
+              <a:rPr lang="en-US" dirty="0" smtClean="0"/>
+              <a:t>Define the NML mapping</a:t>
+            </a:r>
+          </a:p>
+          <a:p>
+            <a:pPr lvl="1"/>
+            <a:endParaRPr lang="en-US" dirty="0"/>
+          </a:p>
+          <a:p>
+            <a:pPr lvl="1"/>
+            <a:r>
+              <a:rPr lang="en-US" dirty="0" smtClean="0"/>
+              <a:t>Decide who/where your local client end systems will be</a:t>
+            </a:r>
+          </a:p>
+          <a:p>
+            <a:pPr lvl="1"/>
+            <a:r>
+              <a:rPr lang="en-US" dirty="0" smtClean="0"/>
+              <a:t>Decide for each end system how many terminals you will provide </a:t>
+            </a:r>
+          </a:p>
+          <a:p>
+            <a:pPr lvl="2"/>
+            <a:r>
+              <a:rPr lang="en-US" dirty="0" smtClean="0"/>
+              <a:t>This will be a function of your service capabilities and your local policy</a:t>
+            </a:r>
+          </a:p>
+          <a:p>
+            <a:pPr lvl="2"/>
+            <a:r>
+              <a:rPr lang="en-US" dirty="0" smtClean="0"/>
+              <a:t>“</a:t>
+            </a:r>
+            <a:r>
+              <a:rPr lang="en-US" dirty="0" err="1" smtClean="0"/>
+              <a:t>ets</a:t>
+            </a:r>
+            <a:r>
+              <a:rPr lang="en-US" dirty="0" smtClean="0"/>
+              <a:t>” typically provides four terminals per test site, but can define as many as you like</a:t>
+            </a:r>
+          </a:p>
+          <a:p>
+            <a:pPr lvl="1"/>
+            <a:r>
+              <a:rPr lang="en-US" dirty="0" smtClean="0"/>
+              <a:t>Name these STPs</a:t>
+            </a:r>
+          </a:p>
+          <a:p>
+            <a:pPr lvl="1"/>
+            <a:r>
+              <a:rPr lang="en-US" dirty="0" smtClean="0"/>
+              <a:t>Define the specific n-tuple infrastructure map </a:t>
+            </a:r>
+          </a:p>
+          <a:p>
+            <a:pPr lvl="1"/>
+            <a:r>
+              <a:rPr lang="en-US" dirty="0" smtClean="0"/>
+              <a:t>Define the NML mapping</a:t>
+            </a:r>
+          </a:p>
+          <a:p>
+            <a:pPr marL="457200" lvl="1" indent="0">
+              <a:buNone/>
+            </a:pPr>
+            <a:endParaRPr lang="en-US" dirty="0"/>
+          </a:p>
+        </p:txBody>
+      </p:sp>
+    </p:spTree>
+    <p:extLst>
+      <p:ext uri="{BB962C8B-B14F-4D97-AF65-F5344CB8AC3E}">
+        <p14:creationId xmlns:p14="http://schemas.microsoft.com/office/powerpoint/2010/main" val="813031641"/>
+      </p:ext>
+    </p:extLst>
+  </p:cSld>
+  <p:clrMapOvr>
+    <a:masterClrMapping/>
+  </p:clrMapOvr>
+  <p:timing>
+    <p:tnLst>
+      <p:par>
+        <p:cTn xmlns:p14="http://schemas.microsoft.com/office/powerpoint/2010/main" id="1" dur="indefinite" restart="never" nodeType="tmRoot"/>
+      </p:par>
+    </p:tnLst>
+  </p:timing>
+</p:sld>
+</file>
+
 <file path=ppt/slides/slide2.xml><?xml version="1.0" encoding="utf-8"?>
 <p:sld xmlns:a="http://schemas.openxmlformats.org/drawingml/2006/main" xmlns:r="http://schemas.openxmlformats.org/officeDocument/2006/relationships" xmlns:p="http://schemas.openxmlformats.org/presentationml/2006/main">
   <p:cSld>
@@ -9236,7 +9569,7 @@
         <p:spPr>
           <a:xfrm>
             <a:off x="1916705" y="5184195"/>
-            <a:ext cx="1499216" cy="369332"/>
+            <a:ext cx="1616210" cy="369332"/>
           </a:xfrm>
           <a:prstGeom prst="rect">
             <a:avLst/>
@@ -9251,11 +9584,15 @@
           <a:p>
             <a:r>
               <a:rPr lang="en-US" dirty="0" smtClean="0"/>
-              <a:t>port4-</a:t>
+              <a:t>port17-</a:t>
             </a:r>
             <a:r>
               <a:rPr lang="en-US" dirty="0" smtClean="0"/>
-              <a:t>[80..82]</a:t>
+              <a:t>[80..</a:t>
+            </a:r>
+            <a:r>
+              <a:rPr lang="en-US" dirty="0" smtClean="0"/>
+              <a:t>83]</a:t>
             </a:r>
             <a:endParaRPr lang="en-US" dirty="0"/>
           </a:p>
@@ -10807,11 +11144,19 @@
           <a:p>
             <a:r>
               <a:rPr lang="en-US" dirty="0" smtClean="0"/>
-              <a:t>port20-</a:t>
+              <a:t>port18-</a:t>
             </a:r>
             <a:r>
               <a:rPr lang="en-US" dirty="0" smtClean="0"/>
-              <a:t>[81..83]</a:t>
+              <a:t>[</a:t>
+            </a:r>
+            <a:r>
+              <a:rPr lang="en-US" dirty="0" smtClean="0"/>
+              <a:t>80.</a:t>
+            </a:r>
+            <a:r>
+              <a:rPr lang="en-US" dirty="0" smtClean="0"/>
+              <a:t>.83]</a:t>
             </a:r>
             <a:endParaRPr lang="en-US" dirty="0"/>
           </a:p>
@@ -12183,6 +12528,6625 @@
       </p:grpSpPr>
       <p:sp>
         <p:nvSpPr>
+          <p:cNvPr id="48" name="Oval 47"/>
+          <p:cNvSpPr/>
+          <p:nvPr/>
+        </p:nvSpPr>
+        <p:spPr>
+          <a:xfrm>
+            <a:off x="8055271" y="4053369"/>
+            <a:ext cx="376865" cy="362243"/>
+          </a:xfrm>
+          <a:prstGeom prst="ellipse">
+            <a:avLst/>
+          </a:prstGeom>
+          <a:solidFill>
+            <a:srgbClr val="FF0000"/>
+          </a:solidFill>
+          <a:ln w="12700" cap="flat" cmpd="sng" algn="ctr">
+            <a:solidFill>
+              <a:schemeClr val="tx1"/>
+            </a:solidFill>
+            <a:prstDash val="solid"/>
+            <a:round/>
+            <a:headEnd type="none" w="med" len="med"/>
+            <a:tailEnd type="none" w="med" len="med"/>
+          </a:ln>
+          <a:effectLst/>
+        </p:spPr>
+        <p:style>
+          <a:lnRef idx="1">
+            <a:schemeClr val="accent1"/>
+          </a:lnRef>
+          <a:fillRef idx="3">
+            <a:schemeClr val="accent1"/>
+          </a:fillRef>
+          <a:effectRef idx="2">
+            <a:schemeClr val="accent1"/>
+          </a:effectRef>
+          <a:fontRef idx="minor">
+            <a:schemeClr val="lt1"/>
+          </a:fontRef>
+        </p:style>
+        <p:txBody>
+          <a:bodyPr rtlCol="0" anchor="ctr"/>
+          <a:lstStyle/>
+          <a:p>
+            <a:pPr algn="ctr"/>
+            <a:endParaRPr lang="en-US"/>
+          </a:p>
+        </p:txBody>
+      </p:sp>
+      <p:sp>
+        <p:nvSpPr>
+          <p:cNvPr id="49" name="Oval 48"/>
+          <p:cNvSpPr/>
+          <p:nvPr/>
+        </p:nvSpPr>
+        <p:spPr>
+          <a:xfrm>
+            <a:off x="7001254" y="4053369"/>
+            <a:ext cx="376865" cy="362243"/>
+          </a:xfrm>
+          <a:prstGeom prst="ellipse">
+            <a:avLst/>
+          </a:prstGeom>
+          <a:solidFill>
+            <a:srgbClr val="FF0000"/>
+          </a:solidFill>
+          <a:ln w="12700" cap="flat" cmpd="sng" algn="ctr">
+            <a:solidFill>
+              <a:schemeClr val="tx1"/>
+            </a:solidFill>
+            <a:prstDash val="solid"/>
+            <a:round/>
+            <a:headEnd type="none" w="med" len="med"/>
+            <a:tailEnd type="none" w="med" len="med"/>
+          </a:ln>
+          <a:effectLst/>
+        </p:spPr>
+        <p:style>
+          <a:lnRef idx="1">
+            <a:schemeClr val="accent1"/>
+          </a:lnRef>
+          <a:fillRef idx="3">
+            <a:schemeClr val="accent1"/>
+          </a:fillRef>
+          <a:effectRef idx="2">
+            <a:schemeClr val="accent1"/>
+          </a:effectRef>
+          <a:fontRef idx="minor">
+            <a:schemeClr val="lt1"/>
+          </a:fontRef>
+        </p:style>
+        <p:txBody>
+          <a:bodyPr rtlCol="0" anchor="ctr"/>
+          <a:lstStyle/>
+          <a:p>
+            <a:pPr algn="ctr"/>
+            <a:endParaRPr lang="en-US"/>
+          </a:p>
+        </p:txBody>
+      </p:sp>
+      <p:sp>
+        <p:nvSpPr>
+          <p:cNvPr id="2" name="Title 1"/>
+          <p:cNvSpPr>
+            <a:spLocks noGrp="1"/>
+          </p:cNvSpPr>
+          <p:nvPr>
+            <p:ph type="title"/>
+          </p:nvPr>
+        </p:nvSpPr>
+        <p:spPr>
+          <a:xfrm>
+            <a:off x="457200" y="338328"/>
+            <a:ext cx="8229600" cy="955958"/>
+          </a:xfrm>
+        </p:spPr>
+        <p:txBody>
+          <a:bodyPr/>
+          <a:lstStyle/>
+          <a:p>
+            <a:r>
+              <a:rPr lang="en-US" dirty="0" smtClean="0"/>
+              <a:t>NSI: A Basic Overview:</a:t>
+            </a:r>
+            <a:endParaRPr lang="en-US" dirty="0"/>
+          </a:p>
+        </p:txBody>
+      </p:sp>
+      <p:grpSp>
+        <p:nvGrpSpPr>
+          <p:cNvPr id="12" name="Group 11"/>
+          <p:cNvGrpSpPr/>
+          <p:nvPr/>
+        </p:nvGrpSpPr>
+        <p:grpSpPr>
+          <a:xfrm>
+            <a:off x="6654780" y="4732830"/>
+            <a:ext cx="1071536" cy="563217"/>
+            <a:chOff x="6659917" y="5069740"/>
+            <a:chExt cx="1413243" cy="669075"/>
+          </a:xfrm>
+        </p:grpSpPr>
+        <p:sp>
+          <p:nvSpPr>
+            <p:cNvPr id="13" name="Oval 12"/>
+            <p:cNvSpPr/>
+            <p:nvPr/>
+          </p:nvSpPr>
+          <p:spPr>
+            <a:xfrm>
+              <a:off x="6659917" y="5158351"/>
+              <a:ext cx="1413243" cy="438399"/>
+            </a:xfrm>
+            <a:prstGeom prst="ellipse">
+              <a:avLst/>
+            </a:prstGeom>
+            <a:solidFill>
+              <a:srgbClr val="A6A6A6"/>
+            </a:solidFill>
+            <a:ln>
+              <a:noFill/>
+            </a:ln>
+            <a:effectLst/>
+          </p:spPr>
+          <p:style>
+            <a:lnRef idx="1">
+              <a:schemeClr val="accent1"/>
+            </a:lnRef>
+            <a:fillRef idx="3">
+              <a:schemeClr val="accent1"/>
+            </a:fillRef>
+            <a:effectRef idx="2">
+              <a:schemeClr val="accent1"/>
+            </a:effectRef>
+            <a:fontRef idx="minor">
+              <a:schemeClr val="lt1"/>
+            </a:fontRef>
+          </p:style>
+          <p:txBody>
+            <a:bodyPr rtlCol="0" anchor="ctr"/>
+            <a:lstStyle/>
+            <a:p>
+              <a:pPr algn="ctr"/>
+              <a:endParaRPr lang="en-US"/>
+            </a:p>
+          </p:txBody>
+        </p:sp>
+        <p:sp>
+          <p:nvSpPr>
+            <p:cNvPr id="14" name="Oval 13"/>
+            <p:cNvSpPr/>
+            <p:nvPr/>
+          </p:nvSpPr>
+          <p:spPr>
+            <a:xfrm>
+              <a:off x="6853592" y="5069740"/>
+              <a:ext cx="665056" cy="669075"/>
+            </a:xfrm>
+            <a:prstGeom prst="ellipse">
+              <a:avLst/>
+            </a:prstGeom>
+            <a:solidFill>
+              <a:srgbClr val="A6A6A6"/>
+            </a:solidFill>
+            <a:ln>
+              <a:noFill/>
+            </a:ln>
+            <a:effectLst/>
+          </p:spPr>
+          <p:style>
+            <a:lnRef idx="1">
+              <a:schemeClr val="accent1"/>
+            </a:lnRef>
+            <a:fillRef idx="3">
+              <a:schemeClr val="accent1"/>
+            </a:fillRef>
+            <a:effectRef idx="2">
+              <a:schemeClr val="accent1"/>
+            </a:effectRef>
+            <a:fontRef idx="minor">
+              <a:schemeClr val="lt1"/>
+            </a:fontRef>
+          </p:style>
+          <p:txBody>
+            <a:bodyPr rtlCol="0" anchor="ctr"/>
+            <a:lstStyle/>
+            <a:p>
+              <a:pPr algn="ctr"/>
+              <a:endParaRPr lang="en-US"/>
+            </a:p>
+          </p:txBody>
+        </p:sp>
+        <p:sp>
+          <p:nvSpPr>
+            <p:cNvPr id="15" name="Oval 14"/>
+            <p:cNvSpPr/>
+            <p:nvPr/>
+          </p:nvSpPr>
+          <p:spPr>
+            <a:xfrm>
+              <a:off x="7269252" y="5069740"/>
+              <a:ext cx="665056" cy="669075"/>
+            </a:xfrm>
+            <a:prstGeom prst="ellipse">
+              <a:avLst/>
+            </a:prstGeom>
+            <a:solidFill>
+              <a:srgbClr val="A6A6A6"/>
+            </a:solidFill>
+            <a:ln w="0">
+              <a:noFill/>
+            </a:ln>
+            <a:effectLst/>
+          </p:spPr>
+          <p:style>
+            <a:lnRef idx="1">
+              <a:schemeClr val="accent1"/>
+            </a:lnRef>
+            <a:fillRef idx="3">
+              <a:schemeClr val="accent1"/>
+            </a:fillRef>
+            <a:effectRef idx="2">
+              <a:schemeClr val="accent1"/>
+            </a:effectRef>
+            <a:fontRef idx="minor">
+              <a:schemeClr val="lt1"/>
+            </a:fontRef>
+          </p:style>
+          <p:txBody>
+            <a:bodyPr rtlCol="0" anchor="ctr"/>
+            <a:lstStyle/>
+            <a:p>
+              <a:pPr algn="ctr"/>
+              <a:endParaRPr lang="en-US"/>
+            </a:p>
+          </p:txBody>
+        </p:sp>
+      </p:grpSp>
+      <p:grpSp>
+        <p:nvGrpSpPr>
+          <p:cNvPr id="16" name="Group 15"/>
+          <p:cNvGrpSpPr/>
+          <p:nvPr/>
+        </p:nvGrpSpPr>
+        <p:grpSpPr>
+          <a:xfrm>
+            <a:off x="7719993" y="4732830"/>
+            <a:ext cx="1071536" cy="563217"/>
+            <a:chOff x="6659917" y="5069740"/>
+            <a:chExt cx="1413243" cy="669075"/>
+          </a:xfrm>
+        </p:grpSpPr>
+        <p:sp>
+          <p:nvSpPr>
+            <p:cNvPr id="17" name="Oval 16"/>
+            <p:cNvSpPr/>
+            <p:nvPr/>
+          </p:nvSpPr>
+          <p:spPr>
+            <a:xfrm>
+              <a:off x="6659917" y="5158351"/>
+              <a:ext cx="1413243" cy="438399"/>
+            </a:xfrm>
+            <a:prstGeom prst="ellipse">
+              <a:avLst/>
+            </a:prstGeom>
+            <a:solidFill>
+              <a:srgbClr val="A6A6A6"/>
+            </a:solidFill>
+            <a:ln>
+              <a:noFill/>
+            </a:ln>
+            <a:effectLst/>
+          </p:spPr>
+          <p:style>
+            <a:lnRef idx="1">
+              <a:schemeClr val="accent1"/>
+            </a:lnRef>
+            <a:fillRef idx="3">
+              <a:schemeClr val="accent1"/>
+            </a:fillRef>
+            <a:effectRef idx="2">
+              <a:schemeClr val="accent1"/>
+            </a:effectRef>
+            <a:fontRef idx="minor">
+              <a:schemeClr val="lt1"/>
+            </a:fontRef>
+          </p:style>
+          <p:txBody>
+            <a:bodyPr rtlCol="0" anchor="ctr"/>
+            <a:lstStyle/>
+            <a:p>
+              <a:pPr algn="ctr"/>
+              <a:endParaRPr lang="en-US"/>
+            </a:p>
+          </p:txBody>
+        </p:sp>
+        <p:sp>
+          <p:nvSpPr>
+            <p:cNvPr id="18" name="Oval 17"/>
+            <p:cNvSpPr/>
+            <p:nvPr/>
+          </p:nvSpPr>
+          <p:spPr>
+            <a:xfrm>
+              <a:off x="6853592" y="5069740"/>
+              <a:ext cx="665056" cy="669075"/>
+            </a:xfrm>
+            <a:prstGeom prst="ellipse">
+              <a:avLst/>
+            </a:prstGeom>
+            <a:solidFill>
+              <a:srgbClr val="A6A6A6"/>
+            </a:solidFill>
+            <a:ln>
+              <a:noFill/>
+            </a:ln>
+            <a:effectLst/>
+          </p:spPr>
+          <p:style>
+            <a:lnRef idx="1">
+              <a:schemeClr val="accent1"/>
+            </a:lnRef>
+            <a:fillRef idx="3">
+              <a:schemeClr val="accent1"/>
+            </a:fillRef>
+            <a:effectRef idx="2">
+              <a:schemeClr val="accent1"/>
+            </a:effectRef>
+            <a:fontRef idx="minor">
+              <a:schemeClr val="lt1"/>
+            </a:fontRef>
+          </p:style>
+          <p:txBody>
+            <a:bodyPr rtlCol="0" anchor="ctr"/>
+            <a:lstStyle/>
+            <a:p>
+              <a:pPr algn="ctr"/>
+              <a:endParaRPr lang="en-US"/>
+            </a:p>
+          </p:txBody>
+        </p:sp>
+        <p:sp>
+          <p:nvSpPr>
+            <p:cNvPr id="19" name="Oval 18"/>
+            <p:cNvSpPr/>
+            <p:nvPr/>
+          </p:nvSpPr>
+          <p:spPr>
+            <a:xfrm>
+              <a:off x="7269252" y="5069740"/>
+              <a:ext cx="665056" cy="669075"/>
+            </a:xfrm>
+            <a:prstGeom prst="ellipse">
+              <a:avLst/>
+            </a:prstGeom>
+            <a:solidFill>
+              <a:srgbClr val="A6A6A6"/>
+            </a:solidFill>
+            <a:ln w="0">
+              <a:noFill/>
+            </a:ln>
+            <a:effectLst/>
+          </p:spPr>
+          <p:style>
+            <a:lnRef idx="1">
+              <a:schemeClr val="accent1"/>
+            </a:lnRef>
+            <a:fillRef idx="3">
+              <a:schemeClr val="accent1"/>
+            </a:fillRef>
+            <a:effectRef idx="2">
+              <a:schemeClr val="accent1"/>
+            </a:effectRef>
+            <a:fontRef idx="minor">
+              <a:schemeClr val="lt1"/>
+            </a:fontRef>
+          </p:style>
+          <p:txBody>
+            <a:bodyPr rtlCol="0" anchor="ctr"/>
+            <a:lstStyle/>
+            <a:p>
+              <a:pPr algn="ctr"/>
+              <a:endParaRPr lang="en-US"/>
+            </a:p>
+          </p:txBody>
+        </p:sp>
+      </p:grpSp>
+      <p:sp>
+        <p:nvSpPr>
+          <p:cNvPr id="20" name="Oval 19"/>
+          <p:cNvSpPr/>
+          <p:nvPr/>
+        </p:nvSpPr>
+        <p:spPr>
+          <a:xfrm>
+            <a:off x="6999284" y="2545082"/>
+            <a:ext cx="376865" cy="362243"/>
+          </a:xfrm>
+          <a:prstGeom prst="ellipse">
+            <a:avLst/>
+          </a:prstGeom>
+          <a:solidFill>
+            <a:srgbClr val="FF0000"/>
+          </a:solidFill>
+        </p:spPr>
+        <p:style>
+          <a:lnRef idx="1">
+            <a:schemeClr val="accent1"/>
+          </a:lnRef>
+          <a:fillRef idx="3">
+            <a:schemeClr val="accent1"/>
+          </a:fillRef>
+          <a:effectRef idx="2">
+            <a:schemeClr val="accent1"/>
+          </a:effectRef>
+          <a:fontRef idx="minor">
+            <a:schemeClr val="lt1"/>
+          </a:fontRef>
+        </p:style>
+        <p:txBody>
+          <a:bodyPr rtlCol="0" anchor="ctr"/>
+          <a:lstStyle/>
+          <a:p>
+            <a:pPr algn="ctr"/>
+            <a:endParaRPr lang="en-US"/>
+          </a:p>
+        </p:txBody>
+      </p:sp>
+      <p:grpSp>
+        <p:nvGrpSpPr>
+          <p:cNvPr id="21" name="Group 14"/>
+          <p:cNvGrpSpPr/>
+          <p:nvPr/>
+        </p:nvGrpSpPr>
+        <p:grpSpPr>
+          <a:xfrm flipH="1">
+            <a:off x="6999284" y="2907325"/>
+            <a:ext cx="378660" cy="489318"/>
+            <a:chOff x="4121357" y="2831355"/>
+            <a:chExt cx="612504" cy="1242607"/>
+          </a:xfrm>
+        </p:grpSpPr>
+        <p:sp>
+          <p:nvSpPr>
+            <p:cNvPr id="22" name="Freeform 21"/>
+            <p:cNvSpPr/>
+            <p:nvPr/>
+          </p:nvSpPr>
+          <p:spPr>
+            <a:xfrm>
+              <a:off x="4121357" y="2831355"/>
+              <a:ext cx="149068" cy="1242607"/>
+            </a:xfrm>
+            <a:custGeom>
+              <a:avLst/>
+              <a:gdLst>
+                <a:gd name="connsiteX0" fmla="*/ 505511 w 505511"/>
+                <a:gd name="connsiteY0" fmla="*/ 1763059 h 1763059"/>
+                <a:gd name="connsiteX1" fmla="*/ 72216 w 505511"/>
+                <a:gd name="connsiteY1" fmla="*/ 1374588 h 1763059"/>
+                <a:gd name="connsiteX2" fmla="*/ 72216 w 505511"/>
+                <a:gd name="connsiteY2" fmla="*/ 343647 h 1763059"/>
+                <a:gd name="connsiteX3" fmla="*/ 505511 w 505511"/>
+                <a:gd name="connsiteY3" fmla="*/ 0 h 1763059"/>
+                <a:gd name="connsiteX0" fmla="*/ 508001 w 508001"/>
+                <a:gd name="connsiteY0" fmla="*/ 1763059 h 1763059"/>
+                <a:gd name="connsiteX1" fmla="*/ 74706 w 508001"/>
+                <a:gd name="connsiteY1" fmla="*/ 1374588 h 1763059"/>
+                <a:gd name="connsiteX2" fmla="*/ 59765 w 508001"/>
+                <a:gd name="connsiteY2" fmla="*/ 978647 h 1763059"/>
+                <a:gd name="connsiteX3" fmla="*/ 74706 w 508001"/>
+                <a:gd name="connsiteY3" fmla="*/ 343647 h 1763059"/>
+                <a:gd name="connsiteX4" fmla="*/ 508001 w 508001"/>
+                <a:gd name="connsiteY4" fmla="*/ 0 h 1763059"/>
+                <a:gd name="connsiteX0" fmla="*/ 520452 w 520452"/>
+                <a:gd name="connsiteY0" fmla="*/ 1763059 h 1763059"/>
+                <a:gd name="connsiteX1" fmla="*/ 72216 w 520452"/>
+                <a:gd name="connsiteY1" fmla="*/ 978647 h 1763059"/>
+                <a:gd name="connsiteX2" fmla="*/ 87157 w 520452"/>
+                <a:gd name="connsiteY2" fmla="*/ 343647 h 1763059"/>
+                <a:gd name="connsiteX3" fmla="*/ 520452 w 520452"/>
+                <a:gd name="connsiteY3" fmla="*/ 0 h 1763059"/>
+                <a:gd name="connsiteX0" fmla="*/ 520452 w 520452"/>
+                <a:gd name="connsiteY0" fmla="*/ 1763059 h 1763059"/>
+                <a:gd name="connsiteX1" fmla="*/ 72216 w 520452"/>
+                <a:gd name="connsiteY1" fmla="*/ 1253285 h 1763059"/>
+                <a:gd name="connsiteX2" fmla="*/ 87157 w 520452"/>
+                <a:gd name="connsiteY2" fmla="*/ 343647 h 1763059"/>
+                <a:gd name="connsiteX3" fmla="*/ 520452 w 520452"/>
+                <a:gd name="connsiteY3" fmla="*/ 0 h 1763059"/>
+                <a:gd name="connsiteX0" fmla="*/ 482352 w 482352"/>
+                <a:gd name="connsiteY0" fmla="*/ 1763059 h 1763059"/>
+                <a:gd name="connsiteX1" fmla="*/ 34116 w 482352"/>
+                <a:gd name="connsiteY1" fmla="*/ 1253285 h 1763059"/>
+                <a:gd name="connsiteX2" fmla="*/ 277657 w 482352"/>
+                <a:gd name="connsiteY2" fmla="*/ 618285 h 1763059"/>
+                <a:gd name="connsiteX3" fmla="*/ 482352 w 482352"/>
+                <a:gd name="connsiteY3" fmla="*/ 0 h 1763059"/>
+                <a:gd name="connsiteX0" fmla="*/ 253752 w 253752"/>
+                <a:gd name="connsiteY0" fmla="*/ 1763059 h 1763059"/>
+                <a:gd name="connsiteX1" fmla="*/ 34116 w 253752"/>
+                <a:gd name="connsiteY1" fmla="*/ 1253285 h 1763059"/>
+                <a:gd name="connsiteX2" fmla="*/ 49057 w 253752"/>
+                <a:gd name="connsiteY2" fmla="*/ 618285 h 1763059"/>
+                <a:gd name="connsiteX3" fmla="*/ 253752 w 253752"/>
+                <a:gd name="connsiteY3" fmla="*/ 0 h 1763059"/>
+                <a:gd name="connsiteX0" fmla="*/ 253752 w 253752"/>
+                <a:gd name="connsiteY0" fmla="*/ 1763059 h 1763059"/>
+                <a:gd name="connsiteX1" fmla="*/ 34116 w 253752"/>
+                <a:gd name="connsiteY1" fmla="*/ 1253285 h 1763059"/>
+                <a:gd name="connsiteX2" fmla="*/ 49057 w 253752"/>
+                <a:gd name="connsiteY2" fmla="*/ 618285 h 1763059"/>
+                <a:gd name="connsiteX3" fmla="*/ 44575 w 253752"/>
+                <a:gd name="connsiteY3" fmla="*/ 597647 h 1763059"/>
+                <a:gd name="connsiteX4" fmla="*/ 253752 w 253752"/>
+                <a:gd name="connsiteY4" fmla="*/ 0 h 1763059"/>
+                <a:gd name="connsiteX0" fmla="*/ 288365 w 288365"/>
+                <a:gd name="connsiteY0" fmla="*/ 1763059 h 1763059"/>
+                <a:gd name="connsiteX1" fmla="*/ 68729 w 288365"/>
+                <a:gd name="connsiteY1" fmla="*/ 1253285 h 1763059"/>
+                <a:gd name="connsiteX2" fmla="*/ 83670 w 288365"/>
+                <a:gd name="connsiteY2" fmla="*/ 618285 h 1763059"/>
+                <a:gd name="connsiteX3" fmla="*/ 79188 w 288365"/>
+                <a:gd name="connsiteY3" fmla="*/ 597647 h 1763059"/>
+                <a:gd name="connsiteX4" fmla="*/ 288365 w 288365"/>
+                <a:gd name="connsiteY4" fmla="*/ 0 h 1763059"/>
+                <a:gd name="connsiteX0" fmla="*/ 288365 w 288365"/>
+                <a:gd name="connsiteY0" fmla="*/ 1763059 h 1763059"/>
+                <a:gd name="connsiteX1" fmla="*/ 68729 w 288365"/>
+                <a:gd name="connsiteY1" fmla="*/ 1253285 h 1763059"/>
+                <a:gd name="connsiteX2" fmla="*/ 83670 w 288365"/>
+                <a:gd name="connsiteY2" fmla="*/ 618285 h 1763059"/>
+                <a:gd name="connsiteX3" fmla="*/ 79188 w 288365"/>
+                <a:gd name="connsiteY3" fmla="*/ 597647 h 1763059"/>
+                <a:gd name="connsiteX4" fmla="*/ 288365 w 288365"/>
+                <a:gd name="connsiteY4" fmla="*/ 0 h 1763059"/>
+                <a:gd name="connsiteX0" fmla="*/ 836705 w 836705"/>
+                <a:gd name="connsiteY0" fmla="*/ 1763059 h 1763059"/>
+                <a:gd name="connsiteX1" fmla="*/ 617069 w 836705"/>
+                <a:gd name="connsiteY1" fmla="*/ 1253285 h 1763059"/>
+                <a:gd name="connsiteX2" fmla="*/ 632010 w 836705"/>
+                <a:gd name="connsiteY2" fmla="*/ 618285 h 1763059"/>
+                <a:gd name="connsiteX3" fmla="*/ 627528 w 836705"/>
+                <a:gd name="connsiteY3" fmla="*/ 597647 h 1763059"/>
+                <a:gd name="connsiteX4" fmla="*/ 836705 w 836705"/>
+                <a:gd name="connsiteY4" fmla="*/ 0 h 1763059"/>
+                <a:gd name="connsiteX0" fmla="*/ 836705 w 836705"/>
+                <a:gd name="connsiteY0" fmla="*/ 1763059 h 1763059"/>
+                <a:gd name="connsiteX1" fmla="*/ 617069 w 836705"/>
+                <a:gd name="connsiteY1" fmla="*/ 1253285 h 1763059"/>
+                <a:gd name="connsiteX2" fmla="*/ 632010 w 836705"/>
+                <a:gd name="connsiteY2" fmla="*/ 618285 h 1763059"/>
+                <a:gd name="connsiteX3" fmla="*/ 627528 w 836705"/>
+                <a:gd name="connsiteY3" fmla="*/ 872285 h 1763059"/>
+                <a:gd name="connsiteX4" fmla="*/ 836705 w 836705"/>
+                <a:gd name="connsiteY4" fmla="*/ 0 h 1763059"/>
+                <a:gd name="connsiteX0" fmla="*/ 253752 w 253752"/>
+                <a:gd name="connsiteY0" fmla="*/ 1763059 h 1763059"/>
+                <a:gd name="connsiteX1" fmla="*/ 34116 w 253752"/>
+                <a:gd name="connsiteY1" fmla="*/ 1253285 h 1763059"/>
+                <a:gd name="connsiteX2" fmla="*/ 49057 w 253752"/>
+                <a:gd name="connsiteY2" fmla="*/ 618285 h 1763059"/>
+                <a:gd name="connsiteX3" fmla="*/ 253752 w 253752"/>
+                <a:gd name="connsiteY3" fmla="*/ 0 h 1763059"/>
+                <a:gd name="connsiteX0" fmla="*/ 238232 w 238232"/>
+                <a:gd name="connsiteY0" fmla="*/ 1763059 h 1763059"/>
+                <a:gd name="connsiteX1" fmla="*/ 37012 w 238232"/>
+                <a:gd name="connsiteY1" fmla="*/ 972881 h 1763059"/>
+                <a:gd name="connsiteX2" fmla="*/ 33537 w 238232"/>
+                <a:gd name="connsiteY2" fmla="*/ 618285 h 1763059"/>
+                <a:gd name="connsiteX3" fmla="*/ 238232 w 238232"/>
+                <a:gd name="connsiteY3" fmla="*/ 0 h 1763059"/>
+                <a:gd name="connsiteX0" fmla="*/ 201220 w 201220"/>
+                <a:gd name="connsiteY0" fmla="*/ 1763059 h 1763059"/>
+                <a:gd name="connsiteX1" fmla="*/ 0 w 201220"/>
+                <a:gd name="connsiteY1" fmla="*/ 972881 h 1763059"/>
+                <a:gd name="connsiteX2" fmla="*/ 201220 w 201220"/>
+                <a:gd name="connsiteY2" fmla="*/ 0 h 1763059"/>
+                <a:gd name="connsiteX0" fmla="*/ 161176 w 161176"/>
+                <a:gd name="connsiteY0" fmla="*/ 1763059 h 1763059"/>
+                <a:gd name="connsiteX1" fmla="*/ 0 w 161176"/>
+                <a:gd name="connsiteY1" fmla="*/ 972881 h 1763059"/>
+                <a:gd name="connsiteX2" fmla="*/ 161176 w 161176"/>
+                <a:gd name="connsiteY2" fmla="*/ 0 h 1763059"/>
+                <a:gd name="connsiteX0" fmla="*/ 93382 w 241709"/>
+                <a:gd name="connsiteY0" fmla="*/ 1763059 h 1763059"/>
+                <a:gd name="connsiteX1" fmla="*/ 80533 w 241709"/>
+                <a:gd name="connsiteY1" fmla="*/ 972881 h 1763059"/>
+                <a:gd name="connsiteX2" fmla="*/ 241709 w 241709"/>
+                <a:gd name="connsiteY2" fmla="*/ 0 h 1763059"/>
+                <a:gd name="connsiteX0" fmla="*/ 93382 w 241709"/>
+                <a:gd name="connsiteY0" fmla="*/ 1763059 h 1763059"/>
+                <a:gd name="connsiteX1" fmla="*/ 80533 w 241709"/>
+                <a:gd name="connsiteY1" fmla="*/ 972881 h 1763059"/>
+                <a:gd name="connsiteX2" fmla="*/ 89690 w 241709"/>
+                <a:gd name="connsiteY2" fmla="*/ 676266 h 1763059"/>
+                <a:gd name="connsiteX3" fmla="*/ 241709 w 241709"/>
+                <a:gd name="connsiteY3" fmla="*/ 0 h 1763059"/>
+                <a:gd name="connsiteX0" fmla="*/ 93382 w 241709"/>
+                <a:gd name="connsiteY0" fmla="*/ 1763059 h 1763059"/>
+                <a:gd name="connsiteX1" fmla="*/ 80533 w 241709"/>
+                <a:gd name="connsiteY1" fmla="*/ 972881 h 1763059"/>
+                <a:gd name="connsiteX2" fmla="*/ 241709 w 241709"/>
+                <a:gd name="connsiteY2" fmla="*/ 0 h 1763059"/>
+                <a:gd name="connsiteX0" fmla="*/ 104678 w 172475"/>
+                <a:gd name="connsiteY0" fmla="*/ 1482655 h 1482655"/>
+                <a:gd name="connsiteX1" fmla="*/ 11299 w 172475"/>
+                <a:gd name="connsiteY1" fmla="*/ 972881 h 1482655"/>
+                <a:gd name="connsiteX2" fmla="*/ 172475 w 172475"/>
+                <a:gd name="connsiteY2" fmla="*/ 0 h 1482655"/>
+                <a:gd name="connsiteX0" fmla="*/ 263519 w 331316"/>
+                <a:gd name="connsiteY0" fmla="*/ 1482655 h 1482655"/>
+                <a:gd name="connsiteX1" fmla="*/ 170140 w 331316"/>
+                <a:gd name="connsiteY1" fmla="*/ 972881 h 1482655"/>
+                <a:gd name="connsiteX2" fmla="*/ 331316 w 331316"/>
+                <a:gd name="connsiteY2" fmla="*/ 0 h 1482655"/>
+                <a:gd name="connsiteX0" fmla="*/ 263519 w 331316"/>
+                <a:gd name="connsiteY0" fmla="*/ 1482655 h 1482655"/>
+                <a:gd name="connsiteX1" fmla="*/ 191952 w 331316"/>
+                <a:gd name="connsiteY1" fmla="*/ 692478 h 1482655"/>
+                <a:gd name="connsiteX2" fmla="*/ 331316 w 331316"/>
+                <a:gd name="connsiteY2" fmla="*/ 0 h 1482655"/>
+                <a:gd name="connsiteX0" fmla="*/ 0 w 67797"/>
+                <a:gd name="connsiteY0" fmla="*/ 1482655 h 1482655"/>
+                <a:gd name="connsiteX1" fmla="*/ 67797 w 67797"/>
+                <a:gd name="connsiteY1" fmla="*/ 0 h 1482655"/>
+                <a:gd name="connsiteX0" fmla="*/ 61307 w 61307"/>
+                <a:gd name="connsiteY0" fmla="*/ 1482655 h 1482655"/>
+                <a:gd name="connsiteX1" fmla="*/ 0 w 61307"/>
+                <a:gd name="connsiteY1" fmla="*/ 0 h 1482655"/>
+                <a:gd name="connsiteX0" fmla="*/ 61307 w 61307"/>
+                <a:gd name="connsiteY0" fmla="*/ 1482655 h 1482655"/>
+                <a:gd name="connsiteX1" fmla="*/ 0 w 61307"/>
+                <a:gd name="connsiteY1" fmla="*/ 0 h 1482655"/>
+                <a:gd name="connsiteX0" fmla="*/ 61307 w 61307"/>
+                <a:gd name="connsiteY0" fmla="*/ 1482655 h 1482655"/>
+                <a:gd name="connsiteX1" fmla="*/ 0 w 61307"/>
+                <a:gd name="connsiteY1" fmla="*/ 0 h 1482655"/>
+                <a:gd name="connsiteX0" fmla="*/ 61307 w 61307"/>
+                <a:gd name="connsiteY0" fmla="*/ 1482655 h 1482655"/>
+                <a:gd name="connsiteX1" fmla="*/ 0 w 61307"/>
+                <a:gd name="connsiteY1" fmla="*/ 0 h 1482655"/>
+                <a:gd name="connsiteX0" fmla="*/ 61307 w 61307"/>
+                <a:gd name="connsiteY0" fmla="*/ 1482655 h 1482655"/>
+                <a:gd name="connsiteX1" fmla="*/ 47134 w 61307"/>
+                <a:gd name="connsiteY1" fmla="*/ 733079 h 1482655"/>
+                <a:gd name="connsiteX2" fmla="*/ 0 w 61307"/>
+                <a:gd name="connsiteY2" fmla="*/ 0 h 1482655"/>
+                <a:gd name="connsiteX0" fmla="*/ 178592 w 178592"/>
+                <a:gd name="connsiteY0" fmla="*/ 1482655 h 1482655"/>
+                <a:gd name="connsiteX1" fmla="*/ 164419 w 178592"/>
+                <a:gd name="connsiteY1" fmla="*/ 733079 h 1482655"/>
+                <a:gd name="connsiteX2" fmla="*/ 7856 w 178592"/>
+                <a:gd name="connsiteY2" fmla="*/ 733079 h 1482655"/>
+                <a:gd name="connsiteX3" fmla="*/ 117285 w 178592"/>
+                <a:gd name="connsiteY3" fmla="*/ 0 h 1482655"/>
+                <a:gd name="connsiteX0" fmla="*/ 180413 w 180413"/>
+                <a:gd name="connsiteY0" fmla="*/ 1482655 h 1482655"/>
+                <a:gd name="connsiteX1" fmla="*/ 61041 w 180413"/>
+                <a:gd name="connsiteY1" fmla="*/ 1069954 h 1482655"/>
+                <a:gd name="connsiteX2" fmla="*/ 9677 w 180413"/>
+                <a:gd name="connsiteY2" fmla="*/ 733079 h 1482655"/>
+                <a:gd name="connsiteX3" fmla="*/ 119106 w 180413"/>
+                <a:gd name="connsiteY3" fmla="*/ 0 h 1482655"/>
+                <a:gd name="connsiteX0" fmla="*/ 135466 w 135466"/>
+                <a:gd name="connsiteY0" fmla="*/ 1482655 h 1482655"/>
+                <a:gd name="connsiteX1" fmla="*/ 16094 w 135466"/>
+                <a:gd name="connsiteY1" fmla="*/ 1069954 h 1482655"/>
+                <a:gd name="connsiteX2" fmla="*/ 9677 w 135466"/>
+                <a:gd name="connsiteY2" fmla="*/ 546144 h 1482655"/>
+                <a:gd name="connsiteX3" fmla="*/ 74159 w 135466"/>
+                <a:gd name="connsiteY3" fmla="*/ 0 h 1482655"/>
+                <a:gd name="connsiteX0" fmla="*/ 135466 w 135466"/>
+                <a:gd name="connsiteY0" fmla="*/ 1482655 h 1482655"/>
+                <a:gd name="connsiteX1" fmla="*/ 16094 w 135466"/>
+                <a:gd name="connsiteY1" fmla="*/ 1069954 h 1482655"/>
+                <a:gd name="connsiteX2" fmla="*/ 9677 w 135466"/>
+                <a:gd name="connsiteY2" fmla="*/ 546144 h 1482655"/>
+                <a:gd name="connsiteX3" fmla="*/ 74159 w 135466"/>
+                <a:gd name="connsiteY3" fmla="*/ 0 h 1482655"/>
+                <a:gd name="connsiteX0" fmla="*/ 135466 w 135466"/>
+                <a:gd name="connsiteY0" fmla="*/ 1482655 h 1482655"/>
+                <a:gd name="connsiteX1" fmla="*/ 16094 w 135466"/>
+                <a:gd name="connsiteY1" fmla="*/ 1069954 h 1482655"/>
+                <a:gd name="connsiteX2" fmla="*/ 9677 w 135466"/>
+                <a:gd name="connsiteY2" fmla="*/ 546144 h 1482655"/>
+                <a:gd name="connsiteX3" fmla="*/ 74159 w 135466"/>
+                <a:gd name="connsiteY3" fmla="*/ 0 h 1482655"/>
+                <a:gd name="connsiteX0" fmla="*/ 135466 w 135466"/>
+                <a:gd name="connsiteY0" fmla="*/ 1482655 h 1482655"/>
+                <a:gd name="connsiteX1" fmla="*/ 16094 w 135466"/>
+                <a:gd name="connsiteY1" fmla="*/ 1069954 h 1482655"/>
+                <a:gd name="connsiteX2" fmla="*/ 9677 w 135466"/>
+                <a:gd name="connsiteY2" fmla="*/ 546144 h 1482655"/>
+                <a:gd name="connsiteX3" fmla="*/ 74159 w 135466"/>
+                <a:gd name="connsiteY3" fmla="*/ 0 h 1482655"/>
+                <a:gd name="connsiteX0" fmla="*/ 145080 w 147936"/>
+                <a:gd name="connsiteY0" fmla="*/ 1524197 h 1524197"/>
+                <a:gd name="connsiteX1" fmla="*/ 25708 w 147936"/>
+                <a:gd name="connsiteY1" fmla="*/ 1111496 h 1524197"/>
+                <a:gd name="connsiteX2" fmla="*/ 19291 w 147936"/>
+                <a:gd name="connsiteY2" fmla="*/ 587686 h 1524197"/>
+                <a:gd name="connsiteX3" fmla="*/ 141454 w 147936"/>
+                <a:gd name="connsiteY3" fmla="*/ 0 h 1524197"/>
+                <a:gd name="connsiteX0" fmla="*/ 145080 w 145080"/>
+                <a:gd name="connsiteY0" fmla="*/ 1524197 h 1524197"/>
+                <a:gd name="connsiteX1" fmla="*/ 25708 w 145080"/>
+                <a:gd name="connsiteY1" fmla="*/ 1111496 h 1524197"/>
+                <a:gd name="connsiteX2" fmla="*/ 19291 w 145080"/>
+                <a:gd name="connsiteY2" fmla="*/ 587686 h 1524197"/>
+                <a:gd name="connsiteX3" fmla="*/ 141454 w 145080"/>
+                <a:gd name="connsiteY3" fmla="*/ 0 h 1524197"/>
+              </a:gdLst>
+              <a:ahLst/>
+              <a:cxnLst>
+                <a:cxn ang="0">
+                  <a:pos x="connsiteX0" y="connsiteY0"/>
+                </a:cxn>
+                <a:cxn ang="0">
+                  <a:pos x="connsiteX1" y="connsiteY1"/>
+                </a:cxn>
+                <a:cxn ang="0">
+                  <a:pos x="connsiteX2" y="connsiteY2"/>
+                </a:cxn>
+                <a:cxn ang="0">
+                  <a:pos x="connsiteX3" y="connsiteY3"/>
+                </a:cxn>
+              </a:cxnLst>
+              <a:rect l="l" t="t" r="r" b="b"/>
+              <a:pathLst>
+                <a:path w="145080" h="1524197">
+                  <a:moveTo>
+                    <a:pt x="145080" y="1524197"/>
+                  </a:moveTo>
+                  <a:cubicBezTo>
+                    <a:pt x="105289" y="1386630"/>
+                    <a:pt x="93056" y="1485673"/>
+                    <a:pt x="25708" y="1111496"/>
+                  </a:cubicBezTo>
+                  <a:cubicBezTo>
+                    <a:pt x="21973" y="986567"/>
+                    <a:pt x="0" y="772935"/>
+                    <a:pt x="19291" y="587686"/>
+                  </a:cubicBezTo>
+                  <a:cubicBezTo>
+                    <a:pt x="38582" y="402437"/>
+                    <a:pt x="26579" y="466730"/>
+                    <a:pt x="141454" y="0"/>
+                  </a:cubicBezTo>
+                </a:path>
+              </a:pathLst>
+            </a:custGeom>
+            <a:ln>
+              <a:solidFill>
+                <a:schemeClr val="tx1"/>
+              </a:solidFill>
+              <a:tailEnd type="triangle" w="lg" len="lg"/>
+            </a:ln>
+          </p:spPr>
+          <p:style>
+            <a:lnRef idx="2">
+              <a:schemeClr val="accent1"/>
+            </a:lnRef>
+            <a:fillRef idx="0">
+              <a:schemeClr val="accent1"/>
+            </a:fillRef>
+            <a:effectRef idx="1">
+              <a:schemeClr val="accent1"/>
+            </a:effectRef>
+            <a:fontRef idx="minor">
+              <a:schemeClr val="tx1"/>
+            </a:fontRef>
+          </p:style>
+          <p:txBody>
+            <a:bodyPr rtlCol="0" anchor="ctr"/>
+            <a:lstStyle/>
+            <a:p>
+              <a:pPr algn="ctr"/>
+              <a:endParaRPr lang="en-US"/>
+            </a:p>
+          </p:txBody>
+        </p:sp>
+        <p:sp>
+          <p:nvSpPr>
+            <p:cNvPr id="23" name="Freeform 22"/>
+            <p:cNvSpPr/>
+            <p:nvPr/>
+          </p:nvSpPr>
+          <p:spPr>
+            <a:xfrm flipH="1" flipV="1">
+              <a:off x="4584793" y="2831355"/>
+              <a:ext cx="149068" cy="1242607"/>
+            </a:xfrm>
+            <a:custGeom>
+              <a:avLst/>
+              <a:gdLst>
+                <a:gd name="connsiteX0" fmla="*/ 505511 w 505511"/>
+                <a:gd name="connsiteY0" fmla="*/ 1763059 h 1763059"/>
+                <a:gd name="connsiteX1" fmla="*/ 72216 w 505511"/>
+                <a:gd name="connsiteY1" fmla="*/ 1374588 h 1763059"/>
+                <a:gd name="connsiteX2" fmla="*/ 72216 w 505511"/>
+                <a:gd name="connsiteY2" fmla="*/ 343647 h 1763059"/>
+                <a:gd name="connsiteX3" fmla="*/ 505511 w 505511"/>
+                <a:gd name="connsiteY3" fmla="*/ 0 h 1763059"/>
+                <a:gd name="connsiteX0" fmla="*/ 508001 w 508001"/>
+                <a:gd name="connsiteY0" fmla="*/ 1763059 h 1763059"/>
+                <a:gd name="connsiteX1" fmla="*/ 74706 w 508001"/>
+                <a:gd name="connsiteY1" fmla="*/ 1374588 h 1763059"/>
+                <a:gd name="connsiteX2" fmla="*/ 59765 w 508001"/>
+                <a:gd name="connsiteY2" fmla="*/ 978647 h 1763059"/>
+                <a:gd name="connsiteX3" fmla="*/ 74706 w 508001"/>
+                <a:gd name="connsiteY3" fmla="*/ 343647 h 1763059"/>
+                <a:gd name="connsiteX4" fmla="*/ 508001 w 508001"/>
+                <a:gd name="connsiteY4" fmla="*/ 0 h 1763059"/>
+                <a:gd name="connsiteX0" fmla="*/ 520452 w 520452"/>
+                <a:gd name="connsiteY0" fmla="*/ 1763059 h 1763059"/>
+                <a:gd name="connsiteX1" fmla="*/ 72216 w 520452"/>
+                <a:gd name="connsiteY1" fmla="*/ 978647 h 1763059"/>
+                <a:gd name="connsiteX2" fmla="*/ 87157 w 520452"/>
+                <a:gd name="connsiteY2" fmla="*/ 343647 h 1763059"/>
+                <a:gd name="connsiteX3" fmla="*/ 520452 w 520452"/>
+                <a:gd name="connsiteY3" fmla="*/ 0 h 1763059"/>
+                <a:gd name="connsiteX0" fmla="*/ 520452 w 520452"/>
+                <a:gd name="connsiteY0" fmla="*/ 1763059 h 1763059"/>
+                <a:gd name="connsiteX1" fmla="*/ 72216 w 520452"/>
+                <a:gd name="connsiteY1" fmla="*/ 1253285 h 1763059"/>
+                <a:gd name="connsiteX2" fmla="*/ 87157 w 520452"/>
+                <a:gd name="connsiteY2" fmla="*/ 343647 h 1763059"/>
+                <a:gd name="connsiteX3" fmla="*/ 520452 w 520452"/>
+                <a:gd name="connsiteY3" fmla="*/ 0 h 1763059"/>
+                <a:gd name="connsiteX0" fmla="*/ 482352 w 482352"/>
+                <a:gd name="connsiteY0" fmla="*/ 1763059 h 1763059"/>
+                <a:gd name="connsiteX1" fmla="*/ 34116 w 482352"/>
+                <a:gd name="connsiteY1" fmla="*/ 1253285 h 1763059"/>
+                <a:gd name="connsiteX2" fmla="*/ 277657 w 482352"/>
+                <a:gd name="connsiteY2" fmla="*/ 618285 h 1763059"/>
+                <a:gd name="connsiteX3" fmla="*/ 482352 w 482352"/>
+                <a:gd name="connsiteY3" fmla="*/ 0 h 1763059"/>
+                <a:gd name="connsiteX0" fmla="*/ 253752 w 253752"/>
+                <a:gd name="connsiteY0" fmla="*/ 1763059 h 1763059"/>
+                <a:gd name="connsiteX1" fmla="*/ 34116 w 253752"/>
+                <a:gd name="connsiteY1" fmla="*/ 1253285 h 1763059"/>
+                <a:gd name="connsiteX2" fmla="*/ 49057 w 253752"/>
+                <a:gd name="connsiteY2" fmla="*/ 618285 h 1763059"/>
+                <a:gd name="connsiteX3" fmla="*/ 253752 w 253752"/>
+                <a:gd name="connsiteY3" fmla="*/ 0 h 1763059"/>
+                <a:gd name="connsiteX0" fmla="*/ 253752 w 253752"/>
+                <a:gd name="connsiteY0" fmla="*/ 1763059 h 1763059"/>
+                <a:gd name="connsiteX1" fmla="*/ 34116 w 253752"/>
+                <a:gd name="connsiteY1" fmla="*/ 1253285 h 1763059"/>
+                <a:gd name="connsiteX2" fmla="*/ 49057 w 253752"/>
+                <a:gd name="connsiteY2" fmla="*/ 618285 h 1763059"/>
+                <a:gd name="connsiteX3" fmla="*/ 44575 w 253752"/>
+                <a:gd name="connsiteY3" fmla="*/ 597647 h 1763059"/>
+                <a:gd name="connsiteX4" fmla="*/ 253752 w 253752"/>
+                <a:gd name="connsiteY4" fmla="*/ 0 h 1763059"/>
+                <a:gd name="connsiteX0" fmla="*/ 288365 w 288365"/>
+                <a:gd name="connsiteY0" fmla="*/ 1763059 h 1763059"/>
+                <a:gd name="connsiteX1" fmla="*/ 68729 w 288365"/>
+                <a:gd name="connsiteY1" fmla="*/ 1253285 h 1763059"/>
+                <a:gd name="connsiteX2" fmla="*/ 83670 w 288365"/>
+                <a:gd name="connsiteY2" fmla="*/ 618285 h 1763059"/>
+                <a:gd name="connsiteX3" fmla="*/ 79188 w 288365"/>
+                <a:gd name="connsiteY3" fmla="*/ 597647 h 1763059"/>
+                <a:gd name="connsiteX4" fmla="*/ 288365 w 288365"/>
+                <a:gd name="connsiteY4" fmla="*/ 0 h 1763059"/>
+                <a:gd name="connsiteX0" fmla="*/ 288365 w 288365"/>
+                <a:gd name="connsiteY0" fmla="*/ 1763059 h 1763059"/>
+                <a:gd name="connsiteX1" fmla="*/ 68729 w 288365"/>
+                <a:gd name="connsiteY1" fmla="*/ 1253285 h 1763059"/>
+                <a:gd name="connsiteX2" fmla="*/ 83670 w 288365"/>
+                <a:gd name="connsiteY2" fmla="*/ 618285 h 1763059"/>
+                <a:gd name="connsiteX3" fmla="*/ 79188 w 288365"/>
+                <a:gd name="connsiteY3" fmla="*/ 597647 h 1763059"/>
+                <a:gd name="connsiteX4" fmla="*/ 288365 w 288365"/>
+                <a:gd name="connsiteY4" fmla="*/ 0 h 1763059"/>
+                <a:gd name="connsiteX0" fmla="*/ 836705 w 836705"/>
+                <a:gd name="connsiteY0" fmla="*/ 1763059 h 1763059"/>
+                <a:gd name="connsiteX1" fmla="*/ 617069 w 836705"/>
+                <a:gd name="connsiteY1" fmla="*/ 1253285 h 1763059"/>
+                <a:gd name="connsiteX2" fmla="*/ 632010 w 836705"/>
+                <a:gd name="connsiteY2" fmla="*/ 618285 h 1763059"/>
+                <a:gd name="connsiteX3" fmla="*/ 627528 w 836705"/>
+                <a:gd name="connsiteY3" fmla="*/ 597647 h 1763059"/>
+                <a:gd name="connsiteX4" fmla="*/ 836705 w 836705"/>
+                <a:gd name="connsiteY4" fmla="*/ 0 h 1763059"/>
+                <a:gd name="connsiteX0" fmla="*/ 836705 w 836705"/>
+                <a:gd name="connsiteY0" fmla="*/ 1763059 h 1763059"/>
+                <a:gd name="connsiteX1" fmla="*/ 617069 w 836705"/>
+                <a:gd name="connsiteY1" fmla="*/ 1253285 h 1763059"/>
+                <a:gd name="connsiteX2" fmla="*/ 632010 w 836705"/>
+                <a:gd name="connsiteY2" fmla="*/ 618285 h 1763059"/>
+                <a:gd name="connsiteX3" fmla="*/ 627528 w 836705"/>
+                <a:gd name="connsiteY3" fmla="*/ 872285 h 1763059"/>
+                <a:gd name="connsiteX4" fmla="*/ 836705 w 836705"/>
+                <a:gd name="connsiteY4" fmla="*/ 0 h 1763059"/>
+                <a:gd name="connsiteX0" fmla="*/ 253752 w 253752"/>
+                <a:gd name="connsiteY0" fmla="*/ 1763059 h 1763059"/>
+                <a:gd name="connsiteX1" fmla="*/ 34116 w 253752"/>
+                <a:gd name="connsiteY1" fmla="*/ 1253285 h 1763059"/>
+                <a:gd name="connsiteX2" fmla="*/ 49057 w 253752"/>
+                <a:gd name="connsiteY2" fmla="*/ 618285 h 1763059"/>
+                <a:gd name="connsiteX3" fmla="*/ 253752 w 253752"/>
+                <a:gd name="connsiteY3" fmla="*/ 0 h 1763059"/>
+                <a:gd name="connsiteX0" fmla="*/ 238232 w 238232"/>
+                <a:gd name="connsiteY0" fmla="*/ 1763059 h 1763059"/>
+                <a:gd name="connsiteX1" fmla="*/ 37012 w 238232"/>
+                <a:gd name="connsiteY1" fmla="*/ 972881 h 1763059"/>
+                <a:gd name="connsiteX2" fmla="*/ 33537 w 238232"/>
+                <a:gd name="connsiteY2" fmla="*/ 618285 h 1763059"/>
+                <a:gd name="connsiteX3" fmla="*/ 238232 w 238232"/>
+                <a:gd name="connsiteY3" fmla="*/ 0 h 1763059"/>
+                <a:gd name="connsiteX0" fmla="*/ 201220 w 201220"/>
+                <a:gd name="connsiteY0" fmla="*/ 1763059 h 1763059"/>
+                <a:gd name="connsiteX1" fmla="*/ 0 w 201220"/>
+                <a:gd name="connsiteY1" fmla="*/ 972881 h 1763059"/>
+                <a:gd name="connsiteX2" fmla="*/ 201220 w 201220"/>
+                <a:gd name="connsiteY2" fmla="*/ 0 h 1763059"/>
+                <a:gd name="connsiteX0" fmla="*/ 161176 w 161176"/>
+                <a:gd name="connsiteY0" fmla="*/ 1763059 h 1763059"/>
+                <a:gd name="connsiteX1" fmla="*/ 0 w 161176"/>
+                <a:gd name="connsiteY1" fmla="*/ 972881 h 1763059"/>
+                <a:gd name="connsiteX2" fmla="*/ 161176 w 161176"/>
+                <a:gd name="connsiteY2" fmla="*/ 0 h 1763059"/>
+                <a:gd name="connsiteX0" fmla="*/ 93382 w 241709"/>
+                <a:gd name="connsiteY0" fmla="*/ 1763059 h 1763059"/>
+                <a:gd name="connsiteX1" fmla="*/ 80533 w 241709"/>
+                <a:gd name="connsiteY1" fmla="*/ 972881 h 1763059"/>
+                <a:gd name="connsiteX2" fmla="*/ 241709 w 241709"/>
+                <a:gd name="connsiteY2" fmla="*/ 0 h 1763059"/>
+                <a:gd name="connsiteX0" fmla="*/ 93382 w 241709"/>
+                <a:gd name="connsiteY0" fmla="*/ 1763059 h 1763059"/>
+                <a:gd name="connsiteX1" fmla="*/ 80533 w 241709"/>
+                <a:gd name="connsiteY1" fmla="*/ 972881 h 1763059"/>
+                <a:gd name="connsiteX2" fmla="*/ 89690 w 241709"/>
+                <a:gd name="connsiteY2" fmla="*/ 676266 h 1763059"/>
+                <a:gd name="connsiteX3" fmla="*/ 241709 w 241709"/>
+                <a:gd name="connsiteY3" fmla="*/ 0 h 1763059"/>
+                <a:gd name="connsiteX0" fmla="*/ 93382 w 241709"/>
+                <a:gd name="connsiteY0" fmla="*/ 1763059 h 1763059"/>
+                <a:gd name="connsiteX1" fmla="*/ 80533 w 241709"/>
+                <a:gd name="connsiteY1" fmla="*/ 972881 h 1763059"/>
+                <a:gd name="connsiteX2" fmla="*/ 241709 w 241709"/>
+                <a:gd name="connsiteY2" fmla="*/ 0 h 1763059"/>
+                <a:gd name="connsiteX0" fmla="*/ 104678 w 172475"/>
+                <a:gd name="connsiteY0" fmla="*/ 1482655 h 1482655"/>
+                <a:gd name="connsiteX1" fmla="*/ 11299 w 172475"/>
+                <a:gd name="connsiteY1" fmla="*/ 972881 h 1482655"/>
+                <a:gd name="connsiteX2" fmla="*/ 172475 w 172475"/>
+                <a:gd name="connsiteY2" fmla="*/ 0 h 1482655"/>
+                <a:gd name="connsiteX0" fmla="*/ 263519 w 331316"/>
+                <a:gd name="connsiteY0" fmla="*/ 1482655 h 1482655"/>
+                <a:gd name="connsiteX1" fmla="*/ 170140 w 331316"/>
+                <a:gd name="connsiteY1" fmla="*/ 972881 h 1482655"/>
+                <a:gd name="connsiteX2" fmla="*/ 331316 w 331316"/>
+                <a:gd name="connsiteY2" fmla="*/ 0 h 1482655"/>
+                <a:gd name="connsiteX0" fmla="*/ 263519 w 331316"/>
+                <a:gd name="connsiteY0" fmla="*/ 1482655 h 1482655"/>
+                <a:gd name="connsiteX1" fmla="*/ 191952 w 331316"/>
+                <a:gd name="connsiteY1" fmla="*/ 692478 h 1482655"/>
+                <a:gd name="connsiteX2" fmla="*/ 331316 w 331316"/>
+                <a:gd name="connsiteY2" fmla="*/ 0 h 1482655"/>
+                <a:gd name="connsiteX0" fmla="*/ 0 w 67797"/>
+                <a:gd name="connsiteY0" fmla="*/ 1482655 h 1482655"/>
+                <a:gd name="connsiteX1" fmla="*/ 67797 w 67797"/>
+                <a:gd name="connsiteY1" fmla="*/ 0 h 1482655"/>
+                <a:gd name="connsiteX0" fmla="*/ 61307 w 61307"/>
+                <a:gd name="connsiteY0" fmla="*/ 1482655 h 1482655"/>
+                <a:gd name="connsiteX1" fmla="*/ 0 w 61307"/>
+                <a:gd name="connsiteY1" fmla="*/ 0 h 1482655"/>
+                <a:gd name="connsiteX0" fmla="*/ 61307 w 61307"/>
+                <a:gd name="connsiteY0" fmla="*/ 1482655 h 1482655"/>
+                <a:gd name="connsiteX1" fmla="*/ 0 w 61307"/>
+                <a:gd name="connsiteY1" fmla="*/ 0 h 1482655"/>
+                <a:gd name="connsiteX0" fmla="*/ 61307 w 61307"/>
+                <a:gd name="connsiteY0" fmla="*/ 1482655 h 1482655"/>
+                <a:gd name="connsiteX1" fmla="*/ 0 w 61307"/>
+                <a:gd name="connsiteY1" fmla="*/ 0 h 1482655"/>
+                <a:gd name="connsiteX0" fmla="*/ 61307 w 61307"/>
+                <a:gd name="connsiteY0" fmla="*/ 1482655 h 1482655"/>
+                <a:gd name="connsiteX1" fmla="*/ 0 w 61307"/>
+                <a:gd name="connsiteY1" fmla="*/ 0 h 1482655"/>
+                <a:gd name="connsiteX0" fmla="*/ 61307 w 61307"/>
+                <a:gd name="connsiteY0" fmla="*/ 1482655 h 1482655"/>
+                <a:gd name="connsiteX1" fmla="*/ 47134 w 61307"/>
+                <a:gd name="connsiteY1" fmla="*/ 733079 h 1482655"/>
+                <a:gd name="connsiteX2" fmla="*/ 0 w 61307"/>
+                <a:gd name="connsiteY2" fmla="*/ 0 h 1482655"/>
+                <a:gd name="connsiteX0" fmla="*/ 178592 w 178592"/>
+                <a:gd name="connsiteY0" fmla="*/ 1482655 h 1482655"/>
+                <a:gd name="connsiteX1" fmla="*/ 164419 w 178592"/>
+                <a:gd name="connsiteY1" fmla="*/ 733079 h 1482655"/>
+                <a:gd name="connsiteX2" fmla="*/ 7856 w 178592"/>
+                <a:gd name="connsiteY2" fmla="*/ 733079 h 1482655"/>
+                <a:gd name="connsiteX3" fmla="*/ 117285 w 178592"/>
+                <a:gd name="connsiteY3" fmla="*/ 0 h 1482655"/>
+                <a:gd name="connsiteX0" fmla="*/ 180413 w 180413"/>
+                <a:gd name="connsiteY0" fmla="*/ 1482655 h 1482655"/>
+                <a:gd name="connsiteX1" fmla="*/ 61041 w 180413"/>
+                <a:gd name="connsiteY1" fmla="*/ 1069954 h 1482655"/>
+                <a:gd name="connsiteX2" fmla="*/ 9677 w 180413"/>
+                <a:gd name="connsiteY2" fmla="*/ 733079 h 1482655"/>
+                <a:gd name="connsiteX3" fmla="*/ 119106 w 180413"/>
+                <a:gd name="connsiteY3" fmla="*/ 0 h 1482655"/>
+                <a:gd name="connsiteX0" fmla="*/ 135466 w 135466"/>
+                <a:gd name="connsiteY0" fmla="*/ 1482655 h 1482655"/>
+                <a:gd name="connsiteX1" fmla="*/ 16094 w 135466"/>
+                <a:gd name="connsiteY1" fmla="*/ 1069954 h 1482655"/>
+                <a:gd name="connsiteX2" fmla="*/ 9677 w 135466"/>
+                <a:gd name="connsiteY2" fmla="*/ 546144 h 1482655"/>
+                <a:gd name="connsiteX3" fmla="*/ 74159 w 135466"/>
+                <a:gd name="connsiteY3" fmla="*/ 0 h 1482655"/>
+                <a:gd name="connsiteX0" fmla="*/ 135466 w 135466"/>
+                <a:gd name="connsiteY0" fmla="*/ 1482655 h 1482655"/>
+                <a:gd name="connsiteX1" fmla="*/ 16094 w 135466"/>
+                <a:gd name="connsiteY1" fmla="*/ 1069954 h 1482655"/>
+                <a:gd name="connsiteX2" fmla="*/ 9677 w 135466"/>
+                <a:gd name="connsiteY2" fmla="*/ 546144 h 1482655"/>
+                <a:gd name="connsiteX3" fmla="*/ 74159 w 135466"/>
+                <a:gd name="connsiteY3" fmla="*/ 0 h 1482655"/>
+                <a:gd name="connsiteX0" fmla="*/ 135466 w 135466"/>
+                <a:gd name="connsiteY0" fmla="*/ 1482655 h 1482655"/>
+                <a:gd name="connsiteX1" fmla="*/ 16094 w 135466"/>
+                <a:gd name="connsiteY1" fmla="*/ 1069954 h 1482655"/>
+                <a:gd name="connsiteX2" fmla="*/ 9677 w 135466"/>
+                <a:gd name="connsiteY2" fmla="*/ 546144 h 1482655"/>
+                <a:gd name="connsiteX3" fmla="*/ 74159 w 135466"/>
+                <a:gd name="connsiteY3" fmla="*/ 0 h 1482655"/>
+                <a:gd name="connsiteX0" fmla="*/ 135466 w 135466"/>
+                <a:gd name="connsiteY0" fmla="*/ 1482655 h 1482655"/>
+                <a:gd name="connsiteX1" fmla="*/ 16094 w 135466"/>
+                <a:gd name="connsiteY1" fmla="*/ 1069954 h 1482655"/>
+                <a:gd name="connsiteX2" fmla="*/ 9677 w 135466"/>
+                <a:gd name="connsiteY2" fmla="*/ 546144 h 1482655"/>
+                <a:gd name="connsiteX3" fmla="*/ 74159 w 135466"/>
+                <a:gd name="connsiteY3" fmla="*/ 0 h 1482655"/>
+                <a:gd name="connsiteX0" fmla="*/ 145080 w 147936"/>
+                <a:gd name="connsiteY0" fmla="*/ 1524197 h 1524197"/>
+                <a:gd name="connsiteX1" fmla="*/ 25708 w 147936"/>
+                <a:gd name="connsiteY1" fmla="*/ 1111496 h 1524197"/>
+                <a:gd name="connsiteX2" fmla="*/ 19291 w 147936"/>
+                <a:gd name="connsiteY2" fmla="*/ 587686 h 1524197"/>
+                <a:gd name="connsiteX3" fmla="*/ 141454 w 147936"/>
+                <a:gd name="connsiteY3" fmla="*/ 0 h 1524197"/>
+                <a:gd name="connsiteX0" fmla="*/ 145080 w 145080"/>
+                <a:gd name="connsiteY0" fmla="*/ 1524197 h 1524197"/>
+                <a:gd name="connsiteX1" fmla="*/ 25708 w 145080"/>
+                <a:gd name="connsiteY1" fmla="*/ 1111496 h 1524197"/>
+                <a:gd name="connsiteX2" fmla="*/ 19291 w 145080"/>
+                <a:gd name="connsiteY2" fmla="*/ 587686 h 1524197"/>
+                <a:gd name="connsiteX3" fmla="*/ 141454 w 145080"/>
+                <a:gd name="connsiteY3" fmla="*/ 0 h 1524197"/>
+              </a:gdLst>
+              <a:ahLst/>
+              <a:cxnLst>
+                <a:cxn ang="0">
+                  <a:pos x="connsiteX0" y="connsiteY0"/>
+                </a:cxn>
+                <a:cxn ang="0">
+                  <a:pos x="connsiteX1" y="connsiteY1"/>
+                </a:cxn>
+                <a:cxn ang="0">
+                  <a:pos x="connsiteX2" y="connsiteY2"/>
+                </a:cxn>
+                <a:cxn ang="0">
+                  <a:pos x="connsiteX3" y="connsiteY3"/>
+                </a:cxn>
+              </a:cxnLst>
+              <a:rect l="l" t="t" r="r" b="b"/>
+              <a:pathLst>
+                <a:path w="145080" h="1524197">
+                  <a:moveTo>
+                    <a:pt x="145080" y="1524197"/>
+                  </a:moveTo>
+                  <a:cubicBezTo>
+                    <a:pt x="105289" y="1386630"/>
+                    <a:pt x="93056" y="1485673"/>
+                    <a:pt x="25708" y="1111496"/>
+                  </a:cubicBezTo>
+                  <a:cubicBezTo>
+                    <a:pt x="21973" y="986567"/>
+                    <a:pt x="0" y="772935"/>
+                    <a:pt x="19291" y="587686"/>
+                  </a:cubicBezTo>
+                  <a:cubicBezTo>
+                    <a:pt x="38582" y="402437"/>
+                    <a:pt x="26579" y="466730"/>
+                    <a:pt x="141454" y="0"/>
+                  </a:cubicBezTo>
+                </a:path>
+              </a:pathLst>
+            </a:custGeom>
+            <a:ln>
+              <a:solidFill>
+                <a:schemeClr val="tx1"/>
+              </a:solidFill>
+              <a:tailEnd type="triangle" w="lg" len="lg"/>
+            </a:ln>
+          </p:spPr>
+          <p:style>
+            <a:lnRef idx="2">
+              <a:schemeClr val="accent1"/>
+            </a:lnRef>
+            <a:fillRef idx="0">
+              <a:schemeClr val="accent1"/>
+            </a:fillRef>
+            <a:effectRef idx="1">
+              <a:schemeClr val="accent1"/>
+            </a:effectRef>
+            <a:fontRef idx="minor">
+              <a:schemeClr val="tx1"/>
+            </a:fontRef>
+          </p:style>
+          <p:txBody>
+            <a:bodyPr rtlCol="0" anchor="ctr"/>
+            <a:lstStyle/>
+            <a:p>
+              <a:pPr algn="ctr"/>
+              <a:endParaRPr lang="en-US"/>
+            </a:p>
+          </p:txBody>
+        </p:sp>
+      </p:grpSp>
+      <p:grpSp>
+        <p:nvGrpSpPr>
+          <p:cNvPr id="24" name="Group 14"/>
+          <p:cNvGrpSpPr/>
+          <p:nvPr/>
+        </p:nvGrpSpPr>
+        <p:grpSpPr>
+          <a:xfrm rot="18314677" flipH="1">
+            <a:off x="7636766" y="3432519"/>
+            <a:ext cx="178423" cy="895306"/>
+            <a:chOff x="4121357" y="2831355"/>
+            <a:chExt cx="612504" cy="1242607"/>
+          </a:xfrm>
+        </p:grpSpPr>
+        <p:sp>
+          <p:nvSpPr>
+            <p:cNvPr id="25" name="Freeform 24"/>
+            <p:cNvSpPr/>
+            <p:nvPr/>
+          </p:nvSpPr>
+          <p:spPr>
+            <a:xfrm flipV="1">
+              <a:off x="4121357" y="2831355"/>
+              <a:ext cx="149068" cy="1242607"/>
+            </a:xfrm>
+            <a:custGeom>
+              <a:avLst/>
+              <a:gdLst>
+                <a:gd name="connsiteX0" fmla="*/ 505511 w 505511"/>
+                <a:gd name="connsiteY0" fmla="*/ 1763059 h 1763059"/>
+                <a:gd name="connsiteX1" fmla="*/ 72216 w 505511"/>
+                <a:gd name="connsiteY1" fmla="*/ 1374588 h 1763059"/>
+                <a:gd name="connsiteX2" fmla="*/ 72216 w 505511"/>
+                <a:gd name="connsiteY2" fmla="*/ 343647 h 1763059"/>
+                <a:gd name="connsiteX3" fmla="*/ 505511 w 505511"/>
+                <a:gd name="connsiteY3" fmla="*/ 0 h 1763059"/>
+                <a:gd name="connsiteX0" fmla="*/ 508001 w 508001"/>
+                <a:gd name="connsiteY0" fmla="*/ 1763059 h 1763059"/>
+                <a:gd name="connsiteX1" fmla="*/ 74706 w 508001"/>
+                <a:gd name="connsiteY1" fmla="*/ 1374588 h 1763059"/>
+                <a:gd name="connsiteX2" fmla="*/ 59765 w 508001"/>
+                <a:gd name="connsiteY2" fmla="*/ 978647 h 1763059"/>
+                <a:gd name="connsiteX3" fmla="*/ 74706 w 508001"/>
+                <a:gd name="connsiteY3" fmla="*/ 343647 h 1763059"/>
+                <a:gd name="connsiteX4" fmla="*/ 508001 w 508001"/>
+                <a:gd name="connsiteY4" fmla="*/ 0 h 1763059"/>
+                <a:gd name="connsiteX0" fmla="*/ 520452 w 520452"/>
+                <a:gd name="connsiteY0" fmla="*/ 1763059 h 1763059"/>
+                <a:gd name="connsiteX1" fmla="*/ 72216 w 520452"/>
+                <a:gd name="connsiteY1" fmla="*/ 978647 h 1763059"/>
+                <a:gd name="connsiteX2" fmla="*/ 87157 w 520452"/>
+                <a:gd name="connsiteY2" fmla="*/ 343647 h 1763059"/>
+                <a:gd name="connsiteX3" fmla="*/ 520452 w 520452"/>
+                <a:gd name="connsiteY3" fmla="*/ 0 h 1763059"/>
+                <a:gd name="connsiteX0" fmla="*/ 520452 w 520452"/>
+                <a:gd name="connsiteY0" fmla="*/ 1763059 h 1763059"/>
+                <a:gd name="connsiteX1" fmla="*/ 72216 w 520452"/>
+                <a:gd name="connsiteY1" fmla="*/ 1253285 h 1763059"/>
+                <a:gd name="connsiteX2" fmla="*/ 87157 w 520452"/>
+                <a:gd name="connsiteY2" fmla="*/ 343647 h 1763059"/>
+                <a:gd name="connsiteX3" fmla="*/ 520452 w 520452"/>
+                <a:gd name="connsiteY3" fmla="*/ 0 h 1763059"/>
+                <a:gd name="connsiteX0" fmla="*/ 482352 w 482352"/>
+                <a:gd name="connsiteY0" fmla="*/ 1763059 h 1763059"/>
+                <a:gd name="connsiteX1" fmla="*/ 34116 w 482352"/>
+                <a:gd name="connsiteY1" fmla="*/ 1253285 h 1763059"/>
+                <a:gd name="connsiteX2" fmla="*/ 277657 w 482352"/>
+                <a:gd name="connsiteY2" fmla="*/ 618285 h 1763059"/>
+                <a:gd name="connsiteX3" fmla="*/ 482352 w 482352"/>
+                <a:gd name="connsiteY3" fmla="*/ 0 h 1763059"/>
+                <a:gd name="connsiteX0" fmla="*/ 253752 w 253752"/>
+                <a:gd name="connsiteY0" fmla="*/ 1763059 h 1763059"/>
+                <a:gd name="connsiteX1" fmla="*/ 34116 w 253752"/>
+                <a:gd name="connsiteY1" fmla="*/ 1253285 h 1763059"/>
+                <a:gd name="connsiteX2" fmla="*/ 49057 w 253752"/>
+                <a:gd name="connsiteY2" fmla="*/ 618285 h 1763059"/>
+                <a:gd name="connsiteX3" fmla="*/ 253752 w 253752"/>
+                <a:gd name="connsiteY3" fmla="*/ 0 h 1763059"/>
+                <a:gd name="connsiteX0" fmla="*/ 253752 w 253752"/>
+                <a:gd name="connsiteY0" fmla="*/ 1763059 h 1763059"/>
+                <a:gd name="connsiteX1" fmla="*/ 34116 w 253752"/>
+                <a:gd name="connsiteY1" fmla="*/ 1253285 h 1763059"/>
+                <a:gd name="connsiteX2" fmla="*/ 49057 w 253752"/>
+                <a:gd name="connsiteY2" fmla="*/ 618285 h 1763059"/>
+                <a:gd name="connsiteX3" fmla="*/ 44575 w 253752"/>
+                <a:gd name="connsiteY3" fmla="*/ 597647 h 1763059"/>
+                <a:gd name="connsiteX4" fmla="*/ 253752 w 253752"/>
+                <a:gd name="connsiteY4" fmla="*/ 0 h 1763059"/>
+                <a:gd name="connsiteX0" fmla="*/ 288365 w 288365"/>
+                <a:gd name="connsiteY0" fmla="*/ 1763059 h 1763059"/>
+                <a:gd name="connsiteX1" fmla="*/ 68729 w 288365"/>
+                <a:gd name="connsiteY1" fmla="*/ 1253285 h 1763059"/>
+                <a:gd name="connsiteX2" fmla="*/ 83670 w 288365"/>
+                <a:gd name="connsiteY2" fmla="*/ 618285 h 1763059"/>
+                <a:gd name="connsiteX3" fmla="*/ 79188 w 288365"/>
+                <a:gd name="connsiteY3" fmla="*/ 597647 h 1763059"/>
+                <a:gd name="connsiteX4" fmla="*/ 288365 w 288365"/>
+                <a:gd name="connsiteY4" fmla="*/ 0 h 1763059"/>
+                <a:gd name="connsiteX0" fmla="*/ 288365 w 288365"/>
+                <a:gd name="connsiteY0" fmla="*/ 1763059 h 1763059"/>
+                <a:gd name="connsiteX1" fmla="*/ 68729 w 288365"/>
+                <a:gd name="connsiteY1" fmla="*/ 1253285 h 1763059"/>
+                <a:gd name="connsiteX2" fmla="*/ 83670 w 288365"/>
+                <a:gd name="connsiteY2" fmla="*/ 618285 h 1763059"/>
+                <a:gd name="connsiteX3" fmla="*/ 79188 w 288365"/>
+                <a:gd name="connsiteY3" fmla="*/ 597647 h 1763059"/>
+                <a:gd name="connsiteX4" fmla="*/ 288365 w 288365"/>
+                <a:gd name="connsiteY4" fmla="*/ 0 h 1763059"/>
+                <a:gd name="connsiteX0" fmla="*/ 836705 w 836705"/>
+                <a:gd name="connsiteY0" fmla="*/ 1763059 h 1763059"/>
+                <a:gd name="connsiteX1" fmla="*/ 617069 w 836705"/>
+                <a:gd name="connsiteY1" fmla="*/ 1253285 h 1763059"/>
+                <a:gd name="connsiteX2" fmla="*/ 632010 w 836705"/>
+                <a:gd name="connsiteY2" fmla="*/ 618285 h 1763059"/>
+                <a:gd name="connsiteX3" fmla="*/ 627528 w 836705"/>
+                <a:gd name="connsiteY3" fmla="*/ 597647 h 1763059"/>
+                <a:gd name="connsiteX4" fmla="*/ 836705 w 836705"/>
+                <a:gd name="connsiteY4" fmla="*/ 0 h 1763059"/>
+                <a:gd name="connsiteX0" fmla="*/ 836705 w 836705"/>
+                <a:gd name="connsiteY0" fmla="*/ 1763059 h 1763059"/>
+                <a:gd name="connsiteX1" fmla="*/ 617069 w 836705"/>
+                <a:gd name="connsiteY1" fmla="*/ 1253285 h 1763059"/>
+                <a:gd name="connsiteX2" fmla="*/ 632010 w 836705"/>
+                <a:gd name="connsiteY2" fmla="*/ 618285 h 1763059"/>
+                <a:gd name="connsiteX3" fmla="*/ 627528 w 836705"/>
+                <a:gd name="connsiteY3" fmla="*/ 872285 h 1763059"/>
+                <a:gd name="connsiteX4" fmla="*/ 836705 w 836705"/>
+                <a:gd name="connsiteY4" fmla="*/ 0 h 1763059"/>
+                <a:gd name="connsiteX0" fmla="*/ 253752 w 253752"/>
+                <a:gd name="connsiteY0" fmla="*/ 1763059 h 1763059"/>
+                <a:gd name="connsiteX1" fmla="*/ 34116 w 253752"/>
+                <a:gd name="connsiteY1" fmla="*/ 1253285 h 1763059"/>
+                <a:gd name="connsiteX2" fmla="*/ 49057 w 253752"/>
+                <a:gd name="connsiteY2" fmla="*/ 618285 h 1763059"/>
+                <a:gd name="connsiteX3" fmla="*/ 253752 w 253752"/>
+                <a:gd name="connsiteY3" fmla="*/ 0 h 1763059"/>
+                <a:gd name="connsiteX0" fmla="*/ 238232 w 238232"/>
+                <a:gd name="connsiteY0" fmla="*/ 1763059 h 1763059"/>
+                <a:gd name="connsiteX1" fmla="*/ 37012 w 238232"/>
+                <a:gd name="connsiteY1" fmla="*/ 972881 h 1763059"/>
+                <a:gd name="connsiteX2" fmla="*/ 33537 w 238232"/>
+                <a:gd name="connsiteY2" fmla="*/ 618285 h 1763059"/>
+                <a:gd name="connsiteX3" fmla="*/ 238232 w 238232"/>
+                <a:gd name="connsiteY3" fmla="*/ 0 h 1763059"/>
+                <a:gd name="connsiteX0" fmla="*/ 201220 w 201220"/>
+                <a:gd name="connsiteY0" fmla="*/ 1763059 h 1763059"/>
+                <a:gd name="connsiteX1" fmla="*/ 0 w 201220"/>
+                <a:gd name="connsiteY1" fmla="*/ 972881 h 1763059"/>
+                <a:gd name="connsiteX2" fmla="*/ 201220 w 201220"/>
+                <a:gd name="connsiteY2" fmla="*/ 0 h 1763059"/>
+                <a:gd name="connsiteX0" fmla="*/ 161176 w 161176"/>
+                <a:gd name="connsiteY0" fmla="*/ 1763059 h 1763059"/>
+                <a:gd name="connsiteX1" fmla="*/ 0 w 161176"/>
+                <a:gd name="connsiteY1" fmla="*/ 972881 h 1763059"/>
+                <a:gd name="connsiteX2" fmla="*/ 161176 w 161176"/>
+                <a:gd name="connsiteY2" fmla="*/ 0 h 1763059"/>
+                <a:gd name="connsiteX0" fmla="*/ 93382 w 241709"/>
+                <a:gd name="connsiteY0" fmla="*/ 1763059 h 1763059"/>
+                <a:gd name="connsiteX1" fmla="*/ 80533 w 241709"/>
+                <a:gd name="connsiteY1" fmla="*/ 972881 h 1763059"/>
+                <a:gd name="connsiteX2" fmla="*/ 241709 w 241709"/>
+                <a:gd name="connsiteY2" fmla="*/ 0 h 1763059"/>
+                <a:gd name="connsiteX0" fmla="*/ 93382 w 241709"/>
+                <a:gd name="connsiteY0" fmla="*/ 1763059 h 1763059"/>
+                <a:gd name="connsiteX1" fmla="*/ 80533 w 241709"/>
+                <a:gd name="connsiteY1" fmla="*/ 972881 h 1763059"/>
+                <a:gd name="connsiteX2" fmla="*/ 89690 w 241709"/>
+                <a:gd name="connsiteY2" fmla="*/ 676266 h 1763059"/>
+                <a:gd name="connsiteX3" fmla="*/ 241709 w 241709"/>
+                <a:gd name="connsiteY3" fmla="*/ 0 h 1763059"/>
+                <a:gd name="connsiteX0" fmla="*/ 93382 w 241709"/>
+                <a:gd name="connsiteY0" fmla="*/ 1763059 h 1763059"/>
+                <a:gd name="connsiteX1" fmla="*/ 80533 w 241709"/>
+                <a:gd name="connsiteY1" fmla="*/ 972881 h 1763059"/>
+                <a:gd name="connsiteX2" fmla="*/ 241709 w 241709"/>
+                <a:gd name="connsiteY2" fmla="*/ 0 h 1763059"/>
+                <a:gd name="connsiteX0" fmla="*/ 104678 w 172475"/>
+                <a:gd name="connsiteY0" fmla="*/ 1482655 h 1482655"/>
+                <a:gd name="connsiteX1" fmla="*/ 11299 w 172475"/>
+                <a:gd name="connsiteY1" fmla="*/ 972881 h 1482655"/>
+                <a:gd name="connsiteX2" fmla="*/ 172475 w 172475"/>
+                <a:gd name="connsiteY2" fmla="*/ 0 h 1482655"/>
+                <a:gd name="connsiteX0" fmla="*/ 263519 w 331316"/>
+                <a:gd name="connsiteY0" fmla="*/ 1482655 h 1482655"/>
+                <a:gd name="connsiteX1" fmla="*/ 170140 w 331316"/>
+                <a:gd name="connsiteY1" fmla="*/ 972881 h 1482655"/>
+                <a:gd name="connsiteX2" fmla="*/ 331316 w 331316"/>
+                <a:gd name="connsiteY2" fmla="*/ 0 h 1482655"/>
+                <a:gd name="connsiteX0" fmla="*/ 263519 w 331316"/>
+                <a:gd name="connsiteY0" fmla="*/ 1482655 h 1482655"/>
+                <a:gd name="connsiteX1" fmla="*/ 191952 w 331316"/>
+                <a:gd name="connsiteY1" fmla="*/ 692478 h 1482655"/>
+                <a:gd name="connsiteX2" fmla="*/ 331316 w 331316"/>
+                <a:gd name="connsiteY2" fmla="*/ 0 h 1482655"/>
+                <a:gd name="connsiteX0" fmla="*/ 0 w 67797"/>
+                <a:gd name="connsiteY0" fmla="*/ 1482655 h 1482655"/>
+                <a:gd name="connsiteX1" fmla="*/ 67797 w 67797"/>
+                <a:gd name="connsiteY1" fmla="*/ 0 h 1482655"/>
+                <a:gd name="connsiteX0" fmla="*/ 61307 w 61307"/>
+                <a:gd name="connsiteY0" fmla="*/ 1482655 h 1482655"/>
+                <a:gd name="connsiteX1" fmla="*/ 0 w 61307"/>
+                <a:gd name="connsiteY1" fmla="*/ 0 h 1482655"/>
+                <a:gd name="connsiteX0" fmla="*/ 61307 w 61307"/>
+                <a:gd name="connsiteY0" fmla="*/ 1482655 h 1482655"/>
+                <a:gd name="connsiteX1" fmla="*/ 0 w 61307"/>
+                <a:gd name="connsiteY1" fmla="*/ 0 h 1482655"/>
+                <a:gd name="connsiteX0" fmla="*/ 61307 w 61307"/>
+                <a:gd name="connsiteY0" fmla="*/ 1482655 h 1482655"/>
+                <a:gd name="connsiteX1" fmla="*/ 0 w 61307"/>
+                <a:gd name="connsiteY1" fmla="*/ 0 h 1482655"/>
+                <a:gd name="connsiteX0" fmla="*/ 61307 w 61307"/>
+                <a:gd name="connsiteY0" fmla="*/ 1482655 h 1482655"/>
+                <a:gd name="connsiteX1" fmla="*/ 0 w 61307"/>
+                <a:gd name="connsiteY1" fmla="*/ 0 h 1482655"/>
+                <a:gd name="connsiteX0" fmla="*/ 61307 w 61307"/>
+                <a:gd name="connsiteY0" fmla="*/ 1482655 h 1482655"/>
+                <a:gd name="connsiteX1" fmla="*/ 47134 w 61307"/>
+                <a:gd name="connsiteY1" fmla="*/ 733079 h 1482655"/>
+                <a:gd name="connsiteX2" fmla="*/ 0 w 61307"/>
+                <a:gd name="connsiteY2" fmla="*/ 0 h 1482655"/>
+                <a:gd name="connsiteX0" fmla="*/ 178592 w 178592"/>
+                <a:gd name="connsiteY0" fmla="*/ 1482655 h 1482655"/>
+                <a:gd name="connsiteX1" fmla="*/ 164419 w 178592"/>
+                <a:gd name="connsiteY1" fmla="*/ 733079 h 1482655"/>
+                <a:gd name="connsiteX2" fmla="*/ 7856 w 178592"/>
+                <a:gd name="connsiteY2" fmla="*/ 733079 h 1482655"/>
+                <a:gd name="connsiteX3" fmla="*/ 117285 w 178592"/>
+                <a:gd name="connsiteY3" fmla="*/ 0 h 1482655"/>
+                <a:gd name="connsiteX0" fmla="*/ 180413 w 180413"/>
+                <a:gd name="connsiteY0" fmla="*/ 1482655 h 1482655"/>
+                <a:gd name="connsiteX1" fmla="*/ 61041 w 180413"/>
+                <a:gd name="connsiteY1" fmla="*/ 1069954 h 1482655"/>
+                <a:gd name="connsiteX2" fmla="*/ 9677 w 180413"/>
+                <a:gd name="connsiteY2" fmla="*/ 733079 h 1482655"/>
+                <a:gd name="connsiteX3" fmla="*/ 119106 w 180413"/>
+                <a:gd name="connsiteY3" fmla="*/ 0 h 1482655"/>
+                <a:gd name="connsiteX0" fmla="*/ 135466 w 135466"/>
+                <a:gd name="connsiteY0" fmla="*/ 1482655 h 1482655"/>
+                <a:gd name="connsiteX1" fmla="*/ 16094 w 135466"/>
+                <a:gd name="connsiteY1" fmla="*/ 1069954 h 1482655"/>
+                <a:gd name="connsiteX2" fmla="*/ 9677 w 135466"/>
+                <a:gd name="connsiteY2" fmla="*/ 546144 h 1482655"/>
+                <a:gd name="connsiteX3" fmla="*/ 74159 w 135466"/>
+                <a:gd name="connsiteY3" fmla="*/ 0 h 1482655"/>
+                <a:gd name="connsiteX0" fmla="*/ 135466 w 135466"/>
+                <a:gd name="connsiteY0" fmla="*/ 1482655 h 1482655"/>
+                <a:gd name="connsiteX1" fmla="*/ 16094 w 135466"/>
+                <a:gd name="connsiteY1" fmla="*/ 1069954 h 1482655"/>
+                <a:gd name="connsiteX2" fmla="*/ 9677 w 135466"/>
+                <a:gd name="connsiteY2" fmla="*/ 546144 h 1482655"/>
+                <a:gd name="connsiteX3" fmla="*/ 74159 w 135466"/>
+                <a:gd name="connsiteY3" fmla="*/ 0 h 1482655"/>
+                <a:gd name="connsiteX0" fmla="*/ 135466 w 135466"/>
+                <a:gd name="connsiteY0" fmla="*/ 1482655 h 1482655"/>
+                <a:gd name="connsiteX1" fmla="*/ 16094 w 135466"/>
+                <a:gd name="connsiteY1" fmla="*/ 1069954 h 1482655"/>
+                <a:gd name="connsiteX2" fmla="*/ 9677 w 135466"/>
+                <a:gd name="connsiteY2" fmla="*/ 546144 h 1482655"/>
+                <a:gd name="connsiteX3" fmla="*/ 74159 w 135466"/>
+                <a:gd name="connsiteY3" fmla="*/ 0 h 1482655"/>
+                <a:gd name="connsiteX0" fmla="*/ 135466 w 135466"/>
+                <a:gd name="connsiteY0" fmla="*/ 1482655 h 1482655"/>
+                <a:gd name="connsiteX1" fmla="*/ 16094 w 135466"/>
+                <a:gd name="connsiteY1" fmla="*/ 1069954 h 1482655"/>
+                <a:gd name="connsiteX2" fmla="*/ 9677 w 135466"/>
+                <a:gd name="connsiteY2" fmla="*/ 546144 h 1482655"/>
+                <a:gd name="connsiteX3" fmla="*/ 74159 w 135466"/>
+                <a:gd name="connsiteY3" fmla="*/ 0 h 1482655"/>
+                <a:gd name="connsiteX0" fmla="*/ 145080 w 147936"/>
+                <a:gd name="connsiteY0" fmla="*/ 1524197 h 1524197"/>
+                <a:gd name="connsiteX1" fmla="*/ 25708 w 147936"/>
+                <a:gd name="connsiteY1" fmla="*/ 1111496 h 1524197"/>
+                <a:gd name="connsiteX2" fmla="*/ 19291 w 147936"/>
+                <a:gd name="connsiteY2" fmla="*/ 587686 h 1524197"/>
+                <a:gd name="connsiteX3" fmla="*/ 141454 w 147936"/>
+                <a:gd name="connsiteY3" fmla="*/ 0 h 1524197"/>
+                <a:gd name="connsiteX0" fmla="*/ 145080 w 145080"/>
+                <a:gd name="connsiteY0" fmla="*/ 1524197 h 1524197"/>
+                <a:gd name="connsiteX1" fmla="*/ 25708 w 145080"/>
+                <a:gd name="connsiteY1" fmla="*/ 1111496 h 1524197"/>
+                <a:gd name="connsiteX2" fmla="*/ 19291 w 145080"/>
+                <a:gd name="connsiteY2" fmla="*/ 587686 h 1524197"/>
+                <a:gd name="connsiteX3" fmla="*/ 141454 w 145080"/>
+                <a:gd name="connsiteY3" fmla="*/ 0 h 1524197"/>
+              </a:gdLst>
+              <a:ahLst/>
+              <a:cxnLst>
+                <a:cxn ang="0">
+                  <a:pos x="connsiteX0" y="connsiteY0"/>
+                </a:cxn>
+                <a:cxn ang="0">
+                  <a:pos x="connsiteX1" y="connsiteY1"/>
+                </a:cxn>
+                <a:cxn ang="0">
+                  <a:pos x="connsiteX2" y="connsiteY2"/>
+                </a:cxn>
+                <a:cxn ang="0">
+                  <a:pos x="connsiteX3" y="connsiteY3"/>
+                </a:cxn>
+              </a:cxnLst>
+              <a:rect l="l" t="t" r="r" b="b"/>
+              <a:pathLst>
+                <a:path w="145080" h="1524197">
+                  <a:moveTo>
+                    <a:pt x="145080" y="1524197"/>
+                  </a:moveTo>
+                  <a:cubicBezTo>
+                    <a:pt x="105289" y="1386630"/>
+                    <a:pt x="93056" y="1485673"/>
+                    <a:pt x="25708" y="1111496"/>
+                  </a:cubicBezTo>
+                  <a:cubicBezTo>
+                    <a:pt x="21973" y="986567"/>
+                    <a:pt x="0" y="772935"/>
+                    <a:pt x="19291" y="587686"/>
+                  </a:cubicBezTo>
+                  <a:cubicBezTo>
+                    <a:pt x="38582" y="402437"/>
+                    <a:pt x="26579" y="466730"/>
+                    <a:pt x="141454" y="0"/>
+                  </a:cubicBezTo>
+                </a:path>
+              </a:pathLst>
+            </a:custGeom>
+            <a:ln>
+              <a:solidFill>
+                <a:schemeClr val="tx1"/>
+              </a:solidFill>
+              <a:tailEnd type="triangle" w="lg" len="lg"/>
+            </a:ln>
+          </p:spPr>
+          <p:style>
+            <a:lnRef idx="2">
+              <a:schemeClr val="accent1"/>
+            </a:lnRef>
+            <a:fillRef idx="0">
+              <a:schemeClr val="accent1"/>
+            </a:fillRef>
+            <a:effectRef idx="1">
+              <a:schemeClr val="accent1"/>
+            </a:effectRef>
+            <a:fontRef idx="minor">
+              <a:schemeClr val="tx1"/>
+            </a:fontRef>
+          </p:style>
+          <p:txBody>
+            <a:bodyPr rtlCol="0" anchor="ctr"/>
+            <a:lstStyle/>
+            <a:p>
+              <a:pPr algn="ctr"/>
+              <a:endParaRPr lang="en-US"/>
+            </a:p>
+          </p:txBody>
+        </p:sp>
+        <p:sp>
+          <p:nvSpPr>
+            <p:cNvPr id="26" name="Freeform 25"/>
+            <p:cNvSpPr/>
+            <p:nvPr/>
+          </p:nvSpPr>
+          <p:spPr>
+            <a:xfrm flipH="1">
+              <a:off x="4584793" y="2831355"/>
+              <a:ext cx="149068" cy="1242607"/>
+            </a:xfrm>
+            <a:custGeom>
+              <a:avLst/>
+              <a:gdLst>
+                <a:gd name="connsiteX0" fmla="*/ 505511 w 505511"/>
+                <a:gd name="connsiteY0" fmla="*/ 1763059 h 1763059"/>
+                <a:gd name="connsiteX1" fmla="*/ 72216 w 505511"/>
+                <a:gd name="connsiteY1" fmla="*/ 1374588 h 1763059"/>
+                <a:gd name="connsiteX2" fmla="*/ 72216 w 505511"/>
+                <a:gd name="connsiteY2" fmla="*/ 343647 h 1763059"/>
+                <a:gd name="connsiteX3" fmla="*/ 505511 w 505511"/>
+                <a:gd name="connsiteY3" fmla="*/ 0 h 1763059"/>
+                <a:gd name="connsiteX0" fmla="*/ 508001 w 508001"/>
+                <a:gd name="connsiteY0" fmla="*/ 1763059 h 1763059"/>
+                <a:gd name="connsiteX1" fmla="*/ 74706 w 508001"/>
+                <a:gd name="connsiteY1" fmla="*/ 1374588 h 1763059"/>
+                <a:gd name="connsiteX2" fmla="*/ 59765 w 508001"/>
+                <a:gd name="connsiteY2" fmla="*/ 978647 h 1763059"/>
+                <a:gd name="connsiteX3" fmla="*/ 74706 w 508001"/>
+                <a:gd name="connsiteY3" fmla="*/ 343647 h 1763059"/>
+                <a:gd name="connsiteX4" fmla="*/ 508001 w 508001"/>
+                <a:gd name="connsiteY4" fmla="*/ 0 h 1763059"/>
+                <a:gd name="connsiteX0" fmla="*/ 520452 w 520452"/>
+                <a:gd name="connsiteY0" fmla="*/ 1763059 h 1763059"/>
+                <a:gd name="connsiteX1" fmla="*/ 72216 w 520452"/>
+                <a:gd name="connsiteY1" fmla="*/ 978647 h 1763059"/>
+                <a:gd name="connsiteX2" fmla="*/ 87157 w 520452"/>
+                <a:gd name="connsiteY2" fmla="*/ 343647 h 1763059"/>
+                <a:gd name="connsiteX3" fmla="*/ 520452 w 520452"/>
+                <a:gd name="connsiteY3" fmla="*/ 0 h 1763059"/>
+                <a:gd name="connsiteX0" fmla="*/ 520452 w 520452"/>
+                <a:gd name="connsiteY0" fmla="*/ 1763059 h 1763059"/>
+                <a:gd name="connsiteX1" fmla="*/ 72216 w 520452"/>
+                <a:gd name="connsiteY1" fmla="*/ 1253285 h 1763059"/>
+                <a:gd name="connsiteX2" fmla="*/ 87157 w 520452"/>
+                <a:gd name="connsiteY2" fmla="*/ 343647 h 1763059"/>
+                <a:gd name="connsiteX3" fmla="*/ 520452 w 520452"/>
+                <a:gd name="connsiteY3" fmla="*/ 0 h 1763059"/>
+                <a:gd name="connsiteX0" fmla="*/ 482352 w 482352"/>
+                <a:gd name="connsiteY0" fmla="*/ 1763059 h 1763059"/>
+                <a:gd name="connsiteX1" fmla="*/ 34116 w 482352"/>
+                <a:gd name="connsiteY1" fmla="*/ 1253285 h 1763059"/>
+                <a:gd name="connsiteX2" fmla="*/ 277657 w 482352"/>
+                <a:gd name="connsiteY2" fmla="*/ 618285 h 1763059"/>
+                <a:gd name="connsiteX3" fmla="*/ 482352 w 482352"/>
+                <a:gd name="connsiteY3" fmla="*/ 0 h 1763059"/>
+                <a:gd name="connsiteX0" fmla="*/ 253752 w 253752"/>
+                <a:gd name="connsiteY0" fmla="*/ 1763059 h 1763059"/>
+                <a:gd name="connsiteX1" fmla="*/ 34116 w 253752"/>
+                <a:gd name="connsiteY1" fmla="*/ 1253285 h 1763059"/>
+                <a:gd name="connsiteX2" fmla="*/ 49057 w 253752"/>
+                <a:gd name="connsiteY2" fmla="*/ 618285 h 1763059"/>
+                <a:gd name="connsiteX3" fmla="*/ 253752 w 253752"/>
+                <a:gd name="connsiteY3" fmla="*/ 0 h 1763059"/>
+                <a:gd name="connsiteX0" fmla="*/ 253752 w 253752"/>
+                <a:gd name="connsiteY0" fmla="*/ 1763059 h 1763059"/>
+                <a:gd name="connsiteX1" fmla="*/ 34116 w 253752"/>
+                <a:gd name="connsiteY1" fmla="*/ 1253285 h 1763059"/>
+                <a:gd name="connsiteX2" fmla="*/ 49057 w 253752"/>
+                <a:gd name="connsiteY2" fmla="*/ 618285 h 1763059"/>
+                <a:gd name="connsiteX3" fmla="*/ 44575 w 253752"/>
+                <a:gd name="connsiteY3" fmla="*/ 597647 h 1763059"/>
+                <a:gd name="connsiteX4" fmla="*/ 253752 w 253752"/>
+                <a:gd name="connsiteY4" fmla="*/ 0 h 1763059"/>
+                <a:gd name="connsiteX0" fmla="*/ 288365 w 288365"/>
+                <a:gd name="connsiteY0" fmla="*/ 1763059 h 1763059"/>
+                <a:gd name="connsiteX1" fmla="*/ 68729 w 288365"/>
+                <a:gd name="connsiteY1" fmla="*/ 1253285 h 1763059"/>
+                <a:gd name="connsiteX2" fmla="*/ 83670 w 288365"/>
+                <a:gd name="connsiteY2" fmla="*/ 618285 h 1763059"/>
+                <a:gd name="connsiteX3" fmla="*/ 79188 w 288365"/>
+                <a:gd name="connsiteY3" fmla="*/ 597647 h 1763059"/>
+                <a:gd name="connsiteX4" fmla="*/ 288365 w 288365"/>
+                <a:gd name="connsiteY4" fmla="*/ 0 h 1763059"/>
+                <a:gd name="connsiteX0" fmla="*/ 288365 w 288365"/>
+                <a:gd name="connsiteY0" fmla="*/ 1763059 h 1763059"/>
+                <a:gd name="connsiteX1" fmla="*/ 68729 w 288365"/>
+                <a:gd name="connsiteY1" fmla="*/ 1253285 h 1763059"/>
+                <a:gd name="connsiteX2" fmla="*/ 83670 w 288365"/>
+                <a:gd name="connsiteY2" fmla="*/ 618285 h 1763059"/>
+                <a:gd name="connsiteX3" fmla="*/ 79188 w 288365"/>
+                <a:gd name="connsiteY3" fmla="*/ 597647 h 1763059"/>
+                <a:gd name="connsiteX4" fmla="*/ 288365 w 288365"/>
+                <a:gd name="connsiteY4" fmla="*/ 0 h 1763059"/>
+                <a:gd name="connsiteX0" fmla="*/ 836705 w 836705"/>
+                <a:gd name="connsiteY0" fmla="*/ 1763059 h 1763059"/>
+                <a:gd name="connsiteX1" fmla="*/ 617069 w 836705"/>
+                <a:gd name="connsiteY1" fmla="*/ 1253285 h 1763059"/>
+                <a:gd name="connsiteX2" fmla="*/ 632010 w 836705"/>
+                <a:gd name="connsiteY2" fmla="*/ 618285 h 1763059"/>
+                <a:gd name="connsiteX3" fmla="*/ 627528 w 836705"/>
+                <a:gd name="connsiteY3" fmla="*/ 597647 h 1763059"/>
+                <a:gd name="connsiteX4" fmla="*/ 836705 w 836705"/>
+                <a:gd name="connsiteY4" fmla="*/ 0 h 1763059"/>
+                <a:gd name="connsiteX0" fmla="*/ 836705 w 836705"/>
+                <a:gd name="connsiteY0" fmla="*/ 1763059 h 1763059"/>
+                <a:gd name="connsiteX1" fmla="*/ 617069 w 836705"/>
+                <a:gd name="connsiteY1" fmla="*/ 1253285 h 1763059"/>
+                <a:gd name="connsiteX2" fmla="*/ 632010 w 836705"/>
+                <a:gd name="connsiteY2" fmla="*/ 618285 h 1763059"/>
+                <a:gd name="connsiteX3" fmla="*/ 627528 w 836705"/>
+                <a:gd name="connsiteY3" fmla="*/ 872285 h 1763059"/>
+                <a:gd name="connsiteX4" fmla="*/ 836705 w 836705"/>
+                <a:gd name="connsiteY4" fmla="*/ 0 h 1763059"/>
+                <a:gd name="connsiteX0" fmla="*/ 253752 w 253752"/>
+                <a:gd name="connsiteY0" fmla="*/ 1763059 h 1763059"/>
+                <a:gd name="connsiteX1" fmla="*/ 34116 w 253752"/>
+                <a:gd name="connsiteY1" fmla="*/ 1253285 h 1763059"/>
+                <a:gd name="connsiteX2" fmla="*/ 49057 w 253752"/>
+                <a:gd name="connsiteY2" fmla="*/ 618285 h 1763059"/>
+                <a:gd name="connsiteX3" fmla="*/ 253752 w 253752"/>
+                <a:gd name="connsiteY3" fmla="*/ 0 h 1763059"/>
+                <a:gd name="connsiteX0" fmla="*/ 238232 w 238232"/>
+                <a:gd name="connsiteY0" fmla="*/ 1763059 h 1763059"/>
+                <a:gd name="connsiteX1" fmla="*/ 37012 w 238232"/>
+                <a:gd name="connsiteY1" fmla="*/ 972881 h 1763059"/>
+                <a:gd name="connsiteX2" fmla="*/ 33537 w 238232"/>
+                <a:gd name="connsiteY2" fmla="*/ 618285 h 1763059"/>
+                <a:gd name="connsiteX3" fmla="*/ 238232 w 238232"/>
+                <a:gd name="connsiteY3" fmla="*/ 0 h 1763059"/>
+                <a:gd name="connsiteX0" fmla="*/ 201220 w 201220"/>
+                <a:gd name="connsiteY0" fmla="*/ 1763059 h 1763059"/>
+                <a:gd name="connsiteX1" fmla="*/ 0 w 201220"/>
+                <a:gd name="connsiteY1" fmla="*/ 972881 h 1763059"/>
+                <a:gd name="connsiteX2" fmla="*/ 201220 w 201220"/>
+                <a:gd name="connsiteY2" fmla="*/ 0 h 1763059"/>
+                <a:gd name="connsiteX0" fmla="*/ 161176 w 161176"/>
+                <a:gd name="connsiteY0" fmla="*/ 1763059 h 1763059"/>
+                <a:gd name="connsiteX1" fmla="*/ 0 w 161176"/>
+                <a:gd name="connsiteY1" fmla="*/ 972881 h 1763059"/>
+                <a:gd name="connsiteX2" fmla="*/ 161176 w 161176"/>
+                <a:gd name="connsiteY2" fmla="*/ 0 h 1763059"/>
+                <a:gd name="connsiteX0" fmla="*/ 93382 w 241709"/>
+                <a:gd name="connsiteY0" fmla="*/ 1763059 h 1763059"/>
+                <a:gd name="connsiteX1" fmla="*/ 80533 w 241709"/>
+                <a:gd name="connsiteY1" fmla="*/ 972881 h 1763059"/>
+                <a:gd name="connsiteX2" fmla="*/ 241709 w 241709"/>
+                <a:gd name="connsiteY2" fmla="*/ 0 h 1763059"/>
+                <a:gd name="connsiteX0" fmla="*/ 93382 w 241709"/>
+                <a:gd name="connsiteY0" fmla="*/ 1763059 h 1763059"/>
+                <a:gd name="connsiteX1" fmla="*/ 80533 w 241709"/>
+                <a:gd name="connsiteY1" fmla="*/ 972881 h 1763059"/>
+                <a:gd name="connsiteX2" fmla="*/ 89690 w 241709"/>
+                <a:gd name="connsiteY2" fmla="*/ 676266 h 1763059"/>
+                <a:gd name="connsiteX3" fmla="*/ 241709 w 241709"/>
+                <a:gd name="connsiteY3" fmla="*/ 0 h 1763059"/>
+                <a:gd name="connsiteX0" fmla="*/ 93382 w 241709"/>
+                <a:gd name="connsiteY0" fmla="*/ 1763059 h 1763059"/>
+                <a:gd name="connsiteX1" fmla="*/ 80533 w 241709"/>
+                <a:gd name="connsiteY1" fmla="*/ 972881 h 1763059"/>
+                <a:gd name="connsiteX2" fmla="*/ 241709 w 241709"/>
+                <a:gd name="connsiteY2" fmla="*/ 0 h 1763059"/>
+                <a:gd name="connsiteX0" fmla="*/ 104678 w 172475"/>
+                <a:gd name="connsiteY0" fmla="*/ 1482655 h 1482655"/>
+                <a:gd name="connsiteX1" fmla="*/ 11299 w 172475"/>
+                <a:gd name="connsiteY1" fmla="*/ 972881 h 1482655"/>
+                <a:gd name="connsiteX2" fmla="*/ 172475 w 172475"/>
+                <a:gd name="connsiteY2" fmla="*/ 0 h 1482655"/>
+                <a:gd name="connsiteX0" fmla="*/ 263519 w 331316"/>
+                <a:gd name="connsiteY0" fmla="*/ 1482655 h 1482655"/>
+                <a:gd name="connsiteX1" fmla="*/ 170140 w 331316"/>
+                <a:gd name="connsiteY1" fmla="*/ 972881 h 1482655"/>
+                <a:gd name="connsiteX2" fmla="*/ 331316 w 331316"/>
+                <a:gd name="connsiteY2" fmla="*/ 0 h 1482655"/>
+                <a:gd name="connsiteX0" fmla="*/ 263519 w 331316"/>
+                <a:gd name="connsiteY0" fmla="*/ 1482655 h 1482655"/>
+                <a:gd name="connsiteX1" fmla="*/ 191952 w 331316"/>
+                <a:gd name="connsiteY1" fmla="*/ 692478 h 1482655"/>
+                <a:gd name="connsiteX2" fmla="*/ 331316 w 331316"/>
+                <a:gd name="connsiteY2" fmla="*/ 0 h 1482655"/>
+                <a:gd name="connsiteX0" fmla="*/ 0 w 67797"/>
+                <a:gd name="connsiteY0" fmla="*/ 1482655 h 1482655"/>
+                <a:gd name="connsiteX1" fmla="*/ 67797 w 67797"/>
+                <a:gd name="connsiteY1" fmla="*/ 0 h 1482655"/>
+                <a:gd name="connsiteX0" fmla="*/ 61307 w 61307"/>
+                <a:gd name="connsiteY0" fmla="*/ 1482655 h 1482655"/>
+                <a:gd name="connsiteX1" fmla="*/ 0 w 61307"/>
+                <a:gd name="connsiteY1" fmla="*/ 0 h 1482655"/>
+                <a:gd name="connsiteX0" fmla="*/ 61307 w 61307"/>
+                <a:gd name="connsiteY0" fmla="*/ 1482655 h 1482655"/>
+                <a:gd name="connsiteX1" fmla="*/ 0 w 61307"/>
+                <a:gd name="connsiteY1" fmla="*/ 0 h 1482655"/>
+                <a:gd name="connsiteX0" fmla="*/ 61307 w 61307"/>
+                <a:gd name="connsiteY0" fmla="*/ 1482655 h 1482655"/>
+                <a:gd name="connsiteX1" fmla="*/ 0 w 61307"/>
+                <a:gd name="connsiteY1" fmla="*/ 0 h 1482655"/>
+                <a:gd name="connsiteX0" fmla="*/ 61307 w 61307"/>
+                <a:gd name="connsiteY0" fmla="*/ 1482655 h 1482655"/>
+                <a:gd name="connsiteX1" fmla="*/ 0 w 61307"/>
+                <a:gd name="connsiteY1" fmla="*/ 0 h 1482655"/>
+                <a:gd name="connsiteX0" fmla="*/ 61307 w 61307"/>
+                <a:gd name="connsiteY0" fmla="*/ 1482655 h 1482655"/>
+                <a:gd name="connsiteX1" fmla="*/ 47134 w 61307"/>
+                <a:gd name="connsiteY1" fmla="*/ 733079 h 1482655"/>
+                <a:gd name="connsiteX2" fmla="*/ 0 w 61307"/>
+                <a:gd name="connsiteY2" fmla="*/ 0 h 1482655"/>
+                <a:gd name="connsiteX0" fmla="*/ 178592 w 178592"/>
+                <a:gd name="connsiteY0" fmla="*/ 1482655 h 1482655"/>
+                <a:gd name="connsiteX1" fmla="*/ 164419 w 178592"/>
+                <a:gd name="connsiteY1" fmla="*/ 733079 h 1482655"/>
+                <a:gd name="connsiteX2" fmla="*/ 7856 w 178592"/>
+                <a:gd name="connsiteY2" fmla="*/ 733079 h 1482655"/>
+                <a:gd name="connsiteX3" fmla="*/ 117285 w 178592"/>
+                <a:gd name="connsiteY3" fmla="*/ 0 h 1482655"/>
+                <a:gd name="connsiteX0" fmla="*/ 180413 w 180413"/>
+                <a:gd name="connsiteY0" fmla="*/ 1482655 h 1482655"/>
+                <a:gd name="connsiteX1" fmla="*/ 61041 w 180413"/>
+                <a:gd name="connsiteY1" fmla="*/ 1069954 h 1482655"/>
+                <a:gd name="connsiteX2" fmla="*/ 9677 w 180413"/>
+                <a:gd name="connsiteY2" fmla="*/ 733079 h 1482655"/>
+                <a:gd name="connsiteX3" fmla="*/ 119106 w 180413"/>
+                <a:gd name="connsiteY3" fmla="*/ 0 h 1482655"/>
+                <a:gd name="connsiteX0" fmla="*/ 135466 w 135466"/>
+                <a:gd name="connsiteY0" fmla="*/ 1482655 h 1482655"/>
+                <a:gd name="connsiteX1" fmla="*/ 16094 w 135466"/>
+                <a:gd name="connsiteY1" fmla="*/ 1069954 h 1482655"/>
+                <a:gd name="connsiteX2" fmla="*/ 9677 w 135466"/>
+                <a:gd name="connsiteY2" fmla="*/ 546144 h 1482655"/>
+                <a:gd name="connsiteX3" fmla="*/ 74159 w 135466"/>
+                <a:gd name="connsiteY3" fmla="*/ 0 h 1482655"/>
+                <a:gd name="connsiteX0" fmla="*/ 135466 w 135466"/>
+                <a:gd name="connsiteY0" fmla="*/ 1482655 h 1482655"/>
+                <a:gd name="connsiteX1" fmla="*/ 16094 w 135466"/>
+                <a:gd name="connsiteY1" fmla="*/ 1069954 h 1482655"/>
+                <a:gd name="connsiteX2" fmla="*/ 9677 w 135466"/>
+                <a:gd name="connsiteY2" fmla="*/ 546144 h 1482655"/>
+                <a:gd name="connsiteX3" fmla="*/ 74159 w 135466"/>
+                <a:gd name="connsiteY3" fmla="*/ 0 h 1482655"/>
+                <a:gd name="connsiteX0" fmla="*/ 135466 w 135466"/>
+                <a:gd name="connsiteY0" fmla="*/ 1482655 h 1482655"/>
+                <a:gd name="connsiteX1" fmla="*/ 16094 w 135466"/>
+                <a:gd name="connsiteY1" fmla="*/ 1069954 h 1482655"/>
+                <a:gd name="connsiteX2" fmla="*/ 9677 w 135466"/>
+                <a:gd name="connsiteY2" fmla="*/ 546144 h 1482655"/>
+                <a:gd name="connsiteX3" fmla="*/ 74159 w 135466"/>
+                <a:gd name="connsiteY3" fmla="*/ 0 h 1482655"/>
+                <a:gd name="connsiteX0" fmla="*/ 135466 w 135466"/>
+                <a:gd name="connsiteY0" fmla="*/ 1482655 h 1482655"/>
+                <a:gd name="connsiteX1" fmla="*/ 16094 w 135466"/>
+                <a:gd name="connsiteY1" fmla="*/ 1069954 h 1482655"/>
+                <a:gd name="connsiteX2" fmla="*/ 9677 w 135466"/>
+                <a:gd name="connsiteY2" fmla="*/ 546144 h 1482655"/>
+                <a:gd name="connsiteX3" fmla="*/ 74159 w 135466"/>
+                <a:gd name="connsiteY3" fmla="*/ 0 h 1482655"/>
+                <a:gd name="connsiteX0" fmla="*/ 145080 w 147936"/>
+                <a:gd name="connsiteY0" fmla="*/ 1524197 h 1524197"/>
+                <a:gd name="connsiteX1" fmla="*/ 25708 w 147936"/>
+                <a:gd name="connsiteY1" fmla="*/ 1111496 h 1524197"/>
+                <a:gd name="connsiteX2" fmla="*/ 19291 w 147936"/>
+                <a:gd name="connsiteY2" fmla="*/ 587686 h 1524197"/>
+                <a:gd name="connsiteX3" fmla="*/ 141454 w 147936"/>
+                <a:gd name="connsiteY3" fmla="*/ 0 h 1524197"/>
+                <a:gd name="connsiteX0" fmla="*/ 145080 w 145080"/>
+                <a:gd name="connsiteY0" fmla="*/ 1524197 h 1524197"/>
+                <a:gd name="connsiteX1" fmla="*/ 25708 w 145080"/>
+                <a:gd name="connsiteY1" fmla="*/ 1111496 h 1524197"/>
+                <a:gd name="connsiteX2" fmla="*/ 19291 w 145080"/>
+                <a:gd name="connsiteY2" fmla="*/ 587686 h 1524197"/>
+                <a:gd name="connsiteX3" fmla="*/ 141454 w 145080"/>
+                <a:gd name="connsiteY3" fmla="*/ 0 h 1524197"/>
+              </a:gdLst>
+              <a:ahLst/>
+              <a:cxnLst>
+                <a:cxn ang="0">
+                  <a:pos x="connsiteX0" y="connsiteY0"/>
+                </a:cxn>
+                <a:cxn ang="0">
+                  <a:pos x="connsiteX1" y="connsiteY1"/>
+                </a:cxn>
+                <a:cxn ang="0">
+                  <a:pos x="connsiteX2" y="connsiteY2"/>
+                </a:cxn>
+                <a:cxn ang="0">
+                  <a:pos x="connsiteX3" y="connsiteY3"/>
+                </a:cxn>
+              </a:cxnLst>
+              <a:rect l="l" t="t" r="r" b="b"/>
+              <a:pathLst>
+                <a:path w="145080" h="1524197">
+                  <a:moveTo>
+                    <a:pt x="145080" y="1524197"/>
+                  </a:moveTo>
+                  <a:cubicBezTo>
+                    <a:pt x="105289" y="1386630"/>
+                    <a:pt x="93056" y="1485673"/>
+                    <a:pt x="25708" y="1111496"/>
+                  </a:cubicBezTo>
+                  <a:cubicBezTo>
+                    <a:pt x="21973" y="986567"/>
+                    <a:pt x="0" y="772935"/>
+                    <a:pt x="19291" y="587686"/>
+                  </a:cubicBezTo>
+                  <a:cubicBezTo>
+                    <a:pt x="38582" y="402437"/>
+                    <a:pt x="26579" y="466730"/>
+                    <a:pt x="141454" y="0"/>
+                  </a:cubicBezTo>
+                </a:path>
+              </a:pathLst>
+            </a:custGeom>
+            <a:ln>
+              <a:solidFill>
+                <a:schemeClr val="tx1"/>
+              </a:solidFill>
+              <a:tailEnd type="triangle" w="lg" len="lg"/>
+            </a:ln>
+          </p:spPr>
+          <p:style>
+            <a:lnRef idx="2">
+              <a:schemeClr val="accent1"/>
+            </a:lnRef>
+            <a:fillRef idx="0">
+              <a:schemeClr val="accent1"/>
+            </a:fillRef>
+            <a:effectRef idx="1">
+              <a:schemeClr val="accent1"/>
+            </a:effectRef>
+            <a:fontRef idx="minor">
+              <a:schemeClr val="tx1"/>
+            </a:fontRef>
+          </p:style>
+          <p:txBody>
+            <a:bodyPr rtlCol="0" anchor="ctr"/>
+            <a:lstStyle/>
+            <a:p>
+              <a:pPr algn="ctr"/>
+              <a:endParaRPr lang="en-US"/>
+            </a:p>
+          </p:txBody>
+        </p:sp>
+      </p:grpSp>
+      <p:grpSp>
+        <p:nvGrpSpPr>
+          <p:cNvPr id="27" name="Group 14"/>
+          <p:cNvGrpSpPr/>
+          <p:nvPr/>
+        </p:nvGrpSpPr>
+        <p:grpSpPr>
+          <a:xfrm rot="3285323">
+            <a:off x="6554576" y="3419302"/>
+            <a:ext cx="178423" cy="895306"/>
+            <a:chOff x="4121357" y="2831355"/>
+            <a:chExt cx="612504" cy="1242607"/>
+          </a:xfrm>
+        </p:grpSpPr>
+        <p:sp>
+          <p:nvSpPr>
+            <p:cNvPr id="28" name="Freeform 27"/>
+            <p:cNvSpPr/>
+            <p:nvPr/>
+          </p:nvSpPr>
+          <p:spPr>
+            <a:xfrm flipV="1">
+              <a:off x="4121357" y="2831355"/>
+              <a:ext cx="149068" cy="1242607"/>
+            </a:xfrm>
+            <a:custGeom>
+              <a:avLst/>
+              <a:gdLst>
+                <a:gd name="connsiteX0" fmla="*/ 505511 w 505511"/>
+                <a:gd name="connsiteY0" fmla="*/ 1763059 h 1763059"/>
+                <a:gd name="connsiteX1" fmla="*/ 72216 w 505511"/>
+                <a:gd name="connsiteY1" fmla="*/ 1374588 h 1763059"/>
+                <a:gd name="connsiteX2" fmla="*/ 72216 w 505511"/>
+                <a:gd name="connsiteY2" fmla="*/ 343647 h 1763059"/>
+                <a:gd name="connsiteX3" fmla="*/ 505511 w 505511"/>
+                <a:gd name="connsiteY3" fmla="*/ 0 h 1763059"/>
+                <a:gd name="connsiteX0" fmla="*/ 508001 w 508001"/>
+                <a:gd name="connsiteY0" fmla="*/ 1763059 h 1763059"/>
+                <a:gd name="connsiteX1" fmla="*/ 74706 w 508001"/>
+                <a:gd name="connsiteY1" fmla="*/ 1374588 h 1763059"/>
+                <a:gd name="connsiteX2" fmla="*/ 59765 w 508001"/>
+                <a:gd name="connsiteY2" fmla="*/ 978647 h 1763059"/>
+                <a:gd name="connsiteX3" fmla="*/ 74706 w 508001"/>
+                <a:gd name="connsiteY3" fmla="*/ 343647 h 1763059"/>
+                <a:gd name="connsiteX4" fmla="*/ 508001 w 508001"/>
+                <a:gd name="connsiteY4" fmla="*/ 0 h 1763059"/>
+                <a:gd name="connsiteX0" fmla="*/ 520452 w 520452"/>
+                <a:gd name="connsiteY0" fmla="*/ 1763059 h 1763059"/>
+                <a:gd name="connsiteX1" fmla="*/ 72216 w 520452"/>
+                <a:gd name="connsiteY1" fmla="*/ 978647 h 1763059"/>
+                <a:gd name="connsiteX2" fmla="*/ 87157 w 520452"/>
+                <a:gd name="connsiteY2" fmla="*/ 343647 h 1763059"/>
+                <a:gd name="connsiteX3" fmla="*/ 520452 w 520452"/>
+                <a:gd name="connsiteY3" fmla="*/ 0 h 1763059"/>
+                <a:gd name="connsiteX0" fmla="*/ 520452 w 520452"/>
+                <a:gd name="connsiteY0" fmla="*/ 1763059 h 1763059"/>
+                <a:gd name="connsiteX1" fmla="*/ 72216 w 520452"/>
+                <a:gd name="connsiteY1" fmla="*/ 1253285 h 1763059"/>
+                <a:gd name="connsiteX2" fmla="*/ 87157 w 520452"/>
+                <a:gd name="connsiteY2" fmla="*/ 343647 h 1763059"/>
+                <a:gd name="connsiteX3" fmla="*/ 520452 w 520452"/>
+                <a:gd name="connsiteY3" fmla="*/ 0 h 1763059"/>
+                <a:gd name="connsiteX0" fmla="*/ 482352 w 482352"/>
+                <a:gd name="connsiteY0" fmla="*/ 1763059 h 1763059"/>
+                <a:gd name="connsiteX1" fmla="*/ 34116 w 482352"/>
+                <a:gd name="connsiteY1" fmla="*/ 1253285 h 1763059"/>
+                <a:gd name="connsiteX2" fmla="*/ 277657 w 482352"/>
+                <a:gd name="connsiteY2" fmla="*/ 618285 h 1763059"/>
+                <a:gd name="connsiteX3" fmla="*/ 482352 w 482352"/>
+                <a:gd name="connsiteY3" fmla="*/ 0 h 1763059"/>
+                <a:gd name="connsiteX0" fmla="*/ 253752 w 253752"/>
+                <a:gd name="connsiteY0" fmla="*/ 1763059 h 1763059"/>
+                <a:gd name="connsiteX1" fmla="*/ 34116 w 253752"/>
+                <a:gd name="connsiteY1" fmla="*/ 1253285 h 1763059"/>
+                <a:gd name="connsiteX2" fmla="*/ 49057 w 253752"/>
+                <a:gd name="connsiteY2" fmla="*/ 618285 h 1763059"/>
+                <a:gd name="connsiteX3" fmla="*/ 253752 w 253752"/>
+                <a:gd name="connsiteY3" fmla="*/ 0 h 1763059"/>
+                <a:gd name="connsiteX0" fmla="*/ 253752 w 253752"/>
+                <a:gd name="connsiteY0" fmla="*/ 1763059 h 1763059"/>
+                <a:gd name="connsiteX1" fmla="*/ 34116 w 253752"/>
+                <a:gd name="connsiteY1" fmla="*/ 1253285 h 1763059"/>
+                <a:gd name="connsiteX2" fmla="*/ 49057 w 253752"/>
+                <a:gd name="connsiteY2" fmla="*/ 618285 h 1763059"/>
+                <a:gd name="connsiteX3" fmla="*/ 44575 w 253752"/>
+                <a:gd name="connsiteY3" fmla="*/ 597647 h 1763059"/>
+                <a:gd name="connsiteX4" fmla="*/ 253752 w 253752"/>
+                <a:gd name="connsiteY4" fmla="*/ 0 h 1763059"/>
+                <a:gd name="connsiteX0" fmla="*/ 288365 w 288365"/>
+                <a:gd name="connsiteY0" fmla="*/ 1763059 h 1763059"/>
+                <a:gd name="connsiteX1" fmla="*/ 68729 w 288365"/>
+                <a:gd name="connsiteY1" fmla="*/ 1253285 h 1763059"/>
+                <a:gd name="connsiteX2" fmla="*/ 83670 w 288365"/>
+                <a:gd name="connsiteY2" fmla="*/ 618285 h 1763059"/>
+                <a:gd name="connsiteX3" fmla="*/ 79188 w 288365"/>
+                <a:gd name="connsiteY3" fmla="*/ 597647 h 1763059"/>
+                <a:gd name="connsiteX4" fmla="*/ 288365 w 288365"/>
+                <a:gd name="connsiteY4" fmla="*/ 0 h 1763059"/>
+                <a:gd name="connsiteX0" fmla="*/ 288365 w 288365"/>
+                <a:gd name="connsiteY0" fmla="*/ 1763059 h 1763059"/>
+                <a:gd name="connsiteX1" fmla="*/ 68729 w 288365"/>
+                <a:gd name="connsiteY1" fmla="*/ 1253285 h 1763059"/>
+                <a:gd name="connsiteX2" fmla="*/ 83670 w 288365"/>
+                <a:gd name="connsiteY2" fmla="*/ 618285 h 1763059"/>
+                <a:gd name="connsiteX3" fmla="*/ 79188 w 288365"/>
+                <a:gd name="connsiteY3" fmla="*/ 597647 h 1763059"/>
+                <a:gd name="connsiteX4" fmla="*/ 288365 w 288365"/>
+                <a:gd name="connsiteY4" fmla="*/ 0 h 1763059"/>
+                <a:gd name="connsiteX0" fmla="*/ 836705 w 836705"/>
+                <a:gd name="connsiteY0" fmla="*/ 1763059 h 1763059"/>
+                <a:gd name="connsiteX1" fmla="*/ 617069 w 836705"/>
+                <a:gd name="connsiteY1" fmla="*/ 1253285 h 1763059"/>
+                <a:gd name="connsiteX2" fmla="*/ 632010 w 836705"/>
+                <a:gd name="connsiteY2" fmla="*/ 618285 h 1763059"/>
+                <a:gd name="connsiteX3" fmla="*/ 627528 w 836705"/>
+                <a:gd name="connsiteY3" fmla="*/ 597647 h 1763059"/>
+                <a:gd name="connsiteX4" fmla="*/ 836705 w 836705"/>
+                <a:gd name="connsiteY4" fmla="*/ 0 h 1763059"/>
+                <a:gd name="connsiteX0" fmla="*/ 836705 w 836705"/>
+                <a:gd name="connsiteY0" fmla="*/ 1763059 h 1763059"/>
+                <a:gd name="connsiteX1" fmla="*/ 617069 w 836705"/>
+                <a:gd name="connsiteY1" fmla="*/ 1253285 h 1763059"/>
+                <a:gd name="connsiteX2" fmla="*/ 632010 w 836705"/>
+                <a:gd name="connsiteY2" fmla="*/ 618285 h 1763059"/>
+                <a:gd name="connsiteX3" fmla="*/ 627528 w 836705"/>
+                <a:gd name="connsiteY3" fmla="*/ 872285 h 1763059"/>
+                <a:gd name="connsiteX4" fmla="*/ 836705 w 836705"/>
+                <a:gd name="connsiteY4" fmla="*/ 0 h 1763059"/>
+                <a:gd name="connsiteX0" fmla="*/ 253752 w 253752"/>
+                <a:gd name="connsiteY0" fmla="*/ 1763059 h 1763059"/>
+                <a:gd name="connsiteX1" fmla="*/ 34116 w 253752"/>
+                <a:gd name="connsiteY1" fmla="*/ 1253285 h 1763059"/>
+                <a:gd name="connsiteX2" fmla="*/ 49057 w 253752"/>
+                <a:gd name="connsiteY2" fmla="*/ 618285 h 1763059"/>
+                <a:gd name="connsiteX3" fmla="*/ 253752 w 253752"/>
+                <a:gd name="connsiteY3" fmla="*/ 0 h 1763059"/>
+                <a:gd name="connsiteX0" fmla="*/ 238232 w 238232"/>
+                <a:gd name="connsiteY0" fmla="*/ 1763059 h 1763059"/>
+                <a:gd name="connsiteX1" fmla="*/ 37012 w 238232"/>
+                <a:gd name="connsiteY1" fmla="*/ 972881 h 1763059"/>
+                <a:gd name="connsiteX2" fmla="*/ 33537 w 238232"/>
+                <a:gd name="connsiteY2" fmla="*/ 618285 h 1763059"/>
+                <a:gd name="connsiteX3" fmla="*/ 238232 w 238232"/>
+                <a:gd name="connsiteY3" fmla="*/ 0 h 1763059"/>
+                <a:gd name="connsiteX0" fmla="*/ 201220 w 201220"/>
+                <a:gd name="connsiteY0" fmla="*/ 1763059 h 1763059"/>
+                <a:gd name="connsiteX1" fmla="*/ 0 w 201220"/>
+                <a:gd name="connsiteY1" fmla="*/ 972881 h 1763059"/>
+                <a:gd name="connsiteX2" fmla="*/ 201220 w 201220"/>
+                <a:gd name="connsiteY2" fmla="*/ 0 h 1763059"/>
+                <a:gd name="connsiteX0" fmla="*/ 161176 w 161176"/>
+                <a:gd name="connsiteY0" fmla="*/ 1763059 h 1763059"/>
+                <a:gd name="connsiteX1" fmla="*/ 0 w 161176"/>
+                <a:gd name="connsiteY1" fmla="*/ 972881 h 1763059"/>
+                <a:gd name="connsiteX2" fmla="*/ 161176 w 161176"/>
+                <a:gd name="connsiteY2" fmla="*/ 0 h 1763059"/>
+                <a:gd name="connsiteX0" fmla="*/ 93382 w 241709"/>
+                <a:gd name="connsiteY0" fmla="*/ 1763059 h 1763059"/>
+                <a:gd name="connsiteX1" fmla="*/ 80533 w 241709"/>
+                <a:gd name="connsiteY1" fmla="*/ 972881 h 1763059"/>
+                <a:gd name="connsiteX2" fmla="*/ 241709 w 241709"/>
+                <a:gd name="connsiteY2" fmla="*/ 0 h 1763059"/>
+                <a:gd name="connsiteX0" fmla="*/ 93382 w 241709"/>
+                <a:gd name="connsiteY0" fmla="*/ 1763059 h 1763059"/>
+                <a:gd name="connsiteX1" fmla="*/ 80533 w 241709"/>
+                <a:gd name="connsiteY1" fmla="*/ 972881 h 1763059"/>
+                <a:gd name="connsiteX2" fmla="*/ 89690 w 241709"/>
+                <a:gd name="connsiteY2" fmla="*/ 676266 h 1763059"/>
+                <a:gd name="connsiteX3" fmla="*/ 241709 w 241709"/>
+                <a:gd name="connsiteY3" fmla="*/ 0 h 1763059"/>
+                <a:gd name="connsiteX0" fmla="*/ 93382 w 241709"/>
+                <a:gd name="connsiteY0" fmla="*/ 1763059 h 1763059"/>
+                <a:gd name="connsiteX1" fmla="*/ 80533 w 241709"/>
+                <a:gd name="connsiteY1" fmla="*/ 972881 h 1763059"/>
+                <a:gd name="connsiteX2" fmla="*/ 241709 w 241709"/>
+                <a:gd name="connsiteY2" fmla="*/ 0 h 1763059"/>
+                <a:gd name="connsiteX0" fmla="*/ 104678 w 172475"/>
+                <a:gd name="connsiteY0" fmla="*/ 1482655 h 1482655"/>
+                <a:gd name="connsiteX1" fmla="*/ 11299 w 172475"/>
+                <a:gd name="connsiteY1" fmla="*/ 972881 h 1482655"/>
+                <a:gd name="connsiteX2" fmla="*/ 172475 w 172475"/>
+                <a:gd name="connsiteY2" fmla="*/ 0 h 1482655"/>
+                <a:gd name="connsiteX0" fmla="*/ 263519 w 331316"/>
+                <a:gd name="connsiteY0" fmla="*/ 1482655 h 1482655"/>
+                <a:gd name="connsiteX1" fmla="*/ 170140 w 331316"/>
+                <a:gd name="connsiteY1" fmla="*/ 972881 h 1482655"/>
+                <a:gd name="connsiteX2" fmla="*/ 331316 w 331316"/>
+                <a:gd name="connsiteY2" fmla="*/ 0 h 1482655"/>
+                <a:gd name="connsiteX0" fmla="*/ 263519 w 331316"/>
+                <a:gd name="connsiteY0" fmla="*/ 1482655 h 1482655"/>
+                <a:gd name="connsiteX1" fmla="*/ 191952 w 331316"/>
+                <a:gd name="connsiteY1" fmla="*/ 692478 h 1482655"/>
+                <a:gd name="connsiteX2" fmla="*/ 331316 w 331316"/>
+                <a:gd name="connsiteY2" fmla="*/ 0 h 1482655"/>
+                <a:gd name="connsiteX0" fmla="*/ 0 w 67797"/>
+                <a:gd name="connsiteY0" fmla="*/ 1482655 h 1482655"/>
+                <a:gd name="connsiteX1" fmla="*/ 67797 w 67797"/>
+                <a:gd name="connsiteY1" fmla="*/ 0 h 1482655"/>
+                <a:gd name="connsiteX0" fmla="*/ 61307 w 61307"/>
+                <a:gd name="connsiteY0" fmla="*/ 1482655 h 1482655"/>
+                <a:gd name="connsiteX1" fmla="*/ 0 w 61307"/>
+                <a:gd name="connsiteY1" fmla="*/ 0 h 1482655"/>
+                <a:gd name="connsiteX0" fmla="*/ 61307 w 61307"/>
+                <a:gd name="connsiteY0" fmla="*/ 1482655 h 1482655"/>
+                <a:gd name="connsiteX1" fmla="*/ 0 w 61307"/>
+                <a:gd name="connsiteY1" fmla="*/ 0 h 1482655"/>
+                <a:gd name="connsiteX0" fmla="*/ 61307 w 61307"/>
+                <a:gd name="connsiteY0" fmla="*/ 1482655 h 1482655"/>
+                <a:gd name="connsiteX1" fmla="*/ 0 w 61307"/>
+                <a:gd name="connsiteY1" fmla="*/ 0 h 1482655"/>
+                <a:gd name="connsiteX0" fmla="*/ 61307 w 61307"/>
+                <a:gd name="connsiteY0" fmla="*/ 1482655 h 1482655"/>
+                <a:gd name="connsiteX1" fmla="*/ 0 w 61307"/>
+                <a:gd name="connsiteY1" fmla="*/ 0 h 1482655"/>
+                <a:gd name="connsiteX0" fmla="*/ 61307 w 61307"/>
+                <a:gd name="connsiteY0" fmla="*/ 1482655 h 1482655"/>
+                <a:gd name="connsiteX1" fmla="*/ 47134 w 61307"/>
+                <a:gd name="connsiteY1" fmla="*/ 733079 h 1482655"/>
+                <a:gd name="connsiteX2" fmla="*/ 0 w 61307"/>
+                <a:gd name="connsiteY2" fmla="*/ 0 h 1482655"/>
+                <a:gd name="connsiteX0" fmla="*/ 178592 w 178592"/>
+                <a:gd name="connsiteY0" fmla="*/ 1482655 h 1482655"/>
+                <a:gd name="connsiteX1" fmla="*/ 164419 w 178592"/>
+                <a:gd name="connsiteY1" fmla="*/ 733079 h 1482655"/>
+                <a:gd name="connsiteX2" fmla="*/ 7856 w 178592"/>
+                <a:gd name="connsiteY2" fmla="*/ 733079 h 1482655"/>
+                <a:gd name="connsiteX3" fmla="*/ 117285 w 178592"/>
+                <a:gd name="connsiteY3" fmla="*/ 0 h 1482655"/>
+                <a:gd name="connsiteX0" fmla="*/ 180413 w 180413"/>
+                <a:gd name="connsiteY0" fmla="*/ 1482655 h 1482655"/>
+                <a:gd name="connsiteX1" fmla="*/ 61041 w 180413"/>
+                <a:gd name="connsiteY1" fmla="*/ 1069954 h 1482655"/>
+                <a:gd name="connsiteX2" fmla="*/ 9677 w 180413"/>
+                <a:gd name="connsiteY2" fmla="*/ 733079 h 1482655"/>
+                <a:gd name="connsiteX3" fmla="*/ 119106 w 180413"/>
+                <a:gd name="connsiteY3" fmla="*/ 0 h 1482655"/>
+                <a:gd name="connsiteX0" fmla="*/ 135466 w 135466"/>
+                <a:gd name="connsiteY0" fmla="*/ 1482655 h 1482655"/>
+                <a:gd name="connsiteX1" fmla="*/ 16094 w 135466"/>
+                <a:gd name="connsiteY1" fmla="*/ 1069954 h 1482655"/>
+                <a:gd name="connsiteX2" fmla="*/ 9677 w 135466"/>
+                <a:gd name="connsiteY2" fmla="*/ 546144 h 1482655"/>
+                <a:gd name="connsiteX3" fmla="*/ 74159 w 135466"/>
+                <a:gd name="connsiteY3" fmla="*/ 0 h 1482655"/>
+                <a:gd name="connsiteX0" fmla="*/ 135466 w 135466"/>
+                <a:gd name="connsiteY0" fmla="*/ 1482655 h 1482655"/>
+                <a:gd name="connsiteX1" fmla="*/ 16094 w 135466"/>
+                <a:gd name="connsiteY1" fmla="*/ 1069954 h 1482655"/>
+                <a:gd name="connsiteX2" fmla="*/ 9677 w 135466"/>
+                <a:gd name="connsiteY2" fmla="*/ 546144 h 1482655"/>
+                <a:gd name="connsiteX3" fmla="*/ 74159 w 135466"/>
+                <a:gd name="connsiteY3" fmla="*/ 0 h 1482655"/>
+                <a:gd name="connsiteX0" fmla="*/ 135466 w 135466"/>
+                <a:gd name="connsiteY0" fmla="*/ 1482655 h 1482655"/>
+                <a:gd name="connsiteX1" fmla="*/ 16094 w 135466"/>
+                <a:gd name="connsiteY1" fmla="*/ 1069954 h 1482655"/>
+                <a:gd name="connsiteX2" fmla="*/ 9677 w 135466"/>
+                <a:gd name="connsiteY2" fmla="*/ 546144 h 1482655"/>
+                <a:gd name="connsiteX3" fmla="*/ 74159 w 135466"/>
+                <a:gd name="connsiteY3" fmla="*/ 0 h 1482655"/>
+                <a:gd name="connsiteX0" fmla="*/ 135466 w 135466"/>
+                <a:gd name="connsiteY0" fmla="*/ 1482655 h 1482655"/>
+                <a:gd name="connsiteX1" fmla="*/ 16094 w 135466"/>
+                <a:gd name="connsiteY1" fmla="*/ 1069954 h 1482655"/>
+                <a:gd name="connsiteX2" fmla="*/ 9677 w 135466"/>
+                <a:gd name="connsiteY2" fmla="*/ 546144 h 1482655"/>
+                <a:gd name="connsiteX3" fmla="*/ 74159 w 135466"/>
+                <a:gd name="connsiteY3" fmla="*/ 0 h 1482655"/>
+                <a:gd name="connsiteX0" fmla="*/ 145080 w 147936"/>
+                <a:gd name="connsiteY0" fmla="*/ 1524197 h 1524197"/>
+                <a:gd name="connsiteX1" fmla="*/ 25708 w 147936"/>
+                <a:gd name="connsiteY1" fmla="*/ 1111496 h 1524197"/>
+                <a:gd name="connsiteX2" fmla="*/ 19291 w 147936"/>
+                <a:gd name="connsiteY2" fmla="*/ 587686 h 1524197"/>
+                <a:gd name="connsiteX3" fmla="*/ 141454 w 147936"/>
+                <a:gd name="connsiteY3" fmla="*/ 0 h 1524197"/>
+                <a:gd name="connsiteX0" fmla="*/ 145080 w 145080"/>
+                <a:gd name="connsiteY0" fmla="*/ 1524197 h 1524197"/>
+                <a:gd name="connsiteX1" fmla="*/ 25708 w 145080"/>
+                <a:gd name="connsiteY1" fmla="*/ 1111496 h 1524197"/>
+                <a:gd name="connsiteX2" fmla="*/ 19291 w 145080"/>
+                <a:gd name="connsiteY2" fmla="*/ 587686 h 1524197"/>
+                <a:gd name="connsiteX3" fmla="*/ 141454 w 145080"/>
+                <a:gd name="connsiteY3" fmla="*/ 0 h 1524197"/>
+              </a:gdLst>
+              <a:ahLst/>
+              <a:cxnLst>
+                <a:cxn ang="0">
+                  <a:pos x="connsiteX0" y="connsiteY0"/>
+                </a:cxn>
+                <a:cxn ang="0">
+                  <a:pos x="connsiteX1" y="connsiteY1"/>
+                </a:cxn>
+                <a:cxn ang="0">
+                  <a:pos x="connsiteX2" y="connsiteY2"/>
+                </a:cxn>
+                <a:cxn ang="0">
+                  <a:pos x="connsiteX3" y="connsiteY3"/>
+                </a:cxn>
+              </a:cxnLst>
+              <a:rect l="l" t="t" r="r" b="b"/>
+              <a:pathLst>
+                <a:path w="145080" h="1524197">
+                  <a:moveTo>
+                    <a:pt x="145080" y="1524197"/>
+                  </a:moveTo>
+                  <a:cubicBezTo>
+                    <a:pt x="105289" y="1386630"/>
+                    <a:pt x="93056" y="1485673"/>
+                    <a:pt x="25708" y="1111496"/>
+                  </a:cubicBezTo>
+                  <a:cubicBezTo>
+                    <a:pt x="21973" y="986567"/>
+                    <a:pt x="0" y="772935"/>
+                    <a:pt x="19291" y="587686"/>
+                  </a:cubicBezTo>
+                  <a:cubicBezTo>
+                    <a:pt x="38582" y="402437"/>
+                    <a:pt x="26579" y="466730"/>
+                    <a:pt x="141454" y="0"/>
+                  </a:cubicBezTo>
+                </a:path>
+              </a:pathLst>
+            </a:custGeom>
+            <a:ln>
+              <a:solidFill>
+                <a:schemeClr val="tx1"/>
+              </a:solidFill>
+              <a:tailEnd type="triangle" w="lg" len="lg"/>
+            </a:ln>
+          </p:spPr>
+          <p:style>
+            <a:lnRef idx="2">
+              <a:schemeClr val="accent1"/>
+            </a:lnRef>
+            <a:fillRef idx="0">
+              <a:schemeClr val="accent1"/>
+            </a:fillRef>
+            <a:effectRef idx="1">
+              <a:schemeClr val="accent1"/>
+            </a:effectRef>
+            <a:fontRef idx="minor">
+              <a:schemeClr val="tx1"/>
+            </a:fontRef>
+          </p:style>
+          <p:txBody>
+            <a:bodyPr rtlCol="0" anchor="ctr"/>
+            <a:lstStyle/>
+            <a:p>
+              <a:pPr algn="ctr"/>
+              <a:endParaRPr lang="en-US"/>
+            </a:p>
+          </p:txBody>
+        </p:sp>
+        <p:sp>
+          <p:nvSpPr>
+            <p:cNvPr id="29" name="Freeform 28"/>
+            <p:cNvSpPr/>
+            <p:nvPr/>
+          </p:nvSpPr>
+          <p:spPr>
+            <a:xfrm flipH="1">
+              <a:off x="4584793" y="2831355"/>
+              <a:ext cx="149068" cy="1242607"/>
+            </a:xfrm>
+            <a:custGeom>
+              <a:avLst/>
+              <a:gdLst>
+                <a:gd name="connsiteX0" fmla="*/ 505511 w 505511"/>
+                <a:gd name="connsiteY0" fmla="*/ 1763059 h 1763059"/>
+                <a:gd name="connsiteX1" fmla="*/ 72216 w 505511"/>
+                <a:gd name="connsiteY1" fmla="*/ 1374588 h 1763059"/>
+                <a:gd name="connsiteX2" fmla="*/ 72216 w 505511"/>
+                <a:gd name="connsiteY2" fmla="*/ 343647 h 1763059"/>
+                <a:gd name="connsiteX3" fmla="*/ 505511 w 505511"/>
+                <a:gd name="connsiteY3" fmla="*/ 0 h 1763059"/>
+                <a:gd name="connsiteX0" fmla="*/ 508001 w 508001"/>
+                <a:gd name="connsiteY0" fmla="*/ 1763059 h 1763059"/>
+                <a:gd name="connsiteX1" fmla="*/ 74706 w 508001"/>
+                <a:gd name="connsiteY1" fmla="*/ 1374588 h 1763059"/>
+                <a:gd name="connsiteX2" fmla="*/ 59765 w 508001"/>
+                <a:gd name="connsiteY2" fmla="*/ 978647 h 1763059"/>
+                <a:gd name="connsiteX3" fmla="*/ 74706 w 508001"/>
+                <a:gd name="connsiteY3" fmla="*/ 343647 h 1763059"/>
+                <a:gd name="connsiteX4" fmla="*/ 508001 w 508001"/>
+                <a:gd name="connsiteY4" fmla="*/ 0 h 1763059"/>
+                <a:gd name="connsiteX0" fmla="*/ 520452 w 520452"/>
+                <a:gd name="connsiteY0" fmla="*/ 1763059 h 1763059"/>
+                <a:gd name="connsiteX1" fmla="*/ 72216 w 520452"/>
+                <a:gd name="connsiteY1" fmla="*/ 978647 h 1763059"/>
+                <a:gd name="connsiteX2" fmla="*/ 87157 w 520452"/>
+                <a:gd name="connsiteY2" fmla="*/ 343647 h 1763059"/>
+                <a:gd name="connsiteX3" fmla="*/ 520452 w 520452"/>
+                <a:gd name="connsiteY3" fmla="*/ 0 h 1763059"/>
+                <a:gd name="connsiteX0" fmla="*/ 520452 w 520452"/>
+                <a:gd name="connsiteY0" fmla="*/ 1763059 h 1763059"/>
+                <a:gd name="connsiteX1" fmla="*/ 72216 w 520452"/>
+                <a:gd name="connsiteY1" fmla="*/ 1253285 h 1763059"/>
+                <a:gd name="connsiteX2" fmla="*/ 87157 w 520452"/>
+                <a:gd name="connsiteY2" fmla="*/ 343647 h 1763059"/>
+                <a:gd name="connsiteX3" fmla="*/ 520452 w 520452"/>
+                <a:gd name="connsiteY3" fmla="*/ 0 h 1763059"/>
+                <a:gd name="connsiteX0" fmla="*/ 482352 w 482352"/>
+                <a:gd name="connsiteY0" fmla="*/ 1763059 h 1763059"/>
+                <a:gd name="connsiteX1" fmla="*/ 34116 w 482352"/>
+                <a:gd name="connsiteY1" fmla="*/ 1253285 h 1763059"/>
+                <a:gd name="connsiteX2" fmla="*/ 277657 w 482352"/>
+                <a:gd name="connsiteY2" fmla="*/ 618285 h 1763059"/>
+                <a:gd name="connsiteX3" fmla="*/ 482352 w 482352"/>
+                <a:gd name="connsiteY3" fmla="*/ 0 h 1763059"/>
+                <a:gd name="connsiteX0" fmla="*/ 253752 w 253752"/>
+                <a:gd name="connsiteY0" fmla="*/ 1763059 h 1763059"/>
+                <a:gd name="connsiteX1" fmla="*/ 34116 w 253752"/>
+                <a:gd name="connsiteY1" fmla="*/ 1253285 h 1763059"/>
+                <a:gd name="connsiteX2" fmla="*/ 49057 w 253752"/>
+                <a:gd name="connsiteY2" fmla="*/ 618285 h 1763059"/>
+                <a:gd name="connsiteX3" fmla="*/ 253752 w 253752"/>
+                <a:gd name="connsiteY3" fmla="*/ 0 h 1763059"/>
+                <a:gd name="connsiteX0" fmla="*/ 253752 w 253752"/>
+                <a:gd name="connsiteY0" fmla="*/ 1763059 h 1763059"/>
+                <a:gd name="connsiteX1" fmla="*/ 34116 w 253752"/>
+                <a:gd name="connsiteY1" fmla="*/ 1253285 h 1763059"/>
+                <a:gd name="connsiteX2" fmla="*/ 49057 w 253752"/>
+                <a:gd name="connsiteY2" fmla="*/ 618285 h 1763059"/>
+                <a:gd name="connsiteX3" fmla="*/ 44575 w 253752"/>
+                <a:gd name="connsiteY3" fmla="*/ 597647 h 1763059"/>
+                <a:gd name="connsiteX4" fmla="*/ 253752 w 253752"/>
+                <a:gd name="connsiteY4" fmla="*/ 0 h 1763059"/>
+                <a:gd name="connsiteX0" fmla="*/ 288365 w 288365"/>
+                <a:gd name="connsiteY0" fmla="*/ 1763059 h 1763059"/>
+                <a:gd name="connsiteX1" fmla="*/ 68729 w 288365"/>
+                <a:gd name="connsiteY1" fmla="*/ 1253285 h 1763059"/>
+                <a:gd name="connsiteX2" fmla="*/ 83670 w 288365"/>
+                <a:gd name="connsiteY2" fmla="*/ 618285 h 1763059"/>
+                <a:gd name="connsiteX3" fmla="*/ 79188 w 288365"/>
+                <a:gd name="connsiteY3" fmla="*/ 597647 h 1763059"/>
+                <a:gd name="connsiteX4" fmla="*/ 288365 w 288365"/>
+                <a:gd name="connsiteY4" fmla="*/ 0 h 1763059"/>
+                <a:gd name="connsiteX0" fmla="*/ 288365 w 288365"/>
+                <a:gd name="connsiteY0" fmla="*/ 1763059 h 1763059"/>
+                <a:gd name="connsiteX1" fmla="*/ 68729 w 288365"/>
+                <a:gd name="connsiteY1" fmla="*/ 1253285 h 1763059"/>
+                <a:gd name="connsiteX2" fmla="*/ 83670 w 288365"/>
+                <a:gd name="connsiteY2" fmla="*/ 618285 h 1763059"/>
+                <a:gd name="connsiteX3" fmla="*/ 79188 w 288365"/>
+                <a:gd name="connsiteY3" fmla="*/ 597647 h 1763059"/>
+                <a:gd name="connsiteX4" fmla="*/ 288365 w 288365"/>
+                <a:gd name="connsiteY4" fmla="*/ 0 h 1763059"/>
+                <a:gd name="connsiteX0" fmla="*/ 836705 w 836705"/>
+                <a:gd name="connsiteY0" fmla="*/ 1763059 h 1763059"/>
+                <a:gd name="connsiteX1" fmla="*/ 617069 w 836705"/>
+                <a:gd name="connsiteY1" fmla="*/ 1253285 h 1763059"/>
+                <a:gd name="connsiteX2" fmla="*/ 632010 w 836705"/>
+                <a:gd name="connsiteY2" fmla="*/ 618285 h 1763059"/>
+                <a:gd name="connsiteX3" fmla="*/ 627528 w 836705"/>
+                <a:gd name="connsiteY3" fmla="*/ 597647 h 1763059"/>
+                <a:gd name="connsiteX4" fmla="*/ 836705 w 836705"/>
+                <a:gd name="connsiteY4" fmla="*/ 0 h 1763059"/>
+                <a:gd name="connsiteX0" fmla="*/ 836705 w 836705"/>
+                <a:gd name="connsiteY0" fmla="*/ 1763059 h 1763059"/>
+                <a:gd name="connsiteX1" fmla="*/ 617069 w 836705"/>
+                <a:gd name="connsiteY1" fmla="*/ 1253285 h 1763059"/>
+                <a:gd name="connsiteX2" fmla="*/ 632010 w 836705"/>
+                <a:gd name="connsiteY2" fmla="*/ 618285 h 1763059"/>
+                <a:gd name="connsiteX3" fmla="*/ 627528 w 836705"/>
+                <a:gd name="connsiteY3" fmla="*/ 872285 h 1763059"/>
+                <a:gd name="connsiteX4" fmla="*/ 836705 w 836705"/>
+                <a:gd name="connsiteY4" fmla="*/ 0 h 1763059"/>
+                <a:gd name="connsiteX0" fmla="*/ 253752 w 253752"/>
+                <a:gd name="connsiteY0" fmla="*/ 1763059 h 1763059"/>
+                <a:gd name="connsiteX1" fmla="*/ 34116 w 253752"/>
+                <a:gd name="connsiteY1" fmla="*/ 1253285 h 1763059"/>
+                <a:gd name="connsiteX2" fmla="*/ 49057 w 253752"/>
+                <a:gd name="connsiteY2" fmla="*/ 618285 h 1763059"/>
+                <a:gd name="connsiteX3" fmla="*/ 253752 w 253752"/>
+                <a:gd name="connsiteY3" fmla="*/ 0 h 1763059"/>
+                <a:gd name="connsiteX0" fmla="*/ 238232 w 238232"/>
+                <a:gd name="connsiteY0" fmla="*/ 1763059 h 1763059"/>
+                <a:gd name="connsiteX1" fmla="*/ 37012 w 238232"/>
+                <a:gd name="connsiteY1" fmla="*/ 972881 h 1763059"/>
+                <a:gd name="connsiteX2" fmla="*/ 33537 w 238232"/>
+                <a:gd name="connsiteY2" fmla="*/ 618285 h 1763059"/>
+                <a:gd name="connsiteX3" fmla="*/ 238232 w 238232"/>
+                <a:gd name="connsiteY3" fmla="*/ 0 h 1763059"/>
+                <a:gd name="connsiteX0" fmla="*/ 201220 w 201220"/>
+                <a:gd name="connsiteY0" fmla="*/ 1763059 h 1763059"/>
+                <a:gd name="connsiteX1" fmla="*/ 0 w 201220"/>
+                <a:gd name="connsiteY1" fmla="*/ 972881 h 1763059"/>
+                <a:gd name="connsiteX2" fmla="*/ 201220 w 201220"/>
+                <a:gd name="connsiteY2" fmla="*/ 0 h 1763059"/>
+                <a:gd name="connsiteX0" fmla="*/ 161176 w 161176"/>
+                <a:gd name="connsiteY0" fmla="*/ 1763059 h 1763059"/>
+                <a:gd name="connsiteX1" fmla="*/ 0 w 161176"/>
+                <a:gd name="connsiteY1" fmla="*/ 972881 h 1763059"/>
+                <a:gd name="connsiteX2" fmla="*/ 161176 w 161176"/>
+                <a:gd name="connsiteY2" fmla="*/ 0 h 1763059"/>
+                <a:gd name="connsiteX0" fmla="*/ 93382 w 241709"/>
+                <a:gd name="connsiteY0" fmla="*/ 1763059 h 1763059"/>
+                <a:gd name="connsiteX1" fmla="*/ 80533 w 241709"/>
+                <a:gd name="connsiteY1" fmla="*/ 972881 h 1763059"/>
+                <a:gd name="connsiteX2" fmla="*/ 241709 w 241709"/>
+                <a:gd name="connsiteY2" fmla="*/ 0 h 1763059"/>
+                <a:gd name="connsiteX0" fmla="*/ 93382 w 241709"/>
+                <a:gd name="connsiteY0" fmla="*/ 1763059 h 1763059"/>
+                <a:gd name="connsiteX1" fmla="*/ 80533 w 241709"/>
+                <a:gd name="connsiteY1" fmla="*/ 972881 h 1763059"/>
+                <a:gd name="connsiteX2" fmla="*/ 89690 w 241709"/>
+                <a:gd name="connsiteY2" fmla="*/ 676266 h 1763059"/>
+                <a:gd name="connsiteX3" fmla="*/ 241709 w 241709"/>
+                <a:gd name="connsiteY3" fmla="*/ 0 h 1763059"/>
+                <a:gd name="connsiteX0" fmla="*/ 93382 w 241709"/>
+                <a:gd name="connsiteY0" fmla="*/ 1763059 h 1763059"/>
+                <a:gd name="connsiteX1" fmla="*/ 80533 w 241709"/>
+                <a:gd name="connsiteY1" fmla="*/ 972881 h 1763059"/>
+                <a:gd name="connsiteX2" fmla="*/ 241709 w 241709"/>
+                <a:gd name="connsiteY2" fmla="*/ 0 h 1763059"/>
+                <a:gd name="connsiteX0" fmla="*/ 104678 w 172475"/>
+                <a:gd name="connsiteY0" fmla="*/ 1482655 h 1482655"/>
+                <a:gd name="connsiteX1" fmla="*/ 11299 w 172475"/>
+                <a:gd name="connsiteY1" fmla="*/ 972881 h 1482655"/>
+                <a:gd name="connsiteX2" fmla="*/ 172475 w 172475"/>
+                <a:gd name="connsiteY2" fmla="*/ 0 h 1482655"/>
+                <a:gd name="connsiteX0" fmla="*/ 263519 w 331316"/>
+                <a:gd name="connsiteY0" fmla="*/ 1482655 h 1482655"/>
+                <a:gd name="connsiteX1" fmla="*/ 170140 w 331316"/>
+                <a:gd name="connsiteY1" fmla="*/ 972881 h 1482655"/>
+                <a:gd name="connsiteX2" fmla="*/ 331316 w 331316"/>
+                <a:gd name="connsiteY2" fmla="*/ 0 h 1482655"/>
+                <a:gd name="connsiteX0" fmla="*/ 263519 w 331316"/>
+                <a:gd name="connsiteY0" fmla="*/ 1482655 h 1482655"/>
+                <a:gd name="connsiteX1" fmla="*/ 191952 w 331316"/>
+                <a:gd name="connsiteY1" fmla="*/ 692478 h 1482655"/>
+                <a:gd name="connsiteX2" fmla="*/ 331316 w 331316"/>
+                <a:gd name="connsiteY2" fmla="*/ 0 h 1482655"/>
+                <a:gd name="connsiteX0" fmla="*/ 0 w 67797"/>
+                <a:gd name="connsiteY0" fmla="*/ 1482655 h 1482655"/>
+                <a:gd name="connsiteX1" fmla="*/ 67797 w 67797"/>
+                <a:gd name="connsiteY1" fmla="*/ 0 h 1482655"/>
+                <a:gd name="connsiteX0" fmla="*/ 61307 w 61307"/>
+                <a:gd name="connsiteY0" fmla="*/ 1482655 h 1482655"/>
+                <a:gd name="connsiteX1" fmla="*/ 0 w 61307"/>
+                <a:gd name="connsiteY1" fmla="*/ 0 h 1482655"/>
+                <a:gd name="connsiteX0" fmla="*/ 61307 w 61307"/>
+                <a:gd name="connsiteY0" fmla="*/ 1482655 h 1482655"/>
+                <a:gd name="connsiteX1" fmla="*/ 0 w 61307"/>
+                <a:gd name="connsiteY1" fmla="*/ 0 h 1482655"/>
+                <a:gd name="connsiteX0" fmla="*/ 61307 w 61307"/>
+                <a:gd name="connsiteY0" fmla="*/ 1482655 h 1482655"/>
+                <a:gd name="connsiteX1" fmla="*/ 0 w 61307"/>
+                <a:gd name="connsiteY1" fmla="*/ 0 h 1482655"/>
+                <a:gd name="connsiteX0" fmla="*/ 61307 w 61307"/>
+                <a:gd name="connsiteY0" fmla="*/ 1482655 h 1482655"/>
+                <a:gd name="connsiteX1" fmla="*/ 0 w 61307"/>
+                <a:gd name="connsiteY1" fmla="*/ 0 h 1482655"/>
+                <a:gd name="connsiteX0" fmla="*/ 61307 w 61307"/>
+                <a:gd name="connsiteY0" fmla="*/ 1482655 h 1482655"/>
+                <a:gd name="connsiteX1" fmla="*/ 47134 w 61307"/>
+                <a:gd name="connsiteY1" fmla="*/ 733079 h 1482655"/>
+                <a:gd name="connsiteX2" fmla="*/ 0 w 61307"/>
+                <a:gd name="connsiteY2" fmla="*/ 0 h 1482655"/>
+                <a:gd name="connsiteX0" fmla="*/ 178592 w 178592"/>
+                <a:gd name="connsiteY0" fmla="*/ 1482655 h 1482655"/>
+                <a:gd name="connsiteX1" fmla="*/ 164419 w 178592"/>
+                <a:gd name="connsiteY1" fmla="*/ 733079 h 1482655"/>
+                <a:gd name="connsiteX2" fmla="*/ 7856 w 178592"/>
+                <a:gd name="connsiteY2" fmla="*/ 733079 h 1482655"/>
+                <a:gd name="connsiteX3" fmla="*/ 117285 w 178592"/>
+                <a:gd name="connsiteY3" fmla="*/ 0 h 1482655"/>
+                <a:gd name="connsiteX0" fmla="*/ 180413 w 180413"/>
+                <a:gd name="connsiteY0" fmla="*/ 1482655 h 1482655"/>
+                <a:gd name="connsiteX1" fmla="*/ 61041 w 180413"/>
+                <a:gd name="connsiteY1" fmla="*/ 1069954 h 1482655"/>
+                <a:gd name="connsiteX2" fmla="*/ 9677 w 180413"/>
+                <a:gd name="connsiteY2" fmla="*/ 733079 h 1482655"/>
+                <a:gd name="connsiteX3" fmla="*/ 119106 w 180413"/>
+                <a:gd name="connsiteY3" fmla="*/ 0 h 1482655"/>
+                <a:gd name="connsiteX0" fmla="*/ 135466 w 135466"/>
+                <a:gd name="connsiteY0" fmla="*/ 1482655 h 1482655"/>
+                <a:gd name="connsiteX1" fmla="*/ 16094 w 135466"/>
+                <a:gd name="connsiteY1" fmla="*/ 1069954 h 1482655"/>
+                <a:gd name="connsiteX2" fmla="*/ 9677 w 135466"/>
+                <a:gd name="connsiteY2" fmla="*/ 546144 h 1482655"/>
+                <a:gd name="connsiteX3" fmla="*/ 74159 w 135466"/>
+                <a:gd name="connsiteY3" fmla="*/ 0 h 1482655"/>
+                <a:gd name="connsiteX0" fmla="*/ 135466 w 135466"/>
+                <a:gd name="connsiteY0" fmla="*/ 1482655 h 1482655"/>
+                <a:gd name="connsiteX1" fmla="*/ 16094 w 135466"/>
+                <a:gd name="connsiteY1" fmla="*/ 1069954 h 1482655"/>
+                <a:gd name="connsiteX2" fmla="*/ 9677 w 135466"/>
+                <a:gd name="connsiteY2" fmla="*/ 546144 h 1482655"/>
+                <a:gd name="connsiteX3" fmla="*/ 74159 w 135466"/>
+                <a:gd name="connsiteY3" fmla="*/ 0 h 1482655"/>
+                <a:gd name="connsiteX0" fmla="*/ 135466 w 135466"/>
+                <a:gd name="connsiteY0" fmla="*/ 1482655 h 1482655"/>
+                <a:gd name="connsiteX1" fmla="*/ 16094 w 135466"/>
+                <a:gd name="connsiteY1" fmla="*/ 1069954 h 1482655"/>
+                <a:gd name="connsiteX2" fmla="*/ 9677 w 135466"/>
+                <a:gd name="connsiteY2" fmla="*/ 546144 h 1482655"/>
+                <a:gd name="connsiteX3" fmla="*/ 74159 w 135466"/>
+                <a:gd name="connsiteY3" fmla="*/ 0 h 1482655"/>
+                <a:gd name="connsiteX0" fmla="*/ 135466 w 135466"/>
+                <a:gd name="connsiteY0" fmla="*/ 1482655 h 1482655"/>
+                <a:gd name="connsiteX1" fmla="*/ 16094 w 135466"/>
+                <a:gd name="connsiteY1" fmla="*/ 1069954 h 1482655"/>
+                <a:gd name="connsiteX2" fmla="*/ 9677 w 135466"/>
+                <a:gd name="connsiteY2" fmla="*/ 546144 h 1482655"/>
+                <a:gd name="connsiteX3" fmla="*/ 74159 w 135466"/>
+                <a:gd name="connsiteY3" fmla="*/ 0 h 1482655"/>
+                <a:gd name="connsiteX0" fmla="*/ 145080 w 147936"/>
+                <a:gd name="connsiteY0" fmla="*/ 1524197 h 1524197"/>
+                <a:gd name="connsiteX1" fmla="*/ 25708 w 147936"/>
+                <a:gd name="connsiteY1" fmla="*/ 1111496 h 1524197"/>
+                <a:gd name="connsiteX2" fmla="*/ 19291 w 147936"/>
+                <a:gd name="connsiteY2" fmla="*/ 587686 h 1524197"/>
+                <a:gd name="connsiteX3" fmla="*/ 141454 w 147936"/>
+                <a:gd name="connsiteY3" fmla="*/ 0 h 1524197"/>
+                <a:gd name="connsiteX0" fmla="*/ 145080 w 145080"/>
+                <a:gd name="connsiteY0" fmla="*/ 1524197 h 1524197"/>
+                <a:gd name="connsiteX1" fmla="*/ 25708 w 145080"/>
+                <a:gd name="connsiteY1" fmla="*/ 1111496 h 1524197"/>
+                <a:gd name="connsiteX2" fmla="*/ 19291 w 145080"/>
+                <a:gd name="connsiteY2" fmla="*/ 587686 h 1524197"/>
+                <a:gd name="connsiteX3" fmla="*/ 141454 w 145080"/>
+                <a:gd name="connsiteY3" fmla="*/ 0 h 1524197"/>
+              </a:gdLst>
+              <a:ahLst/>
+              <a:cxnLst>
+                <a:cxn ang="0">
+                  <a:pos x="connsiteX0" y="connsiteY0"/>
+                </a:cxn>
+                <a:cxn ang="0">
+                  <a:pos x="connsiteX1" y="connsiteY1"/>
+                </a:cxn>
+                <a:cxn ang="0">
+                  <a:pos x="connsiteX2" y="connsiteY2"/>
+                </a:cxn>
+                <a:cxn ang="0">
+                  <a:pos x="connsiteX3" y="connsiteY3"/>
+                </a:cxn>
+              </a:cxnLst>
+              <a:rect l="l" t="t" r="r" b="b"/>
+              <a:pathLst>
+                <a:path w="145080" h="1524197">
+                  <a:moveTo>
+                    <a:pt x="145080" y="1524197"/>
+                  </a:moveTo>
+                  <a:cubicBezTo>
+                    <a:pt x="105289" y="1386630"/>
+                    <a:pt x="93056" y="1485673"/>
+                    <a:pt x="25708" y="1111496"/>
+                  </a:cubicBezTo>
+                  <a:cubicBezTo>
+                    <a:pt x="21973" y="986567"/>
+                    <a:pt x="0" y="772935"/>
+                    <a:pt x="19291" y="587686"/>
+                  </a:cubicBezTo>
+                  <a:cubicBezTo>
+                    <a:pt x="38582" y="402437"/>
+                    <a:pt x="26579" y="466730"/>
+                    <a:pt x="141454" y="0"/>
+                  </a:cubicBezTo>
+                </a:path>
+              </a:pathLst>
+            </a:custGeom>
+            <a:ln>
+              <a:solidFill>
+                <a:schemeClr val="tx1"/>
+              </a:solidFill>
+              <a:tailEnd type="triangle" w="lg" len="lg"/>
+            </a:ln>
+          </p:spPr>
+          <p:style>
+            <a:lnRef idx="2">
+              <a:schemeClr val="accent1"/>
+            </a:lnRef>
+            <a:fillRef idx="0">
+              <a:schemeClr val="accent1"/>
+            </a:fillRef>
+            <a:effectRef idx="1">
+              <a:schemeClr val="accent1"/>
+            </a:effectRef>
+            <a:fontRef idx="minor">
+              <a:schemeClr val="tx1"/>
+            </a:fontRef>
+          </p:style>
+          <p:txBody>
+            <a:bodyPr rtlCol="0" anchor="ctr"/>
+            <a:lstStyle/>
+            <a:p>
+              <a:pPr algn="ctr"/>
+              <a:endParaRPr lang="en-US"/>
+            </a:p>
+          </p:txBody>
+        </p:sp>
+      </p:grpSp>
+      <p:grpSp>
+        <p:nvGrpSpPr>
+          <p:cNvPr id="34" name="Group 33"/>
+          <p:cNvGrpSpPr/>
+          <p:nvPr/>
+        </p:nvGrpSpPr>
+        <p:grpSpPr>
+          <a:xfrm>
+            <a:off x="5589517" y="4705567"/>
+            <a:ext cx="1071536" cy="563217"/>
+            <a:chOff x="6659917" y="5069740"/>
+            <a:chExt cx="1413243" cy="669075"/>
+          </a:xfrm>
+        </p:grpSpPr>
+        <p:sp>
+          <p:nvSpPr>
+            <p:cNvPr id="35" name="Oval 34"/>
+            <p:cNvSpPr/>
+            <p:nvPr/>
+          </p:nvSpPr>
+          <p:spPr>
+            <a:xfrm>
+              <a:off x="6659917" y="5158351"/>
+              <a:ext cx="1413243" cy="438399"/>
+            </a:xfrm>
+            <a:prstGeom prst="ellipse">
+              <a:avLst/>
+            </a:prstGeom>
+            <a:solidFill>
+              <a:srgbClr val="A6A6A6"/>
+            </a:solidFill>
+            <a:ln>
+              <a:noFill/>
+            </a:ln>
+            <a:effectLst/>
+          </p:spPr>
+          <p:style>
+            <a:lnRef idx="1">
+              <a:schemeClr val="accent1"/>
+            </a:lnRef>
+            <a:fillRef idx="3">
+              <a:schemeClr val="accent1"/>
+            </a:fillRef>
+            <a:effectRef idx="2">
+              <a:schemeClr val="accent1"/>
+            </a:effectRef>
+            <a:fontRef idx="minor">
+              <a:schemeClr val="lt1"/>
+            </a:fontRef>
+          </p:style>
+          <p:txBody>
+            <a:bodyPr rtlCol="0" anchor="ctr"/>
+            <a:lstStyle/>
+            <a:p>
+              <a:pPr algn="ctr"/>
+              <a:endParaRPr lang="en-US"/>
+            </a:p>
+          </p:txBody>
+        </p:sp>
+        <p:sp>
+          <p:nvSpPr>
+            <p:cNvPr id="36" name="Oval 35"/>
+            <p:cNvSpPr/>
+            <p:nvPr/>
+          </p:nvSpPr>
+          <p:spPr>
+            <a:xfrm>
+              <a:off x="6853592" y="5069740"/>
+              <a:ext cx="665056" cy="669075"/>
+            </a:xfrm>
+            <a:prstGeom prst="ellipse">
+              <a:avLst/>
+            </a:prstGeom>
+            <a:solidFill>
+              <a:srgbClr val="A6A6A6"/>
+            </a:solidFill>
+            <a:ln>
+              <a:noFill/>
+            </a:ln>
+            <a:effectLst/>
+          </p:spPr>
+          <p:style>
+            <a:lnRef idx="1">
+              <a:schemeClr val="accent1"/>
+            </a:lnRef>
+            <a:fillRef idx="3">
+              <a:schemeClr val="accent1"/>
+            </a:fillRef>
+            <a:effectRef idx="2">
+              <a:schemeClr val="accent1"/>
+            </a:effectRef>
+            <a:fontRef idx="minor">
+              <a:schemeClr val="lt1"/>
+            </a:fontRef>
+          </p:style>
+          <p:txBody>
+            <a:bodyPr rtlCol="0" anchor="ctr"/>
+            <a:lstStyle/>
+            <a:p>
+              <a:pPr algn="ctr"/>
+              <a:endParaRPr lang="en-US"/>
+            </a:p>
+          </p:txBody>
+        </p:sp>
+        <p:sp>
+          <p:nvSpPr>
+            <p:cNvPr id="37" name="Oval 36"/>
+            <p:cNvSpPr/>
+            <p:nvPr/>
+          </p:nvSpPr>
+          <p:spPr>
+            <a:xfrm>
+              <a:off x="7269252" y="5069740"/>
+              <a:ext cx="665056" cy="669075"/>
+            </a:xfrm>
+            <a:prstGeom prst="ellipse">
+              <a:avLst/>
+            </a:prstGeom>
+            <a:solidFill>
+              <a:srgbClr val="A6A6A6"/>
+            </a:solidFill>
+            <a:ln w="0">
+              <a:noFill/>
+            </a:ln>
+            <a:effectLst/>
+          </p:spPr>
+          <p:style>
+            <a:lnRef idx="1">
+              <a:schemeClr val="accent1"/>
+            </a:lnRef>
+            <a:fillRef idx="3">
+              <a:schemeClr val="accent1"/>
+            </a:fillRef>
+            <a:effectRef idx="2">
+              <a:schemeClr val="accent1"/>
+            </a:effectRef>
+            <a:fontRef idx="minor">
+              <a:schemeClr val="lt1"/>
+            </a:fontRef>
+          </p:style>
+          <p:txBody>
+            <a:bodyPr rtlCol="0" anchor="ctr"/>
+            <a:lstStyle/>
+            <a:p>
+              <a:pPr algn="ctr"/>
+              <a:endParaRPr lang="en-US"/>
+            </a:p>
+          </p:txBody>
+        </p:sp>
+      </p:grpSp>
+      <p:cxnSp>
+        <p:nvCxnSpPr>
+          <p:cNvPr id="41" name="Straight Connector 40"/>
+          <p:cNvCxnSpPr/>
+          <p:nvPr/>
+        </p:nvCxnSpPr>
+        <p:spPr>
+          <a:xfrm rot="10800000">
+            <a:off x="6801111" y="3136004"/>
+            <a:ext cx="724203" cy="1588"/>
+          </a:xfrm>
+          <a:prstGeom prst="line">
+            <a:avLst/>
+          </a:prstGeom>
+          <a:ln w="28575" cap="flat" cmpd="sng" algn="ctr">
+            <a:solidFill>
+              <a:srgbClr val="0000FF"/>
+            </a:solidFill>
+            <a:prstDash val="sysDash"/>
+            <a:round/>
+            <a:headEnd type="none" w="med" len="med"/>
+            <a:tailEnd type="none" w="med" len="med"/>
+          </a:ln>
+          <a:effectLst>
+            <a:outerShdw blurRad="40000" dist="58039" dir="2460000" rotWithShape="0">
+              <a:schemeClr val="tx2">
+                <a:lumMod val="60000"/>
+                <a:lumOff val="40000"/>
+                <a:alpha val="38000"/>
+              </a:schemeClr>
+            </a:outerShdw>
+          </a:effectLst>
+        </p:spPr>
+        <p:style>
+          <a:lnRef idx="2">
+            <a:schemeClr val="accent1"/>
+          </a:lnRef>
+          <a:fillRef idx="0">
+            <a:schemeClr val="accent1"/>
+          </a:fillRef>
+          <a:effectRef idx="1">
+            <a:schemeClr val="accent1"/>
+          </a:effectRef>
+          <a:fontRef idx="minor">
+            <a:schemeClr val="tx1"/>
+          </a:fontRef>
+        </p:style>
+      </p:cxnSp>
+      <p:sp>
+        <p:nvSpPr>
+          <p:cNvPr id="42" name="TextBox 41"/>
+          <p:cNvSpPr txBox="1"/>
+          <p:nvPr/>
+        </p:nvSpPr>
+        <p:spPr>
+          <a:xfrm>
+            <a:off x="7525314" y="3313830"/>
+            <a:ext cx="1517362" cy="338554"/>
+          </a:xfrm>
+          <a:prstGeom prst="rect">
+            <a:avLst/>
+          </a:prstGeom>
+          <a:noFill/>
+        </p:spPr>
+        <p:txBody>
+          <a:bodyPr wrap="none" rtlCol="0">
+            <a:spAutoFit/>
+          </a:bodyPr>
+          <a:lstStyle/>
+          <a:p>
+            <a:r>
+              <a:rPr lang="en-US" sz="1600" b="1" dirty="0">
+                <a:solidFill>
+                  <a:srgbClr val="0000FF"/>
+                </a:solidFill>
+              </a:rPr>
+              <a:t>NSI </a:t>
+            </a:r>
+            <a:r>
+              <a:rPr lang="en-US" sz="1600" b="1" dirty="0" smtClean="0">
+                <a:solidFill>
+                  <a:srgbClr val="0000FF"/>
+                </a:solidFill>
+              </a:rPr>
+              <a:t>protocol(s)</a:t>
+            </a:r>
+            <a:endParaRPr lang="en-US" sz="1600" b="1" dirty="0">
+              <a:solidFill>
+                <a:srgbClr val="0000FF"/>
+              </a:solidFill>
+            </a:endParaRPr>
+          </a:p>
+        </p:txBody>
+      </p:sp>
+      <p:cxnSp>
+        <p:nvCxnSpPr>
+          <p:cNvPr id="43" name="Straight Connector 42"/>
+          <p:cNvCxnSpPr/>
+          <p:nvPr/>
+        </p:nvCxnSpPr>
+        <p:spPr>
+          <a:xfrm rot="16200000" flipV="1">
+            <a:off x="6419393" y="3725512"/>
+            <a:ext cx="447990" cy="315446"/>
+          </a:xfrm>
+          <a:prstGeom prst="line">
+            <a:avLst/>
+          </a:prstGeom>
+          <a:ln w="28575" cap="flat" cmpd="sng" algn="ctr">
+            <a:solidFill>
+              <a:srgbClr val="0000FF"/>
+            </a:solidFill>
+            <a:prstDash val="sysDash"/>
+            <a:round/>
+            <a:headEnd type="none" w="med" len="med"/>
+            <a:tailEnd type="none" w="med" len="med"/>
+          </a:ln>
+          <a:effectLst>
+            <a:outerShdw blurRad="40000" dist="58039" dir="2460000" rotWithShape="0">
+              <a:schemeClr val="tx2">
+                <a:lumMod val="60000"/>
+                <a:lumOff val="40000"/>
+                <a:alpha val="38000"/>
+              </a:schemeClr>
+            </a:outerShdw>
+          </a:effectLst>
+        </p:spPr>
+        <p:style>
+          <a:lnRef idx="2">
+            <a:schemeClr val="accent1"/>
+          </a:lnRef>
+          <a:fillRef idx="0">
+            <a:schemeClr val="accent1"/>
+          </a:fillRef>
+          <a:effectRef idx="1">
+            <a:schemeClr val="accent1"/>
+          </a:effectRef>
+          <a:fontRef idx="minor">
+            <a:schemeClr val="tx1"/>
+          </a:fontRef>
+        </p:style>
+      </p:cxnSp>
+      <p:cxnSp>
+        <p:nvCxnSpPr>
+          <p:cNvPr id="46" name="Straight Connector 45"/>
+          <p:cNvCxnSpPr/>
+          <p:nvPr/>
+        </p:nvCxnSpPr>
+        <p:spPr>
+          <a:xfrm rot="5400000">
+            <a:off x="7496973" y="3684181"/>
+            <a:ext cx="437014" cy="360699"/>
+          </a:xfrm>
+          <a:prstGeom prst="line">
+            <a:avLst/>
+          </a:prstGeom>
+          <a:ln w="28575" cap="flat" cmpd="sng" algn="ctr">
+            <a:solidFill>
+              <a:srgbClr val="0000FF"/>
+            </a:solidFill>
+            <a:prstDash val="sysDash"/>
+            <a:round/>
+            <a:headEnd type="none" w="med" len="med"/>
+            <a:tailEnd type="none" w="med" len="med"/>
+          </a:ln>
+          <a:effectLst>
+            <a:outerShdw blurRad="40000" dist="58039" dir="2460000" rotWithShape="0">
+              <a:schemeClr val="tx2">
+                <a:lumMod val="60000"/>
+                <a:lumOff val="40000"/>
+                <a:alpha val="38000"/>
+              </a:schemeClr>
+            </a:outerShdw>
+          </a:effectLst>
+        </p:spPr>
+        <p:style>
+          <a:lnRef idx="2">
+            <a:schemeClr val="accent1"/>
+          </a:lnRef>
+          <a:fillRef idx="0">
+            <a:schemeClr val="accent1"/>
+          </a:fillRef>
+          <a:effectRef idx="1">
+            <a:schemeClr val="accent1"/>
+          </a:effectRef>
+          <a:fontRef idx="minor">
+            <a:schemeClr val="tx1"/>
+          </a:fontRef>
+        </p:style>
+      </p:cxnSp>
+      <p:sp>
+        <p:nvSpPr>
+          <p:cNvPr id="67" name="TextBox 66"/>
+          <p:cNvSpPr txBox="1"/>
+          <p:nvPr/>
+        </p:nvSpPr>
+        <p:spPr>
+          <a:xfrm>
+            <a:off x="8068295" y="4035050"/>
+            <a:ext cx="351366" cy="369332"/>
+          </a:xfrm>
+          <a:prstGeom prst="rect">
+            <a:avLst/>
+          </a:prstGeom>
+          <a:noFill/>
+        </p:spPr>
+        <p:txBody>
+          <a:bodyPr wrap="none" rtlCol="0">
+            <a:spAutoFit/>
+          </a:bodyPr>
+          <a:lstStyle/>
+          <a:p>
+            <a:r>
+              <a:rPr lang="en-US" dirty="0"/>
+              <a:t>C</a:t>
+            </a:r>
+          </a:p>
+        </p:txBody>
+      </p:sp>
+      <p:sp>
+        <p:nvSpPr>
+          <p:cNvPr id="71" name="TextBox 70"/>
+          <p:cNvSpPr txBox="1"/>
+          <p:nvPr/>
+        </p:nvSpPr>
+        <p:spPr>
+          <a:xfrm>
+            <a:off x="7797295" y="5228433"/>
+            <a:ext cx="1269682" cy="369332"/>
+          </a:xfrm>
+          <a:prstGeom prst="rect">
+            <a:avLst/>
+          </a:prstGeom>
+          <a:noFill/>
+        </p:spPr>
+        <p:txBody>
+          <a:bodyPr wrap="square" rtlCol="0">
+            <a:spAutoFit/>
+          </a:bodyPr>
+          <a:lstStyle/>
+          <a:p>
+            <a:r>
+              <a:rPr lang="en-US" dirty="0"/>
+              <a:t>Domain C</a:t>
+            </a:r>
+          </a:p>
+        </p:txBody>
+      </p:sp>
+      <p:sp>
+        <p:nvSpPr>
+          <p:cNvPr id="79" name="Oval 78"/>
+          <p:cNvSpPr/>
+          <p:nvPr/>
+        </p:nvSpPr>
+        <p:spPr>
+          <a:xfrm>
+            <a:off x="6999284" y="3396643"/>
+            <a:ext cx="376865" cy="362243"/>
+          </a:xfrm>
+          <a:prstGeom prst="ellipse">
+            <a:avLst/>
+          </a:prstGeom>
+          <a:solidFill>
+            <a:srgbClr val="FF0000"/>
+          </a:solidFill>
+        </p:spPr>
+        <p:style>
+          <a:lnRef idx="1">
+            <a:schemeClr val="accent1"/>
+          </a:lnRef>
+          <a:fillRef idx="3">
+            <a:schemeClr val="accent1"/>
+          </a:fillRef>
+          <a:effectRef idx="2">
+            <a:schemeClr val="accent1"/>
+          </a:effectRef>
+          <a:fontRef idx="minor">
+            <a:schemeClr val="lt1"/>
+          </a:fontRef>
+        </p:style>
+        <p:txBody>
+          <a:bodyPr rtlCol="0" anchor="ctr"/>
+          <a:lstStyle/>
+          <a:p>
+            <a:pPr algn="ctr"/>
+            <a:endParaRPr lang="en-US"/>
+          </a:p>
+        </p:txBody>
+      </p:sp>
+      <p:sp>
+        <p:nvSpPr>
+          <p:cNvPr id="80" name="TextBox 79"/>
+          <p:cNvSpPr txBox="1"/>
+          <p:nvPr/>
+        </p:nvSpPr>
+        <p:spPr>
+          <a:xfrm>
+            <a:off x="7034563" y="4035050"/>
+            <a:ext cx="278170" cy="369332"/>
+          </a:xfrm>
+          <a:prstGeom prst="rect">
+            <a:avLst/>
+          </a:prstGeom>
+          <a:noFill/>
+        </p:spPr>
+        <p:txBody>
+          <a:bodyPr wrap="square" rtlCol="0">
+            <a:spAutoFit/>
+          </a:bodyPr>
+          <a:lstStyle/>
+          <a:p>
+            <a:r>
+              <a:rPr lang="en-US" dirty="0"/>
+              <a:t>B</a:t>
+            </a:r>
+          </a:p>
+        </p:txBody>
+      </p:sp>
+      <p:grpSp>
+        <p:nvGrpSpPr>
+          <p:cNvPr id="82" name="Group 81"/>
+          <p:cNvGrpSpPr/>
+          <p:nvPr/>
+        </p:nvGrpSpPr>
+        <p:grpSpPr>
+          <a:xfrm>
+            <a:off x="807385" y="1774855"/>
+            <a:ext cx="5109534" cy="3968061"/>
+            <a:chOff x="117699" y="1246305"/>
+            <a:chExt cx="5109534" cy="3968061"/>
+          </a:xfrm>
+        </p:grpSpPr>
+        <p:grpSp>
+          <p:nvGrpSpPr>
+            <p:cNvPr id="83" name="Group 82"/>
+            <p:cNvGrpSpPr/>
+            <p:nvPr/>
+          </p:nvGrpSpPr>
+          <p:grpSpPr>
+            <a:xfrm>
+              <a:off x="117699" y="1246305"/>
+              <a:ext cx="5109534" cy="3968061"/>
+              <a:chOff x="117699" y="1246305"/>
+              <a:chExt cx="5109534" cy="3968061"/>
+            </a:xfrm>
+          </p:grpSpPr>
+          <p:sp>
+            <p:nvSpPr>
+              <p:cNvPr id="107" name="Oval 106"/>
+              <p:cNvSpPr/>
+              <p:nvPr/>
+            </p:nvSpPr>
+            <p:spPr>
+              <a:xfrm>
+                <a:off x="1268042" y="2913868"/>
+                <a:ext cx="609600" cy="609600"/>
+              </a:xfrm>
+              <a:prstGeom prst="ellipse">
+                <a:avLst/>
+              </a:prstGeom>
+              <a:solidFill>
+                <a:srgbClr val="FF0000"/>
+              </a:solidFill>
+            </p:spPr>
+            <p:style>
+              <a:lnRef idx="1">
+                <a:schemeClr val="accent1"/>
+              </a:lnRef>
+              <a:fillRef idx="3">
+                <a:schemeClr val="accent1"/>
+              </a:fillRef>
+              <a:effectRef idx="2">
+                <a:schemeClr val="accent1"/>
+              </a:effectRef>
+              <a:fontRef idx="minor">
+                <a:schemeClr val="lt1"/>
+              </a:fontRef>
+            </p:style>
+            <p:txBody>
+              <a:bodyPr rtlCol="0" anchor="ctr"/>
+              <a:lstStyle/>
+              <a:p>
+                <a:pPr algn="ctr"/>
+                <a:endParaRPr lang="en-US"/>
+              </a:p>
+            </p:txBody>
+          </p:sp>
+          <p:grpSp>
+            <p:nvGrpSpPr>
+              <p:cNvPr id="85" name="Group 84"/>
+              <p:cNvGrpSpPr/>
+              <p:nvPr/>
+            </p:nvGrpSpPr>
+            <p:grpSpPr>
+              <a:xfrm>
+                <a:off x="294803" y="3435126"/>
+                <a:ext cx="2742212" cy="1779240"/>
+                <a:chOff x="700320" y="4010197"/>
+                <a:chExt cx="1553920" cy="1196914"/>
+              </a:xfrm>
+            </p:grpSpPr>
+            <p:sp>
+              <p:nvSpPr>
+                <p:cNvPr id="104" name="Oval 103"/>
+                <p:cNvSpPr/>
+                <p:nvPr/>
+              </p:nvSpPr>
+              <p:spPr>
+                <a:xfrm>
+                  <a:off x="700320" y="4204733"/>
+                  <a:ext cx="1553920" cy="746774"/>
+                </a:xfrm>
+                <a:prstGeom prst="ellipse">
+                  <a:avLst/>
+                </a:prstGeom>
+                <a:solidFill>
+                  <a:schemeClr val="bg1">
+                    <a:lumMod val="75000"/>
+                  </a:schemeClr>
+                </a:solidFill>
+                <a:ln>
+                  <a:solidFill>
+                    <a:schemeClr val="tx1">
+                      <a:lumMod val="50000"/>
+                      <a:lumOff val="50000"/>
+                    </a:schemeClr>
+                  </a:solidFill>
+                </a:ln>
+                <a:effectLst/>
+              </p:spPr>
+              <p:style>
+                <a:lnRef idx="1">
+                  <a:schemeClr val="accent1"/>
+                </a:lnRef>
+                <a:fillRef idx="3">
+                  <a:schemeClr val="accent1"/>
+                </a:fillRef>
+                <a:effectRef idx="2">
+                  <a:schemeClr val="accent1"/>
+                </a:effectRef>
+                <a:fontRef idx="minor">
+                  <a:schemeClr val="lt1"/>
+                </a:fontRef>
+              </p:style>
+              <p:txBody>
+                <a:bodyPr rtlCol="0" anchor="ctr"/>
+                <a:lstStyle/>
+                <a:p>
+                  <a:pPr algn="ctr"/>
+                  <a:endParaRPr lang="en-US"/>
+                </a:p>
+              </p:txBody>
+            </p:sp>
+            <p:sp>
+              <p:nvSpPr>
+                <p:cNvPr id="105" name="Oval 104"/>
+                <p:cNvSpPr/>
+                <p:nvPr/>
+              </p:nvSpPr>
+              <p:spPr>
+                <a:xfrm>
+                  <a:off x="852720" y="4010198"/>
+                  <a:ext cx="731257" cy="1196913"/>
+                </a:xfrm>
+                <a:prstGeom prst="ellipse">
+                  <a:avLst/>
+                </a:prstGeom>
+                <a:solidFill>
+                  <a:schemeClr val="bg1">
+                    <a:lumMod val="75000"/>
+                  </a:schemeClr>
+                </a:solidFill>
+                <a:ln>
+                  <a:solidFill>
+                    <a:schemeClr val="tx1">
+                      <a:lumMod val="50000"/>
+                      <a:lumOff val="50000"/>
+                    </a:schemeClr>
+                  </a:solidFill>
+                </a:ln>
+                <a:effectLst/>
+              </p:spPr>
+              <p:style>
+                <a:lnRef idx="1">
+                  <a:schemeClr val="accent1"/>
+                </a:lnRef>
+                <a:fillRef idx="3">
+                  <a:schemeClr val="accent1"/>
+                </a:fillRef>
+                <a:effectRef idx="2">
+                  <a:schemeClr val="accent1"/>
+                </a:effectRef>
+                <a:fontRef idx="minor">
+                  <a:schemeClr val="lt1"/>
+                </a:fontRef>
+              </p:style>
+              <p:txBody>
+                <a:bodyPr rtlCol="0" anchor="ctr"/>
+                <a:lstStyle/>
+                <a:p>
+                  <a:pPr algn="ctr"/>
+                  <a:endParaRPr lang="en-US"/>
+                </a:p>
+              </p:txBody>
+            </p:sp>
+            <p:sp>
+              <p:nvSpPr>
+                <p:cNvPr id="106" name="Oval 105"/>
+                <p:cNvSpPr/>
+                <p:nvPr/>
+              </p:nvSpPr>
+              <p:spPr>
+                <a:xfrm>
+                  <a:off x="1233720" y="4010197"/>
+                  <a:ext cx="731257" cy="1196913"/>
+                </a:xfrm>
+                <a:prstGeom prst="ellipse">
+                  <a:avLst/>
+                </a:prstGeom>
+                <a:solidFill>
+                  <a:schemeClr val="bg1">
+                    <a:lumMod val="75000"/>
+                  </a:schemeClr>
+                </a:solidFill>
+                <a:ln>
+                  <a:solidFill>
+                    <a:schemeClr val="tx1">
+                      <a:lumMod val="50000"/>
+                      <a:lumOff val="50000"/>
+                    </a:schemeClr>
+                  </a:solidFill>
+                </a:ln>
+                <a:effectLst/>
+              </p:spPr>
+              <p:style>
+                <a:lnRef idx="1">
+                  <a:schemeClr val="accent1"/>
+                </a:lnRef>
+                <a:fillRef idx="3">
+                  <a:schemeClr val="accent1"/>
+                </a:fillRef>
+                <a:effectRef idx="2">
+                  <a:schemeClr val="accent1"/>
+                </a:effectRef>
+                <a:fontRef idx="minor">
+                  <a:schemeClr val="lt1"/>
+                </a:fontRef>
+              </p:style>
+              <p:txBody>
+                <a:bodyPr rtlCol="0" anchor="ctr"/>
+                <a:lstStyle/>
+                <a:p>
+                  <a:pPr algn="ctr"/>
+                  <a:endParaRPr lang="en-US"/>
+                </a:p>
+              </p:txBody>
+            </p:sp>
+            <p:sp>
+              <p:nvSpPr>
+                <p:cNvPr id="121" name="Oval 120"/>
+                <p:cNvSpPr/>
+                <p:nvPr/>
+              </p:nvSpPr>
+              <p:spPr>
+                <a:xfrm>
+                  <a:off x="805892" y="4232233"/>
+                  <a:ext cx="1243171" cy="722905"/>
+                </a:xfrm>
+                <a:prstGeom prst="ellipse">
+                  <a:avLst/>
+                </a:prstGeom>
+                <a:solidFill>
+                  <a:schemeClr val="bg1">
+                    <a:lumMod val="75000"/>
+                  </a:schemeClr>
+                </a:solidFill>
+                <a:ln>
+                  <a:noFill/>
+                </a:ln>
+                <a:effectLst/>
+                <a:scene3d>
+                  <a:camera prst="orthographicFront">
+                    <a:rot lat="0" lon="0" rev="0"/>
+                  </a:camera>
+                  <a:lightRig rig="flat" dir="tl">
+                    <a:rot lat="0" lon="0" rev="6360000"/>
+                  </a:lightRig>
+                </a:scene3d>
+                <a:sp3d prstMaterial="flat"/>
+              </p:spPr>
+              <p:style>
+                <a:lnRef idx="1">
+                  <a:schemeClr val="accent1"/>
+                </a:lnRef>
+                <a:fillRef idx="3">
+                  <a:schemeClr val="accent1"/>
+                </a:fillRef>
+                <a:effectRef idx="2">
+                  <a:schemeClr val="accent1"/>
+                </a:effectRef>
+                <a:fontRef idx="minor">
+                  <a:schemeClr val="lt1"/>
+                </a:fontRef>
+              </p:style>
+              <p:txBody>
+                <a:bodyPr rtlCol="0" anchor="ctr"/>
+                <a:lstStyle/>
+                <a:p>
+                  <a:pPr algn="ctr"/>
+                  <a:endParaRPr lang="en-US"/>
+                </a:p>
+              </p:txBody>
+            </p:sp>
+          </p:grpSp>
+          <p:sp>
+            <p:nvSpPr>
+              <p:cNvPr id="86" name="Oval 85"/>
+              <p:cNvSpPr/>
+              <p:nvPr/>
+            </p:nvSpPr>
+            <p:spPr>
+              <a:xfrm>
+                <a:off x="1232435" y="1605775"/>
+                <a:ext cx="609600" cy="609600"/>
+              </a:xfrm>
+              <a:prstGeom prst="ellipse">
+                <a:avLst/>
+              </a:prstGeom>
+              <a:solidFill>
+                <a:srgbClr val="FF0000"/>
+              </a:solidFill>
+            </p:spPr>
+            <p:style>
+              <a:lnRef idx="1">
+                <a:schemeClr val="accent1"/>
+              </a:lnRef>
+              <a:fillRef idx="3">
+                <a:schemeClr val="accent1"/>
+              </a:fillRef>
+              <a:effectRef idx="2">
+                <a:schemeClr val="accent1"/>
+              </a:effectRef>
+              <a:fontRef idx="minor">
+                <a:schemeClr val="lt1"/>
+              </a:fontRef>
+            </p:style>
+            <p:txBody>
+              <a:bodyPr rtlCol="0" anchor="ctr"/>
+              <a:lstStyle/>
+              <a:p>
+                <a:pPr algn="ctr"/>
+                <a:endParaRPr lang="en-US"/>
+              </a:p>
+            </p:txBody>
+          </p:sp>
+          <p:sp>
+            <p:nvSpPr>
+              <p:cNvPr id="87" name="TextBox 86"/>
+              <p:cNvSpPr txBox="1"/>
+              <p:nvPr/>
+            </p:nvSpPr>
+            <p:spPr>
+              <a:xfrm>
+                <a:off x="1780577" y="1659801"/>
+                <a:ext cx="1365290" cy="646331"/>
+              </a:xfrm>
+              <a:prstGeom prst="rect">
+                <a:avLst/>
+              </a:prstGeom>
+              <a:noFill/>
+            </p:spPr>
+            <p:txBody>
+              <a:bodyPr wrap="none" rtlCol="0">
+                <a:spAutoFit/>
+              </a:bodyPr>
+              <a:lstStyle/>
+              <a:p>
+                <a:r>
+                  <a:rPr lang="en-US" dirty="0" smtClean="0"/>
+                  <a:t>Requesting </a:t>
+                </a:r>
+              </a:p>
+              <a:p>
+                <a:r>
+                  <a:rPr lang="en-US" dirty="0" smtClean="0"/>
+                  <a:t>Agent (RA)</a:t>
+                </a:r>
+                <a:endParaRPr lang="en-US" dirty="0"/>
+              </a:p>
+            </p:txBody>
+          </p:sp>
+          <p:sp>
+            <p:nvSpPr>
+              <p:cNvPr id="88" name="Oval 87"/>
+              <p:cNvSpPr/>
+              <p:nvPr/>
+            </p:nvSpPr>
+            <p:spPr>
+              <a:xfrm>
+                <a:off x="1093116" y="3840879"/>
+                <a:ext cx="864851" cy="720734"/>
+              </a:xfrm>
+              <a:prstGeom prst="ellipse">
+                <a:avLst/>
+              </a:prstGeom>
+              <a:solidFill>
+                <a:srgbClr val="008000"/>
+              </a:solidFill>
+            </p:spPr>
+            <p:style>
+              <a:lnRef idx="1">
+                <a:schemeClr val="accent1"/>
+              </a:lnRef>
+              <a:fillRef idx="3">
+                <a:schemeClr val="accent1"/>
+              </a:fillRef>
+              <a:effectRef idx="2">
+                <a:schemeClr val="accent1"/>
+              </a:effectRef>
+              <a:fontRef idx="minor">
+                <a:schemeClr val="lt1"/>
+              </a:fontRef>
+            </p:style>
+            <p:txBody>
+              <a:bodyPr rtlCol="0" anchor="ctr"/>
+              <a:lstStyle/>
+              <a:p>
+                <a:pPr algn="ctr"/>
+                <a:endParaRPr lang="en-US"/>
+              </a:p>
+            </p:txBody>
+          </p:sp>
+          <p:grpSp>
+            <p:nvGrpSpPr>
+              <p:cNvPr id="89" name="Group 14"/>
+              <p:cNvGrpSpPr/>
+              <p:nvPr/>
+            </p:nvGrpSpPr>
+            <p:grpSpPr>
+              <a:xfrm flipH="1">
+                <a:off x="1265138" y="2142083"/>
+                <a:ext cx="612504" cy="823448"/>
+                <a:chOff x="4121357" y="2486385"/>
+                <a:chExt cx="612504" cy="1242607"/>
+              </a:xfrm>
+            </p:grpSpPr>
+            <p:sp>
+              <p:nvSpPr>
+                <p:cNvPr id="102" name="Freeform 101"/>
+                <p:cNvSpPr/>
+                <p:nvPr/>
+              </p:nvSpPr>
+              <p:spPr>
+                <a:xfrm>
+                  <a:off x="4121357" y="2486385"/>
+                  <a:ext cx="149068" cy="1242607"/>
+                </a:xfrm>
+                <a:custGeom>
+                  <a:avLst/>
+                  <a:gdLst>
+                    <a:gd name="connsiteX0" fmla="*/ 505511 w 505511"/>
+                    <a:gd name="connsiteY0" fmla="*/ 1763059 h 1763059"/>
+                    <a:gd name="connsiteX1" fmla="*/ 72216 w 505511"/>
+                    <a:gd name="connsiteY1" fmla="*/ 1374588 h 1763059"/>
+                    <a:gd name="connsiteX2" fmla="*/ 72216 w 505511"/>
+                    <a:gd name="connsiteY2" fmla="*/ 343647 h 1763059"/>
+                    <a:gd name="connsiteX3" fmla="*/ 505511 w 505511"/>
+                    <a:gd name="connsiteY3" fmla="*/ 0 h 1763059"/>
+                    <a:gd name="connsiteX0" fmla="*/ 508001 w 508001"/>
+                    <a:gd name="connsiteY0" fmla="*/ 1763059 h 1763059"/>
+                    <a:gd name="connsiteX1" fmla="*/ 74706 w 508001"/>
+                    <a:gd name="connsiteY1" fmla="*/ 1374588 h 1763059"/>
+                    <a:gd name="connsiteX2" fmla="*/ 59765 w 508001"/>
+                    <a:gd name="connsiteY2" fmla="*/ 978647 h 1763059"/>
+                    <a:gd name="connsiteX3" fmla="*/ 74706 w 508001"/>
+                    <a:gd name="connsiteY3" fmla="*/ 343647 h 1763059"/>
+                    <a:gd name="connsiteX4" fmla="*/ 508001 w 508001"/>
+                    <a:gd name="connsiteY4" fmla="*/ 0 h 1763059"/>
+                    <a:gd name="connsiteX0" fmla="*/ 520452 w 520452"/>
+                    <a:gd name="connsiteY0" fmla="*/ 1763059 h 1763059"/>
+                    <a:gd name="connsiteX1" fmla="*/ 72216 w 520452"/>
+                    <a:gd name="connsiteY1" fmla="*/ 978647 h 1763059"/>
+                    <a:gd name="connsiteX2" fmla="*/ 87157 w 520452"/>
+                    <a:gd name="connsiteY2" fmla="*/ 343647 h 1763059"/>
+                    <a:gd name="connsiteX3" fmla="*/ 520452 w 520452"/>
+                    <a:gd name="connsiteY3" fmla="*/ 0 h 1763059"/>
+                    <a:gd name="connsiteX0" fmla="*/ 520452 w 520452"/>
+                    <a:gd name="connsiteY0" fmla="*/ 1763059 h 1763059"/>
+                    <a:gd name="connsiteX1" fmla="*/ 72216 w 520452"/>
+                    <a:gd name="connsiteY1" fmla="*/ 1253285 h 1763059"/>
+                    <a:gd name="connsiteX2" fmla="*/ 87157 w 520452"/>
+                    <a:gd name="connsiteY2" fmla="*/ 343647 h 1763059"/>
+                    <a:gd name="connsiteX3" fmla="*/ 520452 w 520452"/>
+                    <a:gd name="connsiteY3" fmla="*/ 0 h 1763059"/>
+                    <a:gd name="connsiteX0" fmla="*/ 482352 w 482352"/>
+                    <a:gd name="connsiteY0" fmla="*/ 1763059 h 1763059"/>
+                    <a:gd name="connsiteX1" fmla="*/ 34116 w 482352"/>
+                    <a:gd name="connsiteY1" fmla="*/ 1253285 h 1763059"/>
+                    <a:gd name="connsiteX2" fmla="*/ 277657 w 482352"/>
+                    <a:gd name="connsiteY2" fmla="*/ 618285 h 1763059"/>
+                    <a:gd name="connsiteX3" fmla="*/ 482352 w 482352"/>
+                    <a:gd name="connsiteY3" fmla="*/ 0 h 1763059"/>
+                    <a:gd name="connsiteX0" fmla="*/ 253752 w 253752"/>
+                    <a:gd name="connsiteY0" fmla="*/ 1763059 h 1763059"/>
+                    <a:gd name="connsiteX1" fmla="*/ 34116 w 253752"/>
+                    <a:gd name="connsiteY1" fmla="*/ 1253285 h 1763059"/>
+                    <a:gd name="connsiteX2" fmla="*/ 49057 w 253752"/>
+                    <a:gd name="connsiteY2" fmla="*/ 618285 h 1763059"/>
+                    <a:gd name="connsiteX3" fmla="*/ 253752 w 253752"/>
+                    <a:gd name="connsiteY3" fmla="*/ 0 h 1763059"/>
+                    <a:gd name="connsiteX0" fmla="*/ 253752 w 253752"/>
+                    <a:gd name="connsiteY0" fmla="*/ 1763059 h 1763059"/>
+                    <a:gd name="connsiteX1" fmla="*/ 34116 w 253752"/>
+                    <a:gd name="connsiteY1" fmla="*/ 1253285 h 1763059"/>
+                    <a:gd name="connsiteX2" fmla="*/ 49057 w 253752"/>
+                    <a:gd name="connsiteY2" fmla="*/ 618285 h 1763059"/>
+                    <a:gd name="connsiteX3" fmla="*/ 44575 w 253752"/>
+                    <a:gd name="connsiteY3" fmla="*/ 597647 h 1763059"/>
+                    <a:gd name="connsiteX4" fmla="*/ 253752 w 253752"/>
+                    <a:gd name="connsiteY4" fmla="*/ 0 h 1763059"/>
+                    <a:gd name="connsiteX0" fmla="*/ 288365 w 288365"/>
+                    <a:gd name="connsiteY0" fmla="*/ 1763059 h 1763059"/>
+                    <a:gd name="connsiteX1" fmla="*/ 68729 w 288365"/>
+                    <a:gd name="connsiteY1" fmla="*/ 1253285 h 1763059"/>
+                    <a:gd name="connsiteX2" fmla="*/ 83670 w 288365"/>
+                    <a:gd name="connsiteY2" fmla="*/ 618285 h 1763059"/>
+                    <a:gd name="connsiteX3" fmla="*/ 79188 w 288365"/>
+                    <a:gd name="connsiteY3" fmla="*/ 597647 h 1763059"/>
+                    <a:gd name="connsiteX4" fmla="*/ 288365 w 288365"/>
+                    <a:gd name="connsiteY4" fmla="*/ 0 h 1763059"/>
+                    <a:gd name="connsiteX0" fmla="*/ 288365 w 288365"/>
+                    <a:gd name="connsiteY0" fmla="*/ 1763059 h 1763059"/>
+                    <a:gd name="connsiteX1" fmla="*/ 68729 w 288365"/>
+                    <a:gd name="connsiteY1" fmla="*/ 1253285 h 1763059"/>
+                    <a:gd name="connsiteX2" fmla="*/ 83670 w 288365"/>
+                    <a:gd name="connsiteY2" fmla="*/ 618285 h 1763059"/>
+                    <a:gd name="connsiteX3" fmla="*/ 79188 w 288365"/>
+                    <a:gd name="connsiteY3" fmla="*/ 597647 h 1763059"/>
+                    <a:gd name="connsiteX4" fmla="*/ 288365 w 288365"/>
+                    <a:gd name="connsiteY4" fmla="*/ 0 h 1763059"/>
+                    <a:gd name="connsiteX0" fmla="*/ 836705 w 836705"/>
+                    <a:gd name="connsiteY0" fmla="*/ 1763059 h 1763059"/>
+                    <a:gd name="connsiteX1" fmla="*/ 617069 w 836705"/>
+                    <a:gd name="connsiteY1" fmla="*/ 1253285 h 1763059"/>
+                    <a:gd name="connsiteX2" fmla="*/ 632010 w 836705"/>
+                    <a:gd name="connsiteY2" fmla="*/ 618285 h 1763059"/>
+                    <a:gd name="connsiteX3" fmla="*/ 627528 w 836705"/>
+                    <a:gd name="connsiteY3" fmla="*/ 597647 h 1763059"/>
+                    <a:gd name="connsiteX4" fmla="*/ 836705 w 836705"/>
+                    <a:gd name="connsiteY4" fmla="*/ 0 h 1763059"/>
+                    <a:gd name="connsiteX0" fmla="*/ 836705 w 836705"/>
+                    <a:gd name="connsiteY0" fmla="*/ 1763059 h 1763059"/>
+                    <a:gd name="connsiteX1" fmla="*/ 617069 w 836705"/>
+                    <a:gd name="connsiteY1" fmla="*/ 1253285 h 1763059"/>
+                    <a:gd name="connsiteX2" fmla="*/ 632010 w 836705"/>
+                    <a:gd name="connsiteY2" fmla="*/ 618285 h 1763059"/>
+                    <a:gd name="connsiteX3" fmla="*/ 627528 w 836705"/>
+                    <a:gd name="connsiteY3" fmla="*/ 872285 h 1763059"/>
+                    <a:gd name="connsiteX4" fmla="*/ 836705 w 836705"/>
+                    <a:gd name="connsiteY4" fmla="*/ 0 h 1763059"/>
+                    <a:gd name="connsiteX0" fmla="*/ 253752 w 253752"/>
+                    <a:gd name="connsiteY0" fmla="*/ 1763059 h 1763059"/>
+                    <a:gd name="connsiteX1" fmla="*/ 34116 w 253752"/>
+                    <a:gd name="connsiteY1" fmla="*/ 1253285 h 1763059"/>
+                    <a:gd name="connsiteX2" fmla="*/ 49057 w 253752"/>
+                    <a:gd name="connsiteY2" fmla="*/ 618285 h 1763059"/>
+                    <a:gd name="connsiteX3" fmla="*/ 253752 w 253752"/>
+                    <a:gd name="connsiteY3" fmla="*/ 0 h 1763059"/>
+                    <a:gd name="connsiteX0" fmla="*/ 238232 w 238232"/>
+                    <a:gd name="connsiteY0" fmla="*/ 1763059 h 1763059"/>
+                    <a:gd name="connsiteX1" fmla="*/ 37012 w 238232"/>
+                    <a:gd name="connsiteY1" fmla="*/ 972881 h 1763059"/>
+                    <a:gd name="connsiteX2" fmla="*/ 33537 w 238232"/>
+                    <a:gd name="connsiteY2" fmla="*/ 618285 h 1763059"/>
+                    <a:gd name="connsiteX3" fmla="*/ 238232 w 238232"/>
+                    <a:gd name="connsiteY3" fmla="*/ 0 h 1763059"/>
+                    <a:gd name="connsiteX0" fmla="*/ 201220 w 201220"/>
+                    <a:gd name="connsiteY0" fmla="*/ 1763059 h 1763059"/>
+                    <a:gd name="connsiteX1" fmla="*/ 0 w 201220"/>
+                    <a:gd name="connsiteY1" fmla="*/ 972881 h 1763059"/>
+                    <a:gd name="connsiteX2" fmla="*/ 201220 w 201220"/>
+                    <a:gd name="connsiteY2" fmla="*/ 0 h 1763059"/>
+                    <a:gd name="connsiteX0" fmla="*/ 161176 w 161176"/>
+                    <a:gd name="connsiteY0" fmla="*/ 1763059 h 1763059"/>
+                    <a:gd name="connsiteX1" fmla="*/ 0 w 161176"/>
+                    <a:gd name="connsiteY1" fmla="*/ 972881 h 1763059"/>
+                    <a:gd name="connsiteX2" fmla="*/ 161176 w 161176"/>
+                    <a:gd name="connsiteY2" fmla="*/ 0 h 1763059"/>
+                    <a:gd name="connsiteX0" fmla="*/ 93382 w 241709"/>
+                    <a:gd name="connsiteY0" fmla="*/ 1763059 h 1763059"/>
+                    <a:gd name="connsiteX1" fmla="*/ 80533 w 241709"/>
+                    <a:gd name="connsiteY1" fmla="*/ 972881 h 1763059"/>
+                    <a:gd name="connsiteX2" fmla="*/ 241709 w 241709"/>
+                    <a:gd name="connsiteY2" fmla="*/ 0 h 1763059"/>
+                    <a:gd name="connsiteX0" fmla="*/ 93382 w 241709"/>
+                    <a:gd name="connsiteY0" fmla="*/ 1763059 h 1763059"/>
+                    <a:gd name="connsiteX1" fmla="*/ 80533 w 241709"/>
+                    <a:gd name="connsiteY1" fmla="*/ 972881 h 1763059"/>
+                    <a:gd name="connsiteX2" fmla="*/ 89690 w 241709"/>
+                    <a:gd name="connsiteY2" fmla="*/ 676266 h 1763059"/>
+                    <a:gd name="connsiteX3" fmla="*/ 241709 w 241709"/>
+                    <a:gd name="connsiteY3" fmla="*/ 0 h 1763059"/>
+                    <a:gd name="connsiteX0" fmla="*/ 93382 w 241709"/>
+                    <a:gd name="connsiteY0" fmla="*/ 1763059 h 1763059"/>
+                    <a:gd name="connsiteX1" fmla="*/ 80533 w 241709"/>
+                    <a:gd name="connsiteY1" fmla="*/ 972881 h 1763059"/>
+                    <a:gd name="connsiteX2" fmla="*/ 241709 w 241709"/>
+                    <a:gd name="connsiteY2" fmla="*/ 0 h 1763059"/>
+                    <a:gd name="connsiteX0" fmla="*/ 104678 w 172475"/>
+                    <a:gd name="connsiteY0" fmla="*/ 1482655 h 1482655"/>
+                    <a:gd name="connsiteX1" fmla="*/ 11299 w 172475"/>
+                    <a:gd name="connsiteY1" fmla="*/ 972881 h 1482655"/>
+                    <a:gd name="connsiteX2" fmla="*/ 172475 w 172475"/>
+                    <a:gd name="connsiteY2" fmla="*/ 0 h 1482655"/>
+                    <a:gd name="connsiteX0" fmla="*/ 263519 w 331316"/>
+                    <a:gd name="connsiteY0" fmla="*/ 1482655 h 1482655"/>
+                    <a:gd name="connsiteX1" fmla="*/ 170140 w 331316"/>
+                    <a:gd name="connsiteY1" fmla="*/ 972881 h 1482655"/>
+                    <a:gd name="connsiteX2" fmla="*/ 331316 w 331316"/>
+                    <a:gd name="connsiteY2" fmla="*/ 0 h 1482655"/>
+                    <a:gd name="connsiteX0" fmla="*/ 263519 w 331316"/>
+                    <a:gd name="connsiteY0" fmla="*/ 1482655 h 1482655"/>
+                    <a:gd name="connsiteX1" fmla="*/ 191952 w 331316"/>
+                    <a:gd name="connsiteY1" fmla="*/ 692478 h 1482655"/>
+                    <a:gd name="connsiteX2" fmla="*/ 331316 w 331316"/>
+                    <a:gd name="connsiteY2" fmla="*/ 0 h 1482655"/>
+                    <a:gd name="connsiteX0" fmla="*/ 0 w 67797"/>
+                    <a:gd name="connsiteY0" fmla="*/ 1482655 h 1482655"/>
+                    <a:gd name="connsiteX1" fmla="*/ 67797 w 67797"/>
+                    <a:gd name="connsiteY1" fmla="*/ 0 h 1482655"/>
+                    <a:gd name="connsiteX0" fmla="*/ 61307 w 61307"/>
+                    <a:gd name="connsiteY0" fmla="*/ 1482655 h 1482655"/>
+                    <a:gd name="connsiteX1" fmla="*/ 0 w 61307"/>
+                    <a:gd name="connsiteY1" fmla="*/ 0 h 1482655"/>
+                    <a:gd name="connsiteX0" fmla="*/ 61307 w 61307"/>
+                    <a:gd name="connsiteY0" fmla="*/ 1482655 h 1482655"/>
+                    <a:gd name="connsiteX1" fmla="*/ 0 w 61307"/>
+                    <a:gd name="connsiteY1" fmla="*/ 0 h 1482655"/>
+                    <a:gd name="connsiteX0" fmla="*/ 61307 w 61307"/>
+                    <a:gd name="connsiteY0" fmla="*/ 1482655 h 1482655"/>
+                    <a:gd name="connsiteX1" fmla="*/ 0 w 61307"/>
+                    <a:gd name="connsiteY1" fmla="*/ 0 h 1482655"/>
+                    <a:gd name="connsiteX0" fmla="*/ 61307 w 61307"/>
+                    <a:gd name="connsiteY0" fmla="*/ 1482655 h 1482655"/>
+                    <a:gd name="connsiteX1" fmla="*/ 0 w 61307"/>
+                    <a:gd name="connsiteY1" fmla="*/ 0 h 1482655"/>
+                    <a:gd name="connsiteX0" fmla="*/ 61307 w 61307"/>
+                    <a:gd name="connsiteY0" fmla="*/ 1482655 h 1482655"/>
+                    <a:gd name="connsiteX1" fmla="*/ 47134 w 61307"/>
+                    <a:gd name="connsiteY1" fmla="*/ 733079 h 1482655"/>
+                    <a:gd name="connsiteX2" fmla="*/ 0 w 61307"/>
+                    <a:gd name="connsiteY2" fmla="*/ 0 h 1482655"/>
+                    <a:gd name="connsiteX0" fmla="*/ 178592 w 178592"/>
+                    <a:gd name="connsiteY0" fmla="*/ 1482655 h 1482655"/>
+                    <a:gd name="connsiteX1" fmla="*/ 164419 w 178592"/>
+                    <a:gd name="connsiteY1" fmla="*/ 733079 h 1482655"/>
+                    <a:gd name="connsiteX2" fmla="*/ 7856 w 178592"/>
+                    <a:gd name="connsiteY2" fmla="*/ 733079 h 1482655"/>
+                    <a:gd name="connsiteX3" fmla="*/ 117285 w 178592"/>
+                    <a:gd name="connsiteY3" fmla="*/ 0 h 1482655"/>
+                    <a:gd name="connsiteX0" fmla="*/ 180413 w 180413"/>
+                    <a:gd name="connsiteY0" fmla="*/ 1482655 h 1482655"/>
+                    <a:gd name="connsiteX1" fmla="*/ 61041 w 180413"/>
+                    <a:gd name="connsiteY1" fmla="*/ 1069954 h 1482655"/>
+                    <a:gd name="connsiteX2" fmla="*/ 9677 w 180413"/>
+                    <a:gd name="connsiteY2" fmla="*/ 733079 h 1482655"/>
+                    <a:gd name="connsiteX3" fmla="*/ 119106 w 180413"/>
+                    <a:gd name="connsiteY3" fmla="*/ 0 h 1482655"/>
+                    <a:gd name="connsiteX0" fmla="*/ 135466 w 135466"/>
+                    <a:gd name="connsiteY0" fmla="*/ 1482655 h 1482655"/>
+                    <a:gd name="connsiteX1" fmla="*/ 16094 w 135466"/>
+                    <a:gd name="connsiteY1" fmla="*/ 1069954 h 1482655"/>
+                    <a:gd name="connsiteX2" fmla="*/ 9677 w 135466"/>
+                    <a:gd name="connsiteY2" fmla="*/ 546144 h 1482655"/>
+                    <a:gd name="connsiteX3" fmla="*/ 74159 w 135466"/>
+                    <a:gd name="connsiteY3" fmla="*/ 0 h 1482655"/>
+                    <a:gd name="connsiteX0" fmla="*/ 135466 w 135466"/>
+                    <a:gd name="connsiteY0" fmla="*/ 1482655 h 1482655"/>
+                    <a:gd name="connsiteX1" fmla="*/ 16094 w 135466"/>
+                    <a:gd name="connsiteY1" fmla="*/ 1069954 h 1482655"/>
+                    <a:gd name="connsiteX2" fmla="*/ 9677 w 135466"/>
+                    <a:gd name="connsiteY2" fmla="*/ 546144 h 1482655"/>
+                    <a:gd name="connsiteX3" fmla="*/ 74159 w 135466"/>
+                    <a:gd name="connsiteY3" fmla="*/ 0 h 1482655"/>
+                    <a:gd name="connsiteX0" fmla="*/ 135466 w 135466"/>
+                    <a:gd name="connsiteY0" fmla="*/ 1482655 h 1482655"/>
+                    <a:gd name="connsiteX1" fmla="*/ 16094 w 135466"/>
+                    <a:gd name="connsiteY1" fmla="*/ 1069954 h 1482655"/>
+                    <a:gd name="connsiteX2" fmla="*/ 9677 w 135466"/>
+                    <a:gd name="connsiteY2" fmla="*/ 546144 h 1482655"/>
+                    <a:gd name="connsiteX3" fmla="*/ 74159 w 135466"/>
+                    <a:gd name="connsiteY3" fmla="*/ 0 h 1482655"/>
+                    <a:gd name="connsiteX0" fmla="*/ 135466 w 135466"/>
+                    <a:gd name="connsiteY0" fmla="*/ 1482655 h 1482655"/>
+                    <a:gd name="connsiteX1" fmla="*/ 16094 w 135466"/>
+                    <a:gd name="connsiteY1" fmla="*/ 1069954 h 1482655"/>
+                    <a:gd name="connsiteX2" fmla="*/ 9677 w 135466"/>
+                    <a:gd name="connsiteY2" fmla="*/ 546144 h 1482655"/>
+                    <a:gd name="connsiteX3" fmla="*/ 74159 w 135466"/>
+                    <a:gd name="connsiteY3" fmla="*/ 0 h 1482655"/>
+                    <a:gd name="connsiteX0" fmla="*/ 145080 w 147936"/>
+                    <a:gd name="connsiteY0" fmla="*/ 1524197 h 1524197"/>
+                    <a:gd name="connsiteX1" fmla="*/ 25708 w 147936"/>
+                    <a:gd name="connsiteY1" fmla="*/ 1111496 h 1524197"/>
+                    <a:gd name="connsiteX2" fmla="*/ 19291 w 147936"/>
+                    <a:gd name="connsiteY2" fmla="*/ 587686 h 1524197"/>
+                    <a:gd name="connsiteX3" fmla="*/ 141454 w 147936"/>
+                    <a:gd name="connsiteY3" fmla="*/ 0 h 1524197"/>
+                    <a:gd name="connsiteX0" fmla="*/ 145080 w 145080"/>
+                    <a:gd name="connsiteY0" fmla="*/ 1524197 h 1524197"/>
+                    <a:gd name="connsiteX1" fmla="*/ 25708 w 145080"/>
+                    <a:gd name="connsiteY1" fmla="*/ 1111496 h 1524197"/>
+                    <a:gd name="connsiteX2" fmla="*/ 19291 w 145080"/>
+                    <a:gd name="connsiteY2" fmla="*/ 587686 h 1524197"/>
+                    <a:gd name="connsiteX3" fmla="*/ 141454 w 145080"/>
+                    <a:gd name="connsiteY3" fmla="*/ 0 h 1524197"/>
+                  </a:gdLst>
+                  <a:ahLst/>
+                  <a:cxnLst>
+                    <a:cxn ang="0">
+                      <a:pos x="connsiteX0" y="connsiteY0"/>
+                    </a:cxn>
+                    <a:cxn ang="0">
+                      <a:pos x="connsiteX1" y="connsiteY1"/>
+                    </a:cxn>
+                    <a:cxn ang="0">
+                      <a:pos x="connsiteX2" y="connsiteY2"/>
+                    </a:cxn>
+                    <a:cxn ang="0">
+                      <a:pos x="connsiteX3" y="connsiteY3"/>
+                    </a:cxn>
+                  </a:cxnLst>
+                  <a:rect l="l" t="t" r="r" b="b"/>
+                  <a:pathLst>
+                    <a:path w="145080" h="1524197">
+                      <a:moveTo>
+                        <a:pt x="145080" y="1524197"/>
+                      </a:moveTo>
+                      <a:cubicBezTo>
+                        <a:pt x="105289" y="1386630"/>
+                        <a:pt x="93056" y="1485673"/>
+                        <a:pt x="25708" y="1111496"/>
+                      </a:cubicBezTo>
+                      <a:cubicBezTo>
+                        <a:pt x="21973" y="986567"/>
+                        <a:pt x="0" y="772935"/>
+                        <a:pt x="19291" y="587686"/>
+                      </a:cubicBezTo>
+                      <a:cubicBezTo>
+                        <a:pt x="38582" y="402437"/>
+                        <a:pt x="26579" y="466730"/>
+                        <a:pt x="141454" y="0"/>
+                      </a:cubicBezTo>
+                    </a:path>
+                  </a:pathLst>
+                </a:custGeom>
+                <a:ln>
+                  <a:solidFill>
+                    <a:schemeClr val="tx1"/>
+                  </a:solidFill>
+                  <a:tailEnd type="triangle" w="lg" len="lg"/>
+                </a:ln>
+              </p:spPr>
+              <p:style>
+                <a:lnRef idx="2">
+                  <a:schemeClr val="accent1"/>
+                </a:lnRef>
+                <a:fillRef idx="0">
+                  <a:schemeClr val="accent1"/>
+                </a:fillRef>
+                <a:effectRef idx="1">
+                  <a:schemeClr val="accent1"/>
+                </a:effectRef>
+                <a:fontRef idx="minor">
+                  <a:schemeClr val="tx1"/>
+                </a:fontRef>
+              </p:style>
+              <p:txBody>
+                <a:bodyPr rtlCol="0" anchor="ctr"/>
+                <a:lstStyle/>
+                <a:p>
+                  <a:pPr algn="ctr"/>
+                  <a:endParaRPr lang="en-US"/>
+                </a:p>
+              </p:txBody>
+            </p:sp>
+            <p:sp>
+              <p:nvSpPr>
+                <p:cNvPr id="103" name="Freeform 102"/>
+                <p:cNvSpPr/>
+                <p:nvPr/>
+              </p:nvSpPr>
+              <p:spPr>
+                <a:xfrm flipH="1" flipV="1">
+                  <a:off x="4584793" y="2486385"/>
+                  <a:ext cx="149068" cy="1242607"/>
+                </a:xfrm>
+                <a:custGeom>
+                  <a:avLst/>
+                  <a:gdLst>
+                    <a:gd name="connsiteX0" fmla="*/ 505511 w 505511"/>
+                    <a:gd name="connsiteY0" fmla="*/ 1763059 h 1763059"/>
+                    <a:gd name="connsiteX1" fmla="*/ 72216 w 505511"/>
+                    <a:gd name="connsiteY1" fmla="*/ 1374588 h 1763059"/>
+                    <a:gd name="connsiteX2" fmla="*/ 72216 w 505511"/>
+                    <a:gd name="connsiteY2" fmla="*/ 343647 h 1763059"/>
+                    <a:gd name="connsiteX3" fmla="*/ 505511 w 505511"/>
+                    <a:gd name="connsiteY3" fmla="*/ 0 h 1763059"/>
+                    <a:gd name="connsiteX0" fmla="*/ 508001 w 508001"/>
+                    <a:gd name="connsiteY0" fmla="*/ 1763059 h 1763059"/>
+                    <a:gd name="connsiteX1" fmla="*/ 74706 w 508001"/>
+                    <a:gd name="connsiteY1" fmla="*/ 1374588 h 1763059"/>
+                    <a:gd name="connsiteX2" fmla="*/ 59765 w 508001"/>
+                    <a:gd name="connsiteY2" fmla="*/ 978647 h 1763059"/>
+                    <a:gd name="connsiteX3" fmla="*/ 74706 w 508001"/>
+                    <a:gd name="connsiteY3" fmla="*/ 343647 h 1763059"/>
+                    <a:gd name="connsiteX4" fmla="*/ 508001 w 508001"/>
+                    <a:gd name="connsiteY4" fmla="*/ 0 h 1763059"/>
+                    <a:gd name="connsiteX0" fmla="*/ 520452 w 520452"/>
+                    <a:gd name="connsiteY0" fmla="*/ 1763059 h 1763059"/>
+                    <a:gd name="connsiteX1" fmla="*/ 72216 w 520452"/>
+                    <a:gd name="connsiteY1" fmla="*/ 978647 h 1763059"/>
+                    <a:gd name="connsiteX2" fmla="*/ 87157 w 520452"/>
+                    <a:gd name="connsiteY2" fmla="*/ 343647 h 1763059"/>
+                    <a:gd name="connsiteX3" fmla="*/ 520452 w 520452"/>
+                    <a:gd name="connsiteY3" fmla="*/ 0 h 1763059"/>
+                    <a:gd name="connsiteX0" fmla="*/ 520452 w 520452"/>
+                    <a:gd name="connsiteY0" fmla="*/ 1763059 h 1763059"/>
+                    <a:gd name="connsiteX1" fmla="*/ 72216 w 520452"/>
+                    <a:gd name="connsiteY1" fmla="*/ 1253285 h 1763059"/>
+                    <a:gd name="connsiteX2" fmla="*/ 87157 w 520452"/>
+                    <a:gd name="connsiteY2" fmla="*/ 343647 h 1763059"/>
+                    <a:gd name="connsiteX3" fmla="*/ 520452 w 520452"/>
+                    <a:gd name="connsiteY3" fmla="*/ 0 h 1763059"/>
+                    <a:gd name="connsiteX0" fmla="*/ 482352 w 482352"/>
+                    <a:gd name="connsiteY0" fmla="*/ 1763059 h 1763059"/>
+                    <a:gd name="connsiteX1" fmla="*/ 34116 w 482352"/>
+                    <a:gd name="connsiteY1" fmla="*/ 1253285 h 1763059"/>
+                    <a:gd name="connsiteX2" fmla="*/ 277657 w 482352"/>
+                    <a:gd name="connsiteY2" fmla="*/ 618285 h 1763059"/>
+                    <a:gd name="connsiteX3" fmla="*/ 482352 w 482352"/>
+                    <a:gd name="connsiteY3" fmla="*/ 0 h 1763059"/>
+                    <a:gd name="connsiteX0" fmla="*/ 253752 w 253752"/>
+                    <a:gd name="connsiteY0" fmla="*/ 1763059 h 1763059"/>
+                    <a:gd name="connsiteX1" fmla="*/ 34116 w 253752"/>
+                    <a:gd name="connsiteY1" fmla="*/ 1253285 h 1763059"/>
+                    <a:gd name="connsiteX2" fmla="*/ 49057 w 253752"/>
+                    <a:gd name="connsiteY2" fmla="*/ 618285 h 1763059"/>
+                    <a:gd name="connsiteX3" fmla="*/ 253752 w 253752"/>
+                    <a:gd name="connsiteY3" fmla="*/ 0 h 1763059"/>
+                    <a:gd name="connsiteX0" fmla="*/ 253752 w 253752"/>
+                    <a:gd name="connsiteY0" fmla="*/ 1763059 h 1763059"/>
+                    <a:gd name="connsiteX1" fmla="*/ 34116 w 253752"/>
+                    <a:gd name="connsiteY1" fmla="*/ 1253285 h 1763059"/>
+                    <a:gd name="connsiteX2" fmla="*/ 49057 w 253752"/>
+                    <a:gd name="connsiteY2" fmla="*/ 618285 h 1763059"/>
+                    <a:gd name="connsiteX3" fmla="*/ 44575 w 253752"/>
+                    <a:gd name="connsiteY3" fmla="*/ 597647 h 1763059"/>
+                    <a:gd name="connsiteX4" fmla="*/ 253752 w 253752"/>
+                    <a:gd name="connsiteY4" fmla="*/ 0 h 1763059"/>
+                    <a:gd name="connsiteX0" fmla="*/ 288365 w 288365"/>
+                    <a:gd name="connsiteY0" fmla="*/ 1763059 h 1763059"/>
+                    <a:gd name="connsiteX1" fmla="*/ 68729 w 288365"/>
+                    <a:gd name="connsiteY1" fmla="*/ 1253285 h 1763059"/>
+                    <a:gd name="connsiteX2" fmla="*/ 83670 w 288365"/>
+                    <a:gd name="connsiteY2" fmla="*/ 618285 h 1763059"/>
+                    <a:gd name="connsiteX3" fmla="*/ 79188 w 288365"/>
+                    <a:gd name="connsiteY3" fmla="*/ 597647 h 1763059"/>
+                    <a:gd name="connsiteX4" fmla="*/ 288365 w 288365"/>
+                    <a:gd name="connsiteY4" fmla="*/ 0 h 1763059"/>
+                    <a:gd name="connsiteX0" fmla="*/ 288365 w 288365"/>
+                    <a:gd name="connsiteY0" fmla="*/ 1763059 h 1763059"/>
+                    <a:gd name="connsiteX1" fmla="*/ 68729 w 288365"/>
+                    <a:gd name="connsiteY1" fmla="*/ 1253285 h 1763059"/>
+                    <a:gd name="connsiteX2" fmla="*/ 83670 w 288365"/>
+                    <a:gd name="connsiteY2" fmla="*/ 618285 h 1763059"/>
+                    <a:gd name="connsiteX3" fmla="*/ 79188 w 288365"/>
+                    <a:gd name="connsiteY3" fmla="*/ 597647 h 1763059"/>
+                    <a:gd name="connsiteX4" fmla="*/ 288365 w 288365"/>
+                    <a:gd name="connsiteY4" fmla="*/ 0 h 1763059"/>
+                    <a:gd name="connsiteX0" fmla="*/ 836705 w 836705"/>
+                    <a:gd name="connsiteY0" fmla="*/ 1763059 h 1763059"/>
+                    <a:gd name="connsiteX1" fmla="*/ 617069 w 836705"/>
+                    <a:gd name="connsiteY1" fmla="*/ 1253285 h 1763059"/>
+                    <a:gd name="connsiteX2" fmla="*/ 632010 w 836705"/>
+                    <a:gd name="connsiteY2" fmla="*/ 618285 h 1763059"/>
+                    <a:gd name="connsiteX3" fmla="*/ 627528 w 836705"/>
+                    <a:gd name="connsiteY3" fmla="*/ 597647 h 1763059"/>
+                    <a:gd name="connsiteX4" fmla="*/ 836705 w 836705"/>
+                    <a:gd name="connsiteY4" fmla="*/ 0 h 1763059"/>
+                    <a:gd name="connsiteX0" fmla="*/ 836705 w 836705"/>
+                    <a:gd name="connsiteY0" fmla="*/ 1763059 h 1763059"/>
+                    <a:gd name="connsiteX1" fmla="*/ 617069 w 836705"/>
+                    <a:gd name="connsiteY1" fmla="*/ 1253285 h 1763059"/>
+                    <a:gd name="connsiteX2" fmla="*/ 632010 w 836705"/>
+                    <a:gd name="connsiteY2" fmla="*/ 618285 h 1763059"/>
+                    <a:gd name="connsiteX3" fmla="*/ 627528 w 836705"/>
+                    <a:gd name="connsiteY3" fmla="*/ 872285 h 1763059"/>
+                    <a:gd name="connsiteX4" fmla="*/ 836705 w 836705"/>
+                    <a:gd name="connsiteY4" fmla="*/ 0 h 1763059"/>
+                    <a:gd name="connsiteX0" fmla="*/ 253752 w 253752"/>
+                    <a:gd name="connsiteY0" fmla="*/ 1763059 h 1763059"/>
+                    <a:gd name="connsiteX1" fmla="*/ 34116 w 253752"/>
+                    <a:gd name="connsiteY1" fmla="*/ 1253285 h 1763059"/>
+                    <a:gd name="connsiteX2" fmla="*/ 49057 w 253752"/>
+                    <a:gd name="connsiteY2" fmla="*/ 618285 h 1763059"/>
+                    <a:gd name="connsiteX3" fmla="*/ 253752 w 253752"/>
+                    <a:gd name="connsiteY3" fmla="*/ 0 h 1763059"/>
+                    <a:gd name="connsiteX0" fmla="*/ 238232 w 238232"/>
+                    <a:gd name="connsiteY0" fmla="*/ 1763059 h 1763059"/>
+                    <a:gd name="connsiteX1" fmla="*/ 37012 w 238232"/>
+                    <a:gd name="connsiteY1" fmla="*/ 972881 h 1763059"/>
+                    <a:gd name="connsiteX2" fmla="*/ 33537 w 238232"/>
+                    <a:gd name="connsiteY2" fmla="*/ 618285 h 1763059"/>
+                    <a:gd name="connsiteX3" fmla="*/ 238232 w 238232"/>
+                    <a:gd name="connsiteY3" fmla="*/ 0 h 1763059"/>
+                    <a:gd name="connsiteX0" fmla="*/ 201220 w 201220"/>
+                    <a:gd name="connsiteY0" fmla="*/ 1763059 h 1763059"/>
+                    <a:gd name="connsiteX1" fmla="*/ 0 w 201220"/>
+                    <a:gd name="connsiteY1" fmla="*/ 972881 h 1763059"/>
+                    <a:gd name="connsiteX2" fmla="*/ 201220 w 201220"/>
+                    <a:gd name="connsiteY2" fmla="*/ 0 h 1763059"/>
+                    <a:gd name="connsiteX0" fmla="*/ 161176 w 161176"/>
+                    <a:gd name="connsiteY0" fmla="*/ 1763059 h 1763059"/>
+                    <a:gd name="connsiteX1" fmla="*/ 0 w 161176"/>
+                    <a:gd name="connsiteY1" fmla="*/ 972881 h 1763059"/>
+                    <a:gd name="connsiteX2" fmla="*/ 161176 w 161176"/>
+                    <a:gd name="connsiteY2" fmla="*/ 0 h 1763059"/>
+                    <a:gd name="connsiteX0" fmla="*/ 93382 w 241709"/>
+                    <a:gd name="connsiteY0" fmla="*/ 1763059 h 1763059"/>
+                    <a:gd name="connsiteX1" fmla="*/ 80533 w 241709"/>
+                    <a:gd name="connsiteY1" fmla="*/ 972881 h 1763059"/>
+                    <a:gd name="connsiteX2" fmla="*/ 241709 w 241709"/>
+                    <a:gd name="connsiteY2" fmla="*/ 0 h 1763059"/>
+                    <a:gd name="connsiteX0" fmla="*/ 93382 w 241709"/>
+                    <a:gd name="connsiteY0" fmla="*/ 1763059 h 1763059"/>
+                    <a:gd name="connsiteX1" fmla="*/ 80533 w 241709"/>
+                    <a:gd name="connsiteY1" fmla="*/ 972881 h 1763059"/>
+                    <a:gd name="connsiteX2" fmla="*/ 89690 w 241709"/>
+                    <a:gd name="connsiteY2" fmla="*/ 676266 h 1763059"/>
+                    <a:gd name="connsiteX3" fmla="*/ 241709 w 241709"/>
+                    <a:gd name="connsiteY3" fmla="*/ 0 h 1763059"/>
+                    <a:gd name="connsiteX0" fmla="*/ 93382 w 241709"/>
+                    <a:gd name="connsiteY0" fmla="*/ 1763059 h 1763059"/>
+                    <a:gd name="connsiteX1" fmla="*/ 80533 w 241709"/>
+                    <a:gd name="connsiteY1" fmla="*/ 972881 h 1763059"/>
+                    <a:gd name="connsiteX2" fmla="*/ 241709 w 241709"/>
+                    <a:gd name="connsiteY2" fmla="*/ 0 h 1763059"/>
+                    <a:gd name="connsiteX0" fmla="*/ 104678 w 172475"/>
+                    <a:gd name="connsiteY0" fmla="*/ 1482655 h 1482655"/>
+                    <a:gd name="connsiteX1" fmla="*/ 11299 w 172475"/>
+                    <a:gd name="connsiteY1" fmla="*/ 972881 h 1482655"/>
+                    <a:gd name="connsiteX2" fmla="*/ 172475 w 172475"/>
+                    <a:gd name="connsiteY2" fmla="*/ 0 h 1482655"/>
+                    <a:gd name="connsiteX0" fmla="*/ 263519 w 331316"/>
+                    <a:gd name="connsiteY0" fmla="*/ 1482655 h 1482655"/>
+                    <a:gd name="connsiteX1" fmla="*/ 170140 w 331316"/>
+                    <a:gd name="connsiteY1" fmla="*/ 972881 h 1482655"/>
+                    <a:gd name="connsiteX2" fmla="*/ 331316 w 331316"/>
+                    <a:gd name="connsiteY2" fmla="*/ 0 h 1482655"/>
+                    <a:gd name="connsiteX0" fmla="*/ 263519 w 331316"/>
+                    <a:gd name="connsiteY0" fmla="*/ 1482655 h 1482655"/>
+                    <a:gd name="connsiteX1" fmla="*/ 191952 w 331316"/>
+                    <a:gd name="connsiteY1" fmla="*/ 692478 h 1482655"/>
+                    <a:gd name="connsiteX2" fmla="*/ 331316 w 331316"/>
+                    <a:gd name="connsiteY2" fmla="*/ 0 h 1482655"/>
+                    <a:gd name="connsiteX0" fmla="*/ 0 w 67797"/>
+                    <a:gd name="connsiteY0" fmla="*/ 1482655 h 1482655"/>
+                    <a:gd name="connsiteX1" fmla="*/ 67797 w 67797"/>
+                    <a:gd name="connsiteY1" fmla="*/ 0 h 1482655"/>
+                    <a:gd name="connsiteX0" fmla="*/ 61307 w 61307"/>
+                    <a:gd name="connsiteY0" fmla="*/ 1482655 h 1482655"/>
+                    <a:gd name="connsiteX1" fmla="*/ 0 w 61307"/>
+                    <a:gd name="connsiteY1" fmla="*/ 0 h 1482655"/>
+                    <a:gd name="connsiteX0" fmla="*/ 61307 w 61307"/>
+                    <a:gd name="connsiteY0" fmla="*/ 1482655 h 1482655"/>
+                    <a:gd name="connsiteX1" fmla="*/ 0 w 61307"/>
+                    <a:gd name="connsiteY1" fmla="*/ 0 h 1482655"/>
+                    <a:gd name="connsiteX0" fmla="*/ 61307 w 61307"/>
+                    <a:gd name="connsiteY0" fmla="*/ 1482655 h 1482655"/>
+                    <a:gd name="connsiteX1" fmla="*/ 0 w 61307"/>
+                    <a:gd name="connsiteY1" fmla="*/ 0 h 1482655"/>
+                    <a:gd name="connsiteX0" fmla="*/ 61307 w 61307"/>
+                    <a:gd name="connsiteY0" fmla="*/ 1482655 h 1482655"/>
+                    <a:gd name="connsiteX1" fmla="*/ 0 w 61307"/>
+                    <a:gd name="connsiteY1" fmla="*/ 0 h 1482655"/>
+                    <a:gd name="connsiteX0" fmla="*/ 61307 w 61307"/>
+                    <a:gd name="connsiteY0" fmla="*/ 1482655 h 1482655"/>
+                    <a:gd name="connsiteX1" fmla="*/ 47134 w 61307"/>
+                    <a:gd name="connsiteY1" fmla="*/ 733079 h 1482655"/>
+                    <a:gd name="connsiteX2" fmla="*/ 0 w 61307"/>
+                    <a:gd name="connsiteY2" fmla="*/ 0 h 1482655"/>
+                    <a:gd name="connsiteX0" fmla="*/ 178592 w 178592"/>
+                    <a:gd name="connsiteY0" fmla="*/ 1482655 h 1482655"/>
+                    <a:gd name="connsiteX1" fmla="*/ 164419 w 178592"/>
+                    <a:gd name="connsiteY1" fmla="*/ 733079 h 1482655"/>
+                    <a:gd name="connsiteX2" fmla="*/ 7856 w 178592"/>
+                    <a:gd name="connsiteY2" fmla="*/ 733079 h 1482655"/>
+                    <a:gd name="connsiteX3" fmla="*/ 117285 w 178592"/>
+                    <a:gd name="connsiteY3" fmla="*/ 0 h 1482655"/>
+                    <a:gd name="connsiteX0" fmla="*/ 180413 w 180413"/>
+                    <a:gd name="connsiteY0" fmla="*/ 1482655 h 1482655"/>
+                    <a:gd name="connsiteX1" fmla="*/ 61041 w 180413"/>
+                    <a:gd name="connsiteY1" fmla="*/ 1069954 h 1482655"/>
+                    <a:gd name="connsiteX2" fmla="*/ 9677 w 180413"/>
+                    <a:gd name="connsiteY2" fmla="*/ 733079 h 1482655"/>
+                    <a:gd name="connsiteX3" fmla="*/ 119106 w 180413"/>
+                    <a:gd name="connsiteY3" fmla="*/ 0 h 1482655"/>
+                    <a:gd name="connsiteX0" fmla="*/ 135466 w 135466"/>
+                    <a:gd name="connsiteY0" fmla="*/ 1482655 h 1482655"/>
+                    <a:gd name="connsiteX1" fmla="*/ 16094 w 135466"/>
+                    <a:gd name="connsiteY1" fmla="*/ 1069954 h 1482655"/>
+                    <a:gd name="connsiteX2" fmla="*/ 9677 w 135466"/>
+                    <a:gd name="connsiteY2" fmla="*/ 546144 h 1482655"/>
+                    <a:gd name="connsiteX3" fmla="*/ 74159 w 135466"/>
+                    <a:gd name="connsiteY3" fmla="*/ 0 h 1482655"/>
+                    <a:gd name="connsiteX0" fmla="*/ 135466 w 135466"/>
+                    <a:gd name="connsiteY0" fmla="*/ 1482655 h 1482655"/>
+                    <a:gd name="connsiteX1" fmla="*/ 16094 w 135466"/>
+                    <a:gd name="connsiteY1" fmla="*/ 1069954 h 1482655"/>
+                    <a:gd name="connsiteX2" fmla="*/ 9677 w 135466"/>
+                    <a:gd name="connsiteY2" fmla="*/ 546144 h 1482655"/>
+                    <a:gd name="connsiteX3" fmla="*/ 74159 w 135466"/>
+                    <a:gd name="connsiteY3" fmla="*/ 0 h 1482655"/>
+                    <a:gd name="connsiteX0" fmla="*/ 135466 w 135466"/>
+                    <a:gd name="connsiteY0" fmla="*/ 1482655 h 1482655"/>
+                    <a:gd name="connsiteX1" fmla="*/ 16094 w 135466"/>
+                    <a:gd name="connsiteY1" fmla="*/ 1069954 h 1482655"/>
+                    <a:gd name="connsiteX2" fmla="*/ 9677 w 135466"/>
+                    <a:gd name="connsiteY2" fmla="*/ 546144 h 1482655"/>
+                    <a:gd name="connsiteX3" fmla="*/ 74159 w 135466"/>
+                    <a:gd name="connsiteY3" fmla="*/ 0 h 1482655"/>
+                    <a:gd name="connsiteX0" fmla="*/ 135466 w 135466"/>
+                    <a:gd name="connsiteY0" fmla="*/ 1482655 h 1482655"/>
+                    <a:gd name="connsiteX1" fmla="*/ 16094 w 135466"/>
+                    <a:gd name="connsiteY1" fmla="*/ 1069954 h 1482655"/>
+                    <a:gd name="connsiteX2" fmla="*/ 9677 w 135466"/>
+                    <a:gd name="connsiteY2" fmla="*/ 546144 h 1482655"/>
+                    <a:gd name="connsiteX3" fmla="*/ 74159 w 135466"/>
+                    <a:gd name="connsiteY3" fmla="*/ 0 h 1482655"/>
+                    <a:gd name="connsiteX0" fmla="*/ 145080 w 147936"/>
+                    <a:gd name="connsiteY0" fmla="*/ 1524197 h 1524197"/>
+                    <a:gd name="connsiteX1" fmla="*/ 25708 w 147936"/>
+                    <a:gd name="connsiteY1" fmla="*/ 1111496 h 1524197"/>
+                    <a:gd name="connsiteX2" fmla="*/ 19291 w 147936"/>
+                    <a:gd name="connsiteY2" fmla="*/ 587686 h 1524197"/>
+                    <a:gd name="connsiteX3" fmla="*/ 141454 w 147936"/>
+                    <a:gd name="connsiteY3" fmla="*/ 0 h 1524197"/>
+                    <a:gd name="connsiteX0" fmla="*/ 145080 w 145080"/>
+                    <a:gd name="connsiteY0" fmla="*/ 1524197 h 1524197"/>
+                    <a:gd name="connsiteX1" fmla="*/ 25708 w 145080"/>
+                    <a:gd name="connsiteY1" fmla="*/ 1111496 h 1524197"/>
+                    <a:gd name="connsiteX2" fmla="*/ 19291 w 145080"/>
+                    <a:gd name="connsiteY2" fmla="*/ 587686 h 1524197"/>
+                    <a:gd name="connsiteX3" fmla="*/ 141454 w 145080"/>
+                    <a:gd name="connsiteY3" fmla="*/ 0 h 1524197"/>
+                  </a:gdLst>
+                  <a:ahLst/>
+                  <a:cxnLst>
+                    <a:cxn ang="0">
+                      <a:pos x="connsiteX0" y="connsiteY0"/>
+                    </a:cxn>
+                    <a:cxn ang="0">
+                      <a:pos x="connsiteX1" y="connsiteY1"/>
+                    </a:cxn>
+                    <a:cxn ang="0">
+                      <a:pos x="connsiteX2" y="connsiteY2"/>
+                    </a:cxn>
+                    <a:cxn ang="0">
+                      <a:pos x="connsiteX3" y="connsiteY3"/>
+                    </a:cxn>
+                  </a:cxnLst>
+                  <a:rect l="l" t="t" r="r" b="b"/>
+                  <a:pathLst>
+                    <a:path w="145080" h="1524197">
+                      <a:moveTo>
+                        <a:pt x="145080" y="1524197"/>
+                      </a:moveTo>
+                      <a:cubicBezTo>
+                        <a:pt x="105289" y="1386630"/>
+                        <a:pt x="93056" y="1485673"/>
+                        <a:pt x="25708" y="1111496"/>
+                      </a:cubicBezTo>
+                      <a:cubicBezTo>
+                        <a:pt x="21973" y="986567"/>
+                        <a:pt x="0" y="772935"/>
+                        <a:pt x="19291" y="587686"/>
+                      </a:cubicBezTo>
+                      <a:cubicBezTo>
+                        <a:pt x="38582" y="402437"/>
+                        <a:pt x="26579" y="466730"/>
+                        <a:pt x="141454" y="0"/>
+                      </a:cubicBezTo>
+                    </a:path>
+                  </a:pathLst>
+                </a:custGeom>
+                <a:ln>
+                  <a:solidFill>
+                    <a:schemeClr val="tx1"/>
+                  </a:solidFill>
+                  <a:tailEnd type="triangle" w="lg" len="lg"/>
+                </a:ln>
+              </p:spPr>
+              <p:style>
+                <a:lnRef idx="2">
+                  <a:schemeClr val="accent1"/>
+                </a:lnRef>
+                <a:fillRef idx="0">
+                  <a:schemeClr val="accent1"/>
+                </a:fillRef>
+                <a:effectRef idx="1">
+                  <a:schemeClr val="accent1"/>
+                </a:effectRef>
+                <a:fontRef idx="minor">
+                  <a:schemeClr val="tx1"/>
+                </a:fontRef>
+              </p:style>
+              <p:txBody>
+                <a:bodyPr rtlCol="0" anchor="ctr"/>
+                <a:lstStyle/>
+                <a:p>
+                  <a:pPr algn="ctr"/>
+                  <a:endParaRPr lang="en-US"/>
+                </a:p>
+              </p:txBody>
+            </p:sp>
+          </p:grpSp>
+          <p:sp>
+            <p:nvSpPr>
+              <p:cNvPr id="90" name="TextBox 89"/>
+              <p:cNvSpPr txBox="1"/>
+              <p:nvPr/>
+            </p:nvSpPr>
+            <p:spPr>
+              <a:xfrm>
+                <a:off x="1914887" y="3456685"/>
+                <a:ext cx="2153014" cy="646331"/>
+              </a:xfrm>
+              <a:prstGeom prst="rect">
+                <a:avLst/>
+              </a:prstGeom>
+              <a:noFill/>
+            </p:spPr>
+            <p:txBody>
+              <a:bodyPr wrap="square" rtlCol="0">
+                <a:spAutoFit/>
+              </a:bodyPr>
+              <a:lstStyle/>
+              <a:p>
+                <a:r>
+                  <a:rPr lang="en-US" dirty="0" smtClean="0"/>
+                  <a:t>Network Resource Manager</a:t>
+                </a:r>
+                <a:endParaRPr lang="en-US" dirty="0"/>
+              </a:p>
+            </p:txBody>
+          </p:sp>
+          <p:sp>
+            <p:nvSpPr>
+              <p:cNvPr id="91" name="TextBox 90"/>
+              <p:cNvSpPr txBox="1"/>
+              <p:nvPr/>
+            </p:nvSpPr>
+            <p:spPr>
+              <a:xfrm>
+                <a:off x="117699" y="2913868"/>
+                <a:ext cx="1185315" cy="646331"/>
+              </a:xfrm>
+              <a:prstGeom prst="rect">
+                <a:avLst/>
+              </a:prstGeom>
+              <a:noFill/>
+            </p:spPr>
+            <p:txBody>
+              <a:bodyPr wrap="none" rtlCol="0">
+                <a:spAutoFit/>
+              </a:bodyPr>
+              <a:lstStyle/>
+              <a:p>
+                <a:pPr algn="r"/>
+                <a:r>
+                  <a:rPr lang="en-US" dirty="0" smtClean="0"/>
+                  <a:t>Provider </a:t>
+                </a:r>
+              </a:p>
+              <a:p>
+                <a:pPr algn="r"/>
+                <a:r>
+                  <a:rPr lang="en-US" dirty="0" smtClean="0"/>
+                  <a:t>Agent (PA)</a:t>
+                </a:r>
+                <a:endParaRPr lang="en-US" dirty="0"/>
+              </a:p>
+            </p:txBody>
+          </p:sp>
+          <p:sp>
+            <p:nvSpPr>
+              <p:cNvPr id="92" name="TextBox 91"/>
+              <p:cNvSpPr txBox="1"/>
+              <p:nvPr/>
+            </p:nvSpPr>
+            <p:spPr>
+              <a:xfrm>
+                <a:off x="1204536" y="3854122"/>
+                <a:ext cx="710351" cy="369332"/>
+              </a:xfrm>
+              <a:prstGeom prst="rect">
+                <a:avLst/>
+              </a:prstGeom>
+              <a:noFill/>
+            </p:spPr>
+            <p:txBody>
+              <a:bodyPr wrap="none" rtlCol="0">
+                <a:spAutoFit/>
+              </a:bodyPr>
+              <a:lstStyle/>
+              <a:p>
+                <a:r>
+                  <a:rPr lang="en-US" dirty="0" smtClean="0"/>
+                  <a:t>NRM</a:t>
+                </a:r>
+                <a:endParaRPr lang="en-US" dirty="0"/>
+              </a:p>
+            </p:txBody>
+          </p:sp>
+          <p:cxnSp>
+            <p:nvCxnSpPr>
+              <p:cNvPr id="93" name="Straight Connector 92"/>
+              <p:cNvCxnSpPr/>
+              <p:nvPr/>
+            </p:nvCxnSpPr>
+            <p:spPr>
+              <a:xfrm rot="10800000">
+                <a:off x="929924" y="2552236"/>
+                <a:ext cx="1145194" cy="1588"/>
+              </a:xfrm>
+              <a:prstGeom prst="line">
+                <a:avLst/>
+              </a:prstGeom>
+              <a:ln w="28575" cap="flat" cmpd="sng" algn="ctr">
+                <a:solidFill>
+                  <a:srgbClr val="0000FF"/>
+                </a:solidFill>
+                <a:prstDash val="sysDash"/>
+                <a:round/>
+                <a:headEnd type="none" w="med" len="med"/>
+                <a:tailEnd type="none" w="med" len="med"/>
+              </a:ln>
+              <a:effectLst/>
+            </p:spPr>
+            <p:style>
+              <a:lnRef idx="2">
+                <a:schemeClr val="accent1"/>
+              </a:lnRef>
+              <a:fillRef idx="0">
+                <a:schemeClr val="accent1"/>
+              </a:fillRef>
+              <a:effectRef idx="1">
+                <a:schemeClr val="accent1"/>
+              </a:effectRef>
+              <a:fontRef idx="minor">
+                <a:schemeClr val="tx1"/>
+              </a:fontRef>
+            </p:style>
+          </p:cxnSp>
+          <p:sp>
+            <p:nvSpPr>
+              <p:cNvPr id="94" name="TextBox 93"/>
+              <p:cNvSpPr txBox="1"/>
+              <p:nvPr/>
+            </p:nvSpPr>
+            <p:spPr>
+              <a:xfrm>
+                <a:off x="2054595" y="2326780"/>
+                <a:ext cx="3172638" cy="707886"/>
+              </a:xfrm>
+              <a:prstGeom prst="rect">
+                <a:avLst/>
+              </a:prstGeom>
+              <a:noFill/>
+            </p:spPr>
+            <p:txBody>
+              <a:bodyPr wrap="none" rtlCol="0">
+                <a:spAutoFit/>
+              </a:bodyPr>
+              <a:lstStyle/>
+              <a:p>
+                <a:r>
+                  <a:rPr lang="en-US" sz="2000" b="1" dirty="0" smtClean="0">
+                    <a:solidFill>
+                      <a:srgbClr val="0000FF"/>
+                    </a:solidFill>
+                  </a:rPr>
+                  <a:t>Network Services Interface</a:t>
+                </a:r>
+              </a:p>
+              <a:p>
+                <a:r>
+                  <a:rPr lang="en-US" sz="2000" b="1" dirty="0" smtClean="0">
+                    <a:solidFill>
+                      <a:srgbClr val="0000FF"/>
+                    </a:solidFill>
+                  </a:rPr>
+                  <a:t>Protocol(s)</a:t>
+                </a:r>
+                <a:endParaRPr lang="en-US" sz="2000" b="1" dirty="0">
+                  <a:solidFill>
+                    <a:srgbClr val="0000FF"/>
+                  </a:solidFill>
+                </a:endParaRPr>
+              </a:p>
+            </p:txBody>
+          </p:sp>
+          <p:sp>
+            <p:nvSpPr>
+              <p:cNvPr id="96" name="Cube 95"/>
+              <p:cNvSpPr/>
+              <p:nvPr/>
+            </p:nvSpPr>
+            <p:spPr bwMode="auto">
+              <a:xfrm>
+                <a:off x="953796" y="4121708"/>
+                <a:ext cx="278639" cy="276540"/>
+              </a:xfrm>
+              <a:prstGeom prst="cube">
+                <a:avLst/>
+              </a:prstGeom>
+              <a:solidFill>
+                <a:schemeClr val="accent1"/>
+              </a:solidFill>
+              <a:ln w="9525" cap="flat" cmpd="sng" algn="ctr">
+                <a:solidFill>
+                  <a:schemeClr val="tx1"/>
+                </a:solidFill>
+                <a:prstDash val="solid"/>
+                <a:round/>
+                <a:headEnd type="none" w="med" len="med"/>
+                <a:tailEnd type="none" w="med" len="med"/>
+              </a:ln>
+              <a:effectLst/>
+            </p:spPr>
+            <p:txBody>
+              <a:bodyPr vert="horz" wrap="square" lIns="91440" tIns="45720" rIns="91440" bIns="45720" numCol="1" rtlCol="0" anchor="t" anchorCtr="0" compatLnSpc="1">
+                <a:prstTxWarp prst="textNoShape">
+                  <a:avLst/>
+                </a:prstTxWarp>
+              </a:bodyPr>
+              <a:lstStyle/>
+              <a:p>
+                <a:pPr marL="0" marR="0" indent="0" algn="r" defTabSz="914400" rtl="0" eaLnBrk="0" fontAlgn="base" latinLnBrk="0" hangingPunct="0">
+                  <a:lnSpc>
+                    <a:spcPct val="100000"/>
+                  </a:lnSpc>
+                  <a:spcBef>
+                    <a:spcPct val="0"/>
+                  </a:spcBef>
+                  <a:spcAft>
+                    <a:spcPct val="0"/>
+                  </a:spcAft>
+                  <a:buClrTx/>
+                  <a:buSzTx/>
+                  <a:buFontTx/>
+                  <a:buNone/>
+                  <a:tabLst/>
+                </a:pPr>
+                <a:endParaRPr kumimoji="0" lang="en-US" sz="2400" b="0" i="0" u="none" strike="noStrike" cap="none" normalizeH="0" baseline="0" smtClean="0">
+                  <a:ln>
+                    <a:noFill/>
+                  </a:ln>
+                  <a:solidFill>
+                    <a:schemeClr val="tx1"/>
+                  </a:solidFill>
+                  <a:effectLst/>
+                  <a:latin typeface="Arial" charset="0"/>
+                  <a:ea typeface="ＭＳ Ｐゴシック" pitchFamily="1" charset="-128"/>
+                </a:endParaRPr>
+              </a:p>
+            </p:txBody>
+          </p:sp>
+          <p:sp>
+            <p:nvSpPr>
+              <p:cNvPr id="97" name="Cube 96"/>
+              <p:cNvSpPr/>
+              <p:nvPr/>
+            </p:nvSpPr>
+            <p:spPr bwMode="auto">
+              <a:xfrm>
+                <a:off x="1335947" y="4423343"/>
+                <a:ext cx="278639" cy="276540"/>
+              </a:xfrm>
+              <a:prstGeom prst="cube">
+                <a:avLst/>
+              </a:prstGeom>
+              <a:solidFill>
+                <a:schemeClr val="accent1"/>
+              </a:solidFill>
+              <a:ln w="9525" cap="flat" cmpd="sng" algn="ctr">
+                <a:solidFill>
+                  <a:schemeClr val="tx1"/>
+                </a:solidFill>
+                <a:prstDash val="solid"/>
+                <a:round/>
+                <a:headEnd type="none" w="med" len="med"/>
+                <a:tailEnd type="none" w="med" len="med"/>
+              </a:ln>
+              <a:effectLst/>
+            </p:spPr>
+            <p:txBody>
+              <a:bodyPr vert="horz" wrap="square" lIns="91440" tIns="45720" rIns="91440" bIns="45720" numCol="1" rtlCol="0" anchor="t" anchorCtr="0" compatLnSpc="1">
+                <a:prstTxWarp prst="textNoShape">
+                  <a:avLst/>
+                </a:prstTxWarp>
+              </a:bodyPr>
+              <a:lstStyle/>
+              <a:p>
+                <a:pPr marL="0" marR="0" indent="0" algn="r" defTabSz="914400" rtl="0" eaLnBrk="0" fontAlgn="base" latinLnBrk="0" hangingPunct="0">
+                  <a:lnSpc>
+                    <a:spcPct val="100000"/>
+                  </a:lnSpc>
+                  <a:spcBef>
+                    <a:spcPct val="0"/>
+                  </a:spcBef>
+                  <a:spcAft>
+                    <a:spcPct val="0"/>
+                  </a:spcAft>
+                  <a:buClrTx/>
+                  <a:buSzTx/>
+                  <a:buFontTx/>
+                  <a:buNone/>
+                  <a:tabLst/>
+                </a:pPr>
+                <a:endParaRPr kumimoji="0" lang="en-US" sz="2400" b="0" i="0" u="none" strike="noStrike" cap="none" normalizeH="0" baseline="0" smtClean="0">
+                  <a:ln>
+                    <a:noFill/>
+                  </a:ln>
+                  <a:solidFill>
+                    <a:schemeClr val="tx1"/>
+                  </a:solidFill>
+                  <a:effectLst/>
+                  <a:latin typeface="Arial" charset="0"/>
+                  <a:ea typeface="ＭＳ Ｐゴシック" pitchFamily="1" charset="-128"/>
+                </a:endParaRPr>
+              </a:p>
+            </p:txBody>
+          </p:sp>
+          <p:sp>
+            <p:nvSpPr>
+              <p:cNvPr id="98" name="Cube 97"/>
+              <p:cNvSpPr/>
+              <p:nvPr/>
+            </p:nvSpPr>
+            <p:spPr bwMode="auto">
+              <a:xfrm>
+                <a:off x="1796479" y="4167857"/>
+                <a:ext cx="278639" cy="276540"/>
+              </a:xfrm>
+              <a:prstGeom prst="cube">
+                <a:avLst/>
+              </a:prstGeom>
+              <a:solidFill>
+                <a:schemeClr val="accent1"/>
+              </a:solidFill>
+              <a:ln w="9525" cap="flat" cmpd="sng" algn="ctr">
+                <a:solidFill>
+                  <a:schemeClr val="tx1"/>
+                </a:solidFill>
+                <a:prstDash val="solid"/>
+                <a:round/>
+                <a:headEnd type="none" w="med" len="med"/>
+                <a:tailEnd type="none" w="med" len="med"/>
+              </a:ln>
+              <a:effectLst/>
+            </p:spPr>
+            <p:txBody>
+              <a:bodyPr vert="horz" wrap="square" lIns="91440" tIns="45720" rIns="91440" bIns="45720" numCol="1" rtlCol="0" anchor="t" anchorCtr="0" compatLnSpc="1">
+                <a:prstTxWarp prst="textNoShape">
+                  <a:avLst/>
+                </a:prstTxWarp>
+              </a:bodyPr>
+              <a:lstStyle/>
+              <a:p>
+                <a:pPr marL="0" marR="0" indent="0" algn="r" defTabSz="914400" rtl="0" eaLnBrk="0" fontAlgn="base" latinLnBrk="0" hangingPunct="0">
+                  <a:lnSpc>
+                    <a:spcPct val="100000"/>
+                  </a:lnSpc>
+                  <a:spcBef>
+                    <a:spcPct val="0"/>
+                  </a:spcBef>
+                  <a:spcAft>
+                    <a:spcPct val="0"/>
+                  </a:spcAft>
+                  <a:buClrTx/>
+                  <a:buSzTx/>
+                  <a:buFontTx/>
+                  <a:buNone/>
+                  <a:tabLst/>
+                </a:pPr>
+                <a:endParaRPr kumimoji="0" lang="en-US" sz="2400" b="0" i="0" u="none" strike="noStrike" cap="none" normalizeH="0" baseline="0" smtClean="0">
+                  <a:ln>
+                    <a:noFill/>
+                  </a:ln>
+                  <a:solidFill>
+                    <a:schemeClr val="tx1"/>
+                  </a:solidFill>
+                  <a:effectLst/>
+                  <a:latin typeface="Arial" charset="0"/>
+                  <a:ea typeface="ＭＳ Ｐゴシック" pitchFamily="1" charset="-128"/>
+                </a:endParaRPr>
+              </a:p>
+            </p:txBody>
+          </p:sp>
+          <p:sp>
+            <p:nvSpPr>
+              <p:cNvPr id="99" name="TextBox 98"/>
+              <p:cNvSpPr txBox="1"/>
+              <p:nvPr/>
+            </p:nvSpPr>
+            <p:spPr>
+              <a:xfrm>
+                <a:off x="1303014" y="2992957"/>
+                <a:ext cx="659155" cy="369332"/>
+              </a:xfrm>
+              <a:prstGeom prst="rect">
+                <a:avLst/>
+              </a:prstGeom>
+              <a:noFill/>
+            </p:spPr>
+            <p:txBody>
+              <a:bodyPr wrap="none" rtlCol="0">
+                <a:spAutoFit/>
+              </a:bodyPr>
+              <a:lstStyle/>
+              <a:p>
+                <a:r>
+                  <a:rPr lang="en-US" dirty="0"/>
+                  <a:t>NSA</a:t>
+                </a:r>
+              </a:p>
+            </p:txBody>
+          </p:sp>
+          <p:sp>
+            <p:nvSpPr>
+              <p:cNvPr id="100" name="TextBox 99"/>
+              <p:cNvSpPr txBox="1"/>
+              <p:nvPr/>
+            </p:nvSpPr>
+            <p:spPr>
+              <a:xfrm>
+                <a:off x="372580" y="1246305"/>
+                <a:ext cx="3000190" cy="369332"/>
+              </a:xfrm>
+              <a:prstGeom prst="rect">
+                <a:avLst/>
+              </a:prstGeom>
+              <a:noFill/>
+            </p:spPr>
+            <p:txBody>
+              <a:bodyPr wrap="none" rtlCol="0">
+                <a:spAutoFit/>
+              </a:bodyPr>
+              <a:lstStyle/>
+              <a:p>
+                <a:r>
+                  <a:rPr lang="en-US" dirty="0" smtClean="0"/>
+                  <a:t>Network Services Agent (NSA)</a:t>
+                </a:r>
+                <a:endParaRPr lang="en-US" dirty="0"/>
+              </a:p>
+            </p:txBody>
+          </p:sp>
+          <p:sp>
+            <p:nvSpPr>
+              <p:cNvPr id="101" name="TextBox 100"/>
+              <p:cNvSpPr txBox="1"/>
+              <p:nvPr/>
+            </p:nvSpPr>
+            <p:spPr>
+              <a:xfrm>
+                <a:off x="1269196" y="1691136"/>
+                <a:ext cx="659155" cy="369332"/>
+              </a:xfrm>
+              <a:prstGeom prst="rect">
+                <a:avLst/>
+              </a:prstGeom>
+              <a:noFill/>
+            </p:spPr>
+            <p:txBody>
+              <a:bodyPr wrap="none" rtlCol="0">
+                <a:spAutoFit/>
+              </a:bodyPr>
+              <a:lstStyle/>
+              <a:p>
+                <a:r>
+                  <a:rPr lang="en-US" dirty="0"/>
+                  <a:t>NSA</a:t>
+                </a:r>
+              </a:p>
+            </p:txBody>
+          </p:sp>
+          <p:sp>
+            <p:nvSpPr>
+              <p:cNvPr id="120" name="TextBox 119"/>
+              <p:cNvSpPr txBox="1"/>
+              <p:nvPr/>
+            </p:nvSpPr>
+            <p:spPr>
+              <a:xfrm>
+                <a:off x="406637" y="4798922"/>
+                <a:ext cx="2415898" cy="369332"/>
+              </a:xfrm>
+              <a:prstGeom prst="rect">
+                <a:avLst/>
+              </a:prstGeom>
+              <a:noFill/>
+            </p:spPr>
+            <p:txBody>
+              <a:bodyPr wrap="square" rtlCol="0">
+                <a:spAutoFit/>
+              </a:bodyPr>
+              <a:lstStyle/>
+              <a:p>
+                <a:r>
+                  <a:rPr lang="en-US" dirty="0" smtClean="0"/>
+                  <a:t>NSI “Network Service”</a:t>
+                </a:r>
+                <a:endParaRPr lang="en-US" dirty="0"/>
+              </a:p>
+            </p:txBody>
+          </p:sp>
+        </p:grpSp>
+        <p:sp>
+          <p:nvSpPr>
+            <p:cNvPr id="84" name="Lightning Bolt 83"/>
+            <p:cNvSpPr/>
+            <p:nvPr/>
+          </p:nvSpPr>
+          <p:spPr bwMode="auto">
+            <a:xfrm rot="1560000">
+              <a:off x="1434145" y="3467451"/>
+              <a:ext cx="263903" cy="504313"/>
+            </a:xfrm>
+            <a:prstGeom prst="lightningBolt">
+              <a:avLst/>
+            </a:prstGeom>
+            <a:solidFill>
+              <a:srgbClr val="FFFF00"/>
+            </a:solidFill>
+            <a:ln w="9525" cap="flat" cmpd="sng" algn="ctr">
+              <a:solidFill>
+                <a:schemeClr val="tx1"/>
+              </a:solidFill>
+              <a:prstDash val="solid"/>
+              <a:round/>
+              <a:headEnd type="none" w="med" len="med"/>
+              <a:tailEnd type="none" w="med" len="med"/>
+            </a:ln>
+            <a:effectLst/>
+          </p:spPr>
+          <p:txBody>
+            <a:bodyPr vert="horz" wrap="square" lIns="91440" tIns="45720" rIns="91440" bIns="45720" numCol="1" rtlCol="0" anchor="t" anchorCtr="0" compatLnSpc="1">
+              <a:prstTxWarp prst="textNoShape">
+                <a:avLst/>
+              </a:prstTxWarp>
+            </a:bodyPr>
+            <a:lstStyle/>
+            <a:p>
+              <a:pPr marL="0" marR="0" indent="0" algn="r" defTabSz="914400" rtl="0" eaLnBrk="0" fontAlgn="base" latinLnBrk="0" hangingPunct="0">
+                <a:lnSpc>
+                  <a:spcPct val="100000"/>
+                </a:lnSpc>
+                <a:spcBef>
+                  <a:spcPct val="0"/>
+                </a:spcBef>
+                <a:spcAft>
+                  <a:spcPct val="0"/>
+                </a:spcAft>
+                <a:buClrTx/>
+                <a:buSzTx/>
+                <a:buFontTx/>
+                <a:buNone/>
+                <a:tabLst/>
+              </a:pPr>
+              <a:endParaRPr kumimoji="0" lang="en-US" sz="2400" b="0" i="0" u="none" strike="noStrike" cap="none" normalizeH="0" baseline="0" smtClean="0">
+                <a:ln>
+                  <a:noFill/>
+                </a:ln>
+                <a:solidFill>
+                  <a:schemeClr val="tx1"/>
+                </a:solidFill>
+                <a:effectLst/>
+                <a:latin typeface="Arial" charset="0"/>
+                <a:ea typeface="ＭＳ Ｐゴシック" pitchFamily="1" charset="-128"/>
+              </a:endParaRPr>
+            </a:p>
+          </p:txBody>
+        </p:sp>
+      </p:grpSp>
+      <p:sp>
+        <p:nvSpPr>
+          <p:cNvPr id="109" name="Oval 108"/>
+          <p:cNvSpPr/>
+          <p:nvPr/>
+        </p:nvSpPr>
+        <p:spPr>
+          <a:xfrm>
+            <a:off x="5906991" y="4583274"/>
+            <a:ext cx="467201" cy="299111"/>
+          </a:xfrm>
+          <a:prstGeom prst="ellipse">
+            <a:avLst/>
+          </a:prstGeom>
+          <a:solidFill>
+            <a:srgbClr val="008000"/>
+          </a:solidFill>
+        </p:spPr>
+        <p:style>
+          <a:lnRef idx="1">
+            <a:schemeClr val="accent1"/>
+          </a:lnRef>
+          <a:fillRef idx="3">
+            <a:schemeClr val="accent1"/>
+          </a:fillRef>
+          <a:effectRef idx="2">
+            <a:schemeClr val="accent1"/>
+          </a:effectRef>
+          <a:fontRef idx="minor">
+            <a:schemeClr val="lt1"/>
+          </a:fontRef>
+        </p:style>
+        <p:txBody>
+          <a:bodyPr rtlCol="0" anchor="ctr"/>
+          <a:lstStyle/>
+          <a:p>
+            <a:pPr algn="ctr"/>
+            <a:endParaRPr lang="en-US"/>
+          </a:p>
+        </p:txBody>
+      </p:sp>
+      <p:sp>
+        <p:nvSpPr>
+          <p:cNvPr id="110" name="Oval 109"/>
+          <p:cNvSpPr/>
+          <p:nvPr/>
+        </p:nvSpPr>
+        <p:spPr>
+          <a:xfrm>
+            <a:off x="8055271" y="4609594"/>
+            <a:ext cx="456850" cy="339647"/>
+          </a:xfrm>
+          <a:prstGeom prst="ellipse">
+            <a:avLst/>
+          </a:prstGeom>
+          <a:solidFill>
+            <a:srgbClr val="008000"/>
+          </a:solidFill>
+        </p:spPr>
+        <p:style>
+          <a:lnRef idx="1">
+            <a:schemeClr val="accent1"/>
+          </a:lnRef>
+          <a:fillRef idx="3">
+            <a:schemeClr val="accent1"/>
+          </a:fillRef>
+          <a:effectRef idx="2">
+            <a:schemeClr val="accent1"/>
+          </a:effectRef>
+          <a:fontRef idx="minor">
+            <a:schemeClr val="lt1"/>
+          </a:fontRef>
+        </p:style>
+        <p:txBody>
+          <a:bodyPr rtlCol="0" anchor="ctr"/>
+          <a:lstStyle/>
+          <a:p>
+            <a:pPr algn="ctr"/>
+            <a:endParaRPr lang="en-US"/>
+          </a:p>
+        </p:txBody>
+      </p:sp>
+      <p:sp>
+        <p:nvSpPr>
+          <p:cNvPr id="111" name="Oval 110"/>
+          <p:cNvSpPr/>
+          <p:nvPr/>
+        </p:nvSpPr>
+        <p:spPr>
+          <a:xfrm>
+            <a:off x="6986548" y="4650562"/>
+            <a:ext cx="463091" cy="336646"/>
+          </a:xfrm>
+          <a:prstGeom prst="ellipse">
+            <a:avLst/>
+          </a:prstGeom>
+          <a:solidFill>
+            <a:srgbClr val="008000"/>
+          </a:solidFill>
+        </p:spPr>
+        <p:style>
+          <a:lnRef idx="1">
+            <a:schemeClr val="accent1"/>
+          </a:lnRef>
+          <a:fillRef idx="3">
+            <a:schemeClr val="accent1"/>
+          </a:fillRef>
+          <a:effectRef idx="2">
+            <a:schemeClr val="accent1"/>
+          </a:effectRef>
+          <a:fontRef idx="minor">
+            <a:schemeClr val="lt1"/>
+          </a:fontRef>
+        </p:style>
+        <p:txBody>
+          <a:bodyPr rtlCol="0" anchor="ctr"/>
+          <a:lstStyle/>
+          <a:p>
+            <a:pPr algn="ctr"/>
+            <a:endParaRPr lang="en-US"/>
+          </a:p>
+        </p:txBody>
+      </p:sp>
+      <p:sp>
+        <p:nvSpPr>
+          <p:cNvPr id="47" name="Cube 46"/>
+          <p:cNvSpPr/>
+          <p:nvPr/>
+        </p:nvSpPr>
+        <p:spPr bwMode="auto">
+          <a:xfrm>
+            <a:off x="5994230" y="4810971"/>
+            <a:ext cx="278639" cy="276540"/>
+          </a:xfrm>
+          <a:prstGeom prst="cube">
+            <a:avLst/>
+          </a:prstGeom>
+          <a:solidFill>
+            <a:schemeClr val="accent1"/>
+          </a:solidFill>
+          <a:ln w="9525" cap="flat" cmpd="sng" algn="ctr">
+            <a:solidFill>
+              <a:schemeClr val="tx1"/>
+            </a:solidFill>
+            <a:prstDash val="solid"/>
+            <a:round/>
+            <a:headEnd type="none" w="med" len="med"/>
+            <a:tailEnd type="none" w="med" len="med"/>
+          </a:ln>
+          <a:effectLst/>
+        </p:spPr>
+        <p:txBody>
+          <a:bodyPr vert="horz" wrap="square" lIns="91440" tIns="45720" rIns="91440" bIns="45720" numCol="1" rtlCol="0" anchor="t" anchorCtr="0" compatLnSpc="1">
+            <a:prstTxWarp prst="textNoShape">
+              <a:avLst/>
+            </a:prstTxWarp>
+          </a:bodyPr>
+          <a:lstStyle/>
+          <a:p>
+            <a:pPr marL="0" marR="0" indent="0" algn="r" defTabSz="914400" rtl="0" eaLnBrk="0" fontAlgn="base" latinLnBrk="0" hangingPunct="0">
+              <a:lnSpc>
+                <a:spcPct val="100000"/>
+              </a:lnSpc>
+              <a:spcBef>
+                <a:spcPct val="0"/>
+              </a:spcBef>
+              <a:spcAft>
+                <a:spcPct val="0"/>
+              </a:spcAft>
+              <a:buClrTx/>
+              <a:buSzTx/>
+              <a:buFontTx/>
+              <a:buNone/>
+              <a:tabLst/>
+            </a:pPr>
+            <a:endParaRPr kumimoji="0" lang="en-US" sz="2400" b="0" i="0" u="none" strike="noStrike" cap="none" normalizeH="0" baseline="0" smtClean="0">
+              <a:ln>
+                <a:noFill/>
+              </a:ln>
+              <a:solidFill>
+                <a:schemeClr val="tx1"/>
+              </a:solidFill>
+              <a:effectLst/>
+              <a:latin typeface="Arial" charset="0"/>
+              <a:ea typeface="ＭＳ Ｐゴシック" pitchFamily="1" charset="-128"/>
+            </a:endParaRPr>
+          </a:p>
+        </p:txBody>
+      </p:sp>
+      <p:sp>
+        <p:nvSpPr>
+          <p:cNvPr id="63" name="Cube 62"/>
+          <p:cNvSpPr/>
+          <p:nvPr/>
+        </p:nvSpPr>
+        <p:spPr bwMode="auto">
+          <a:xfrm>
+            <a:off x="8092453" y="4843964"/>
+            <a:ext cx="278639" cy="276540"/>
+          </a:xfrm>
+          <a:prstGeom prst="cube">
+            <a:avLst/>
+          </a:prstGeom>
+          <a:solidFill>
+            <a:schemeClr val="accent1"/>
+          </a:solidFill>
+          <a:ln w="9525" cap="flat" cmpd="sng" algn="ctr">
+            <a:solidFill>
+              <a:schemeClr val="tx1"/>
+            </a:solidFill>
+            <a:prstDash val="solid"/>
+            <a:round/>
+            <a:headEnd type="none" w="med" len="med"/>
+            <a:tailEnd type="none" w="med" len="med"/>
+          </a:ln>
+          <a:effectLst/>
+        </p:spPr>
+        <p:txBody>
+          <a:bodyPr vert="horz" wrap="square" lIns="91440" tIns="45720" rIns="91440" bIns="45720" numCol="1" rtlCol="0" anchor="t" anchorCtr="0" compatLnSpc="1">
+            <a:prstTxWarp prst="textNoShape">
+              <a:avLst/>
+            </a:prstTxWarp>
+          </a:bodyPr>
+          <a:lstStyle/>
+          <a:p>
+            <a:pPr marL="0" marR="0" indent="0" algn="r" defTabSz="914400" rtl="0" eaLnBrk="0" fontAlgn="base" latinLnBrk="0" hangingPunct="0">
+              <a:lnSpc>
+                <a:spcPct val="100000"/>
+              </a:lnSpc>
+              <a:spcBef>
+                <a:spcPct val="0"/>
+              </a:spcBef>
+              <a:spcAft>
+                <a:spcPct val="0"/>
+              </a:spcAft>
+              <a:buClrTx/>
+              <a:buSzTx/>
+              <a:buFontTx/>
+              <a:buNone/>
+              <a:tabLst/>
+            </a:pPr>
+            <a:endParaRPr kumimoji="0" lang="en-US" sz="2400" b="0" i="0" u="none" strike="noStrike" cap="none" normalizeH="0" baseline="0" smtClean="0">
+              <a:ln>
+                <a:noFill/>
+              </a:ln>
+              <a:solidFill>
+                <a:schemeClr val="tx1"/>
+              </a:solidFill>
+              <a:effectLst/>
+              <a:latin typeface="Arial" charset="0"/>
+              <a:ea typeface="ＭＳ Ｐゴシック" pitchFamily="1" charset="-128"/>
+            </a:endParaRPr>
+          </a:p>
+        </p:txBody>
+      </p:sp>
+      <p:sp>
+        <p:nvSpPr>
+          <p:cNvPr id="64" name="Cube 63"/>
+          <p:cNvSpPr/>
+          <p:nvPr/>
+        </p:nvSpPr>
+        <p:spPr bwMode="auto">
+          <a:xfrm>
+            <a:off x="7066613" y="4793365"/>
+            <a:ext cx="278639" cy="276540"/>
+          </a:xfrm>
+          <a:prstGeom prst="cube">
+            <a:avLst/>
+          </a:prstGeom>
+          <a:solidFill>
+            <a:schemeClr val="accent1"/>
+          </a:solidFill>
+          <a:ln w="9525" cap="flat" cmpd="sng" algn="ctr">
+            <a:solidFill>
+              <a:schemeClr val="tx1"/>
+            </a:solidFill>
+            <a:prstDash val="solid"/>
+            <a:round/>
+            <a:headEnd type="none" w="med" len="med"/>
+            <a:tailEnd type="none" w="med" len="med"/>
+          </a:ln>
+          <a:effectLst/>
+        </p:spPr>
+        <p:txBody>
+          <a:bodyPr vert="horz" wrap="square" lIns="91440" tIns="45720" rIns="91440" bIns="45720" numCol="1" rtlCol="0" anchor="t" anchorCtr="0" compatLnSpc="1">
+            <a:prstTxWarp prst="textNoShape">
+              <a:avLst/>
+            </a:prstTxWarp>
+          </a:bodyPr>
+          <a:lstStyle/>
+          <a:p>
+            <a:pPr marL="0" marR="0" indent="0" algn="r" defTabSz="914400" rtl="0" eaLnBrk="0" fontAlgn="base" latinLnBrk="0" hangingPunct="0">
+              <a:lnSpc>
+                <a:spcPct val="100000"/>
+              </a:lnSpc>
+              <a:spcBef>
+                <a:spcPct val="0"/>
+              </a:spcBef>
+              <a:spcAft>
+                <a:spcPct val="0"/>
+              </a:spcAft>
+              <a:buClrTx/>
+              <a:buSzTx/>
+              <a:buFontTx/>
+              <a:buNone/>
+              <a:tabLst/>
+            </a:pPr>
+            <a:endParaRPr kumimoji="0" lang="en-US" sz="2400" b="0" i="0" u="none" strike="noStrike" cap="none" normalizeH="0" baseline="0" smtClean="0">
+              <a:ln>
+                <a:noFill/>
+              </a:ln>
+              <a:solidFill>
+                <a:schemeClr val="tx1"/>
+              </a:solidFill>
+              <a:effectLst/>
+              <a:latin typeface="Arial" charset="0"/>
+              <a:ea typeface="ＭＳ Ｐゴシック" pitchFamily="1" charset="-128"/>
+            </a:endParaRPr>
+          </a:p>
+        </p:txBody>
+      </p:sp>
+      <p:sp>
+        <p:nvSpPr>
+          <p:cNvPr id="70" name="TextBox 69"/>
+          <p:cNvSpPr txBox="1"/>
+          <p:nvPr/>
+        </p:nvSpPr>
+        <p:spPr>
+          <a:xfrm>
+            <a:off x="6623860" y="5271957"/>
+            <a:ext cx="1282116" cy="369332"/>
+          </a:xfrm>
+          <a:prstGeom prst="rect">
+            <a:avLst/>
+          </a:prstGeom>
+          <a:noFill/>
+        </p:spPr>
+        <p:txBody>
+          <a:bodyPr wrap="square" rtlCol="0">
+            <a:spAutoFit/>
+          </a:bodyPr>
+          <a:lstStyle/>
+          <a:p>
+            <a:r>
+              <a:rPr lang="en-US" dirty="0" smtClean="0"/>
+              <a:t>Domain B</a:t>
+            </a:r>
+            <a:endParaRPr lang="en-US" dirty="0"/>
+          </a:p>
+        </p:txBody>
+      </p:sp>
+      <p:sp>
+        <p:nvSpPr>
+          <p:cNvPr id="81" name="TextBox 80"/>
+          <p:cNvSpPr txBox="1"/>
+          <p:nvPr/>
+        </p:nvSpPr>
+        <p:spPr>
+          <a:xfrm>
+            <a:off x="5365232" y="5268784"/>
+            <a:ext cx="1103374" cy="369332"/>
+          </a:xfrm>
+          <a:prstGeom prst="rect">
+            <a:avLst/>
+          </a:prstGeom>
+          <a:noFill/>
+        </p:spPr>
+        <p:txBody>
+          <a:bodyPr wrap="none" rtlCol="0">
+            <a:spAutoFit/>
+          </a:bodyPr>
+          <a:lstStyle/>
+          <a:p>
+            <a:r>
+              <a:rPr lang="en-US" dirty="0" smtClean="0"/>
+              <a:t>Domain A</a:t>
+            </a:r>
+            <a:endParaRPr lang="en-US" dirty="0"/>
+          </a:p>
+        </p:txBody>
+      </p:sp>
+      <p:sp>
+        <p:nvSpPr>
+          <p:cNvPr id="113" name="Lightning Bolt 112"/>
+          <p:cNvSpPr/>
+          <p:nvPr/>
+        </p:nvSpPr>
+        <p:spPr bwMode="auto">
+          <a:xfrm rot="1560000">
+            <a:off x="8148549" y="4313039"/>
+            <a:ext cx="263903" cy="391439"/>
+          </a:xfrm>
+          <a:prstGeom prst="lightningBolt">
+            <a:avLst/>
+          </a:prstGeom>
+          <a:solidFill>
+            <a:srgbClr val="FFFF00"/>
+          </a:solidFill>
+          <a:ln w="9525" cap="flat" cmpd="sng" algn="ctr">
+            <a:solidFill>
+              <a:schemeClr val="tx1"/>
+            </a:solidFill>
+            <a:prstDash val="solid"/>
+            <a:round/>
+            <a:headEnd type="none" w="med" len="med"/>
+            <a:tailEnd type="none" w="med" len="med"/>
+          </a:ln>
+          <a:effectLst/>
+        </p:spPr>
+        <p:txBody>
+          <a:bodyPr vert="horz" wrap="square" lIns="91440" tIns="45720" rIns="91440" bIns="45720" numCol="1" rtlCol="0" anchor="t" anchorCtr="0" compatLnSpc="1">
+            <a:prstTxWarp prst="textNoShape">
+              <a:avLst/>
+            </a:prstTxWarp>
+          </a:bodyPr>
+          <a:lstStyle/>
+          <a:p>
+            <a:pPr marL="0" marR="0" indent="0" algn="r" defTabSz="914400" rtl="0" eaLnBrk="0" fontAlgn="base" latinLnBrk="0" hangingPunct="0">
+              <a:lnSpc>
+                <a:spcPct val="100000"/>
+              </a:lnSpc>
+              <a:spcBef>
+                <a:spcPct val="0"/>
+              </a:spcBef>
+              <a:spcAft>
+                <a:spcPct val="0"/>
+              </a:spcAft>
+              <a:buClrTx/>
+              <a:buSzTx/>
+              <a:buFontTx/>
+              <a:buNone/>
+              <a:tabLst/>
+            </a:pPr>
+            <a:endParaRPr kumimoji="0" lang="en-US" sz="2400" b="0" i="0" u="none" strike="noStrike" cap="none" normalizeH="0" baseline="0" smtClean="0">
+              <a:ln>
+                <a:noFill/>
+              </a:ln>
+              <a:solidFill>
+                <a:schemeClr val="tx1"/>
+              </a:solidFill>
+              <a:effectLst/>
+              <a:latin typeface="Arial" charset="0"/>
+              <a:ea typeface="ＭＳ Ｐゴシック" pitchFamily="1" charset="-128"/>
+            </a:endParaRPr>
+          </a:p>
+        </p:txBody>
+      </p:sp>
+      <p:sp>
+        <p:nvSpPr>
+          <p:cNvPr id="114" name="Lightning Bolt 113"/>
+          <p:cNvSpPr/>
+          <p:nvPr/>
+        </p:nvSpPr>
+        <p:spPr bwMode="auto">
+          <a:xfrm rot="1560000">
+            <a:off x="7067468" y="4343644"/>
+            <a:ext cx="263903" cy="366841"/>
+          </a:xfrm>
+          <a:prstGeom prst="lightningBolt">
+            <a:avLst/>
+          </a:prstGeom>
+          <a:solidFill>
+            <a:srgbClr val="FFFF00"/>
+          </a:solidFill>
+          <a:ln w="9525" cap="flat" cmpd="sng" algn="ctr">
+            <a:solidFill>
+              <a:schemeClr val="tx1"/>
+            </a:solidFill>
+            <a:prstDash val="solid"/>
+            <a:round/>
+            <a:headEnd type="none" w="med" len="med"/>
+            <a:tailEnd type="none" w="med" len="med"/>
+          </a:ln>
+          <a:effectLst/>
+        </p:spPr>
+        <p:txBody>
+          <a:bodyPr vert="horz" wrap="square" lIns="91440" tIns="45720" rIns="91440" bIns="45720" numCol="1" rtlCol="0" anchor="t" anchorCtr="0" compatLnSpc="1">
+            <a:prstTxWarp prst="textNoShape">
+              <a:avLst/>
+            </a:prstTxWarp>
+          </a:bodyPr>
+          <a:lstStyle/>
+          <a:p>
+            <a:pPr marL="0" marR="0" indent="0" algn="r" defTabSz="914400" rtl="0" eaLnBrk="0" fontAlgn="base" latinLnBrk="0" hangingPunct="0">
+              <a:lnSpc>
+                <a:spcPct val="100000"/>
+              </a:lnSpc>
+              <a:spcBef>
+                <a:spcPct val="0"/>
+              </a:spcBef>
+              <a:spcAft>
+                <a:spcPct val="0"/>
+              </a:spcAft>
+              <a:buClrTx/>
+              <a:buSzTx/>
+              <a:buFontTx/>
+              <a:buNone/>
+              <a:tabLst/>
+            </a:pPr>
+            <a:endParaRPr kumimoji="0" lang="en-US" sz="2400" b="0" i="0" u="none" strike="noStrike" cap="none" normalizeH="0" baseline="0" smtClean="0">
+              <a:ln>
+                <a:noFill/>
+              </a:ln>
+              <a:solidFill>
+                <a:schemeClr val="tx1"/>
+              </a:solidFill>
+              <a:effectLst/>
+              <a:latin typeface="Arial" charset="0"/>
+              <a:ea typeface="ＭＳ Ｐゴシック" pitchFamily="1" charset="-128"/>
+            </a:endParaRPr>
+          </a:p>
+        </p:txBody>
+      </p:sp>
+      <p:sp>
+        <p:nvSpPr>
+          <p:cNvPr id="115" name="Lightning Bolt 114"/>
+          <p:cNvSpPr/>
+          <p:nvPr/>
+        </p:nvSpPr>
+        <p:spPr bwMode="auto">
+          <a:xfrm rot="1560000">
+            <a:off x="6038176" y="4320895"/>
+            <a:ext cx="263903" cy="393285"/>
+          </a:xfrm>
+          <a:prstGeom prst="lightningBolt">
+            <a:avLst/>
+          </a:prstGeom>
+          <a:solidFill>
+            <a:srgbClr val="FFFF00"/>
+          </a:solidFill>
+          <a:ln w="9525" cap="flat" cmpd="sng" algn="ctr">
+            <a:solidFill>
+              <a:schemeClr val="tx1"/>
+            </a:solidFill>
+            <a:prstDash val="solid"/>
+            <a:round/>
+            <a:headEnd type="none" w="med" len="med"/>
+            <a:tailEnd type="none" w="med" len="med"/>
+          </a:ln>
+          <a:effectLst/>
+        </p:spPr>
+        <p:txBody>
+          <a:bodyPr vert="horz" wrap="square" lIns="91440" tIns="45720" rIns="91440" bIns="45720" numCol="1" rtlCol="0" anchor="t" anchorCtr="0" compatLnSpc="1">
+            <a:prstTxWarp prst="textNoShape">
+              <a:avLst/>
+            </a:prstTxWarp>
+          </a:bodyPr>
+          <a:lstStyle/>
+          <a:p>
+            <a:pPr marL="0" marR="0" indent="0" algn="r" defTabSz="914400" rtl="0" eaLnBrk="0" fontAlgn="base" latinLnBrk="0" hangingPunct="0">
+              <a:lnSpc>
+                <a:spcPct val="100000"/>
+              </a:lnSpc>
+              <a:spcBef>
+                <a:spcPct val="0"/>
+              </a:spcBef>
+              <a:spcAft>
+                <a:spcPct val="0"/>
+              </a:spcAft>
+              <a:buClrTx/>
+              <a:buSzTx/>
+              <a:buFontTx/>
+              <a:buNone/>
+              <a:tabLst/>
+            </a:pPr>
+            <a:endParaRPr kumimoji="0" lang="en-US" sz="2400" b="0" i="0" u="none" strike="noStrike" cap="none" normalizeH="0" baseline="0" smtClean="0">
+              <a:ln>
+                <a:noFill/>
+              </a:ln>
+              <a:solidFill>
+                <a:schemeClr val="tx1"/>
+              </a:solidFill>
+              <a:effectLst/>
+              <a:latin typeface="Arial" charset="0"/>
+              <a:ea typeface="ＭＳ Ｐゴシック" pitchFamily="1" charset="-128"/>
+            </a:endParaRPr>
+          </a:p>
+        </p:txBody>
+      </p:sp>
+      <p:sp>
+        <p:nvSpPr>
+          <p:cNvPr id="30" name="Oval 29"/>
+          <p:cNvSpPr/>
+          <p:nvPr/>
+        </p:nvSpPr>
+        <p:spPr>
+          <a:xfrm>
+            <a:off x="5968743" y="4024606"/>
+            <a:ext cx="376865" cy="362243"/>
+          </a:xfrm>
+          <a:prstGeom prst="ellipse">
+            <a:avLst/>
+          </a:prstGeom>
+          <a:solidFill>
+            <a:srgbClr val="FF0000"/>
+          </a:solidFill>
+          <a:ln w="12700" cap="flat" cmpd="sng" algn="ctr">
+            <a:solidFill>
+              <a:schemeClr val="tx1"/>
+            </a:solidFill>
+            <a:prstDash val="solid"/>
+            <a:round/>
+            <a:headEnd type="none" w="med" len="med"/>
+            <a:tailEnd type="none" w="med" len="med"/>
+          </a:ln>
+          <a:effectLst/>
+        </p:spPr>
+        <p:style>
+          <a:lnRef idx="1">
+            <a:schemeClr val="accent1"/>
+          </a:lnRef>
+          <a:fillRef idx="3">
+            <a:schemeClr val="accent1"/>
+          </a:fillRef>
+          <a:effectRef idx="2">
+            <a:schemeClr val="accent1"/>
+          </a:effectRef>
+          <a:fontRef idx="minor">
+            <a:schemeClr val="lt1"/>
+          </a:fontRef>
+        </p:style>
+        <p:txBody>
+          <a:bodyPr rtlCol="0" anchor="ctr"/>
+          <a:lstStyle/>
+          <a:p>
+            <a:pPr algn="ctr"/>
+            <a:endParaRPr lang="en-US"/>
+          </a:p>
+        </p:txBody>
+      </p:sp>
+      <p:sp>
+        <p:nvSpPr>
+          <p:cNvPr id="65" name="TextBox 64"/>
+          <p:cNvSpPr txBox="1"/>
+          <p:nvPr/>
+        </p:nvSpPr>
+        <p:spPr>
+          <a:xfrm>
+            <a:off x="5994230" y="3999585"/>
+            <a:ext cx="351378" cy="369332"/>
+          </a:xfrm>
+          <a:prstGeom prst="rect">
+            <a:avLst/>
+          </a:prstGeom>
+          <a:noFill/>
+        </p:spPr>
+        <p:txBody>
+          <a:bodyPr wrap="none" rtlCol="0">
+            <a:spAutoFit/>
+          </a:bodyPr>
+          <a:lstStyle/>
+          <a:p>
+            <a:r>
+              <a:rPr lang="en-US" dirty="0"/>
+              <a:t>A</a:t>
+            </a:r>
+          </a:p>
+        </p:txBody>
+      </p:sp>
+      <p:sp>
+        <p:nvSpPr>
+          <p:cNvPr id="118" name="TextBox 117"/>
+          <p:cNvSpPr txBox="1"/>
+          <p:nvPr/>
+        </p:nvSpPr>
+        <p:spPr>
+          <a:xfrm>
+            <a:off x="6435613" y="2197002"/>
+            <a:ext cx="1687331" cy="369332"/>
+          </a:xfrm>
+          <a:prstGeom prst="rect">
+            <a:avLst/>
+          </a:prstGeom>
+          <a:noFill/>
+        </p:spPr>
+        <p:txBody>
+          <a:bodyPr wrap="none" rtlCol="0">
+            <a:spAutoFit/>
+          </a:bodyPr>
+          <a:lstStyle/>
+          <a:p>
+            <a:r>
+              <a:rPr lang="en-US" dirty="0" smtClean="0"/>
+              <a:t>Application NSA</a:t>
+            </a:r>
+            <a:endParaRPr lang="en-US" dirty="0"/>
+          </a:p>
+        </p:txBody>
+      </p:sp>
+      <p:grpSp>
+        <p:nvGrpSpPr>
+          <p:cNvPr id="95" name="Group 14"/>
+          <p:cNvGrpSpPr/>
+          <p:nvPr/>
+        </p:nvGrpSpPr>
+        <p:grpSpPr>
+          <a:xfrm flipH="1">
+            <a:off x="7091440" y="3723021"/>
+            <a:ext cx="223939" cy="360017"/>
+            <a:chOff x="4336752" y="2831355"/>
+            <a:chExt cx="397109" cy="1294625"/>
+          </a:xfrm>
+        </p:grpSpPr>
+        <p:sp>
+          <p:nvSpPr>
+            <p:cNvPr id="108" name="Freeform 107"/>
+            <p:cNvSpPr/>
+            <p:nvPr/>
+          </p:nvSpPr>
+          <p:spPr>
+            <a:xfrm flipV="1">
+              <a:off x="4336752" y="2883373"/>
+              <a:ext cx="149067" cy="1242607"/>
+            </a:xfrm>
+            <a:custGeom>
+              <a:avLst/>
+              <a:gdLst>
+                <a:gd name="connsiteX0" fmla="*/ 505511 w 505511"/>
+                <a:gd name="connsiteY0" fmla="*/ 1763059 h 1763059"/>
+                <a:gd name="connsiteX1" fmla="*/ 72216 w 505511"/>
+                <a:gd name="connsiteY1" fmla="*/ 1374588 h 1763059"/>
+                <a:gd name="connsiteX2" fmla="*/ 72216 w 505511"/>
+                <a:gd name="connsiteY2" fmla="*/ 343647 h 1763059"/>
+                <a:gd name="connsiteX3" fmla="*/ 505511 w 505511"/>
+                <a:gd name="connsiteY3" fmla="*/ 0 h 1763059"/>
+                <a:gd name="connsiteX0" fmla="*/ 508001 w 508001"/>
+                <a:gd name="connsiteY0" fmla="*/ 1763059 h 1763059"/>
+                <a:gd name="connsiteX1" fmla="*/ 74706 w 508001"/>
+                <a:gd name="connsiteY1" fmla="*/ 1374588 h 1763059"/>
+                <a:gd name="connsiteX2" fmla="*/ 59765 w 508001"/>
+                <a:gd name="connsiteY2" fmla="*/ 978647 h 1763059"/>
+                <a:gd name="connsiteX3" fmla="*/ 74706 w 508001"/>
+                <a:gd name="connsiteY3" fmla="*/ 343647 h 1763059"/>
+                <a:gd name="connsiteX4" fmla="*/ 508001 w 508001"/>
+                <a:gd name="connsiteY4" fmla="*/ 0 h 1763059"/>
+                <a:gd name="connsiteX0" fmla="*/ 520452 w 520452"/>
+                <a:gd name="connsiteY0" fmla="*/ 1763059 h 1763059"/>
+                <a:gd name="connsiteX1" fmla="*/ 72216 w 520452"/>
+                <a:gd name="connsiteY1" fmla="*/ 978647 h 1763059"/>
+                <a:gd name="connsiteX2" fmla="*/ 87157 w 520452"/>
+                <a:gd name="connsiteY2" fmla="*/ 343647 h 1763059"/>
+                <a:gd name="connsiteX3" fmla="*/ 520452 w 520452"/>
+                <a:gd name="connsiteY3" fmla="*/ 0 h 1763059"/>
+                <a:gd name="connsiteX0" fmla="*/ 520452 w 520452"/>
+                <a:gd name="connsiteY0" fmla="*/ 1763059 h 1763059"/>
+                <a:gd name="connsiteX1" fmla="*/ 72216 w 520452"/>
+                <a:gd name="connsiteY1" fmla="*/ 1253285 h 1763059"/>
+                <a:gd name="connsiteX2" fmla="*/ 87157 w 520452"/>
+                <a:gd name="connsiteY2" fmla="*/ 343647 h 1763059"/>
+                <a:gd name="connsiteX3" fmla="*/ 520452 w 520452"/>
+                <a:gd name="connsiteY3" fmla="*/ 0 h 1763059"/>
+                <a:gd name="connsiteX0" fmla="*/ 482352 w 482352"/>
+                <a:gd name="connsiteY0" fmla="*/ 1763059 h 1763059"/>
+                <a:gd name="connsiteX1" fmla="*/ 34116 w 482352"/>
+                <a:gd name="connsiteY1" fmla="*/ 1253285 h 1763059"/>
+                <a:gd name="connsiteX2" fmla="*/ 277657 w 482352"/>
+                <a:gd name="connsiteY2" fmla="*/ 618285 h 1763059"/>
+                <a:gd name="connsiteX3" fmla="*/ 482352 w 482352"/>
+                <a:gd name="connsiteY3" fmla="*/ 0 h 1763059"/>
+                <a:gd name="connsiteX0" fmla="*/ 253752 w 253752"/>
+                <a:gd name="connsiteY0" fmla="*/ 1763059 h 1763059"/>
+                <a:gd name="connsiteX1" fmla="*/ 34116 w 253752"/>
+                <a:gd name="connsiteY1" fmla="*/ 1253285 h 1763059"/>
+                <a:gd name="connsiteX2" fmla="*/ 49057 w 253752"/>
+                <a:gd name="connsiteY2" fmla="*/ 618285 h 1763059"/>
+                <a:gd name="connsiteX3" fmla="*/ 253752 w 253752"/>
+                <a:gd name="connsiteY3" fmla="*/ 0 h 1763059"/>
+                <a:gd name="connsiteX0" fmla="*/ 253752 w 253752"/>
+                <a:gd name="connsiteY0" fmla="*/ 1763059 h 1763059"/>
+                <a:gd name="connsiteX1" fmla="*/ 34116 w 253752"/>
+                <a:gd name="connsiteY1" fmla="*/ 1253285 h 1763059"/>
+                <a:gd name="connsiteX2" fmla="*/ 49057 w 253752"/>
+                <a:gd name="connsiteY2" fmla="*/ 618285 h 1763059"/>
+                <a:gd name="connsiteX3" fmla="*/ 44575 w 253752"/>
+                <a:gd name="connsiteY3" fmla="*/ 597647 h 1763059"/>
+                <a:gd name="connsiteX4" fmla="*/ 253752 w 253752"/>
+                <a:gd name="connsiteY4" fmla="*/ 0 h 1763059"/>
+                <a:gd name="connsiteX0" fmla="*/ 288365 w 288365"/>
+                <a:gd name="connsiteY0" fmla="*/ 1763059 h 1763059"/>
+                <a:gd name="connsiteX1" fmla="*/ 68729 w 288365"/>
+                <a:gd name="connsiteY1" fmla="*/ 1253285 h 1763059"/>
+                <a:gd name="connsiteX2" fmla="*/ 83670 w 288365"/>
+                <a:gd name="connsiteY2" fmla="*/ 618285 h 1763059"/>
+                <a:gd name="connsiteX3" fmla="*/ 79188 w 288365"/>
+                <a:gd name="connsiteY3" fmla="*/ 597647 h 1763059"/>
+                <a:gd name="connsiteX4" fmla="*/ 288365 w 288365"/>
+                <a:gd name="connsiteY4" fmla="*/ 0 h 1763059"/>
+                <a:gd name="connsiteX0" fmla="*/ 288365 w 288365"/>
+                <a:gd name="connsiteY0" fmla="*/ 1763059 h 1763059"/>
+                <a:gd name="connsiteX1" fmla="*/ 68729 w 288365"/>
+                <a:gd name="connsiteY1" fmla="*/ 1253285 h 1763059"/>
+                <a:gd name="connsiteX2" fmla="*/ 83670 w 288365"/>
+                <a:gd name="connsiteY2" fmla="*/ 618285 h 1763059"/>
+                <a:gd name="connsiteX3" fmla="*/ 79188 w 288365"/>
+                <a:gd name="connsiteY3" fmla="*/ 597647 h 1763059"/>
+                <a:gd name="connsiteX4" fmla="*/ 288365 w 288365"/>
+                <a:gd name="connsiteY4" fmla="*/ 0 h 1763059"/>
+                <a:gd name="connsiteX0" fmla="*/ 836705 w 836705"/>
+                <a:gd name="connsiteY0" fmla="*/ 1763059 h 1763059"/>
+                <a:gd name="connsiteX1" fmla="*/ 617069 w 836705"/>
+                <a:gd name="connsiteY1" fmla="*/ 1253285 h 1763059"/>
+                <a:gd name="connsiteX2" fmla="*/ 632010 w 836705"/>
+                <a:gd name="connsiteY2" fmla="*/ 618285 h 1763059"/>
+                <a:gd name="connsiteX3" fmla="*/ 627528 w 836705"/>
+                <a:gd name="connsiteY3" fmla="*/ 597647 h 1763059"/>
+                <a:gd name="connsiteX4" fmla="*/ 836705 w 836705"/>
+                <a:gd name="connsiteY4" fmla="*/ 0 h 1763059"/>
+                <a:gd name="connsiteX0" fmla="*/ 836705 w 836705"/>
+                <a:gd name="connsiteY0" fmla="*/ 1763059 h 1763059"/>
+                <a:gd name="connsiteX1" fmla="*/ 617069 w 836705"/>
+                <a:gd name="connsiteY1" fmla="*/ 1253285 h 1763059"/>
+                <a:gd name="connsiteX2" fmla="*/ 632010 w 836705"/>
+                <a:gd name="connsiteY2" fmla="*/ 618285 h 1763059"/>
+                <a:gd name="connsiteX3" fmla="*/ 627528 w 836705"/>
+                <a:gd name="connsiteY3" fmla="*/ 872285 h 1763059"/>
+                <a:gd name="connsiteX4" fmla="*/ 836705 w 836705"/>
+                <a:gd name="connsiteY4" fmla="*/ 0 h 1763059"/>
+                <a:gd name="connsiteX0" fmla="*/ 253752 w 253752"/>
+                <a:gd name="connsiteY0" fmla="*/ 1763059 h 1763059"/>
+                <a:gd name="connsiteX1" fmla="*/ 34116 w 253752"/>
+                <a:gd name="connsiteY1" fmla="*/ 1253285 h 1763059"/>
+                <a:gd name="connsiteX2" fmla="*/ 49057 w 253752"/>
+                <a:gd name="connsiteY2" fmla="*/ 618285 h 1763059"/>
+                <a:gd name="connsiteX3" fmla="*/ 253752 w 253752"/>
+                <a:gd name="connsiteY3" fmla="*/ 0 h 1763059"/>
+                <a:gd name="connsiteX0" fmla="*/ 238232 w 238232"/>
+                <a:gd name="connsiteY0" fmla="*/ 1763059 h 1763059"/>
+                <a:gd name="connsiteX1" fmla="*/ 37012 w 238232"/>
+                <a:gd name="connsiteY1" fmla="*/ 972881 h 1763059"/>
+                <a:gd name="connsiteX2" fmla="*/ 33537 w 238232"/>
+                <a:gd name="connsiteY2" fmla="*/ 618285 h 1763059"/>
+                <a:gd name="connsiteX3" fmla="*/ 238232 w 238232"/>
+                <a:gd name="connsiteY3" fmla="*/ 0 h 1763059"/>
+                <a:gd name="connsiteX0" fmla="*/ 201220 w 201220"/>
+                <a:gd name="connsiteY0" fmla="*/ 1763059 h 1763059"/>
+                <a:gd name="connsiteX1" fmla="*/ 0 w 201220"/>
+                <a:gd name="connsiteY1" fmla="*/ 972881 h 1763059"/>
+                <a:gd name="connsiteX2" fmla="*/ 201220 w 201220"/>
+                <a:gd name="connsiteY2" fmla="*/ 0 h 1763059"/>
+                <a:gd name="connsiteX0" fmla="*/ 161176 w 161176"/>
+                <a:gd name="connsiteY0" fmla="*/ 1763059 h 1763059"/>
+                <a:gd name="connsiteX1" fmla="*/ 0 w 161176"/>
+                <a:gd name="connsiteY1" fmla="*/ 972881 h 1763059"/>
+                <a:gd name="connsiteX2" fmla="*/ 161176 w 161176"/>
+                <a:gd name="connsiteY2" fmla="*/ 0 h 1763059"/>
+                <a:gd name="connsiteX0" fmla="*/ 93382 w 241709"/>
+                <a:gd name="connsiteY0" fmla="*/ 1763059 h 1763059"/>
+                <a:gd name="connsiteX1" fmla="*/ 80533 w 241709"/>
+                <a:gd name="connsiteY1" fmla="*/ 972881 h 1763059"/>
+                <a:gd name="connsiteX2" fmla="*/ 241709 w 241709"/>
+                <a:gd name="connsiteY2" fmla="*/ 0 h 1763059"/>
+                <a:gd name="connsiteX0" fmla="*/ 93382 w 241709"/>
+                <a:gd name="connsiteY0" fmla="*/ 1763059 h 1763059"/>
+                <a:gd name="connsiteX1" fmla="*/ 80533 w 241709"/>
+                <a:gd name="connsiteY1" fmla="*/ 972881 h 1763059"/>
+                <a:gd name="connsiteX2" fmla="*/ 89690 w 241709"/>
+                <a:gd name="connsiteY2" fmla="*/ 676266 h 1763059"/>
+                <a:gd name="connsiteX3" fmla="*/ 241709 w 241709"/>
+                <a:gd name="connsiteY3" fmla="*/ 0 h 1763059"/>
+                <a:gd name="connsiteX0" fmla="*/ 93382 w 241709"/>
+                <a:gd name="connsiteY0" fmla="*/ 1763059 h 1763059"/>
+                <a:gd name="connsiteX1" fmla="*/ 80533 w 241709"/>
+                <a:gd name="connsiteY1" fmla="*/ 972881 h 1763059"/>
+                <a:gd name="connsiteX2" fmla="*/ 241709 w 241709"/>
+                <a:gd name="connsiteY2" fmla="*/ 0 h 1763059"/>
+                <a:gd name="connsiteX0" fmla="*/ 104678 w 172475"/>
+                <a:gd name="connsiteY0" fmla="*/ 1482655 h 1482655"/>
+                <a:gd name="connsiteX1" fmla="*/ 11299 w 172475"/>
+                <a:gd name="connsiteY1" fmla="*/ 972881 h 1482655"/>
+                <a:gd name="connsiteX2" fmla="*/ 172475 w 172475"/>
+                <a:gd name="connsiteY2" fmla="*/ 0 h 1482655"/>
+                <a:gd name="connsiteX0" fmla="*/ 263519 w 331316"/>
+                <a:gd name="connsiteY0" fmla="*/ 1482655 h 1482655"/>
+                <a:gd name="connsiteX1" fmla="*/ 170140 w 331316"/>
+                <a:gd name="connsiteY1" fmla="*/ 972881 h 1482655"/>
+                <a:gd name="connsiteX2" fmla="*/ 331316 w 331316"/>
+                <a:gd name="connsiteY2" fmla="*/ 0 h 1482655"/>
+                <a:gd name="connsiteX0" fmla="*/ 263519 w 331316"/>
+                <a:gd name="connsiteY0" fmla="*/ 1482655 h 1482655"/>
+                <a:gd name="connsiteX1" fmla="*/ 191952 w 331316"/>
+                <a:gd name="connsiteY1" fmla="*/ 692478 h 1482655"/>
+                <a:gd name="connsiteX2" fmla="*/ 331316 w 331316"/>
+                <a:gd name="connsiteY2" fmla="*/ 0 h 1482655"/>
+                <a:gd name="connsiteX0" fmla="*/ 0 w 67797"/>
+                <a:gd name="connsiteY0" fmla="*/ 1482655 h 1482655"/>
+                <a:gd name="connsiteX1" fmla="*/ 67797 w 67797"/>
+                <a:gd name="connsiteY1" fmla="*/ 0 h 1482655"/>
+                <a:gd name="connsiteX0" fmla="*/ 61307 w 61307"/>
+                <a:gd name="connsiteY0" fmla="*/ 1482655 h 1482655"/>
+                <a:gd name="connsiteX1" fmla="*/ 0 w 61307"/>
+                <a:gd name="connsiteY1" fmla="*/ 0 h 1482655"/>
+                <a:gd name="connsiteX0" fmla="*/ 61307 w 61307"/>
+                <a:gd name="connsiteY0" fmla="*/ 1482655 h 1482655"/>
+                <a:gd name="connsiteX1" fmla="*/ 0 w 61307"/>
+                <a:gd name="connsiteY1" fmla="*/ 0 h 1482655"/>
+                <a:gd name="connsiteX0" fmla="*/ 61307 w 61307"/>
+                <a:gd name="connsiteY0" fmla="*/ 1482655 h 1482655"/>
+                <a:gd name="connsiteX1" fmla="*/ 0 w 61307"/>
+                <a:gd name="connsiteY1" fmla="*/ 0 h 1482655"/>
+                <a:gd name="connsiteX0" fmla="*/ 61307 w 61307"/>
+                <a:gd name="connsiteY0" fmla="*/ 1482655 h 1482655"/>
+                <a:gd name="connsiteX1" fmla="*/ 0 w 61307"/>
+                <a:gd name="connsiteY1" fmla="*/ 0 h 1482655"/>
+                <a:gd name="connsiteX0" fmla="*/ 61307 w 61307"/>
+                <a:gd name="connsiteY0" fmla="*/ 1482655 h 1482655"/>
+                <a:gd name="connsiteX1" fmla="*/ 47134 w 61307"/>
+                <a:gd name="connsiteY1" fmla="*/ 733079 h 1482655"/>
+                <a:gd name="connsiteX2" fmla="*/ 0 w 61307"/>
+                <a:gd name="connsiteY2" fmla="*/ 0 h 1482655"/>
+                <a:gd name="connsiteX0" fmla="*/ 178592 w 178592"/>
+                <a:gd name="connsiteY0" fmla="*/ 1482655 h 1482655"/>
+                <a:gd name="connsiteX1" fmla="*/ 164419 w 178592"/>
+                <a:gd name="connsiteY1" fmla="*/ 733079 h 1482655"/>
+                <a:gd name="connsiteX2" fmla="*/ 7856 w 178592"/>
+                <a:gd name="connsiteY2" fmla="*/ 733079 h 1482655"/>
+                <a:gd name="connsiteX3" fmla="*/ 117285 w 178592"/>
+                <a:gd name="connsiteY3" fmla="*/ 0 h 1482655"/>
+                <a:gd name="connsiteX0" fmla="*/ 180413 w 180413"/>
+                <a:gd name="connsiteY0" fmla="*/ 1482655 h 1482655"/>
+                <a:gd name="connsiteX1" fmla="*/ 61041 w 180413"/>
+                <a:gd name="connsiteY1" fmla="*/ 1069954 h 1482655"/>
+                <a:gd name="connsiteX2" fmla="*/ 9677 w 180413"/>
+                <a:gd name="connsiteY2" fmla="*/ 733079 h 1482655"/>
+                <a:gd name="connsiteX3" fmla="*/ 119106 w 180413"/>
+                <a:gd name="connsiteY3" fmla="*/ 0 h 1482655"/>
+                <a:gd name="connsiteX0" fmla="*/ 135466 w 135466"/>
+                <a:gd name="connsiteY0" fmla="*/ 1482655 h 1482655"/>
+                <a:gd name="connsiteX1" fmla="*/ 16094 w 135466"/>
+                <a:gd name="connsiteY1" fmla="*/ 1069954 h 1482655"/>
+                <a:gd name="connsiteX2" fmla="*/ 9677 w 135466"/>
+                <a:gd name="connsiteY2" fmla="*/ 546144 h 1482655"/>
+                <a:gd name="connsiteX3" fmla="*/ 74159 w 135466"/>
+                <a:gd name="connsiteY3" fmla="*/ 0 h 1482655"/>
+                <a:gd name="connsiteX0" fmla="*/ 135466 w 135466"/>
+                <a:gd name="connsiteY0" fmla="*/ 1482655 h 1482655"/>
+                <a:gd name="connsiteX1" fmla="*/ 16094 w 135466"/>
+                <a:gd name="connsiteY1" fmla="*/ 1069954 h 1482655"/>
+                <a:gd name="connsiteX2" fmla="*/ 9677 w 135466"/>
+                <a:gd name="connsiteY2" fmla="*/ 546144 h 1482655"/>
+                <a:gd name="connsiteX3" fmla="*/ 74159 w 135466"/>
+                <a:gd name="connsiteY3" fmla="*/ 0 h 1482655"/>
+                <a:gd name="connsiteX0" fmla="*/ 135466 w 135466"/>
+                <a:gd name="connsiteY0" fmla="*/ 1482655 h 1482655"/>
+                <a:gd name="connsiteX1" fmla="*/ 16094 w 135466"/>
+                <a:gd name="connsiteY1" fmla="*/ 1069954 h 1482655"/>
+                <a:gd name="connsiteX2" fmla="*/ 9677 w 135466"/>
+                <a:gd name="connsiteY2" fmla="*/ 546144 h 1482655"/>
+                <a:gd name="connsiteX3" fmla="*/ 74159 w 135466"/>
+                <a:gd name="connsiteY3" fmla="*/ 0 h 1482655"/>
+                <a:gd name="connsiteX0" fmla="*/ 135466 w 135466"/>
+                <a:gd name="connsiteY0" fmla="*/ 1482655 h 1482655"/>
+                <a:gd name="connsiteX1" fmla="*/ 16094 w 135466"/>
+                <a:gd name="connsiteY1" fmla="*/ 1069954 h 1482655"/>
+                <a:gd name="connsiteX2" fmla="*/ 9677 w 135466"/>
+                <a:gd name="connsiteY2" fmla="*/ 546144 h 1482655"/>
+                <a:gd name="connsiteX3" fmla="*/ 74159 w 135466"/>
+                <a:gd name="connsiteY3" fmla="*/ 0 h 1482655"/>
+                <a:gd name="connsiteX0" fmla="*/ 145080 w 147936"/>
+                <a:gd name="connsiteY0" fmla="*/ 1524197 h 1524197"/>
+                <a:gd name="connsiteX1" fmla="*/ 25708 w 147936"/>
+                <a:gd name="connsiteY1" fmla="*/ 1111496 h 1524197"/>
+                <a:gd name="connsiteX2" fmla="*/ 19291 w 147936"/>
+                <a:gd name="connsiteY2" fmla="*/ 587686 h 1524197"/>
+                <a:gd name="connsiteX3" fmla="*/ 141454 w 147936"/>
+                <a:gd name="connsiteY3" fmla="*/ 0 h 1524197"/>
+                <a:gd name="connsiteX0" fmla="*/ 145080 w 145080"/>
+                <a:gd name="connsiteY0" fmla="*/ 1524197 h 1524197"/>
+                <a:gd name="connsiteX1" fmla="*/ 25708 w 145080"/>
+                <a:gd name="connsiteY1" fmla="*/ 1111496 h 1524197"/>
+                <a:gd name="connsiteX2" fmla="*/ 19291 w 145080"/>
+                <a:gd name="connsiteY2" fmla="*/ 587686 h 1524197"/>
+                <a:gd name="connsiteX3" fmla="*/ 141454 w 145080"/>
+                <a:gd name="connsiteY3" fmla="*/ 0 h 1524197"/>
+              </a:gdLst>
+              <a:ahLst/>
+              <a:cxnLst>
+                <a:cxn ang="0">
+                  <a:pos x="connsiteX0" y="connsiteY0"/>
+                </a:cxn>
+                <a:cxn ang="0">
+                  <a:pos x="connsiteX1" y="connsiteY1"/>
+                </a:cxn>
+                <a:cxn ang="0">
+                  <a:pos x="connsiteX2" y="connsiteY2"/>
+                </a:cxn>
+                <a:cxn ang="0">
+                  <a:pos x="connsiteX3" y="connsiteY3"/>
+                </a:cxn>
+              </a:cxnLst>
+              <a:rect l="l" t="t" r="r" b="b"/>
+              <a:pathLst>
+                <a:path w="145080" h="1524197">
+                  <a:moveTo>
+                    <a:pt x="145080" y="1524197"/>
+                  </a:moveTo>
+                  <a:cubicBezTo>
+                    <a:pt x="105289" y="1386630"/>
+                    <a:pt x="93056" y="1485673"/>
+                    <a:pt x="25708" y="1111496"/>
+                  </a:cubicBezTo>
+                  <a:cubicBezTo>
+                    <a:pt x="21973" y="986567"/>
+                    <a:pt x="0" y="772935"/>
+                    <a:pt x="19291" y="587686"/>
+                  </a:cubicBezTo>
+                  <a:cubicBezTo>
+                    <a:pt x="38582" y="402437"/>
+                    <a:pt x="26579" y="466730"/>
+                    <a:pt x="141454" y="0"/>
+                  </a:cubicBezTo>
+                </a:path>
+              </a:pathLst>
+            </a:custGeom>
+            <a:ln>
+              <a:solidFill>
+                <a:schemeClr val="tx1"/>
+              </a:solidFill>
+              <a:tailEnd type="triangle" w="lg" len="lg"/>
+            </a:ln>
+          </p:spPr>
+          <p:style>
+            <a:lnRef idx="2">
+              <a:schemeClr val="accent1"/>
+            </a:lnRef>
+            <a:fillRef idx="0">
+              <a:schemeClr val="accent1"/>
+            </a:fillRef>
+            <a:effectRef idx="1">
+              <a:schemeClr val="accent1"/>
+            </a:effectRef>
+            <a:fontRef idx="minor">
+              <a:schemeClr val="tx1"/>
+            </a:fontRef>
+          </p:style>
+          <p:txBody>
+            <a:bodyPr rtlCol="0" anchor="ctr"/>
+            <a:lstStyle/>
+            <a:p>
+              <a:pPr algn="ctr"/>
+              <a:endParaRPr lang="en-US"/>
+            </a:p>
+          </p:txBody>
+        </p:sp>
+        <p:sp>
+          <p:nvSpPr>
+            <p:cNvPr id="112" name="Freeform 111"/>
+            <p:cNvSpPr/>
+            <p:nvPr/>
+          </p:nvSpPr>
+          <p:spPr>
+            <a:xfrm flipH="1">
+              <a:off x="4584793" y="2831355"/>
+              <a:ext cx="149068" cy="1242607"/>
+            </a:xfrm>
+            <a:custGeom>
+              <a:avLst/>
+              <a:gdLst>
+                <a:gd name="connsiteX0" fmla="*/ 505511 w 505511"/>
+                <a:gd name="connsiteY0" fmla="*/ 1763059 h 1763059"/>
+                <a:gd name="connsiteX1" fmla="*/ 72216 w 505511"/>
+                <a:gd name="connsiteY1" fmla="*/ 1374588 h 1763059"/>
+                <a:gd name="connsiteX2" fmla="*/ 72216 w 505511"/>
+                <a:gd name="connsiteY2" fmla="*/ 343647 h 1763059"/>
+                <a:gd name="connsiteX3" fmla="*/ 505511 w 505511"/>
+                <a:gd name="connsiteY3" fmla="*/ 0 h 1763059"/>
+                <a:gd name="connsiteX0" fmla="*/ 508001 w 508001"/>
+                <a:gd name="connsiteY0" fmla="*/ 1763059 h 1763059"/>
+                <a:gd name="connsiteX1" fmla="*/ 74706 w 508001"/>
+                <a:gd name="connsiteY1" fmla="*/ 1374588 h 1763059"/>
+                <a:gd name="connsiteX2" fmla="*/ 59765 w 508001"/>
+                <a:gd name="connsiteY2" fmla="*/ 978647 h 1763059"/>
+                <a:gd name="connsiteX3" fmla="*/ 74706 w 508001"/>
+                <a:gd name="connsiteY3" fmla="*/ 343647 h 1763059"/>
+                <a:gd name="connsiteX4" fmla="*/ 508001 w 508001"/>
+                <a:gd name="connsiteY4" fmla="*/ 0 h 1763059"/>
+                <a:gd name="connsiteX0" fmla="*/ 520452 w 520452"/>
+                <a:gd name="connsiteY0" fmla="*/ 1763059 h 1763059"/>
+                <a:gd name="connsiteX1" fmla="*/ 72216 w 520452"/>
+                <a:gd name="connsiteY1" fmla="*/ 978647 h 1763059"/>
+                <a:gd name="connsiteX2" fmla="*/ 87157 w 520452"/>
+                <a:gd name="connsiteY2" fmla="*/ 343647 h 1763059"/>
+                <a:gd name="connsiteX3" fmla="*/ 520452 w 520452"/>
+                <a:gd name="connsiteY3" fmla="*/ 0 h 1763059"/>
+                <a:gd name="connsiteX0" fmla="*/ 520452 w 520452"/>
+                <a:gd name="connsiteY0" fmla="*/ 1763059 h 1763059"/>
+                <a:gd name="connsiteX1" fmla="*/ 72216 w 520452"/>
+                <a:gd name="connsiteY1" fmla="*/ 1253285 h 1763059"/>
+                <a:gd name="connsiteX2" fmla="*/ 87157 w 520452"/>
+                <a:gd name="connsiteY2" fmla="*/ 343647 h 1763059"/>
+                <a:gd name="connsiteX3" fmla="*/ 520452 w 520452"/>
+                <a:gd name="connsiteY3" fmla="*/ 0 h 1763059"/>
+                <a:gd name="connsiteX0" fmla="*/ 482352 w 482352"/>
+                <a:gd name="connsiteY0" fmla="*/ 1763059 h 1763059"/>
+                <a:gd name="connsiteX1" fmla="*/ 34116 w 482352"/>
+                <a:gd name="connsiteY1" fmla="*/ 1253285 h 1763059"/>
+                <a:gd name="connsiteX2" fmla="*/ 277657 w 482352"/>
+                <a:gd name="connsiteY2" fmla="*/ 618285 h 1763059"/>
+                <a:gd name="connsiteX3" fmla="*/ 482352 w 482352"/>
+                <a:gd name="connsiteY3" fmla="*/ 0 h 1763059"/>
+                <a:gd name="connsiteX0" fmla="*/ 253752 w 253752"/>
+                <a:gd name="connsiteY0" fmla="*/ 1763059 h 1763059"/>
+                <a:gd name="connsiteX1" fmla="*/ 34116 w 253752"/>
+                <a:gd name="connsiteY1" fmla="*/ 1253285 h 1763059"/>
+                <a:gd name="connsiteX2" fmla="*/ 49057 w 253752"/>
+                <a:gd name="connsiteY2" fmla="*/ 618285 h 1763059"/>
+                <a:gd name="connsiteX3" fmla="*/ 253752 w 253752"/>
+                <a:gd name="connsiteY3" fmla="*/ 0 h 1763059"/>
+                <a:gd name="connsiteX0" fmla="*/ 253752 w 253752"/>
+                <a:gd name="connsiteY0" fmla="*/ 1763059 h 1763059"/>
+                <a:gd name="connsiteX1" fmla="*/ 34116 w 253752"/>
+                <a:gd name="connsiteY1" fmla="*/ 1253285 h 1763059"/>
+                <a:gd name="connsiteX2" fmla="*/ 49057 w 253752"/>
+                <a:gd name="connsiteY2" fmla="*/ 618285 h 1763059"/>
+                <a:gd name="connsiteX3" fmla="*/ 44575 w 253752"/>
+                <a:gd name="connsiteY3" fmla="*/ 597647 h 1763059"/>
+                <a:gd name="connsiteX4" fmla="*/ 253752 w 253752"/>
+                <a:gd name="connsiteY4" fmla="*/ 0 h 1763059"/>
+                <a:gd name="connsiteX0" fmla="*/ 288365 w 288365"/>
+                <a:gd name="connsiteY0" fmla="*/ 1763059 h 1763059"/>
+                <a:gd name="connsiteX1" fmla="*/ 68729 w 288365"/>
+                <a:gd name="connsiteY1" fmla="*/ 1253285 h 1763059"/>
+                <a:gd name="connsiteX2" fmla="*/ 83670 w 288365"/>
+                <a:gd name="connsiteY2" fmla="*/ 618285 h 1763059"/>
+                <a:gd name="connsiteX3" fmla="*/ 79188 w 288365"/>
+                <a:gd name="connsiteY3" fmla="*/ 597647 h 1763059"/>
+                <a:gd name="connsiteX4" fmla="*/ 288365 w 288365"/>
+                <a:gd name="connsiteY4" fmla="*/ 0 h 1763059"/>
+                <a:gd name="connsiteX0" fmla="*/ 288365 w 288365"/>
+                <a:gd name="connsiteY0" fmla="*/ 1763059 h 1763059"/>
+                <a:gd name="connsiteX1" fmla="*/ 68729 w 288365"/>
+                <a:gd name="connsiteY1" fmla="*/ 1253285 h 1763059"/>
+                <a:gd name="connsiteX2" fmla="*/ 83670 w 288365"/>
+                <a:gd name="connsiteY2" fmla="*/ 618285 h 1763059"/>
+                <a:gd name="connsiteX3" fmla="*/ 79188 w 288365"/>
+                <a:gd name="connsiteY3" fmla="*/ 597647 h 1763059"/>
+                <a:gd name="connsiteX4" fmla="*/ 288365 w 288365"/>
+                <a:gd name="connsiteY4" fmla="*/ 0 h 1763059"/>
+                <a:gd name="connsiteX0" fmla="*/ 836705 w 836705"/>
+                <a:gd name="connsiteY0" fmla="*/ 1763059 h 1763059"/>
+                <a:gd name="connsiteX1" fmla="*/ 617069 w 836705"/>
+                <a:gd name="connsiteY1" fmla="*/ 1253285 h 1763059"/>
+                <a:gd name="connsiteX2" fmla="*/ 632010 w 836705"/>
+                <a:gd name="connsiteY2" fmla="*/ 618285 h 1763059"/>
+                <a:gd name="connsiteX3" fmla="*/ 627528 w 836705"/>
+                <a:gd name="connsiteY3" fmla="*/ 597647 h 1763059"/>
+                <a:gd name="connsiteX4" fmla="*/ 836705 w 836705"/>
+                <a:gd name="connsiteY4" fmla="*/ 0 h 1763059"/>
+                <a:gd name="connsiteX0" fmla="*/ 836705 w 836705"/>
+                <a:gd name="connsiteY0" fmla="*/ 1763059 h 1763059"/>
+                <a:gd name="connsiteX1" fmla="*/ 617069 w 836705"/>
+                <a:gd name="connsiteY1" fmla="*/ 1253285 h 1763059"/>
+                <a:gd name="connsiteX2" fmla="*/ 632010 w 836705"/>
+                <a:gd name="connsiteY2" fmla="*/ 618285 h 1763059"/>
+                <a:gd name="connsiteX3" fmla="*/ 627528 w 836705"/>
+                <a:gd name="connsiteY3" fmla="*/ 872285 h 1763059"/>
+                <a:gd name="connsiteX4" fmla="*/ 836705 w 836705"/>
+                <a:gd name="connsiteY4" fmla="*/ 0 h 1763059"/>
+                <a:gd name="connsiteX0" fmla="*/ 253752 w 253752"/>
+                <a:gd name="connsiteY0" fmla="*/ 1763059 h 1763059"/>
+                <a:gd name="connsiteX1" fmla="*/ 34116 w 253752"/>
+                <a:gd name="connsiteY1" fmla="*/ 1253285 h 1763059"/>
+                <a:gd name="connsiteX2" fmla="*/ 49057 w 253752"/>
+                <a:gd name="connsiteY2" fmla="*/ 618285 h 1763059"/>
+                <a:gd name="connsiteX3" fmla="*/ 253752 w 253752"/>
+                <a:gd name="connsiteY3" fmla="*/ 0 h 1763059"/>
+                <a:gd name="connsiteX0" fmla="*/ 238232 w 238232"/>
+                <a:gd name="connsiteY0" fmla="*/ 1763059 h 1763059"/>
+                <a:gd name="connsiteX1" fmla="*/ 37012 w 238232"/>
+                <a:gd name="connsiteY1" fmla="*/ 972881 h 1763059"/>
+                <a:gd name="connsiteX2" fmla="*/ 33537 w 238232"/>
+                <a:gd name="connsiteY2" fmla="*/ 618285 h 1763059"/>
+                <a:gd name="connsiteX3" fmla="*/ 238232 w 238232"/>
+                <a:gd name="connsiteY3" fmla="*/ 0 h 1763059"/>
+                <a:gd name="connsiteX0" fmla="*/ 201220 w 201220"/>
+                <a:gd name="connsiteY0" fmla="*/ 1763059 h 1763059"/>
+                <a:gd name="connsiteX1" fmla="*/ 0 w 201220"/>
+                <a:gd name="connsiteY1" fmla="*/ 972881 h 1763059"/>
+                <a:gd name="connsiteX2" fmla="*/ 201220 w 201220"/>
+                <a:gd name="connsiteY2" fmla="*/ 0 h 1763059"/>
+                <a:gd name="connsiteX0" fmla="*/ 161176 w 161176"/>
+                <a:gd name="connsiteY0" fmla="*/ 1763059 h 1763059"/>
+                <a:gd name="connsiteX1" fmla="*/ 0 w 161176"/>
+                <a:gd name="connsiteY1" fmla="*/ 972881 h 1763059"/>
+                <a:gd name="connsiteX2" fmla="*/ 161176 w 161176"/>
+                <a:gd name="connsiteY2" fmla="*/ 0 h 1763059"/>
+                <a:gd name="connsiteX0" fmla="*/ 93382 w 241709"/>
+                <a:gd name="connsiteY0" fmla="*/ 1763059 h 1763059"/>
+                <a:gd name="connsiteX1" fmla="*/ 80533 w 241709"/>
+                <a:gd name="connsiteY1" fmla="*/ 972881 h 1763059"/>
+                <a:gd name="connsiteX2" fmla="*/ 241709 w 241709"/>
+                <a:gd name="connsiteY2" fmla="*/ 0 h 1763059"/>
+                <a:gd name="connsiteX0" fmla="*/ 93382 w 241709"/>
+                <a:gd name="connsiteY0" fmla="*/ 1763059 h 1763059"/>
+                <a:gd name="connsiteX1" fmla="*/ 80533 w 241709"/>
+                <a:gd name="connsiteY1" fmla="*/ 972881 h 1763059"/>
+                <a:gd name="connsiteX2" fmla="*/ 89690 w 241709"/>
+                <a:gd name="connsiteY2" fmla="*/ 676266 h 1763059"/>
+                <a:gd name="connsiteX3" fmla="*/ 241709 w 241709"/>
+                <a:gd name="connsiteY3" fmla="*/ 0 h 1763059"/>
+                <a:gd name="connsiteX0" fmla="*/ 93382 w 241709"/>
+                <a:gd name="connsiteY0" fmla="*/ 1763059 h 1763059"/>
+                <a:gd name="connsiteX1" fmla="*/ 80533 w 241709"/>
+                <a:gd name="connsiteY1" fmla="*/ 972881 h 1763059"/>
+                <a:gd name="connsiteX2" fmla="*/ 241709 w 241709"/>
+                <a:gd name="connsiteY2" fmla="*/ 0 h 1763059"/>
+                <a:gd name="connsiteX0" fmla="*/ 104678 w 172475"/>
+                <a:gd name="connsiteY0" fmla="*/ 1482655 h 1482655"/>
+                <a:gd name="connsiteX1" fmla="*/ 11299 w 172475"/>
+                <a:gd name="connsiteY1" fmla="*/ 972881 h 1482655"/>
+                <a:gd name="connsiteX2" fmla="*/ 172475 w 172475"/>
+                <a:gd name="connsiteY2" fmla="*/ 0 h 1482655"/>
+                <a:gd name="connsiteX0" fmla="*/ 263519 w 331316"/>
+                <a:gd name="connsiteY0" fmla="*/ 1482655 h 1482655"/>
+                <a:gd name="connsiteX1" fmla="*/ 170140 w 331316"/>
+                <a:gd name="connsiteY1" fmla="*/ 972881 h 1482655"/>
+                <a:gd name="connsiteX2" fmla="*/ 331316 w 331316"/>
+                <a:gd name="connsiteY2" fmla="*/ 0 h 1482655"/>
+                <a:gd name="connsiteX0" fmla="*/ 263519 w 331316"/>
+                <a:gd name="connsiteY0" fmla="*/ 1482655 h 1482655"/>
+                <a:gd name="connsiteX1" fmla="*/ 191952 w 331316"/>
+                <a:gd name="connsiteY1" fmla="*/ 692478 h 1482655"/>
+                <a:gd name="connsiteX2" fmla="*/ 331316 w 331316"/>
+                <a:gd name="connsiteY2" fmla="*/ 0 h 1482655"/>
+                <a:gd name="connsiteX0" fmla="*/ 0 w 67797"/>
+                <a:gd name="connsiteY0" fmla="*/ 1482655 h 1482655"/>
+                <a:gd name="connsiteX1" fmla="*/ 67797 w 67797"/>
+                <a:gd name="connsiteY1" fmla="*/ 0 h 1482655"/>
+                <a:gd name="connsiteX0" fmla="*/ 61307 w 61307"/>
+                <a:gd name="connsiteY0" fmla="*/ 1482655 h 1482655"/>
+                <a:gd name="connsiteX1" fmla="*/ 0 w 61307"/>
+                <a:gd name="connsiteY1" fmla="*/ 0 h 1482655"/>
+                <a:gd name="connsiteX0" fmla="*/ 61307 w 61307"/>
+                <a:gd name="connsiteY0" fmla="*/ 1482655 h 1482655"/>
+                <a:gd name="connsiteX1" fmla="*/ 0 w 61307"/>
+                <a:gd name="connsiteY1" fmla="*/ 0 h 1482655"/>
+                <a:gd name="connsiteX0" fmla="*/ 61307 w 61307"/>
+                <a:gd name="connsiteY0" fmla="*/ 1482655 h 1482655"/>
+                <a:gd name="connsiteX1" fmla="*/ 0 w 61307"/>
+                <a:gd name="connsiteY1" fmla="*/ 0 h 1482655"/>
+                <a:gd name="connsiteX0" fmla="*/ 61307 w 61307"/>
+                <a:gd name="connsiteY0" fmla="*/ 1482655 h 1482655"/>
+                <a:gd name="connsiteX1" fmla="*/ 0 w 61307"/>
+                <a:gd name="connsiteY1" fmla="*/ 0 h 1482655"/>
+                <a:gd name="connsiteX0" fmla="*/ 61307 w 61307"/>
+                <a:gd name="connsiteY0" fmla="*/ 1482655 h 1482655"/>
+                <a:gd name="connsiteX1" fmla="*/ 47134 w 61307"/>
+                <a:gd name="connsiteY1" fmla="*/ 733079 h 1482655"/>
+                <a:gd name="connsiteX2" fmla="*/ 0 w 61307"/>
+                <a:gd name="connsiteY2" fmla="*/ 0 h 1482655"/>
+                <a:gd name="connsiteX0" fmla="*/ 178592 w 178592"/>
+                <a:gd name="connsiteY0" fmla="*/ 1482655 h 1482655"/>
+                <a:gd name="connsiteX1" fmla="*/ 164419 w 178592"/>
+                <a:gd name="connsiteY1" fmla="*/ 733079 h 1482655"/>
+                <a:gd name="connsiteX2" fmla="*/ 7856 w 178592"/>
+                <a:gd name="connsiteY2" fmla="*/ 733079 h 1482655"/>
+                <a:gd name="connsiteX3" fmla="*/ 117285 w 178592"/>
+                <a:gd name="connsiteY3" fmla="*/ 0 h 1482655"/>
+                <a:gd name="connsiteX0" fmla="*/ 180413 w 180413"/>
+                <a:gd name="connsiteY0" fmla="*/ 1482655 h 1482655"/>
+                <a:gd name="connsiteX1" fmla="*/ 61041 w 180413"/>
+                <a:gd name="connsiteY1" fmla="*/ 1069954 h 1482655"/>
+                <a:gd name="connsiteX2" fmla="*/ 9677 w 180413"/>
+                <a:gd name="connsiteY2" fmla="*/ 733079 h 1482655"/>
+                <a:gd name="connsiteX3" fmla="*/ 119106 w 180413"/>
+                <a:gd name="connsiteY3" fmla="*/ 0 h 1482655"/>
+                <a:gd name="connsiteX0" fmla="*/ 135466 w 135466"/>
+                <a:gd name="connsiteY0" fmla="*/ 1482655 h 1482655"/>
+                <a:gd name="connsiteX1" fmla="*/ 16094 w 135466"/>
+                <a:gd name="connsiteY1" fmla="*/ 1069954 h 1482655"/>
+                <a:gd name="connsiteX2" fmla="*/ 9677 w 135466"/>
+                <a:gd name="connsiteY2" fmla="*/ 546144 h 1482655"/>
+                <a:gd name="connsiteX3" fmla="*/ 74159 w 135466"/>
+                <a:gd name="connsiteY3" fmla="*/ 0 h 1482655"/>
+                <a:gd name="connsiteX0" fmla="*/ 135466 w 135466"/>
+                <a:gd name="connsiteY0" fmla="*/ 1482655 h 1482655"/>
+                <a:gd name="connsiteX1" fmla="*/ 16094 w 135466"/>
+                <a:gd name="connsiteY1" fmla="*/ 1069954 h 1482655"/>
+                <a:gd name="connsiteX2" fmla="*/ 9677 w 135466"/>
+                <a:gd name="connsiteY2" fmla="*/ 546144 h 1482655"/>
+                <a:gd name="connsiteX3" fmla="*/ 74159 w 135466"/>
+                <a:gd name="connsiteY3" fmla="*/ 0 h 1482655"/>
+                <a:gd name="connsiteX0" fmla="*/ 135466 w 135466"/>
+                <a:gd name="connsiteY0" fmla="*/ 1482655 h 1482655"/>
+                <a:gd name="connsiteX1" fmla="*/ 16094 w 135466"/>
+                <a:gd name="connsiteY1" fmla="*/ 1069954 h 1482655"/>
+                <a:gd name="connsiteX2" fmla="*/ 9677 w 135466"/>
+                <a:gd name="connsiteY2" fmla="*/ 546144 h 1482655"/>
+                <a:gd name="connsiteX3" fmla="*/ 74159 w 135466"/>
+                <a:gd name="connsiteY3" fmla="*/ 0 h 1482655"/>
+                <a:gd name="connsiteX0" fmla="*/ 135466 w 135466"/>
+                <a:gd name="connsiteY0" fmla="*/ 1482655 h 1482655"/>
+                <a:gd name="connsiteX1" fmla="*/ 16094 w 135466"/>
+                <a:gd name="connsiteY1" fmla="*/ 1069954 h 1482655"/>
+                <a:gd name="connsiteX2" fmla="*/ 9677 w 135466"/>
+                <a:gd name="connsiteY2" fmla="*/ 546144 h 1482655"/>
+                <a:gd name="connsiteX3" fmla="*/ 74159 w 135466"/>
+                <a:gd name="connsiteY3" fmla="*/ 0 h 1482655"/>
+                <a:gd name="connsiteX0" fmla="*/ 145080 w 147936"/>
+                <a:gd name="connsiteY0" fmla="*/ 1524197 h 1524197"/>
+                <a:gd name="connsiteX1" fmla="*/ 25708 w 147936"/>
+                <a:gd name="connsiteY1" fmla="*/ 1111496 h 1524197"/>
+                <a:gd name="connsiteX2" fmla="*/ 19291 w 147936"/>
+                <a:gd name="connsiteY2" fmla="*/ 587686 h 1524197"/>
+                <a:gd name="connsiteX3" fmla="*/ 141454 w 147936"/>
+                <a:gd name="connsiteY3" fmla="*/ 0 h 1524197"/>
+                <a:gd name="connsiteX0" fmla="*/ 145080 w 145080"/>
+                <a:gd name="connsiteY0" fmla="*/ 1524197 h 1524197"/>
+                <a:gd name="connsiteX1" fmla="*/ 25708 w 145080"/>
+                <a:gd name="connsiteY1" fmla="*/ 1111496 h 1524197"/>
+                <a:gd name="connsiteX2" fmla="*/ 19291 w 145080"/>
+                <a:gd name="connsiteY2" fmla="*/ 587686 h 1524197"/>
+                <a:gd name="connsiteX3" fmla="*/ 141454 w 145080"/>
+                <a:gd name="connsiteY3" fmla="*/ 0 h 1524197"/>
+              </a:gdLst>
+              <a:ahLst/>
+              <a:cxnLst>
+                <a:cxn ang="0">
+                  <a:pos x="connsiteX0" y="connsiteY0"/>
+                </a:cxn>
+                <a:cxn ang="0">
+                  <a:pos x="connsiteX1" y="connsiteY1"/>
+                </a:cxn>
+                <a:cxn ang="0">
+                  <a:pos x="connsiteX2" y="connsiteY2"/>
+                </a:cxn>
+                <a:cxn ang="0">
+                  <a:pos x="connsiteX3" y="connsiteY3"/>
+                </a:cxn>
+              </a:cxnLst>
+              <a:rect l="l" t="t" r="r" b="b"/>
+              <a:pathLst>
+                <a:path w="145080" h="1524197">
+                  <a:moveTo>
+                    <a:pt x="145080" y="1524197"/>
+                  </a:moveTo>
+                  <a:cubicBezTo>
+                    <a:pt x="105289" y="1386630"/>
+                    <a:pt x="93056" y="1485673"/>
+                    <a:pt x="25708" y="1111496"/>
+                  </a:cubicBezTo>
+                  <a:cubicBezTo>
+                    <a:pt x="21973" y="986567"/>
+                    <a:pt x="0" y="772935"/>
+                    <a:pt x="19291" y="587686"/>
+                  </a:cubicBezTo>
+                  <a:cubicBezTo>
+                    <a:pt x="38582" y="402437"/>
+                    <a:pt x="26579" y="466730"/>
+                    <a:pt x="141454" y="0"/>
+                  </a:cubicBezTo>
+                </a:path>
+              </a:pathLst>
+            </a:custGeom>
+            <a:ln>
+              <a:solidFill>
+                <a:schemeClr val="tx1"/>
+              </a:solidFill>
+              <a:tailEnd type="triangle" w="lg" len="lg"/>
+            </a:ln>
+          </p:spPr>
+          <p:style>
+            <a:lnRef idx="2">
+              <a:schemeClr val="accent1"/>
+            </a:lnRef>
+            <a:fillRef idx="0">
+              <a:schemeClr val="accent1"/>
+            </a:fillRef>
+            <a:effectRef idx="1">
+              <a:schemeClr val="accent1"/>
+            </a:effectRef>
+            <a:fontRef idx="minor">
+              <a:schemeClr val="tx1"/>
+            </a:fontRef>
+          </p:style>
+          <p:txBody>
+            <a:bodyPr rtlCol="0" anchor="ctr"/>
+            <a:lstStyle/>
+            <a:p>
+              <a:pPr algn="ctr"/>
+              <a:endParaRPr lang="en-US"/>
+            </a:p>
+          </p:txBody>
+        </p:sp>
+      </p:grpSp>
+      <p:cxnSp>
+        <p:nvCxnSpPr>
+          <p:cNvPr id="116" name="Straight Connector 115"/>
+          <p:cNvCxnSpPr/>
+          <p:nvPr/>
+        </p:nvCxnSpPr>
+        <p:spPr>
+          <a:xfrm flipH="1" flipV="1">
+            <a:off x="6935333" y="3952567"/>
+            <a:ext cx="463091" cy="722"/>
+          </a:xfrm>
+          <a:prstGeom prst="line">
+            <a:avLst/>
+          </a:prstGeom>
+          <a:ln w="28575" cap="flat" cmpd="sng" algn="ctr">
+            <a:solidFill>
+              <a:srgbClr val="0000FF"/>
+            </a:solidFill>
+            <a:prstDash val="sysDash"/>
+            <a:round/>
+            <a:headEnd type="none" w="med" len="med"/>
+            <a:tailEnd type="none" w="med" len="med"/>
+          </a:ln>
+          <a:effectLst>
+            <a:outerShdw blurRad="40000" dist="58039" dir="2460000" rotWithShape="0">
+              <a:schemeClr val="tx2">
+                <a:lumMod val="60000"/>
+                <a:lumOff val="40000"/>
+                <a:alpha val="38000"/>
+              </a:schemeClr>
+            </a:outerShdw>
+          </a:effectLst>
+        </p:spPr>
+        <p:style>
+          <a:lnRef idx="2">
+            <a:schemeClr val="accent1"/>
+          </a:lnRef>
+          <a:fillRef idx="0">
+            <a:schemeClr val="accent1"/>
+          </a:fillRef>
+          <a:effectRef idx="1">
+            <a:schemeClr val="accent1"/>
+          </a:effectRef>
+          <a:fontRef idx="minor">
+            <a:schemeClr val="tx1"/>
+          </a:fontRef>
+        </p:style>
+      </p:cxnSp>
+      <p:sp>
+        <p:nvSpPr>
+          <p:cNvPr id="55" name="Freeform 54"/>
+          <p:cNvSpPr/>
+          <p:nvPr/>
+        </p:nvSpPr>
+        <p:spPr>
+          <a:xfrm>
+            <a:off x="5606075" y="4896623"/>
+            <a:ext cx="1054978" cy="93338"/>
+          </a:xfrm>
+          <a:custGeom>
+            <a:avLst/>
+            <a:gdLst>
+              <a:gd name="connsiteX0" fmla="*/ 0 w 993523"/>
+              <a:gd name="connsiteY0" fmla="*/ 257373 h 257373"/>
+              <a:gd name="connsiteX1" fmla="*/ 491640 w 993523"/>
+              <a:gd name="connsiteY1" fmla="*/ 1334 h 257373"/>
+              <a:gd name="connsiteX2" fmla="*/ 624793 w 993523"/>
+              <a:gd name="connsiteY2" fmla="*/ 154958 h 257373"/>
+              <a:gd name="connsiteX3" fmla="*/ 993523 w 993523"/>
+              <a:gd name="connsiteY3" fmla="*/ 113991 h 257373"/>
+              <a:gd name="connsiteX4" fmla="*/ 993523 w 993523"/>
+              <a:gd name="connsiteY4" fmla="*/ 113991 h 257373"/>
+              <a:gd name="connsiteX0" fmla="*/ 0 w 1054978"/>
+              <a:gd name="connsiteY0" fmla="*/ 133529 h 157664"/>
+              <a:gd name="connsiteX1" fmla="*/ 553095 w 1054978"/>
+              <a:gd name="connsiteY1" fmla="*/ 389 h 157664"/>
+              <a:gd name="connsiteX2" fmla="*/ 686248 w 1054978"/>
+              <a:gd name="connsiteY2" fmla="*/ 154013 h 157664"/>
+              <a:gd name="connsiteX3" fmla="*/ 1054978 w 1054978"/>
+              <a:gd name="connsiteY3" fmla="*/ 113046 h 157664"/>
+              <a:gd name="connsiteX4" fmla="*/ 1054978 w 1054978"/>
+              <a:gd name="connsiteY4" fmla="*/ 113046 h 157664"/>
+              <a:gd name="connsiteX0" fmla="*/ 0 w 1054978"/>
+              <a:gd name="connsiteY0" fmla="*/ 133219 h 157354"/>
+              <a:gd name="connsiteX1" fmla="*/ 553095 w 1054978"/>
+              <a:gd name="connsiteY1" fmla="*/ 79 h 157354"/>
+              <a:gd name="connsiteX2" fmla="*/ 686248 w 1054978"/>
+              <a:gd name="connsiteY2" fmla="*/ 153703 h 157354"/>
+              <a:gd name="connsiteX3" fmla="*/ 1054978 w 1054978"/>
+              <a:gd name="connsiteY3" fmla="*/ 112736 h 157354"/>
+              <a:gd name="connsiteX4" fmla="*/ 1054978 w 1054978"/>
+              <a:gd name="connsiteY4" fmla="*/ 112736 h 157354"/>
+              <a:gd name="connsiteX0" fmla="*/ 0 w 1054978"/>
+              <a:gd name="connsiteY0" fmla="*/ 71865 h 93338"/>
+              <a:gd name="connsiteX1" fmla="*/ 430185 w 1054978"/>
+              <a:gd name="connsiteY1" fmla="*/ 174 h 93338"/>
+              <a:gd name="connsiteX2" fmla="*/ 686248 w 1054978"/>
+              <a:gd name="connsiteY2" fmla="*/ 92349 h 93338"/>
+              <a:gd name="connsiteX3" fmla="*/ 1054978 w 1054978"/>
+              <a:gd name="connsiteY3" fmla="*/ 51382 h 93338"/>
+              <a:gd name="connsiteX4" fmla="*/ 1054978 w 1054978"/>
+              <a:gd name="connsiteY4" fmla="*/ 51382 h 93338"/>
+            </a:gdLst>
+            <a:ahLst/>
+            <a:cxnLst>
+              <a:cxn ang="0">
+                <a:pos x="connsiteX0" y="connsiteY0"/>
+              </a:cxn>
+              <a:cxn ang="0">
+                <a:pos x="connsiteX1" y="connsiteY1"/>
+              </a:cxn>
+              <a:cxn ang="0">
+                <a:pos x="connsiteX2" y="connsiteY2"/>
+              </a:cxn>
+              <a:cxn ang="0">
+                <a:pos x="connsiteX3" y="connsiteY3"/>
+              </a:cxn>
+              <a:cxn ang="0">
+                <a:pos x="connsiteX4" y="connsiteY4"/>
+              </a:cxn>
+            </a:cxnLst>
+            <a:rect l="l" t="t" r="r" b="b"/>
+            <a:pathLst>
+              <a:path w="1054978" h="93338">
+                <a:moveTo>
+                  <a:pt x="0" y="71865"/>
+                </a:moveTo>
+                <a:cubicBezTo>
+                  <a:pt x="214239" y="44554"/>
+                  <a:pt x="315810" y="-3240"/>
+                  <a:pt x="430185" y="174"/>
+                </a:cubicBezTo>
+                <a:cubicBezTo>
+                  <a:pt x="544560" y="3588"/>
+                  <a:pt x="582116" y="83814"/>
+                  <a:pt x="686248" y="92349"/>
+                </a:cubicBezTo>
+                <a:cubicBezTo>
+                  <a:pt x="790380" y="100884"/>
+                  <a:pt x="1054978" y="51382"/>
+                  <a:pt x="1054978" y="51382"/>
+                </a:cubicBezTo>
+                <a:lnTo>
+                  <a:pt x="1054978" y="51382"/>
+                </a:lnTo>
+              </a:path>
+            </a:pathLst>
+          </a:custGeom>
+          <a:ln w="57150" cmpd="sng">
+            <a:solidFill>
+              <a:srgbClr val="0000FF"/>
+            </a:solidFill>
+          </a:ln>
+        </p:spPr>
+        <p:style>
+          <a:lnRef idx="2">
+            <a:schemeClr val="accent1"/>
+          </a:lnRef>
+          <a:fillRef idx="0">
+            <a:schemeClr val="accent1"/>
+          </a:fillRef>
+          <a:effectRef idx="1">
+            <a:schemeClr val="accent1"/>
+          </a:effectRef>
+          <a:fontRef idx="minor">
+            <a:schemeClr val="tx1"/>
+          </a:fontRef>
+        </p:style>
+        <p:txBody>
+          <a:bodyPr rtlCol="0" anchor="ctr"/>
+          <a:lstStyle/>
+          <a:p>
+            <a:pPr algn="ctr"/>
+            <a:endParaRPr lang="en-US"/>
+          </a:p>
+        </p:txBody>
+      </p:sp>
+      <p:sp>
+        <p:nvSpPr>
+          <p:cNvPr id="117" name="Freeform 116"/>
+          <p:cNvSpPr/>
+          <p:nvPr/>
+        </p:nvSpPr>
+        <p:spPr>
+          <a:xfrm flipV="1">
+            <a:off x="6671338" y="4919303"/>
+            <a:ext cx="1054978" cy="181243"/>
+          </a:xfrm>
+          <a:custGeom>
+            <a:avLst/>
+            <a:gdLst>
+              <a:gd name="connsiteX0" fmla="*/ 0 w 993523"/>
+              <a:gd name="connsiteY0" fmla="*/ 257373 h 257373"/>
+              <a:gd name="connsiteX1" fmla="*/ 491640 w 993523"/>
+              <a:gd name="connsiteY1" fmla="*/ 1334 h 257373"/>
+              <a:gd name="connsiteX2" fmla="*/ 624793 w 993523"/>
+              <a:gd name="connsiteY2" fmla="*/ 154958 h 257373"/>
+              <a:gd name="connsiteX3" fmla="*/ 993523 w 993523"/>
+              <a:gd name="connsiteY3" fmla="*/ 113991 h 257373"/>
+              <a:gd name="connsiteX4" fmla="*/ 993523 w 993523"/>
+              <a:gd name="connsiteY4" fmla="*/ 113991 h 257373"/>
+              <a:gd name="connsiteX0" fmla="*/ 0 w 1054978"/>
+              <a:gd name="connsiteY0" fmla="*/ 133529 h 157664"/>
+              <a:gd name="connsiteX1" fmla="*/ 553095 w 1054978"/>
+              <a:gd name="connsiteY1" fmla="*/ 389 h 157664"/>
+              <a:gd name="connsiteX2" fmla="*/ 686248 w 1054978"/>
+              <a:gd name="connsiteY2" fmla="*/ 154013 h 157664"/>
+              <a:gd name="connsiteX3" fmla="*/ 1054978 w 1054978"/>
+              <a:gd name="connsiteY3" fmla="*/ 113046 h 157664"/>
+              <a:gd name="connsiteX4" fmla="*/ 1054978 w 1054978"/>
+              <a:gd name="connsiteY4" fmla="*/ 113046 h 157664"/>
+              <a:gd name="connsiteX0" fmla="*/ 0 w 1054978"/>
+              <a:gd name="connsiteY0" fmla="*/ 133219 h 157354"/>
+              <a:gd name="connsiteX1" fmla="*/ 553095 w 1054978"/>
+              <a:gd name="connsiteY1" fmla="*/ 79 h 157354"/>
+              <a:gd name="connsiteX2" fmla="*/ 686248 w 1054978"/>
+              <a:gd name="connsiteY2" fmla="*/ 153703 h 157354"/>
+              <a:gd name="connsiteX3" fmla="*/ 1054978 w 1054978"/>
+              <a:gd name="connsiteY3" fmla="*/ 112736 h 157354"/>
+              <a:gd name="connsiteX4" fmla="*/ 1054978 w 1054978"/>
+              <a:gd name="connsiteY4" fmla="*/ 112736 h 157354"/>
+              <a:gd name="connsiteX0" fmla="*/ 0 w 1054978"/>
+              <a:gd name="connsiteY0" fmla="*/ 71865 h 93338"/>
+              <a:gd name="connsiteX1" fmla="*/ 430185 w 1054978"/>
+              <a:gd name="connsiteY1" fmla="*/ 174 h 93338"/>
+              <a:gd name="connsiteX2" fmla="*/ 686248 w 1054978"/>
+              <a:gd name="connsiteY2" fmla="*/ 92349 h 93338"/>
+              <a:gd name="connsiteX3" fmla="*/ 1054978 w 1054978"/>
+              <a:gd name="connsiteY3" fmla="*/ 51382 h 93338"/>
+              <a:gd name="connsiteX4" fmla="*/ 1054978 w 1054978"/>
+              <a:gd name="connsiteY4" fmla="*/ 51382 h 93338"/>
+              <a:gd name="connsiteX0" fmla="*/ 0 w 1082291"/>
+              <a:gd name="connsiteY0" fmla="*/ 71865 h 112831"/>
+              <a:gd name="connsiteX1" fmla="*/ 430185 w 1082291"/>
+              <a:gd name="connsiteY1" fmla="*/ 174 h 112831"/>
+              <a:gd name="connsiteX2" fmla="*/ 686248 w 1082291"/>
+              <a:gd name="connsiteY2" fmla="*/ 92349 h 112831"/>
+              <a:gd name="connsiteX3" fmla="*/ 1054978 w 1082291"/>
+              <a:gd name="connsiteY3" fmla="*/ 51382 h 112831"/>
+              <a:gd name="connsiteX4" fmla="*/ 1054978 w 1082291"/>
+              <a:gd name="connsiteY4" fmla="*/ 112831 h 112831"/>
+              <a:gd name="connsiteX0" fmla="*/ 0 w 1054978"/>
+              <a:gd name="connsiteY0" fmla="*/ 71865 h 112831"/>
+              <a:gd name="connsiteX1" fmla="*/ 430185 w 1054978"/>
+              <a:gd name="connsiteY1" fmla="*/ 174 h 112831"/>
+              <a:gd name="connsiteX2" fmla="*/ 686248 w 1054978"/>
+              <a:gd name="connsiteY2" fmla="*/ 92349 h 112831"/>
+              <a:gd name="connsiteX3" fmla="*/ 880856 w 1054978"/>
+              <a:gd name="connsiteY3" fmla="*/ 51382 h 112831"/>
+              <a:gd name="connsiteX4" fmla="*/ 1054978 w 1054978"/>
+              <a:gd name="connsiteY4" fmla="*/ 112831 h 112831"/>
+              <a:gd name="connsiteX0" fmla="*/ 0 w 1054978"/>
+              <a:gd name="connsiteY0" fmla="*/ 71865 h 112831"/>
+              <a:gd name="connsiteX1" fmla="*/ 430185 w 1054978"/>
+              <a:gd name="connsiteY1" fmla="*/ 174 h 112831"/>
+              <a:gd name="connsiteX2" fmla="*/ 686248 w 1054978"/>
+              <a:gd name="connsiteY2" fmla="*/ 92349 h 112831"/>
+              <a:gd name="connsiteX3" fmla="*/ 1054978 w 1054978"/>
+              <a:gd name="connsiteY3" fmla="*/ 112831 h 112831"/>
+            </a:gdLst>
+            <a:ahLst/>
+            <a:cxnLst>
+              <a:cxn ang="0">
+                <a:pos x="connsiteX0" y="connsiteY0"/>
+              </a:cxn>
+              <a:cxn ang="0">
+                <a:pos x="connsiteX1" y="connsiteY1"/>
+              </a:cxn>
+              <a:cxn ang="0">
+                <a:pos x="connsiteX2" y="connsiteY2"/>
+              </a:cxn>
+              <a:cxn ang="0">
+                <a:pos x="connsiteX3" y="connsiteY3"/>
+              </a:cxn>
+            </a:cxnLst>
+            <a:rect l="l" t="t" r="r" b="b"/>
+            <a:pathLst>
+              <a:path w="1054978" h="112831">
+                <a:moveTo>
+                  <a:pt x="0" y="71865"/>
+                </a:moveTo>
+                <a:cubicBezTo>
+                  <a:pt x="214239" y="44554"/>
+                  <a:pt x="315810" y="-3240"/>
+                  <a:pt x="430185" y="174"/>
+                </a:cubicBezTo>
+                <a:cubicBezTo>
+                  <a:pt x="544560" y="3588"/>
+                  <a:pt x="582116" y="73573"/>
+                  <a:pt x="686248" y="92349"/>
+                </a:cubicBezTo>
+                <a:cubicBezTo>
+                  <a:pt x="790380" y="111125"/>
+                  <a:pt x="978159" y="108564"/>
+                  <a:pt x="1054978" y="112831"/>
+                </a:cubicBezTo>
+              </a:path>
+            </a:pathLst>
+          </a:custGeom>
+          <a:ln w="57150" cmpd="sng">
+            <a:solidFill>
+              <a:srgbClr val="000090"/>
+            </a:solidFill>
+          </a:ln>
+        </p:spPr>
+        <p:style>
+          <a:lnRef idx="2">
+            <a:schemeClr val="accent1"/>
+          </a:lnRef>
+          <a:fillRef idx="0">
+            <a:schemeClr val="accent1"/>
+          </a:fillRef>
+          <a:effectRef idx="1">
+            <a:schemeClr val="accent1"/>
+          </a:effectRef>
+          <a:fontRef idx="minor">
+            <a:schemeClr val="tx1"/>
+          </a:fontRef>
+        </p:style>
+        <p:txBody>
+          <a:bodyPr rtlCol="0" anchor="ctr"/>
+          <a:lstStyle/>
+          <a:p>
+            <a:pPr algn="ctr"/>
+            <a:endParaRPr lang="en-US"/>
+          </a:p>
+        </p:txBody>
+      </p:sp>
+      <p:sp>
+        <p:nvSpPr>
+          <p:cNvPr id="119" name="Freeform 118"/>
+          <p:cNvSpPr/>
+          <p:nvPr/>
+        </p:nvSpPr>
+        <p:spPr>
+          <a:xfrm rot="917107">
+            <a:off x="7697940" y="4915428"/>
+            <a:ext cx="1054978" cy="214183"/>
+          </a:xfrm>
+          <a:custGeom>
+            <a:avLst/>
+            <a:gdLst>
+              <a:gd name="connsiteX0" fmla="*/ 0 w 993523"/>
+              <a:gd name="connsiteY0" fmla="*/ 257373 h 257373"/>
+              <a:gd name="connsiteX1" fmla="*/ 491640 w 993523"/>
+              <a:gd name="connsiteY1" fmla="*/ 1334 h 257373"/>
+              <a:gd name="connsiteX2" fmla="*/ 624793 w 993523"/>
+              <a:gd name="connsiteY2" fmla="*/ 154958 h 257373"/>
+              <a:gd name="connsiteX3" fmla="*/ 993523 w 993523"/>
+              <a:gd name="connsiteY3" fmla="*/ 113991 h 257373"/>
+              <a:gd name="connsiteX4" fmla="*/ 993523 w 993523"/>
+              <a:gd name="connsiteY4" fmla="*/ 113991 h 257373"/>
+              <a:gd name="connsiteX0" fmla="*/ 0 w 1054978"/>
+              <a:gd name="connsiteY0" fmla="*/ 133529 h 157664"/>
+              <a:gd name="connsiteX1" fmla="*/ 553095 w 1054978"/>
+              <a:gd name="connsiteY1" fmla="*/ 389 h 157664"/>
+              <a:gd name="connsiteX2" fmla="*/ 686248 w 1054978"/>
+              <a:gd name="connsiteY2" fmla="*/ 154013 h 157664"/>
+              <a:gd name="connsiteX3" fmla="*/ 1054978 w 1054978"/>
+              <a:gd name="connsiteY3" fmla="*/ 113046 h 157664"/>
+              <a:gd name="connsiteX4" fmla="*/ 1054978 w 1054978"/>
+              <a:gd name="connsiteY4" fmla="*/ 113046 h 157664"/>
+              <a:gd name="connsiteX0" fmla="*/ 0 w 1054978"/>
+              <a:gd name="connsiteY0" fmla="*/ 133219 h 157354"/>
+              <a:gd name="connsiteX1" fmla="*/ 553095 w 1054978"/>
+              <a:gd name="connsiteY1" fmla="*/ 79 h 157354"/>
+              <a:gd name="connsiteX2" fmla="*/ 686248 w 1054978"/>
+              <a:gd name="connsiteY2" fmla="*/ 153703 h 157354"/>
+              <a:gd name="connsiteX3" fmla="*/ 1054978 w 1054978"/>
+              <a:gd name="connsiteY3" fmla="*/ 112736 h 157354"/>
+              <a:gd name="connsiteX4" fmla="*/ 1054978 w 1054978"/>
+              <a:gd name="connsiteY4" fmla="*/ 112736 h 157354"/>
+              <a:gd name="connsiteX0" fmla="*/ 0 w 1054978"/>
+              <a:gd name="connsiteY0" fmla="*/ 71865 h 93338"/>
+              <a:gd name="connsiteX1" fmla="*/ 430185 w 1054978"/>
+              <a:gd name="connsiteY1" fmla="*/ 174 h 93338"/>
+              <a:gd name="connsiteX2" fmla="*/ 686248 w 1054978"/>
+              <a:gd name="connsiteY2" fmla="*/ 92349 h 93338"/>
+              <a:gd name="connsiteX3" fmla="*/ 1054978 w 1054978"/>
+              <a:gd name="connsiteY3" fmla="*/ 51382 h 93338"/>
+              <a:gd name="connsiteX4" fmla="*/ 1054978 w 1054978"/>
+              <a:gd name="connsiteY4" fmla="*/ 51382 h 93338"/>
+            </a:gdLst>
+            <a:ahLst/>
+            <a:cxnLst>
+              <a:cxn ang="0">
+                <a:pos x="connsiteX0" y="connsiteY0"/>
+              </a:cxn>
+              <a:cxn ang="0">
+                <a:pos x="connsiteX1" y="connsiteY1"/>
+              </a:cxn>
+              <a:cxn ang="0">
+                <a:pos x="connsiteX2" y="connsiteY2"/>
+              </a:cxn>
+              <a:cxn ang="0">
+                <a:pos x="connsiteX3" y="connsiteY3"/>
+              </a:cxn>
+              <a:cxn ang="0">
+                <a:pos x="connsiteX4" y="connsiteY4"/>
+              </a:cxn>
+            </a:cxnLst>
+            <a:rect l="l" t="t" r="r" b="b"/>
+            <a:pathLst>
+              <a:path w="1054978" h="93338">
+                <a:moveTo>
+                  <a:pt x="0" y="71865"/>
+                </a:moveTo>
+                <a:cubicBezTo>
+                  <a:pt x="214239" y="44554"/>
+                  <a:pt x="315810" y="-3240"/>
+                  <a:pt x="430185" y="174"/>
+                </a:cubicBezTo>
+                <a:cubicBezTo>
+                  <a:pt x="544560" y="3588"/>
+                  <a:pt x="582116" y="83814"/>
+                  <a:pt x="686248" y="92349"/>
+                </a:cubicBezTo>
+                <a:cubicBezTo>
+                  <a:pt x="790380" y="100884"/>
+                  <a:pt x="1054978" y="51382"/>
+                  <a:pt x="1054978" y="51382"/>
+                </a:cubicBezTo>
+                <a:lnTo>
+                  <a:pt x="1054978" y="51382"/>
+                </a:lnTo>
+              </a:path>
+            </a:pathLst>
+          </a:custGeom>
+          <a:ln w="57150" cmpd="sng">
+            <a:solidFill>
+              <a:srgbClr val="3366FF"/>
+            </a:solidFill>
+          </a:ln>
+        </p:spPr>
+        <p:style>
+          <a:lnRef idx="2">
+            <a:schemeClr val="accent1"/>
+          </a:lnRef>
+          <a:fillRef idx="0">
+            <a:schemeClr val="accent1"/>
+          </a:fillRef>
+          <a:effectRef idx="1">
+            <a:schemeClr val="accent1"/>
+          </a:effectRef>
+          <a:fontRef idx="minor">
+            <a:schemeClr val="tx1"/>
+          </a:fontRef>
+        </p:style>
+        <p:txBody>
+          <a:bodyPr rtlCol="0" anchor="ctr"/>
+          <a:lstStyle/>
+          <a:p>
+            <a:pPr algn="ctr"/>
+            <a:endParaRPr lang="en-US"/>
+          </a:p>
+        </p:txBody>
+      </p:sp>
+      <p:sp>
+        <p:nvSpPr>
+          <p:cNvPr id="122" name="TextBox 121"/>
+          <p:cNvSpPr txBox="1"/>
+          <p:nvPr/>
+        </p:nvSpPr>
+        <p:spPr>
+          <a:xfrm>
+            <a:off x="6420058" y="5696804"/>
+            <a:ext cx="1646605" cy="400110"/>
+          </a:xfrm>
+          <a:prstGeom prst="rect">
+            <a:avLst/>
+          </a:prstGeom>
+          <a:noFill/>
+        </p:spPr>
+        <p:txBody>
+          <a:bodyPr wrap="none" rtlCol="0">
+            <a:spAutoFit/>
+          </a:bodyPr>
+          <a:lstStyle/>
+          <a:p>
+            <a:r>
+              <a:rPr lang="en-US" sz="2000" b="1" dirty="0" smtClean="0">
+                <a:solidFill>
+                  <a:srgbClr val="0000FF"/>
+                </a:solidFill>
+              </a:rPr>
+              <a:t>NSI Topology</a:t>
+            </a:r>
+            <a:endParaRPr lang="en-US" sz="2000" b="1" dirty="0">
+              <a:solidFill>
+                <a:srgbClr val="0000FF"/>
+              </a:solidFill>
+            </a:endParaRPr>
+          </a:p>
+        </p:txBody>
+      </p:sp>
+    </p:spTree>
+    <p:extLst>
+      <p:ext uri="{BB962C8B-B14F-4D97-AF65-F5344CB8AC3E}">
+        <p14:creationId xmlns:p14="http://schemas.microsoft.com/office/powerpoint/2010/main" val="3506774668"/>
+      </p:ext>
+    </p:extLst>
+  </p:cSld>
+  <p:clrMapOvr>
+    <a:masterClrMapping/>
+  </p:clrMapOvr>
+  <p:timing>
+    <p:tnLst>
+      <p:par>
+        <p:cTn xmlns:p14="http://schemas.microsoft.com/office/powerpoint/2010/main" id="1" dur="indefinite" restart="never" nodeType="tmRoot"/>
+      </p:par>
+    </p:tnLst>
+  </p:timing>
+</p:sld>
+</file>
+
+<file path=ppt/slides/slide6.xml><?xml version="1.0" encoding="utf-8"?>
+<p:sld xmlns:a="http://schemas.openxmlformats.org/drawingml/2006/main" xmlns:r="http://schemas.openxmlformats.org/officeDocument/2006/relationships" xmlns:p="http://schemas.openxmlformats.org/presentationml/2006/main">
+  <p:cSld>
+    <p:spTree>
+      <p:nvGrpSpPr>
+        <p:cNvPr id="1" name=""/>
+        <p:cNvGrpSpPr/>
+        <p:nvPr/>
+      </p:nvGrpSpPr>
+      <p:grpSpPr>
+        <a:xfrm>
+          <a:off x="0" y="0"/>
+          <a:ext cx="0" cy="0"/>
+          <a:chOff x="0" y="0"/>
+          <a:chExt cx="0" cy="0"/>
+        </a:xfrm>
+      </p:grpSpPr>
+      <p:sp>
+        <p:nvSpPr>
           <p:cNvPr id="142" name="Rectangle 141"/>
           <p:cNvSpPr/>
           <p:nvPr/>
@@ -12254,7 +19218,7 @@
         </p:spPr>
         <p:txBody>
           <a:bodyPr>
-            <a:normAutofit fontScale="70000" lnSpcReduction="20000"/>
+            <a:normAutofit lnSpcReduction="10000"/>
           </a:bodyPr>
           <a:lstStyle/>
           <a:p>
@@ -12264,19 +19228,6 @@
             <a:r>
               <a:rPr lang="en-US" dirty="0" smtClean="0"/>
               <a:t>Objective: Set up the indicated SDPs and establish a multi-domain connection: </a:t>
-            </a:r>
-          </a:p>
-          <a:p>
-            <a:pPr marL="0" indent="0">
-              <a:buNone/>
-            </a:pPr>
-            <a:r>
-              <a:rPr lang="en-US" dirty="0"/>
-              <a:t>	</a:t>
-            </a:r>
-            <a:r>
-              <a:rPr lang="en-US" dirty="0" smtClean="0"/>
-              <a:t>curacao.ets:port20-87 &gt; bonaire.ets:port22-87</a:t>
             </a:r>
           </a:p>
         </p:txBody>
@@ -16282,6 +23233,43 @@
           </a:fontRef>
         </p:style>
       </p:cxnSp>
+      <p:sp>
+        <p:nvSpPr>
+          <p:cNvPr id="4" name="Rectangle 3"/>
+          <p:cNvSpPr/>
+          <p:nvPr/>
+        </p:nvSpPr>
+        <p:spPr>
+          <a:xfrm>
+            <a:off x="836585" y="6129300"/>
+            <a:ext cx="7695855" cy="369332"/>
+          </a:xfrm>
+          <a:prstGeom prst="rect">
+            <a:avLst/>
+          </a:prstGeom>
+        </p:spPr>
+        <p:txBody>
+          <a:bodyPr wrap="square">
+            <a:spAutoFit/>
+          </a:bodyPr>
+          <a:lstStyle/>
+          <a:p>
+            <a:r>
+              <a:rPr lang="en-GB" dirty="0">
+                <a:hlinkClick r:id="rId7"/>
+              </a:rPr>
+              <a:t>https://github.com/jeroenh/NSI-Tutorial-Topologies/wiki/</a:t>
+            </a:r>
+            <a:r>
+              <a:rPr lang="en-GB" dirty="0" smtClean="0">
+                <a:hlinkClick r:id="rId7"/>
+              </a:rPr>
+              <a:t>Exercise2</a:t>
+            </a:r>
+            <a:endParaRPr lang="en-GB" dirty="0"/>
+          </a:p>
+        </p:txBody>
+      </p:sp>
     </p:spTree>
     <p:extLst>
       <p:ext uri="{BB962C8B-B14F-4D97-AF65-F5344CB8AC3E}">
@@ -16302,7 +23290,7 @@
 </p:sld>
 </file>
 
-<file path=ppt/slides/slide6.xml><?xml version="1.0" encoding="utf-8"?>
+<file path=ppt/slides/slide7.xml><?xml version="1.0" encoding="utf-8"?>
 <p:sld xmlns:a="http://schemas.openxmlformats.org/drawingml/2006/main" xmlns:r="http://schemas.openxmlformats.org/officeDocument/2006/relationships" xmlns:p="http://schemas.openxmlformats.org/presentationml/2006/main">
   <p:cSld>
     <p:spTree>
@@ -16385,7 +23373,7 @@
 </p:sld>
 </file>
 
-<file path=ppt/slides/slide7.xml><?xml version="1.0" encoding="utf-8"?>
+<file path=ppt/slides/slide8.xml><?xml version="1.0" encoding="utf-8"?>
 <p:sld xmlns:a="http://schemas.openxmlformats.org/drawingml/2006/main" xmlns:r="http://schemas.openxmlformats.org/officeDocument/2006/relationships" xmlns:p="http://schemas.openxmlformats.org/presentationml/2006/main">
   <p:cSld>
     <p:spTree>
@@ -19147,227 +26135,6 @@
 </p:sld>
 </file>
 
-<file path=ppt/slides/slide8.xml><?xml version="1.0" encoding="utf-8"?>
-<p:sld xmlns:a="http://schemas.openxmlformats.org/drawingml/2006/main" xmlns:r="http://schemas.openxmlformats.org/officeDocument/2006/relationships" xmlns:p="http://schemas.openxmlformats.org/presentationml/2006/main">
-  <p:cSld>
-    <p:spTree>
-      <p:nvGrpSpPr>
-        <p:cNvPr id="1" name=""/>
-        <p:cNvGrpSpPr/>
-        <p:nvPr/>
-      </p:nvGrpSpPr>
-      <p:grpSpPr>
-        <a:xfrm>
-          <a:off x="0" y="0"/>
-          <a:ext cx="0" cy="0"/>
-          <a:chOff x="0" y="0"/>
-          <a:chExt cx="0" cy="0"/>
-        </a:xfrm>
-      </p:grpSpPr>
-      <p:sp>
-        <p:nvSpPr>
-          <p:cNvPr id="2" name="Title 1"/>
-          <p:cNvSpPr>
-            <a:spLocks noGrp="1"/>
-          </p:cNvSpPr>
-          <p:nvPr>
-            <p:ph type="title"/>
-          </p:nvPr>
-        </p:nvSpPr>
-        <p:spPr>
-          <a:xfrm>
-            <a:off x="476545" y="14790"/>
-            <a:ext cx="8229600" cy="893930"/>
-          </a:xfrm>
-        </p:spPr>
-        <p:txBody>
-          <a:bodyPr/>
-          <a:lstStyle/>
-          <a:p>
-            <a:r>
-              <a:rPr lang="en-US" dirty="0" smtClean="0"/>
-              <a:t>Exercise #3:</a:t>
-            </a:r>
-            <a:endParaRPr lang="en-US" dirty="0"/>
-          </a:p>
-        </p:txBody>
-      </p:sp>
-      <p:sp>
-        <p:nvSpPr>
-          <p:cNvPr id="3" name="Content Placeholder 2"/>
-          <p:cNvSpPr>
-            <a:spLocks noGrp="1"/>
-          </p:cNvSpPr>
-          <p:nvPr>
-            <p:ph idx="1"/>
-          </p:nvPr>
-        </p:nvSpPr>
-        <p:spPr>
-          <a:xfrm>
-            <a:off x="431540" y="953725"/>
-            <a:ext cx="8460940" cy="5490610"/>
-          </a:xfrm>
-        </p:spPr>
-        <p:txBody>
-          <a:bodyPr>
-            <a:normAutofit fontScale="85000" lnSpcReduction="10000"/>
-          </a:bodyPr>
-          <a:lstStyle/>
-          <a:p>
-            <a:r>
-              <a:rPr lang="en-US" dirty="0" smtClean="0"/>
-              <a:t>Procedure:</a:t>
-            </a:r>
-          </a:p>
-          <a:p>
-            <a:pPr lvl="1"/>
-            <a:r>
-              <a:rPr lang="en-US" dirty="0" smtClean="0"/>
-              <a:t>Diagram the plan</a:t>
-            </a:r>
-          </a:p>
-          <a:p>
-            <a:pPr lvl="1"/>
-            <a:r>
-              <a:rPr lang="en-US" dirty="0" smtClean="0"/>
-              <a:t>Choose the NSA software and install it (pre-installed for TIP)</a:t>
-            </a:r>
-          </a:p>
-          <a:p>
-            <a:pPr lvl="1"/>
-            <a:r>
-              <a:rPr lang="en-US" dirty="0" smtClean="0"/>
-              <a:t>Create the topology file from your diagram</a:t>
-            </a:r>
-          </a:p>
-          <a:p>
-            <a:pPr lvl="2"/>
-            <a:r>
-              <a:rPr lang="en-US" dirty="0" smtClean="0"/>
-              <a:t>N3 NML – editor of your choice</a:t>
-            </a:r>
-          </a:p>
-          <a:p>
-            <a:pPr lvl="1"/>
-            <a:r>
-              <a:rPr lang="en-US" dirty="0" smtClean="0"/>
-              <a:t>Place/update the </a:t>
-            </a:r>
-            <a:r>
-              <a:rPr lang="en-US" dirty="0" err="1" smtClean="0"/>
-              <a:t>topo</a:t>
-            </a:r>
-            <a:r>
-              <a:rPr lang="en-US" dirty="0" smtClean="0"/>
-              <a:t> file in the current </a:t>
-            </a:r>
-            <a:r>
-              <a:rPr lang="en-US" dirty="0" err="1" smtClean="0"/>
-              <a:t>github</a:t>
-            </a:r>
-            <a:r>
-              <a:rPr lang="en-US" dirty="0" smtClean="0"/>
-              <a:t> repository</a:t>
-            </a:r>
-          </a:p>
-          <a:p>
-            <a:pPr lvl="1"/>
-            <a:r>
-              <a:rPr lang="en-US" dirty="0" smtClean="0"/>
-              <a:t> Physically construct the network</a:t>
-            </a:r>
-          </a:p>
-          <a:p>
-            <a:pPr lvl="2"/>
-            <a:r>
-              <a:rPr lang="en-US" dirty="0" smtClean="0"/>
-              <a:t>Place and configure the switches</a:t>
-            </a:r>
-          </a:p>
-          <a:p>
-            <a:pPr lvl="2"/>
-            <a:r>
-              <a:rPr lang="en-US" dirty="0" smtClean="0"/>
-              <a:t>Connect the SDPs and verify </a:t>
-            </a:r>
-          </a:p>
-          <a:p>
-            <a:pPr lvl="2"/>
-            <a:r>
-              <a:rPr lang="en-US" dirty="0" smtClean="0"/>
-              <a:t>Connect the STPs and configure end systems</a:t>
-            </a:r>
-          </a:p>
-          <a:p>
-            <a:pPr lvl="1"/>
-            <a:r>
-              <a:rPr lang="en-US" dirty="0" smtClean="0"/>
-              <a:t>Fire up the NSA</a:t>
-            </a:r>
-          </a:p>
-          <a:p>
-            <a:pPr lvl="1"/>
-            <a:r>
-              <a:rPr lang="en-US" dirty="0" smtClean="0"/>
-              <a:t>And test </a:t>
-            </a:r>
-          </a:p>
-          <a:p>
-            <a:pPr lvl="2"/>
-            <a:r>
-              <a:rPr lang="en-US" dirty="0" smtClean="0"/>
-              <a:t>a) intra-domain (</a:t>
-            </a:r>
-            <a:r>
-              <a:rPr lang="en-US" dirty="0" err="1" smtClean="0"/>
-              <a:t>ala</a:t>
-            </a:r>
-            <a:r>
-              <a:rPr lang="en-US" dirty="0" smtClean="0"/>
-              <a:t> exercise 1) </a:t>
-            </a:r>
-          </a:p>
-          <a:p>
-            <a:pPr lvl="2"/>
-            <a:r>
-              <a:rPr lang="en-US" dirty="0" smtClean="0"/>
-              <a:t>b) inter-domain (</a:t>
-            </a:r>
-            <a:r>
-              <a:rPr lang="en-US" dirty="0" err="1" smtClean="0"/>
-              <a:t>ala</a:t>
-            </a:r>
-            <a:r>
-              <a:rPr lang="en-US" dirty="0" smtClean="0"/>
-              <a:t> exercise 2)</a:t>
-            </a:r>
-          </a:p>
-          <a:p>
-            <a:pPr lvl="1"/>
-            <a:endParaRPr lang="en-US" dirty="0" smtClean="0"/>
-          </a:p>
-        </p:txBody>
-      </p:sp>
-    </p:spTree>
-    <p:extLst>
-      <p:ext uri="{BB962C8B-B14F-4D97-AF65-F5344CB8AC3E}">
-        <p14:creationId xmlns:p14="http://schemas.microsoft.com/office/powerpoint/2010/main" val="3818780187"/>
-      </p:ext>
-    </p:extLst>
-  </p:cSld>
-  <p:clrMapOvr>
-    <a:masterClrMapping/>
-  </p:clrMapOvr>
-  <p:timing>
-    <p:tnLst>
-      <p:par>
-        <p:cTn xmlns:p14="http://schemas.microsoft.com/office/powerpoint/2010/main" id="1" dur="indefinite" restart="never" nodeType="tmRoot"/>
-      </p:par>
-    </p:tnLst>
-  </p:timing>
-</p:sld>
-</file>
-
 <file path=ppt/slides/slide9.xml><?xml version="1.0" encoding="utf-8"?>
 <p:sld xmlns:a="http://schemas.openxmlformats.org/drawingml/2006/main" xmlns:r="http://schemas.openxmlformats.org/officeDocument/2006/relationships" xmlns:p="http://schemas.openxmlformats.org/presentationml/2006/main">
   <p:cSld>
@@ -19407,7 +26174,7 @@
           <a:p>
             <a:r>
               <a:rPr lang="en-US" dirty="0" smtClean="0"/>
-              <a:t>Exercise #3: Procedure</a:t>
+              <a:t>Exercise #3:</a:t>
             </a:r>
             <a:endParaRPr lang="en-US" dirty="0"/>
           </a:p>
@@ -19431,259 +26198,148 @@
         </p:spPr>
         <p:txBody>
           <a:bodyPr>
-            <a:normAutofit fontScale="55000" lnSpcReduction="20000"/>
+            <a:normAutofit fontScale="85000" lnSpcReduction="10000"/>
           </a:bodyPr>
           <a:lstStyle/>
           <a:p>
             <a:r>
+              <a:rPr lang="en-US" dirty="0" smtClean="0"/>
+              <a:t>Procedure:</a:t>
+            </a:r>
+          </a:p>
+          <a:p>
+            <a:pPr lvl="1"/>
+            <a:r>
+              <a:rPr lang="en-US" dirty="0" smtClean="0"/>
+              <a:t>Diagram the plan</a:t>
+            </a:r>
+          </a:p>
+          <a:p>
+            <a:pPr lvl="1"/>
+            <a:r>
+              <a:rPr lang="en-US" dirty="0" smtClean="0"/>
+              <a:t>Choose the NSA software and install it (pre-installed for TIP)</a:t>
+            </a:r>
+          </a:p>
+          <a:p>
+            <a:pPr lvl="1"/>
+            <a:r>
+              <a:rPr lang="en-US" dirty="0" smtClean="0"/>
+              <a:t>Create the topology file from your diagram</a:t>
+            </a:r>
+          </a:p>
+          <a:p>
+            <a:pPr lvl="2"/>
+            <a:r>
+              <a:rPr lang="en-US" dirty="0" smtClean="0"/>
+              <a:t>N3 NML – editor of your choice</a:t>
+            </a:r>
+          </a:p>
+          <a:p>
+            <a:pPr lvl="1"/>
+            <a:r>
+              <a:rPr lang="en-US" dirty="0" smtClean="0"/>
+              <a:t>Place/update the </a:t>
+            </a:r>
+            <a:r>
               <a:rPr lang="en-US" dirty="0" err="1" smtClean="0"/>
-              <a:t>Diagramatically</a:t>
+              <a:t>topo</a:t>
             </a:r>
             <a:r>
               <a:rPr lang="en-US" dirty="0" smtClean="0"/>
-              <a:t>…</a:t>
+              <a:t> file in the current </a:t>
+            </a:r>
+            <a:r>
+              <a:rPr lang="en-US" dirty="0" err="1" smtClean="0"/>
+              <a:t>github</a:t>
+            </a:r>
+            <a:r>
+              <a:rPr lang="en-US" dirty="0" smtClean="0"/>
+              <a:t> repository</a:t>
             </a:r>
           </a:p>
           <a:p>
             <a:pPr lvl="1"/>
             <a:r>
               <a:rPr lang="en-US" dirty="0" smtClean="0"/>
-              <a:t>First, decide what type of service you want to offer..  </a:t>
+              <a:t> Physically construct the network</a:t>
             </a:r>
           </a:p>
           <a:p>
             <a:pPr lvl="2"/>
             <a:r>
               <a:rPr lang="en-US" dirty="0" smtClean="0"/>
-              <a:t>suggest an </a:t>
+              <a:t>Place and configure the switches</a:t>
+            </a:r>
+          </a:p>
+          <a:p>
+            <a:pPr lvl="2"/>
+            <a:r>
+              <a:rPr lang="en-US" dirty="0" smtClean="0"/>
+              <a:t>Connect the SDPs and verify </a:t>
+            </a:r>
+          </a:p>
+          <a:p>
+            <a:pPr lvl="2"/>
+            <a:r>
+              <a:rPr lang="en-US" dirty="0" smtClean="0"/>
+              <a:t>Connect the STPs and configure end systems</a:t>
+            </a:r>
+          </a:p>
+          <a:p>
+            <a:pPr lvl="1"/>
+            <a:r>
+              <a:rPr lang="en-US" dirty="0" smtClean="0"/>
+              <a:t>Fire up the NSA</a:t>
+            </a:r>
+          </a:p>
+          <a:p>
+            <a:pPr lvl="1"/>
+            <a:r>
+              <a:rPr lang="en-US" dirty="0" smtClean="0"/>
+              <a:t>And test </a:t>
+            </a:r>
+          </a:p>
+          <a:p>
+            <a:pPr lvl="2"/>
+            <a:r>
+              <a:rPr lang="en-US" dirty="0" smtClean="0"/>
+              <a:t>a) intra-domain (</a:t>
             </a:r>
             <a:r>
               <a:rPr lang="en-US" dirty="0" err="1" smtClean="0"/>
-              <a:t>ethernet</a:t>
+              <a:t>ala</a:t>
             </a:r>
             <a:r>
               <a:rPr lang="en-US" dirty="0" smtClean="0"/>
-              <a:t> transport service: “</a:t>
+              <a:t> exercise 1) </a:t>
+            </a:r>
+          </a:p>
+          <a:p>
+            <a:pPr lvl="2"/>
+            <a:r>
+              <a:rPr lang="en-US" dirty="0" smtClean="0"/>
+              <a:t>b) inter-domain (</a:t>
             </a:r>
             <a:r>
               <a:rPr lang="en-US" dirty="0" err="1" smtClean="0"/>
-              <a:t>ets</a:t>
+              <a:t>ala</a:t>
             </a:r>
             <a:r>
               <a:rPr lang="en-US" dirty="0" smtClean="0"/>
-              <a:t>” </a:t>
+              <a:t> exercise 2)</a:t>
             </a:r>
           </a:p>
           <a:p>
             <a:pPr lvl="1"/>
-            <a:r>
-              <a:rPr lang="en-US" dirty="0"/>
-              <a:t>C</a:t>
-            </a:r>
-            <a:r>
-              <a:rPr lang="en-US" dirty="0" smtClean="0"/>
-              <a:t>hoose a name for the network service – e.g. “aloha”,”</a:t>
-            </a:r>
-            <a:r>
-              <a:rPr lang="en-US" dirty="0" err="1" smtClean="0"/>
-              <a:t>maui</a:t>
-            </a:r>
-            <a:r>
-              <a:rPr lang="en-US" dirty="0" smtClean="0"/>
-              <a:t>”, … </a:t>
-            </a:r>
-          </a:p>
-          <a:p>
-            <a:pPr lvl="2"/>
-            <a:r>
-              <a:rPr lang="en-US" dirty="0" smtClean="0"/>
-              <a:t>Suggest a name that will fit your registered DNS domain </a:t>
-            </a:r>
-            <a:r>
-              <a:rPr lang="en-US" dirty="0" err="1" smtClean="0"/>
-              <a:t>stucture</a:t>
-            </a:r>
-            <a:r>
-              <a:rPr lang="en-US" dirty="0" smtClean="0"/>
-              <a:t> </a:t>
-            </a:r>
-            <a:r>
-              <a:rPr lang="en-US" dirty="0"/>
-              <a:t> </a:t>
-            </a:r>
             <a:endParaRPr lang="en-US" dirty="0" smtClean="0"/>
-          </a:p>
-          <a:p>
-            <a:pPr lvl="2"/>
-            <a:r>
-              <a:rPr lang="en-US" dirty="0" smtClean="0"/>
-              <a:t>Make </a:t>
-            </a:r>
-            <a:r>
-              <a:rPr lang="en-US" dirty="0"/>
-              <a:t>sure your network name is globally unique … and/or</a:t>
-            </a:r>
-          </a:p>
-          <a:p>
-            <a:pPr lvl="2"/>
-            <a:r>
-              <a:rPr lang="en-US" dirty="0"/>
-              <a:t>Work out your local URN structure for naming </a:t>
-            </a:r>
-            <a:r>
-              <a:rPr lang="en-US" dirty="0" smtClean="0"/>
-              <a:t>NSI topological objects</a:t>
-            </a:r>
-          </a:p>
-          <a:p>
-            <a:pPr lvl="1"/>
-            <a:r>
-              <a:rPr lang="en-US" dirty="0" smtClean="0"/>
-              <a:t>Define the </a:t>
-            </a:r>
-            <a:r>
-              <a:rPr lang="en-US" dirty="0" err="1" smtClean="0"/>
-              <a:t>csProviderEndpoint</a:t>
-            </a:r>
-            <a:r>
-              <a:rPr lang="en-US" dirty="0" smtClean="0"/>
-              <a:t> that will be the PA</a:t>
-            </a:r>
-          </a:p>
-          <a:p>
-            <a:pPr marL="914400" lvl="2" indent="0">
-              <a:buNone/>
-            </a:pPr>
-            <a:endParaRPr lang="en-US" dirty="0" smtClean="0"/>
-          </a:p>
-          <a:p>
-            <a:pPr lvl="1"/>
-            <a:r>
-              <a:rPr lang="en-US" dirty="0" smtClean="0"/>
-              <a:t>Decide who your external adjacent networks will be: </a:t>
-            </a:r>
-            <a:r>
-              <a:rPr lang="en-US" dirty="0" err="1" smtClean="0"/>
-              <a:t>aruba</a:t>
-            </a:r>
-            <a:r>
-              <a:rPr lang="en-US" dirty="0" smtClean="0"/>
-              <a:t>? Bonaire?... </a:t>
-            </a:r>
-          </a:p>
-          <a:p>
-            <a:pPr lvl="1"/>
-            <a:r>
-              <a:rPr lang="en-US" dirty="0" smtClean="0"/>
-              <a:t>Name the STPs you will use in the SDPs with each network</a:t>
-            </a:r>
-          </a:p>
-          <a:p>
-            <a:pPr lvl="1"/>
-            <a:r>
-              <a:rPr lang="en-US" dirty="0" smtClean="0"/>
-              <a:t>Coordinate with the peer network to define the interface characteristics of the SDPs</a:t>
-            </a:r>
-          </a:p>
-          <a:p>
-            <a:pPr lvl="1"/>
-            <a:r>
-              <a:rPr lang="en-US" dirty="0"/>
-              <a:t>Define the </a:t>
-            </a:r>
-            <a:r>
-              <a:rPr lang="en-US" dirty="0" smtClean="0"/>
-              <a:t>internal </a:t>
-            </a:r>
-            <a:r>
-              <a:rPr lang="en-US" dirty="0"/>
-              <a:t>n-tuple infrastructure </a:t>
-            </a:r>
-            <a:r>
-              <a:rPr lang="en-US" dirty="0" smtClean="0"/>
-              <a:t>map for STPs in the SDPs</a:t>
-            </a:r>
-          </a:p>
-          <a:p>
-            <a:pPr lvl="1"/>
-            <a:r>
-              <a:rPr lang="en-US" dirty="0" smtClean="0"/>
-              <a:t>Define the NML mapping</a:t>
-            </a:r>
-          </a:p>
-          <a:p>
-            <a:pPr lvl="1"/>
-            <a:endParaRPr lang="en-US" dirty="0"/>
-          </a:p>
-          <a:p>
-            <a:pPr lvl="1"/>
-            <a:r>
-              <a:rPr lang="en-US" dirty="0" smtClean="0"/>
-              <a:t>Decide who/where your local client end systems will be</a:t>
-            </a:r>
-          </a:p>
-          <a:p>
-            <a:pPr lvl="1"/>
-            <a:r>
-              <a:rPr lang="en-US" dirty="0" smtClean="0"/>
-              <a:t>Decide for each end system how many terminals you will provide </a:t>
-            </a:r>
-          </a:p>
-          <a:p>
-            <a:pPr lvl="2"/>
-            <a:r>
-              <a:rPr lang="en-US" dirty="0" smtClean="0"/>
-              <a:t>This will be a function of your service capabilities and your local policy</a:t>
-            </a:r>
-          </a:p>
-          <a:p>
-            <a:pPr lvl="2"/>
-            <a:r>
-              <a:rPr lang="en-US" dirty="0" smtClean="0"/>
-              <a:t>“</a:t>
-            </a:r>
-            <a:r>
-              <a:rPr lang="en-US" dirty="0" err="1" smtClean="0"/>
-              <a:t>ets</a:t>
-            </a:r>
-            <a:r>
-              <a:rPr lang="en-US" dirty="0" smtClean="0"/>
-              <a:t>” typically provides four terminals per test site, but can define as many as you like</a:t>
-            </a:r>
-          </a:p>
-          <a:p>
-            <a:pPr lvl="1"/>
-            <a:r>
-              <a:rPr lang="en-US" dirty="0" smtClean="0"/>
-              <a:t>Name these STPs</a:t>
-            </a:r>
-          </a:p>
-          <a:p>
-            <a:pPr lvl="1"/>
-            <a:r>
-              <a:rPr lang="en-US" dirty="0" smtClean="0"/>
-              <a:t>Define the specific n-tuple infrastructure map </a:t>
-            </a:r>
-          </a:p>
-          <a:p>
-            <a:pPr lvl="1"/>
-            <a:r>
-              <a:rPr lang="en-US" dirty="0" smtClean="0"/>
-              <a:t>Define the NML mapping</a:t>
-            </a:r>
-          </a:p>
-          <a:p>
-            <a:pPr marL="457200" lvl="1" indent="0">
-              <a:buNone/>
-            </a:pPr>
-            <a:endParaRPr lang="en-US" dirty="0"/>
           </a:p>
         </p:txBody>
       </p:sp>
     </p:spTree>
     <p:extLst>
       <p:ext uri="{BB962C8B-B14F-4D97-AF65-F5344CB8AC3E}">
-        <p14:creationId xmlns:p14="http://schemas.microsoft.com/office/powerpoint/2010/main" val="813031641"/>
+        <p14:creationId xmlns:p14="http://schemas.microsoft.com/office/powerpoint/2010/main" val="3818780187"/>
       </p:ext>
     </p:extLst>
   </p:cSld>
